--- a/Documents/GUI.pptx
+++ b/Documents/GUI.pptx
@@ -134,7 +134,7 @@
   </p:defaultTextStyle>
   <p:extLst>
     <p:ext uri="{EFAFB233-063F-42B5-8137-9DF3F51BA10A}">
-      <p15:sldGuideLst xmlns:p15="http://schemas.microsoft.com/office/powerpoint/2012/main" xmlns="">
+      <p15:sldGuideLst xmlns="" xmlns:p15="http://schemas.microsoft.com/office/powerpoint/2012/main">
         <p15:guide id="1" orient="horz" pos="2160">
           <p15:clr>
             <a:srgbClr val="A4A3A4"/>
@@ -234,7 +234,7 @@
             <a:fld id="{2EAC1481-C882-4B5F-A1D1-8DBDCDD0D5C0}" type="datetimeFigureOut">
               <a:rPr lang="en-US" smtClean="0"/>
               <a:pPr/>
-              <a:t>10/17/2013</a:t>
+              <a:t>10/31/2013</a:t>
             </a:fld>
             <a:endParaRPr lang="en-US"/>
           </a:p>
@@ -403,7 +403,7 @@
     </p:spTree>
     <p:extLst>
       <p:ext uri="{BB962C8B-B14F-4D97-AF65-F5344CB8AC3E}">
-        <p14:creationId xmlns:p14="http://schemas.microsoft.com/office/powerpoint/2010/main" xmlns="" val="2546306511"/>
+        <p14:creationId xmlns="" xmlns:p14="http://schemas.microsoft.com/office/powerpoint/2010/main" val="2546306511"/>
       </p:ext>
     </p:extLst>
   </p:cSld>
@@ -623,7 +623,7 @@
     </p:spTree>
     <p:extLst>
       <p:ext uri="{BB962C8B-B14F-4D97-AF65-F5344CB8AC3E}">
-        <p14:creationId xmlns:p14="http://schemas.microsoft.com/office/powerpoint/2010/main" xmlns="" val="3387089590"/>
+        <p14:creationId xmlns="" xmlns:p14="http://schemas.microsoft.com/office/powerpoint/2010/main" val="3387089590"/>
       </p:ext>
     </p:extLst>
   </p:cSld>
@@ -779,7 +779,7 @@
     </p:spTree>
     <p:extLst>
       <p:ext uri="{BB962C8B-B14F-4D97-AF65-F5344CB8AC3E}">
-        <p14:creationId xmlns:p14="http://schemas.microsoft.com/office/powerpoint/2010/main" xmlns="" val="3387089590"/>
+        <p14:creationId xmlns="" xmlns:p14="http://schemas.microsoft.com/office/powerpoint/2010/main" val="3387089590"/>
       </p:ext>
     </p:extLst>
   </p:cSld>
@@ -867,7 +867,7 @@
     </p:spTree>
     <p:extLst>
       <p:ext uri="{BB962C8B-B14F-4D97-AF65-F5344CB8AC3E}">
-        <p14:creationId xmlns:p14="http://schemas.microsoft.com/office/powerpoint/2010/main" xmlns="" val="3387089590"/>
+        <p14:creationId xmlns="" xmlns:p14="http://schemas.microsoft.com/office/powerpoint/2010/main" val="3387089590"/>
       </p:ext>
     </p:extLst>
   </p:cSld>
@@ -1046,7 +1046,7 @@
     </p:spTree>
     <p:extLst>
       <p:ext uri="{BB962C8B-B14F-4D97-AF65-F5344CB8AC3E}">
-        <p14:creationId xmlns:p14="http://schemas.microsoft.com/office/powerpoint/2010/main" xmlns="" val="3387089590"/>
+        <p14:creationId xmlns="" xmlns:p14="http://schemas.microsoft.com/office/powerpoint/2010/main" val="3387089590"/>
       </p:ext>
     </p:extLst>
   </p:cSld>
@@ -1162,7 +1162,7 @@
     </p:spTree>
     <p:extLst>
       <p:ext uri="{BB962C8B-B14F-4D97-AF65-F5344CB8AC3E}">
-        <p14:creationId xmlns:p14="http://schemas.microsoft.com/office/powerpoint/2010/main" xmlns="" val="2729341949"/>
+        <p14:creationId xmlns="" xmlns:p14="http://schemas.microsoft.com/office/powerpoint/2010/main" val="2729341949"/>
       </p:ext>
     </p:extLst>
   </p:cSld>
@@ -1258,7 +1258,7 @@
     </p:spTree>
     <p:extLst>
       <p:ext uri="{BB962C8B-B14F-4D97-AF65-F5344CB8AC3E}">
-        <p14:creationId xmlns:p14="http://schemas.microsoft.com/office/powerpoint/2010/main" xmlns="" val="2729341949"/>
+        <p14:creationId xmlns="" xmlns:p14="http://schemas.microsoft.com/office/powerpoint/2010/main" val="2729341949"/>
       </p:ext>
     </p:extLst>
   </p:cSld>
@@ -1346,7 +1346,7 @@
     </p:spTree>
     <p:extLst>
       <p:ext uri="{BB962C8B-B14F-4D97-AF65-F5344CB8AC3E}">
-        <p14:creationId xmlns:p14="http://schemas.microsoft.com/office/powerpoint/2010/main" xmlns="" val="2729341949"/>
+        <p14:creationId xmlns="" xmlns:p14="http://schemas.microsoft.com/office/powerpoint/2010/main" val="2729341949"/>
       </p:ext>
     </p:extLst>
   </p:cSld>
@@ -1434,7 +1434,7 @@
     </p:spTree>
     <p:extLst>
       <p:ext uri="{BB962C8B-B14F-4D97-AF65-F5344CB8AC3E}">
-        <p14:creationId xmlns:p14="http://schemas.microsoft.com/office/powerpoint/2010/main" xmlns="" val="2729341949"/>
+        <p14:creationId xmlns="" xmlns:p14="http://schemas.microsoft.com/office/powerpoint/2010/main" val="2729341949"/>
       </p:ext>
     </p:extLst>
   </p:cSld>
@@ -1522,7 +1522,7 @@
     </p:spTree>
     <p:extLst>
       <p:ext uri="{BB962C8B-B14F-4D97-AF65-F5344CB8AC3E}">
-        <p14:creationId xmlns:p14="http://schemas.microsoft.com/office/powerpoint/2010/main" xmlns="" val="2729341949"/>
+        <p14:creationId xmlns="" xmlns:p14="http://schemas.microsoft.com/office/powerpoint/2010/main" val="2729341949"/>
       </p:ext>
     </p:extLst>
   </p:cSld>
@@ -1704,7 +1704,7 @@
     </p:spTree>
     <p:extLst>
       <p:ext uri="{BB962C8B-B14F-4D97-AF65-F5344CB8AC3E}">
-        <p14:creationId xmlns:p14="http://schemas.microsoft.com/office/powerpoint/2010/main" xmlns="" val="2729341949"/>
+        <p14:creationId xmlns="" xmlns:p14="http://schemas.microsoft.com/office/powerpoint/2010/main" val="2729341949"/>
       </p:ext>
     </p:extLst>
   </p:cSld>
@@ -1796,7 +1796,7 @@
     </p:spTree>
     <p:extLst>
       <p:ext uri="{BB962C8B-B14F-4D97-AF65-F5344CB8AC3E}">
-        <p14:creationId xmlns:p14="http://schemas.microsoft.com/office/powerpoint/2010/main" xmlns="" val="2729341949"/>
+        <p14:creationId xmlns="" xmlns:p14="http://schemas.microsoft.com/office/powerpoint/2010/main" val="2729341949"/>
       </p:ext>
     </p:extLst>
   </p:cSld>
@@ -1885,7 +1885,7 @@
     </p:spTree>
     <p:extLst>
       <p:ext uri="{BB962C8B-B14F-4D97-AF65-F5344CB8AC3E}">
-        <p14:creationId xmlns:p14="http://schemas.microsoft.com/office/powerpoint/2010/main" xmlns="" val="3387089590"/>
+        <p14:creationId xmlns="" xmlns:p14="http://schemas.microsoft.com/office/powerpoint/2010/main" val="3387089590"/>
       </p:ext>
     </p:extLst>
   </p:cSld>
@@ -2013,7 +2013,7 @@
     </p:spTree>
     <p:extLst>
       <p:ext uri="{BB962C8B-B14F-4D97-AF65-F5344CB8AC3E}">
-        <p14:creationId xmlns:p14="http://schemas.microsoft.com/office/powerpoint/2010/main" xmlns="" val="3330533067"/>
+        <p14:creationId xmlns="" xmlns:p14="http://schemas.microsoft.com/office/powerpoint/2010/main" val="3330533067"/>
       </p:ext>
     </p:extLst>
   </p:cSld>
@@ -2101,7 +2101,7 @@
     </p:spTree>
     <p:extLst>
       <p:ext uri="{BB962C8B-B14F-4D97-AF65-F5344CB8AC3E}">
-        <p14:creationId xmlns:p14="http://schemas.microsoft.com/office/powerpoint/2010/main" xmlns="" val="3552479314"/>
+        <p14:creationId xmlns="" xmlns:p14="http://schemas.microsoft.com/office/powerpoint/2010/main" val="3552479314"/>
       </p:ext>
     </p:extLst>
   </p:cSld>
@@ -2199,7 +2199,7 @@
     </p:spTree>
     <p:extLst>
       <p:ext uri="{BB962C8B-B14F-4D97-AF65-F5344CB8AC3E}">
-        <p14:creationId xmlns:p14="http://schemas.microsoft.com/office/powerpoint/2010/main" xmlns="" val="906056225"/>
+        <p14:creationId xmlns="" xmlns:p14="http://schemas.microsoft.com/office/powerpoint/2010/main" val="906056225"/>
       </p:ext>
     </p:extLst>
   </p:cSld>
@@ -2296,7 +2296,7 @@
     </p:spTree>
     <p:extLst>
       <p:ext uri="{BB962C8B-B14F-4D97-AF65-F5344CB8AC3E}">
-        <p14:creationId xmlns:p14="http://schemas.microsoft.com/office/powerpoint/2010/main" xmlns="" val="51032624"/>
+        <p14:creationId xmlns="" xmlns:p14="http://schemas.microsoft.com/office/powerpoint/2010/main" val="51032624"/>
       </p:ext>
     </p:extLst>
   </p:cSld>
@@ -2449,7 +2449,7 @@
     </p:spTree>
     <p:extLst>
       <p:ext uri="{BB962C8B-B14F-4D97-AF65-F5344CB8AC3E}">
-        <p14:creationId xmlns:p14="http://schemas.microsoft.com/office/powerpoint/2010/main" xmlns="" val="3539635432"/>
+        <p14:creationId xmlns="" xmlns:p14="http://schemas.microsoft.com/office/powerpoint/2010/main" val="3539635432"/>
       </p:ext>
     </p:extLst>
   </p:cSld>
@@ -2596,7 +2596,7 @@
     </p:spTree>
     <p:extLst>
       <p:ext uri="{BB962C8B-B14F-4D97-AF65-F5344CB8AC3E}">
-        <p14:creationId xmlns:p14="http://schemas.microsoft.com/office/powerpoint/2010/main" xmlns="" val="3387089590"/>
+        <p14:creationId xmlns="" xmlns:p14="http://schemas.microsoft.com/office/powerpoint/2010/main" val="3387089590"/>
       </p:ext>
     </p:extLst>
   </p:cSld>
@@ -2698,7 +2698,7 @@
     </p:spTree>
     <p:extLst>
       <p:ext uri="{BB962C8B-B14F-4D97-AF65-F5344CB8AC3E}">
-        <p14:creationId xmlns:p14="http://schemas.microsoft.com/office/powerpoint/2010/main" xmlns="" val="3387089590"/>
+        <p14:creationId xmlns="" xmlns:p14="http://schemas.microsoft.com/office/powerpoint/2010/main" val="3387089590"/>
       </p:ext>
     </p:extLst>
   </p:cSld>
@@ -2791,7 +2791,7 @@
     </p:spTree>
     <p:extLst>
       <p:ext uri="{BB962C8B-B14F-4D97-AF65-F5344CB8AC3E}">
-        <p14:creationId xmlns:p14="http://schemas.microsoft.com/office/powerpoint/2010/main" xmlns="" val="3387089590"/>
+        <p14:creationId xmlns="" xmlns:p14="http://schemas.microsoft.com/office/powerpoint/2010/main" val="3387089590"/>
       </p:ext>
     </p:extLst>
   </p:cSld>
@@ -2880,7 +2880,7 @@
     </p:spTree>
     <p:extLst>
       <p:ext uri="{BB962C8B-B14F-4D97-AF65-F5344CB8AC3E}">
-        <p14:creationId xmlns:p14="http://schemas.microsoft.com/office/powerpoint/2010/main" xmlns="" val="3387089590"/>
+        <p14:creationId xmlns="" xmlns:p14="http://schemas.microsoft.com/office/powerpoint/2010/main" val="3387089590"/>
       </p:ext>
     </p:extLst>
   </p:cSld>
@@ -2973,7 +2973,7 @@
     </p:spTree>
     <p:extLst>
       <p:ext uri="{BB962C8B-B14F-4D97-AF65-F5344CB8AC3E}">
-        <p14:creationId xmlns:p14="http://schemas.microsoft.com/office/powerpoint/2010/main" xmlns="" val="3387089590"/>
+        <p14:creationId xmlns="" xmlns:p14="http://schemas.microsoft.com/office/powerpoint/2010/main" val="3387089590"/>
       </p:ext>
     </p:extLst>
   </p:cSld>
@@ -3062,7 +3062,7 @@
     </p:spTree>
     <p:extLst>
       <p:ext uri="{BB962C8B-B14F-4D97-AF65-F5344CB8AC3E}">
-        <p14:creationId xmlns:p14="http://schemas.microsoft.com/office/powerpoint/2010/main" xmlns="" val="3387089590"/>
+        <p14:creationId xmlns="" xmlns:p14="http://schemas.microsoft.com/office/powerpoint/2010/main" val="3387089590"/>
       </p:ext>
     </p:extLst>
   </p:cSld>
@@ -3155,7 +3155,7 @@
     </p:spTree>
     <p:extLst>
       <p:ext uri="{BB962C8B-B14F-4D97-AF65-F5344CB8AC3E}">
-        <p14:creationId xmlns:p14="http://schemas.microsoft.com/office/powerpoint/2010/main" xmlns="" val="3387089590"/>
+        <p14:creationId xmlns="" xmlns:p14="http://schemas.microsoft.com/office/powerpoint/2010/main" val="3387089590"/>
       </p:ext>
     </p:extLst>
   </p:cSld>
@@ -3248,7 +3248,7 @@
     </p:spTree>
     <p:extLst>
       <p:ext uri="{BB962C8B-B14F-4D97-AF65-F5344CB8AC3E}">
-        <p14:creationId xmlns:p14="http://schemas.microsoft.com/office/powerpoint/2010/main" xmlns="" val="3387089590"/>
+        <p14:creationId xmlns="" xmlns:p14="http://schemas.microsoft.com/office/powerpoint/2010/main" val="3387089590"/>
       </p:ext>
     </p:extLst>
   </p:cSld>
@@ -3341,7 +3341,7 @@
     </p:spTree>
     <p:extLst>
       <p:ext uri="{BB962C8B-B14F-4D97-AF65-F5344CB8AC3E}">
-        <p14:creationId xmlns:p14="http://schemas.microsoft.com/office/powerpoint/2010/main" xmlns="" val="3387089590"/>
+        <p14:creationId xmlns="" xmlns:p14="http://schemas.microsoft.com/office/powerpoint/2010/main" val="3387089590"/>
       </p:ext>
     </p:extLst>
   </p:cSld>
@@ -3533,7 +3533,7 @@
             <a:fld id="{381775FD-B2F8-47D0-BF62-F2DFA9DC70ED}" type="datetimeFigureOut">
               <a:rPr lang="en-US" smtClean="0"/>
               <a:pPr/>
-              <a:t>10/17/2013</a:t>
+              <a:t>10/31/2013</a:t>
             </a:fld>
             <a:endParaRPr lang="en-US"/>
           </a:p>
@@ -3585,7 +3585,7 @@
     </p:spTree>
     <p:extLst>
       <p:ext uri="{BB962C8B-B14F-4D97-AF65-F5344CB8AC3E}">
-        <p14:creationId xmlns:p14="http://schemas.microsoft.com/office/powerpoint/2010/main" xmlns="" val="3840482123"/>
+        <p14:creationId xmlns="" xmlns:p14="http://schemas.microsoft.com/office/powerpoint/2010/main" val="3840482123"/>
       </p:ext>
     </p:extLst>
   </p:cSld>
@@ -3705,7 +3705,7 @@
             <a:fld id="{381775FD-B2F8-47D0-BF62-F2DFA9DC70ED}" type="datetimeFigureOut">
               <a:rPr lang="en-US" smtClean="0"/>
               <a:pPr/>
-              <a:t>10/17/2013</a:t>
+              <a:t>10/31/2013</a:t>
             </a:fld>
             <a:endParaRPr lang="en-US"/>
           </a:p>
@@ -3757,7 +3757,7 @@
     </p:spTree>
     <p:extLst>
       <p:ext uri="{BB962C8B-B14F-4D97-AF65-F5344CB8AC3E}">
-        <p14:creationId xmlns:p14="http://schemas.microsoft.com/office/powerpoint/2010/main" xmlns="" val="3633675804"/>
+        <p14:creationId xmlns="" xmlns:p14="http://schemas.microsoft.com/office/powerpoint/2010/main" val="3633675804"/>
       </p:ext>
     </p:extLst>
   </p:cSld>
@@ -3887,7 +3887,7 @@
             <a:fld id="{381775FD-B2F8-47D0-BF62-F2DFA9DC70ED}" type="datetimeFigureOut">
               <a:rPr lang="en-US" smtClean="0"/>
               <a:pPr/>
-              <a:t>10/17/2013</a:t>
+              <a:t>10/31/2013</a:t>
             </a:fld>
             <a:endParaRPr lang="en-US"/>
           </a:p>
@@ -3939,7 +3939,7 @@
     </p:spTree>
     <p:extLst>
       <p:ext uri="{BB962C8B-B14F-4D97-AF65-F5344CB8AC3E}">
-        <p14:creationId xmlns:p14="http://schemas.microsoft.com/office/powerpoint/2010/main" xmlns="" val="2624895722"/>
+        <p14:creationId xmlns="" xmlns:p14="http://schemas.microsoft.com/office/powerpoint/2010/main" val="2624895722"/>
       </p:ext>
     </p:extLst>
   </p:cSld>
@@ -4059,7 +4059,7 @@
             <a:fld id="{381775FD-B2F8-47D0-BF62-F2DFA9DC70ED}" type="datetimeFigureOut">
               <a:rPr lang="en-US" smtClean="0"/>
               <a:pPr/>
-              <a:t>10/17/2013</a:t>
+              <a:t>10/31/2013</a:t>
             </a:fld>
             <a:endParaRPr lang="en-US"/>
           </a:p>
@@ -4111,7 +4111,7 @@
     </p:spTree>
     <p:extLst>
       <p:ext uri="{BB962C8B-B14F-4D97-AF65-F5344CB8AC3E}">
-        <p14:creationId xmlns:p14="http://schemas.microsoft.com/office/powerpoint/2010/main" xmlns="" val="2395609477"/>
+        <p14:creationId xmlns="" xmlns:p14="http://schemas.microsoft.com/office/powerpoint/2010/main" val="2395609477"/>
       </p:ext>
     </p:extLst>
   </p:cSld>
@@ -4307,7 +4307,7 @@
             <a:fld id="{381775FD-B2F8-47D0-BF62-F2DFA9DC70ED}" type="datetimeFigureOut">
               <a:rPr lang="en-US" smtClean="0"/>
               <a:pPr/>
-              <a:t>10/17/2013</a:t>
+              <a:t>10/31/2013</a:t>
             </a:fld>
             <a:endParaRPr lang="en-US"/>
           </a:p>
@@ -4359,7 +4359,7 @@
     </p:spTree>
     <p:extLst>
       <p:ext uri="{BB962C8B-B14F-4D97-AF65-F5344CB8AC3E}">
-        <p14:creationId xmlns:p14="http://schemas.microsoft.com/office/powerpoint/2010/main" xmlns="" val="4631245"/>
+        <p14:creationId xmlns="" xmlns:p14="http://schemas.microsoft.com/office/powerpoint/2010/main" val="4631245"/>
       </p:ext>
     </p:extLst>
   </p:cSld>
@@ -4597,7 +4597,7 @@
             <a:fld id="{381775FD-B2F8-47D0-BF62-F2DFA9DC70ED}" type="datetimeFigureOut">
               <a:rPr lang="en-US" smtClean="0"/>
               <a:pPr/>
-              <a:t>10/17/2013</a:t>
+              <a:t>10/31/2013</a:t>
             </a:fld>
             <a:endParaRPr lang="en-US"/>
           </a:p>
@@ -4649,7 +4649,7 @@
     </p:spTree>
     <p:extLst>
       <p:ext uri="{BB962C8B-B14F-4D97-AF65-F5344CB8AC3E}">
-        <p14:creationId xmlns:p14="http://schemas.microsoft.com/office/powerpoint/2010/main" xmlns="" val="3650264481"/>
+        <p14:creationId xmlns="" xmlns:p14="http://schemas.microsoft.com/office/powerpoint/2010/main" val="3650264481"/>
       </p:ext>
     </p:extLst>
   </p:cSld>
@@ -5021,7 +5021,7 @@
             <a:fld id="{381775FD-B2F8-47D0-BF62-F2DFA9DC70ED}" type="datetimeFigureOut">
               <a:rPr lang="en-US" smtClean="0"/>
               <a:pPr/>
-              <a:t>10/17/2013</a:t>
+              <a:t>10/31/2013</a:t>
             </a:fld>
             <a:endParaRPr lang="en-US"/>
           </a:p>
@@ -5073,7 +5073,7 @@
     </p:spTree>
     <p:extLst>
       <p:ext uri="{BB962C8B-B14F-4D97-AF65-F5344CB8AC3E}">
-        <p14:creationId xmlns:p14="http://schemas.microsoft.com/office/powerpoint/2010/main" xmlns="" val="2744787192"/>
+        <p14:creationId xmlns="" xmlns:p14="http://schemas.microsoft.com/office/powerpoint/2010/main" val="2744787192"/>
       </p:ext>
     </p:extLst>
   </p:cSld>
@@ -5141,7 +5141,7 @@
             <a:fld id="{381775FD-B2F8-47D0-BF62-F2DFA9DC70ED}" type="datetimeFigureOut">
               <a:rPr lang="en-US" smtClean="0"/>
               <a:pPr/>
-              <a:t>10/17/2013</a:t>
+              <a:t>10/31/2013</a:t>
             </a:fld>
             <a:endParaRPr lang="en-US"/>
           </a:p>
@@ -5193,7 +5193,7 @@
     </p:spTree>
     <p:extLst>
       <p:ext uri="{BB962C8B-B14F-4D97-AF65-F5344CB8AC3E}">
-        <p14:creationId xmlns:p14="http://schemas.microsoft.com/office/powerpoint/2010/main" xmlns="" val="3908247753"/>
+        <p14:creationId xmlns="" xmlns:p14="http://schemas.microsoft.com/office/powerpoint/2010/main" val="3908247753"/>
       </p:ext>
     </p:extLst>
   </p:cSld>
@@ -5238,7 +5238,7 @@
             <a:fld id="{381775FD-B2F8-47D0-BF62-F2DFA9DC70ED}" type="datetimeFigureOut">
               <a:rPr lang="en-US" smtClean="0"/>
               <a:pPr/>
-              <a:t>10/17/2013</a:t>
+              <a:t>10/31/2013</a:t>
             </a:fld>
             <a:endParaRPr lang="en-US"/>
           </a:p>
@@ -5290,7 +5290,7 @@
     </p:spTree>
     <p:extLst>
       <p:ext uri="{BB962C8B-B14F-4D97-AF65-F5344CB8AC3E}">
-        <p14:creationId xmlns:p14="http://schemas.microsoft.com/office/powerpoint/2010/main" xmlns="" val="2697205621"/>
+        <p14:creationId xmlns="" xmlns:p14="http://schemas.microsoft.com/office/powerpoint/2010/main" val="2697205621"/>
       </p:ext>
     </p:extLst>
   </p:cSld>
@@ -5517,7 +5517,7 @@
             <a:fld id="{381775FD-B2F8-47D0-BF62-F2DFA9DC70ED}" type="datetimeFigureOut">
               <a:rPr lang="en-US" smtClean="0"/>
               <a:pPr/>
-              <a:t>10/17/2013</a:t>
+              <a:t>10/31/2013</a:t>
             </a:fld>
             <a:endParaRPr lang="en-US"/>
           </a:p>
@@ -5569,7 +5569,7 @@
     </p:spTree>
     <p:extLst>
       <p:ext uri="{BB962C8B-B14F-4D97-AF65-F5344CB8AC3E}">
-        <p14:creationId xmlns:p14="http://schemas.microsoft.com/office/powerpoint/2010/main" xmlns="" val="3404995596"/>
+        <p14:creationId xmlns="" xmlns:p14="http://schemas.microsoft.com/office/powerpoint/2010/main" val="3404995596"/>
       </p:ext>
     </p:extLst>
   </p:cSld>
@@ -5772,7 +5772,7 @@
             <a:fld id="{381775FD-B2F8-47D0-BF62-F2DFA9DC70ED}" type="datetimeFigureOut">
               <a:rPr lang="en-US" smtClean="0"/>
               <a:pPr/>
-              <a:t>10/17/2013</a:t>
+              <a:t>10/31/2013</a:t>
             </a:fld>
             <a:endParaRPr lang="en-US"/>
           </a:p>
@@ -5824,7 +5824,7 @@
     </p:spTree>
     <p:extLst>
       <p:ext uri="{BB962C8B-B14F-4D97-AF65-F5344CB8AC3E}">
-        <p14:creationId xmlns:p14="http://schemas.microsoft.com/office/powerpoint/2010/main" xmlns="" val="1782242437"/>
+        <p14:creationId xmlns="" xmlns:p14="http://schemas.microsoft.com/office/powerpoint/2010/main" val="1782242437"/>
       </p:ext>
     </p:extLst>
   </p:cSld>
@@ -5987,7 +5987,7 @@
             <a:fld id="{381775FD-B2F8-47D0-BF62-F2DFA9DC70ED}" type="datetimeFigureOut">
               <a:rPr lang="en-US" smtClean="0"/>
               <a:pPr/>
-              <a:t>10/17/2013</a:t>
+              <a:t>10/31/2013</a:t>
             </a:fld>
             <a:endParaRPr lang="en-US"/>
           </a:p>
@@ -6075,7 +6075,7 @@
     </p:spTree>
     <p:extLst>
       <p:ext uri="{BB962C8B-B14F-4D97-AF65-F5344CB8AC3E}">
-        <p14:creationId xmlns:p14="http://schemas.microsoft.com/office/powerpoint/2010/main" xmlns="" val="1092906713"/>
+        <p14:creationId xmlns="" xmlns:p14="http://schemas.microsoft.com/office/powerpoint/2010/main" val="1092906713"/>
       </p:ext>
     </p:extLst>
   </p:cSld>
@@ -6841,7 +6841,7 @@
           <a:blip r:embed="rId3" cstate="print">
             <a:extLst>
               <a:ext uri="{28A0092B-C50C-407E-A947-70E740481C1C}">
-                <a14:useLocalDpi xmlns:a14="http://schemas.microsoft.com/office/drawing/2010/main" xmlns="" val="0"/>
+                <a14:useLocalDpi xmlns="" xmlns:a14="http://schemas.microsoft.com/office/drawing/2010/main" val="0"/>
               </a:ext>
             </a:extLst>
           </a:blip>
@@ -6868,7 +6868,7 @@
     </p:spTree>
     <p:extLst>
       <p:ext uri="{BB962C8B-B14F-4D97-AF65-F5344CB8AC3E}">
-        <p14:creationId xmlns:p14="http://schemas.microsoft.com/office/powerpoint/2010/main" xmlns="" val="4104259936"/>
+        <p14:creationId xmlns="" xmlns:p14="http://schemas.microsoft.com/office/powerpoint/2010/main" val="4104259936"/>
       </p:ext>
     </p:extLst>
   </p:cSld>
@@ -7475,7 +7475,7 @@
           <a:blip r:embed="rId3" cstate="print">
             <a:extLst>
               <a:ext uri="{28A0092B-C50C-407E-A947-70E740481C1C}">
-                <a14:useLocalDpi xmlns:a14="http://schemas.microsoft.com/office/drawing/2010/main" xmlns="" val="0"/>
+                <a14:useLocalDpi xmlns="" xmlns:a14="http://schemas.microsoft.com/office/drawing/2010/main" val="0"/>
               </a:ext>
             </a:extLst>
           </a:blip>
@@ -7505,7 +7505,7 @@
           <a:blip r:embed="rId4" cstate="print">
             <a:extLst>
               <a:ext uri="{28A0092B-C50C-407E-A947-70E740481C1C}">
-                <a14:useLocalDpi xmlns:a14="http://schemas.microsoft.com/office/drawing/2010/main" xmlns="" val="0"/>
+                <a14:useLocalDpi xmlns="" xmlns:a14="http://schemas.microsoft.com/office/drawing/2010/main" val="0"/>
               </a:ext>
             </a:extLst>
           </a:blip>
@@ -7532,7 +7532,7 @@
     </p:spTree>
     <p:extLst>
       <p:ext uri="{BB962C8B-B14F-4D97-AF65-F5344CB8AC3E}">
-        <p14:creationId xmlns:p14="http://schemas.microsoft.com/office/powerpoint/2010/main" xmlns="" val="2191200112"/>
+        <p14:creationId xmlns="" xmlns:p14="http://schemas.microsoft.com/office/powerpoint/2010/main" val="2191200112"/>
       </p:ext>
     </p:extLst>
   </p:cSld>
@@ -7566,674 +7566,724 @@
           <a:chExt cx="0" cy="0"/>
         </a:xfrm>
       </p:grpSpPr>
-      <p:sp>
-        <p:nvSpPr>
-          <p:cNvPr id="12" name="Rectangle 11"/>
-          <p:cNvSpPr/>
+      <p:grpSp>
+        <p:nvGrpSpPr>
+          <p:cNvPr id="24" name="그룹 23"/>
+          <p:cNvGrpSpPr/>
           <p:nvPr/>
-        </p:nvSpPr>
-        <p:spPr>
+        </p:nvGrpSpPr>
+        <p:grpSpPr>
           <a:xfrm>
             <a:off x="199292" y="214157"/>
-            <a:ext cx="8610600" cy="6477000"/>
+            <a:ext cx="8610600" cy="6532089"/>
+            <a:chOff x="199292" y="214157"/>
+            <a:chExt cx="8610600" cy="6532089"/>
           </a:xfrm>
-          <a:prstGeom prst="rect">
-            <a:avLst/>
-          </a:prstGeom>
-        </p:spPr>
-        <p:style>
-          <a:lnRef idx="3">
-            <a:schemeClr val="lt1"/>
-          </a:lnRef>
-          <a:fillRef idx="1">
-            <a:schemeClr val="accent1"/>
-          </a:fillRef>
-          <a:effectRef idx="1">
-            <a:schemeClr val="accent1"/>
-          </a:effectRef>
-          <a:fontRef idx="minor">
-            <a:schemeClr val="lt1"/>
-          </a:fontRef>
-        </p:style>
-        <p:txBody>
-          <a:bodyPr rtlCol="0" anchor="ctr"/>
-          <a:lstStyle/>
-          <a:p>
-            <a:pPr algn="ctr"/>
-            <a:endParaRPr lang="en-US" dirty="0"/>
-          </a:p>
-        </p:txBody>
-      </p:sp>
-      <p:sp>
-        <p:nvSpPr>
-          <p:cNvPr id="13" name="Rounded Rectangle 12"/>
-          <p:cNvSpPr/>
-          <p:nvPr/>
-        </p:nvSpPr>
-        <p:spPr>
-          <a:xfrm>
-            <a:off x="819815" y="1708978"/>
-            <a:ext cx="1219200" cy="318655"/>
-          </a:xfrm>
-          <a:prstGeom prst="roundRect">
-            <a:avLst/>
-          </a:prstGeom>
-        </p:spPr>
-        <p:style>
-          <a:lnRef idx="2">
-            <a:schemeClr val="accent3">
-              <a:shade val="50000"/>
-            </a:schemeClr>
-          </a:lnRef>
-          <a:fillRef idx="1">
-            <a:schemeClr val="accent3"/>
-          </a:fillRef>
-          <a:effectRef idx="0">
-            <a:schemeClr val="accent3"/>
-          </a:effectRef>
-          <a:fontRef idx="minor">
-            <a:schemeClr val="lt1"/>
-          </a:fontRef>
-        </p:style>
-        <p:txBody>
-          <a:bodyPr rtlCol="0" anchor="ctr"/>
-          <a:lstStyle/>
-          <a:p>
-            <a:pPr algn="ctr"/>
-            <a:r>
-              <a:rPr lang="en-US" dirty="0" smtClean="0">
+        </p:grpSpPr>
+        <p:sp>
+          <p:nvSpPr>
+            <p:cNvPr id="12" name="Rectangle 11"/>
+            <p:cNvSpPr/>
+            <p:nvPr/>
+          </p:nvSpPr>
+          <p:spPr>
+            <a:xfrm>
+              <a:off x="199292" y="214157"/>
+              <a:ext cx="8610600" cy="6477000"/>
+            </a:xfrm>
+            <a:prstGeom prst="rect">
+              <a:avLst/>
+            </a:prstGeom>
+          </p:spPr>
+          <p:style>
+            <a:lnRef idx="3">
+              <a:schemeClr val="lt1"/>
+            </a:lnRef>
+            <a:fillRef idx="1">
+              <a:schemeClr val="accent1"/>
+            </a:fillRef>
+            <a:effectRef idx="1">
+              <a:schemeClr val="accent1"/>
+            </a:effectRef>
+            <a:fontRef idx="minor">
+              <a:schemeClr val="lt1"/>
+            </a:fontRef>
+          </p:style>
+          <p:txBody>
+            <a:bodyPr rtlCol="0" anchor="ctr"/>
+            <a:lstStyle/>
+            <a:p>
+              <a:pPr algn="ctr"/>
+              <a:endParaRPr lang="en-US" dirty="0"/>
+            </a:p>
+          </p:txBody>
+        </p:sp>
+        <p:sp>
+          <p:nvSpPr>
+            <p:cNvPr id="13" name="Rounded Rectangle 12"/>
+            <p:cNvSpPr/>
+            <p:nvPr/>
+          </p:nvSpPr>
+          <p:spPr>
+            <a:xfrm>
+              <a:off x="819814" y="1524000"/>
+              <a:ext cx="1389985" cy="609600"/>
+            </a:xfrm>
+            <a:prstGeom prst="roundRect">
+              <a:avLst/>
+            </a:prstGeom>
+          </p:spPr>
+          <p:style>
+            <a:lnRef idx="2">
+              <a:schemeClr val="accent3">
+                <a:shade val="50000"/>
+              </a:schemeClr>
+            </a:lnRef>
+            <a:fillRef idx="1">
+              <a:schemeClr val="accent3"/>
+            </a:fillRef>
+            <a:effectRef idx="0">
+              <a:schemeClr val="accent3"/>
+            </a:effectRef>
+            <a:fontRef idx="minor">
+              <a:schemeClr val="lt1"/>
+            </a:fontRef>
+          </p:style>
+          <p:txBody>
+            <a:bodyPr rtlCol="0" anchor="ctr"/>
+            <a:lstStyle/>
+            <a:p>
+              <a:pPr algn="ctr"/>
+              <a:r>
+                <a:rPr lang="en-US" dirty="0" smtClean="0">
+                  <a:solidFill>
+                    <a:schemeClr val="tx1"/>
+                  </a:solidFill>
+                </a:rPr>
+                <a:t>Protein</a:t>
+              </a:r>
+            </a:p>
+            <a:p>
+              <a:pPr algn="ctr"/>
+              <a:r>
+                <a:rPr lang="en-US" dirty="0" smtClean="0">
+                  <a:solidFill>
+                    <a:schemeClr val="tx1"/>
+                  </a:solidFill>
+                </a:rPr>
+                <a:t>(Required)</a:t>
+              </a:r>
+              <a:endParaRPr lang="en-US" dirty="0">
                 <a:solidFill>
                   <a:schemeClr val="tx1"/>
                 </a:solidFill>
-              </a:rPr>
-              <a:t>Protein</a:t>
-            </a:r>
-            <a:endParaRPr lang="en-US" dirty="0">
-              <a:solidFill>
-                <a:schemeClr val="tx1"/>
-              </a:solidFill>
-            </a:endParaRPr>
-          </a:p>
-        </p:txBody>
-      </p:sp>
-      <p:sp>
-        <p:nvSpPr>
-          <p:cNvPr id="19" name="Rectangle 18"/>
-          <p:cNvSpPr/>
-          <p:nvPr/>
-        </p:nvSpPr>
-        <p:spPr>
-          <a:xfrm>
-            <a:off x="3124200" y="1295400"/>
-            <a:ext cx="3195608" cy="1951160"/>
-          </a:xfrm>
-          <a:prstGeom prst="rect">
-            <a:avLst/>
-          </a:prstGeom>
-        </p:spPr>
-        <p:style>
-          <a:lnRef idx="2">
-            <a:schemeClr val="accent3"/>
-          </a:lnRef>
-          <a:fillRef idx="1">
-            <a:schemeClr val="lt1"/>
-          </a:fillRef>
-          <a:effectRef idx="0">
-            <a:schemeClr val="accent3"/>
-          </a:effectRef>
-          <a:fontRef idx="minor">
-            <a:schemeClr val="dk1"/>
-          </a:fontRef>
-        </p:style>
-        <p:txBody>
-          <a:bodyPr rtlCol="0" anchor="ctr"/>
-          <a:lstStyle/>
-          <a:p>
-            <a:pPr algn="ctr"/>
-            <a:endParaRPr lang="en-US" sz="1400" dirty="0"/>
-          </a:p>
-        </p:txBody>
-      </p:sp>
-      <p:sp>
-        <p:nvSpPr>
-          <p:cNvPr id="20" name="Rectangle 19"/>
-          <p:cNvSpPr/>
-          <p:nvPr/>
-        </p:nvSpPr>
-        <p:spPr>
-          <a:xfrm>
-            <a:off x="3124200" y="3813033"/>
-            <a:ext cx="3195608" cy="768079"/>
-          </a:xfrm>
-          <a:prstGeom prst="rect">
-            <a:avLst/>
-          </a:prstGeom>
-        </p:spPr>
-        <p:style>
-          <a:lnRef idx="2">
-            <a:schemeClr val="accent3"/>
-          </a:lnRef>
-          <a:fillRef idx="1">
-            <a:schemeClr val="lt1"/>
-          </a:fillRef>
-          <a:effectRef idx="0">
-            <a:schemeClr val="accent3"/>
-          </a:effectRef>
-          <a:fontRef idx="minor">
-            <a:schemeClr val="dk1"/>
-          </a:fontRef>
-        </p:style>
-        <p:txBody>
-          <a:bodyPr rtlCol="0" anchor="ctr"/>
-          <a:lstStyle/>
-          <a:p>
-            <a:pPr algn="ctr"/>
-            <a:endParaRPr lang="en-US" sz="1400" dirty="0" smtClean="0"/>
-          </a:p>
-        </p:txBody>
-      </p:sp>
-      <p:sp>
-        <p:nvSpPr>
-          <p:cNvPr id="21" name="Rectangle 20"/>
-          <p:cNvSpPr/>
-          <p:nvPr/>
-        </p:nvSpPr>
-        <p:spPr>
-          <a:xfrm>
-            <a:off x="3124201" y="5054195"/>
-            <a:ext cx="3195608" cy="663553"/>
-          </a:xfrm>
-          <a:prstGeom prst="rect">
-            <a:avLst/>
-          </a:prstGeom>
-        </p:spPr>
-        <p:style>
-          <a:lnRef idx="2">
-            <a:schemeClr val="accent3"/>
-          </a:lnRef>
-          <a:fillRef idx="1">
-            <a:schemeClr val="lt1"/>
-          </a:fillRef>
-          <a:effectRef idx="0">
-            <a:schemeClr val="accent3"/>
-          </a:effectRef>
-          <a:fontRef idx="minor">
-            <a:schemeClr val="dk1"/>
-          </a:fontRef>
-        </p:style>
-        <p:txBody>
-          <a:bodyPr rtlCol="0" anchor="ctr"/>
-          <a:lstStyle/>
-          <a:p>
-            <a:pPr algn="ctr"/>
-            <a:endParaRPr lang="en-US" sz="1400" dirty="0" smtClean="0"/>
-          </a:p>
-        </p:txBody>
-      </p:sp>
-      <p:sp>
-        <p:nvSpPr>
-          <p:cNvPr id="22" name="Rounded Rectangle 21"/>
-          <p:cNvSpPr/>
-          <p:nvPr/>
-        </p:nvSpPr>
-        <p:spPr>
-          <a:xfrm>
-            <a:off x="595744" y="291531"/>
-            <a:ext cx="1600201" cy="356915"/>
-          </a:xfrm>
-          <a:prstGeom prst="roundRect">
-            <a:avLst/>
-          </a:prstGeom>
-        </p:spPr>
-        <p:style>
-          <a:lnRef idx="1">
-            <a:schemeClr val="accent3"/>
-          </a:lnRef>
-          <a:fillRef idx="2">
-            <a:schemeClr val="accent3"/>
-          </a:fillRef>
-          <a:effectRef idx="1">
-            <a:schemeClr val="accent3"/>
-          </a:effectRef>
-          <a:fontRef idx="minor">
-            <a:schemeClr val="dk1"/>
-          </a:fontRef>
-        </p:style>
-        <p:txBody>
-          <a:bodyPr rtlCol="0" anchor="ctr"/>
-          <a:lstStyle/>
-          <a:p>
-            <a:pPr algn="ctr"/>
-            <a:r>
-              <a:rPr lang="en-US" dirty="0" smtClean="0"/>
-              <a:t>Import(icon)</a:t>
-            </a:r>
-            <a:endParaRPr lang="en-US" dirty="0"/>
-          </a:p>
-        </p:txBody>
-      </p:sp>
-      <p:sp>
-        <p:nvSpPr>
-          <p:cNvPr id="27" name="Rounded Rectangle 26"/>
-          <p:cNvSpPr/>
-          <p:nvPr/>
-        </p:nvSpPr>
-        <p:spPr>
-          <a:xfrm>
-            <a:off x="786244" y="3938738"/>
-            <a:ext cx="1219200" cy="516670"/>
-          </a:xfrm>
-          <a:prstGeom prst="roundRect">
-            <a:avLst/>
-          </a:prstGeom>
-        </p:spPr>
-        <p:style>
-          <a:lnRef idx="2">
-            <a:schemeClr val="accent3">
-              <a:shade val="50000"/>
-            </a:schemeClr>
-          </a:lnRef>
-          <a:fillRef idx="1">
-            <a:schemeClr val="accent3"/>
-          </a:fillRef>
-          <a:effectRef idx="0">
-            <a:schemeClr val="accent3"/>
-          </a:effectRef>
-          <a:fontRef idx="minor">
-            <a:schemeClr val="lt1"/>
-          </a:fontRef>
-        </p:style>
-        <p:txBody>
-          <a:bodyPr rtlCol="0" anchor="ctr"/>
-          <a:lstStyle/>
-          <a:p>
-            <a:pPr algn="ctr"/>
-            <a:r>
-              <a:rPr lang="en-US" dirty="0" smtClean="0">
+              </a:endParaRPr>
+            </a:p>
+          </p:txBody>
+        </p:sp>
+        <p:sp>
+          <p:nvSpPr>
+            <p:cNvPr id="19" name="Rectangle 18"/>
+            <p:cNvSpPr/>
+            <p:nvPr/>
+          </p:nvSpPr>
+          <p:spPr>
+            <a:xfrm>
+              <a:off x="3124200" y="1524000"/>
+              <a:ext cx="3124200" cy="1981200"/>
+            </a:xfrm>
+            <a:prstGeom prst="rect">
+              <a:avLst/>
+            </a:prstGeom>
+          </p:spPr>
+          <p:style>
+            <a:lnRef idx="2">
+              <a:schemeClr val="accent3"/>
+            </a:lnRef>
+            <a:fillRef idx="1">
+              <a:schemeClr val="lt1"/>
+            </a:fillRef>
+            <a:effectRef idx="0">
+              <a:schemeClr val="accent3"/>
+            </a:effectRef>
+            <a:fontRef idx="minor">
+              <a:schemeClr val="dk1"/>
+            </a:fontRef>
+          </p:style>
+          <p:txBody>
+            <a:bodyPr rtlCol="0" anchor="ctr"/>
+            <a:lstStyle/>
+            <a:p>
+              <a:pPr algn="ctr"/>
+              <a:endParaRPr lang="en-US" sz="1400" dirty="0"/>
+            </a:p>
+          </p:txBody>
+        </p:sp>
+        <p:sp>
+          <p:nvSpPr>
+            <p:cNvPr id="20" name="Rectangle 19"/>
+            <p:cNvSpPr/>
+            <p:nvPr/>
+          </p:nvSpPr>
+          <p:spPr>
+            <a:xfrm>
+              <a:off x="3124200" y="4114800"/>
+              <a:ext cx="3124200" cy="685800"/>
+            </a:xfrm>
+            <a:prstGeom prst="rect">
+              <a:avLst/>
+            </a:prstGeom>
+          </p:spPr>
+          <p:style>
+            <a:lnRef idx="2">
+              <a:schemeClr val="accent3"/>
+            </a:lnRef>
+            <a:fillRef idx="1">
+              <a:schemeClr val="lt1"/>
+            </a:fillRef>
+            <a:effectRef idx="0">
+              <a:schemeClr val="accent3"/>
+            </a:effectRef>
+            <a:fontRef idx="minor">
+              <a:schemeClr val="dk1"/>
+            </a:fontRef>
+          </p:style>
+          <p:txBody>
+            <a:bodyPr rtlCol="0" anchor="ctr"/>
+            <a:lstStyle/>
+            <a:p>
+              <a:pPr algn="ctr"/>
+              <a:endParaRPr lang="en-US" sz="1400" dirty="0" smtClean="0"/>
+            </a:p>
+          </p:txBody>
+        </p:sp>
+        <p:sp>
+          <p:nvSpPr>
+            <p:cNvPr id="21" name="Rectangle 20"/>
+            <p:cNvSpPr/>
+            <p:nvPr/>
+          </p:nvSpPr>
+          <p:spPr>
+            <a:xfrm>
+              <a:off x="3124200" y="5334000"/>
+              <a:ext cx="3195608" cy="663553"/>
+            </a:xfrm>
+            <a:prstGeom prst="rect">
+              <a:avLst/>
+            </a:prstGeom>
+          </p:spPr>
+          <p:style>
+            <a:lnRef idx="2">
+              <a:schemeClr val="accent3"/>
+            </a:lnRef>
+            <a:fillRef idx="1">
+              <a:schemeClr val="lt1"/>
+            </a:fillRef>
+            <a:effectRef idx="0">
+              <a:schemeClr val="accent3"/>
+            </a:effectRef>
+            <a:fontRef idx="minor">
+              <a:schemeClr val="dk1"/>
+            </a:fontRef>
+          </p:style>
+          <p:txBody>
+            <a:bodyPr rtlCol="0" anchor="ctr"/>
+            <a:lstStyle/>
+            <a:p>
+              <a:pPr algn="ctr"/>
+              <a:endParaRPr lang="en-US" sz="1400" dirty="0" smtClean="0"/>
+            </a:p>
+          </p:txBody>
+        </p:sp>
+        <p:sp>
+          <p:nvSpPr>
+            <p:cNvPr id="22" name="Rounded Rectangle 21"/>
+            <p:cNvSpPr/>
+            <p:nvPr/>
+          </p:nvSpPr>
+          <p:spPr>
+            <a:xfrm>
+              <a:off x="838200" y="533400"/>
+              <a:ext cx="1447800" cy="457200"/>
+            </a:xfrm>
+            <a:prstGeom prst="roundRect">
+              <a:avLst/>
+            </a:prstGeom>
+          </p:spPr>
+          <p:style>
+            <a:lnRef idx="1">
+              <a:schemeClr val="accent3"/>
+            </a:lnRef>
+            <a:fillRef idx="2">
+              <a:schemeClr val="accent3"/>
+            </a:fillRef>
+            <a:effectRef idx="1">
+              <a:schemeClr val="accent3"/>
+            </a:effectRef>
+            <a:fontRef idx="minor">
+              <a:schemeClr val="dk1"/>
+            </a:fontRef>
+          </p:style>
+          <p:txBody>
+            <a:bodyPr rtlCol="0" anchor="ctr"/>
+            <a:lstStyle/>
+            <a:p>
+              <a:pPr algn="ctr"/>
+              <a:r>
+                <a:rPr lang="en-US" dirty="0" smtClean="0"/>
+                <a:t>Import</a:t>
+              </a:r>
+              <a:endParaRPr lang="en-US" dirty="0"/>
+            </a:p>
+          </p:txBody>
+        </p:sp>
+        <p:sp>
+          <p:nvSpPr>
+            <p:cNvPr id="27" name="Rounded Rectangle 26"/>
+            <p:cNvSpPr/>
+            <p:nvPr/>
+          </p:nvSpPr>
+          <p:spPr>
+            <a:xfrm>
+              <a:off x="786244" y="4114800"/>
+              <a:ext cx="1347356" cy="609600"/>
+            </a:xfrm>
+            <a:prstGeom prst="roundRect">
+              <a:avLst/>
+            </a:prstGeom>
+          </p:spPr>
+          <p:style>
+            <a:lnRef idx="2">
+              <a:schemeClr val="accent3">
+                <a:shade val="50000"/>
+              </a:schemeClr>
+            </a:lnRef>
+            <a:fillRef idx="1">
+              <a:schemeClr val="accent3"/>
+            </a:fillRef>
+            <a:effectRef idx="0">
+              <a:schemeClr val="accent3"/>
+            </a:effectRef>
+            <a:fontRef idx="minor">
+              <a:schemeClr val="lt1"/>
+            </a:fontRef>
+          </p:style>
+          <p:txBody>
+            <a:bodyPr rtlCol="0" anchor="ctr"/>
+            <a:lstStyle/>
+            <a:p>
+              <a:pPr algn="ctr"/>
+              <a:r>
+                <a:rPr lang="en-US" dirty="0" smtClean="0">
+                  <a:solidFill>
+                    <a:schemeClr val="tx1"/>
+                  </a:solidFill>
+                </a:rPr>
+                <a:t>Organism</a:t>
+              </a:r>
+            </a:p>
+            <a:p>
+              <a:pPr algn="ctr"/>
+              <a:r>
+                <a:rPr lang="en-US" dirty="0" smtClean="0">
+                  <a:solidFill>
+                    <a:schemeClr val="tx1"/>
+                  </a:solidFill>
+                </a:rPr>
+                <a:t>(optional)</a:t>
+              </a:r>
+              <a:endParaRPr lang="en-US" dirty="0">
                 <a:solidFill>
                   <a:schemeClr val="tx1"/>
                 </a:solidFill>
-              </a:rPr>
-              <a:t>Organism</a:t>
-            </a:r>
-          </a:p>
-          <a:p>
-            <a:pPr algn="ctr"/>
-            <a:r>
-              <a:rPr lang="en-US" dirty="0" smtClean="0">
+              </a:endParaRPr>
+            </a:p>
+          </p:txBody>
+        </p:sp>
+        <p:sp>
+          <p:nvSpPr>
+            <p:cNvPr id="28" name="Rounded Rectangle 27"/>
+            <p:cNvSpPr/>
+            <p:nvPr/>
+          </p:nvSpPr>
+          <p:spPr>
+            <a:xfrm>
+              <a:off x="819814" y="5334000"/>
+              <a:ext cx="1389985" cy="533400"/>
+            </a:xfrm>
+            <a:prstGeom prst="roundRect">
+              <a:avLst/>
+            </a:prstGeom>
+          </p:spPr>
+          <p:style>
+            <a:lnRef idx="2">
+              <a:schemeClr val="accent3">
+                <a:shade val="50000"/>
+              </a:schemeClr>
+            </a:lnRef>
+            <a:fillRef idx="1">
+              <a:schemeClr val="accent3"/>
+            </a:fillRef>
+            <a:effectRef idx="0">
+              <a:schemeClr val="accent3"/>
+            </a:effectRef>
+            <a:fontRef idx="minor">
+              <a:schemeClr val="lt1"/>
+            </a:fontRef>
+          </p:style>
+          <p:txBody>
+            <a:bodyPr rtlCol="0" anchor="ctr"/>
+            <a:lstStyle/>
+            <a:p>
+              <a:pPr algn="ctr"/>
+              <a:r>
+                <a:rPr lang="en-US" dirty="0" smtClean="0">
+                  <a:solidFill>
+                    <a:schemeClr val="tx1"/>
+                  </a:solidFill>
+                </a:rPr>
+                <a:t>Keyword</a:t>
+              </a:r>
+            </a:p>
+            <a:p>
+              <a:pPr algn="ctr"/>
+              <a:r>
+                <a:rPr lang="en-US" dirty="0" smtClean="0">
+                  <a:solidFill>
+                    <a:schemeClr val="tx1"/>
+                  </a:solidFill>
+                </a:rPr>
+                <a:t>(optional)</a:t>
+              </a:r>
+              <a:endParaRPr lang="en-US" dirty="0">
                 <a:solidFill>
                   <a:schemeClr val="tx1"/>
                 </a:solidFill>
-              </a:rPr>
-              <a:t>(optional)</a:t>
-            </a:r>
-            <a:endParaRPr lang="en-US" dirty="0">
-              <a:solidFill>
-                <a:schemeClr val="tx1"/>
-              </a:solidFill>
-            </a:endParaRPr>
-          </a:p>
-        </p:txBody>
-      </p:sp>
-      <p:sp>
-        <p:nvSpPr>
-          <p:cNvPr id="28" name="Rounded Rectangle 27"/>
-          <p:cNvSpPr/>
-          <p:nvPr/>
-        </p:nvSpPr>
-        <p:spPr>
-          <a:xfrm>
-            <a:off x="819815" y="5064722"/>
-            <a:ext cx="1219200" cy="529581"/>
-          </a:xfrm>
-          <a:prstGeom prst="roundRect">
-            <a:avLst/>
-          </a:prstGeom>
-        </p:spPr>
-        <p:style>
-          <a:lnRef idx="2">
-            <a:schemeClr val="accent3">
-              <a:shade val="50000"/>
-            </a:schemeClr>
-          </a:lnRef>
-          <a:fillRef idx="1">
-            <a:schemeClr val="accent3"/>
-          </a:fillRef>
-          <a:effectRef idx="0">
-            <a:schemeClr val="accent3"/>
-          </a:effectRef>
-          <a:fontRef idx="minor">
-            <a:schemeClr val="lt1"/>
-          </a:fontRef>
-        </p:style>
-        <p:txBody>
-          <a:bodyPr rtlCol="0" anchor="ctr"/>
-          <a:lstStyle/>
-          <a:p>
-            <a:pPr algn="ctr"/>
-            <a:r>
-              <a:rPr lang="en-US" dirty="0" smtClean="0">
+              </a:endParaRPr>
+            </a:p>
+          </p:txBody>
+        </p:sp>
+        <p:sp>
+          <p:nvSpPr>
+            <p:cNvPr id="16" name="Rounded Rectangle 15"/>
+            <p:cNvSpPr/>
+            <p:nvPr/>
+          </p:nvSpPr>
+          <p:spPr>
+            <a:xfrm>
+              <a:off x="3124200" y="533400"/>
+              <a:ext cx="3124200" cy="457200"/>
+            </a:xfrm>
+            <a:prstGeom prst="roundRect">
+              <a:avLst/>
+            </a:prstGeom>
+          </p:spPr>
+          <p:style>
+            <a:lnRef idx="1">
+              <a:schemeClr val="accent3"/>
+            </a:lnRef>
+            <a:fillRef idx="2">
+              <a:schemeClr val="accent3"/>
+            </a:fillRef>
+            <a:effectRef idx="1">
+              <a:schemeClr val="accent3"/>
+            </a:effectRef>
+            <a:fontRef idx="minor">
+              <a:schemeClr val="dk1"/>
+            </a:fontRef>
+          </p:style>
+          <p:txBody>
+            <a:bodyPr rtlCol="0" anchor="ctr"/>
+            <a:lstStyle/>
+            <a:p>
+              <a:pPr algn="ctr"/>
+              <a:r>
+                <a:rPr lang="en-US" dirty="0" smtClean="0">
+                  <a:solidFill>
+                    <a:schemeClr val="tx1"/>
+                  </a:solidFill>
+                </a:rPr>
+                <a:t>Browse </a:t>
+              </a:r>
+              <a:r>
+                <a:rPr lang="en-US" dirty="0" smtClean="0">
+                  <a:solidFill>
+                    <a:schemeClr val="tx1"/>
+                  </a:solidFill>
+                </a:rPr>
+                <a:t>Previous </a:t>
+              </a:r>
+              <a:r>
+                <a:rPr lang="en-US" dirty="0" smtClean="0">
+                  <a:solidFill>
+                    <a:schemeClr val="tx1"/>
+                  </a:solidFill>
+                </a:rPr>
+                <a:t>S</a:t>
+              </a:r>
+              <a:r>
+                <a:rPr lang="en-US" dirty="0" smtClean="0">
+                  <a:solidFill>
+                    <a:schemeClr val="tx1"/>
+                  </a:solidFill>
+                </a:rPr>
+                <a:t>earch</a:t>
+              </a:r>
+              <a:endParaRPr lang="en-US" dirty="0">
                 <a:solidFill>
                   <a:schemeClr val="tx1"/>
                 </a:solidFill>
-              </a:rPr>
-              <a:t>Keyword</a:t>
-            </a:r>
-          </a:p>
-          <a:p>
-            <a:pPr algn="ctr"/>
-            <a:r>
-              <a:rPr lang="en-US" dirty="0" smtClean="0">
-                <a:solidFill>
-                  <a:schemeClr val="tx1"/>
-                </a:solidFill>
-              </a:rPr>
-              <a:t>(optional)</a:t>
-            </a:r>
-            <a:endParaRPr lang="en-US" dirty="0">
-              <a:solidFill>
-                <a:schemeClr val="tx1"/>
-              </a:solidFill>
-            </a:endParaRPr>
-          </a:p>
-        </p:txBody>
-      </p:sp>
-      <p:sp>
-        <p:nvSpPr>
-          <p:cNvPr id="16" name="Rounded Rectangle 15"/>
-          <p:cNvSpPr/>
-          <p:nvPr/>
-        </p:nvSpPr>
-        <p:spPr>
-          <a:xfrm>
-            <a:off x="2895600" y="241388"/>
-            <a:ext cx="2068332" cy="457200"/>
-          </a:xfrm>
-          <a:prstGeom prst="roundRect">
-            <a:avLst/>
-          </a:prstGeom>
-        </p:spPr>
-        <p:style>
-          <a:lnRef idx="1">
-            <a:schemeClr val="accent3"/>
-          </a:lnRef>
-          <a:fillRef idx="2">
-            <a:schemeClr val="accent3"/>
-          </a:fillRef>
-          <a:effectRef idx="1">
-            <a:schemeClr val="accent3"/>
-          </a:effectRef>
-          <a:fontRef idx="minor">
-            <a:schemeClr val="dk1"/>
-          </a:fontRef>
-        </p:style>
-        <p:txBody>
-          <a:bodyPr rtlCol="0" anchor="ctr"/>
-          <a:lstStyle/>
-          <a:p>
-            <a:pPr algn="ctr"/>
-            <a:r>
-              <a:rPr lang="en-US" dirty="0" smtClean="0">
-                <a:solidFill>
-                  <a:schemeClr val="tx1"/>
-                </a:solidFill>
-              </a:rPr>
-              <a:t>Browse previous search</a:t>
-            </a:r>
-            <a:endParaRPr lang="en-US" dirty="0">
-              <a:solidFill>
-                <a:schemeClr val="tx1"/>
-              </a:solidFill>
-            </a:endParaRPr>
-          </a:p>
-        </p:txBody>
-      </p:sp>
-      <p:sp>
-        <p:nvSpPr>
-          <p:cNvPr id="17" name="Rounded Rectangle 16"/>
-          <p:cNvSpPr/>
-          <p:nvPr/>
-        </p:nvSpPr>
-        <p:spPr>
-          <a:xfrm>
-            <a:off x="6553200" y="5543944"/>
-            <a:ext cx="1766455" cy="797511"/>
-          </a:xfrm>
-          <a:prstGeom prst="roundRect">
-            <a:avLst/>
-          </a:prstGeom>
-        </p:spPr>
-        <p:style>
-          <a:lnRef idx="2">
-            <a:schemeClr val="accent2">
-              <a:shade val="50000"/>
-            </a:schemeClr>
-          </a:lnRef>
-          <a:fillRef idx="1">
-            <a:schemeClr val="accent2"/>
-          </a:fillRef>
-          <a:effectRef idx="0">
-            <a:schemeClr val="accent2"/>
-          </a:effectRef>
-          <a:fontRef idx="minor">
-            <a:schemeClr val="lt1"/>
-          </a:fontRef>
-        </p:style>
-        <p:txBody>
-          <a:bodyPr rtlCol="0" anchor="ctr"/>
-          <a:lstStyle/>
-          <a:p>
-            <a:pPr algn="ctr"/>
-            <a:r>
-              <a:rPr lang="en-US" dirty="0" smtClean="0"/>
-              <a:t>Search PubMed</a:t>
-            </a:r>
-            <a:endParaRPr lang="en-US" dirty="0"/>
-          </a:p>
-        </p:txBody>
-      </p:sp>
-      <p:sp>
-        <p:nvSpPr>
-          <p:cNvPr id="4" name="TextBox 3"/>
-          <p:cNvSpPr txBox="1"/>
-          <p:nvPr/>
-        </p:nvSpPr>
-        <p:spPr>
-          <a:xfrm>
-            <a:off x="3472566" y="3938738"/>
-            <a:ext cx="1989057" cy="369332"/>
-          </a:xfrm>
-          <a:prstGeom prst="rect">
-            <a:avLst/>
-          </a:prstGeom>
-          <a:noFill/>
-        </p:spPr>
-        <p:txBody>
-          <a:bodyPr wrap="square" rtlCol="0">
-            <a:spAutoFit/>
-          </a:bodyPr>
-          <a:lstStyle/>
-          <a:p>
-            <a:r>
-              <a:rPr lang="en-US" dirty="0" smtClean="0"/>
-              <a:t>Human</a:t>
-            </a:r>
-            <a:endParaRPr lang="en-US" dirty="0"/>
-          </a:p>
-        </p:txBody>
-      </p:sp>
-      <p:sp>
-        <p:nvSpPr>
-          <p:cNvPr id="3" name="TextBox 2"/>
-          <p:cNvSpPr txBox="1"/>
-          <p:nvPr/>
-        </p:nvSpPr>
-        <p:spPr>
-          <a:xfrm>
-            <a:off x="3472566" y="1312985"/>
-            <a:ext cx="2362200" cy="2031325"/>
-          </a:xfrm>
-          <a:prstGeom prst="rect">
-            <a:avLst/>
-          </a:prstGeom>
-          <a:noFill/>
-        </p:spPr>
-        <p:txBody>
-          <a:bodyPr wrap="square" rtlCol="0">
-            <a:spAutoFit/>
-          </a:bodyPr>
-          <a:lstStyle/>
-          <a:p>
-            <a:r>
-              <a:rPr lang="en-US" dirty="0"/>
-              <a:t>PRRT3</a:t>
-            </a:r>
-          </a:p>
-          <a:p>
-            <a:r>
-              <a:rPr lang="en-US" dirty="0"/>
-              <a:t>LYNX1</a:t>
-            </a:r>
-          </a:p>
-          <a:p>
-            <a:r>
-              <a:rPr lang="en-US" dirty="0"/>
-              <a:t>ST6GAL2</a:t>
-            </a:r>
-          </a:p>
-          <a:p>
-            <a:r>
-              <a:rPr lang="en-US" dirty="0"/>
-              <a:t>CSPG4</a:t>
-            </a:r>
-          </a:p>
-          <a:p>
-            <a:r>
-              <a:rPr lang="en-US" dirty="0"/>
-              <a:t>XYLT2</a:t>
-            </a:r>
-          </a:p>
-          <a:p>
-            <a:r>
-              <a:rPr lang="en-US" dirty="0" smtClean="0"/>
-              <a:t>MB</a:t>
-            </a:r>
-          </a:p>
-          <a:p>
-            <a:r>
-              <a:rPr lang="en-US" dirty="0"/>
-              <a:t>CXCL16</a:t>
-            </a:r>
-          </a:p>
-        </p:txBody>
-      </p:sp>
-      <p:pic>
-        <p:nvPicPr>
-          <p:cNvPr id="5" name="Picture 4"/>
-          <p:cNvPicPr>
-            <a:picLocks noChangeAspect="1"/>
-          </p:cNvPicPr>
-          <p:nvPr/>
-        </p:nvPicPr>
-        <p:blipFill>
-          <a:blip r:embed="rId3" cstate="print">
-            <a:extLst>
-              <a:ext uri="{28A0092B-C50C-407E-A947-70E740481C1C}">
-                <a14:useLocalDpi xmlns:a14="http://schemas.microsoft.com/office/drawing/2010/main" xmlns="" val="0"/>
-              </a:ext>
-            </a:extLst>
-          </a:blip>
-          <a:stretch>
-            <a:fillRect/>
-          </a:stretch>
-        </p:blipFill>
-        <p:spPr>
-          <a:xfrm>
-            <a:off x="6315075" y="1312985"/>
-            <a:ext cx="238125" cy="1933575"/>
-          </a:xfrm>
-          <a:prstGeom prst="rect">
-            <a:avLst/>
-          </a:prstGeom>
-        </p:spPr>
-      </p:pic>
-      <p:pic>
-        <p:nvPicPr>
-          <p:cNvPr id="18" name="Picture 5"/>
-          <p:cNvPicPr>
-            <a:picLocks noChangeAspect="1" noChangeArrowheads="1"/>
-          </p:cNvPicPr>
-          <p:nvPr/>
-        </p:nvPicPr>
-        <p:blipFill>
-          <a:blip r:embed="rId4" cstate="print">
-            <a:extLst>
-              <a:ext uri="{28A0092B-C50C-407E-A947-70E740481C1C}">
-                <a14:useLocalDpi xmlns:a14="http://schemas.microsoft.com/office/drawing/2010/main" xmlns="" val="0"/>
-              </a:ext>
-            </a:extLst>
-          </a:blip>
-          <a:srcRect/>
-          <a:stretch>
-            <a:fillRect/>
-          </a:stretch>
-        </p:blipFill>
-        <p:spPr bwMode="auto">
-          <a:xfrm>
-            <a:off x="7740543" y="5993058"/>
-            <a:ext cx="853137" cy="753188"/>
-          </a:xfrm>
-          <a:prstGeom prst="rect">
-            <a:avLst/>
-          </a:prstGeom>
-          <a:solidFill>
-            <a:schemeClr val="accent1"/>
-          </a:solidFill>
-          <a:ln>
+              </a:endParaRPr>
+            </a:p>
+          </p:txBody>
+        </p:sp>
+        <p:sp>
+          <p:nvSpPr>
+            <p:cNvPr id="17" name="Rounded Rectangle 16"/>
+            <p:cNvSpPr/>
+            <p:nvPr/>
+          </p:nvSpPr>
+          <p:spPr>
+            <a:xfrm>
+              <a:off x="6553200" y="5543944"/>
+              <a:ext cx="1766455" cy="797511"/>
+            </a:xfrm>
+            <a:prstGeom prst="roundRect">
+              <a:avLst/>
+            </a:prstGeom>
+          </p:spPr>
+          <p:style>
+            <a:lnRef idx="2">
+              <a:schemeClr val="accent2">
+                <a:shade val="50000"/>
+              </a:schemeClr>
+            </a:lnRef>
+            <a:fillRef idx="1">
+              <a:schemeClr val="accent2"/>
+            </a:fillRef>
+            <a:effectRef idx="0">
+              <a:schemeClr val="accent2"/>
+            </a:effectRef>
+            <a:fontRef idx="minor">
+              <a:schemeClr val="lt1"/>
+            </a:fontRef>
+          </p:style>
+          <p:txBody>
+            <a:bodyPr rtlCol="0" anchor="ctr"/>
+            <a:lstStyle/>
+            <a:p>
+              <a:pPr algn="ctr"/>
+              <a:r>
+                <a:rPr lang="en-US" dirty="0" smtClean="0"/>
+                <a:t>Search PubMed</a:t>
+              </a:r>
+              <a:endParaRPr lang="en-US" dirty="0"/>
+            </a:p>
+          </p:txBody>
+        </p:sp>
+        <p:sp>
+          <p:nvSpPr>
+            <p:cNvPr id="4" name="TextBox 3"/>
+            <p:cNvSpPr txBox="1"/>
+            <p:nvPr/>
+          </p:nvSpPr>
+          <p:spPr>
+            <a:xfrm>
+              <a:off x="3429000" y="4191000"/>
+              <a:ext cx="1989057" cy="369332"/>
+            </a:xfrm>
+            <a:prstGeom prst="rect">
+              <a:avLst/>
+            </a:prstGeom>
             <a:noFill/>
-          </a:ln>
-        </p:spPr>
-      </p:pic>
-      <p:pic>
-        <p:nvPicPr>
-          <p:cNvPr id="23" name="Picture 22"/>
-          <p:cNvPicPr>
-            <a:picLocks noChangeAspect="1"/>
-          </p:cNvPicPr>
-          <p:nvPr/>
-        </p:nvPicPr>
-        <p:blipFill>
-          <a:blip r:embed="rId5" cstate="print">
-            <a:extLst>
-              <a:ext uri="{28A0092B-C50C-407E-A947-70E740481C1C}">
-                <a14:useLocalDpi xmlns:a14="http://schemas.microsoft.com/office/drawing/2010/main" xmlns="" val="0"/>
-              </a:ext>
-            </a:extLst>
-          </a:blip>
-          <a:stretch>
-            <a:fillRect/>
-          </a:stretch>
-        </p:blipFill>
-        <p:spPr>
-          <a:xfrm>
-            <a:off x="7660240" y="306551"/>
-            <a:ext cx="784073" cy="784073"/>
-          </a:xfrm>
-          <a:prstGeom prst="rect">
-            <a:avLst/>
-          </a:prstGeom>
-          <a:ln>
+          </p:spPr>
+          <p:txBody>
+            <a:bodyPr wrap="square" rtlCol="0">
+              <a:spAutoFit/>
+            </a:bodyPr>
+            <a:lstStyle/>
+            <a:p>
+              <a:r>
+                <a:rPr lang="en-US" dirty="0" smtClean="0"/>
+                <a:t>Human</a:t>
+              </a:r>
+              <a:endParaRPr lang="en-US" dirty="0"/>
+            </a:p>
+          </p:txBody>
+        </p:sp>
+        <p:sp>
+          <p:nvSpPr>
+            <p:cNvPr id="3" name="TextBox 2"/>
+            <p:cNvSpPr txBox="1"/>
+            <p:nvPr/>
+          </p:nvSpPr>
+          <p:spPr>
+            <a:xfrm>
+              <a:off x="3429000" y="1524000"/>
+              <a:ext cx="2362200" cy="2031325"/>
+            </a:xfrm>
+            <a:prstGeom prst="rect">
+              <a:avLst/>
+            </a:prstGeom>
             <a:noFill/>
-          </a:ln>
-          <a:effectLst>
-            <a:softEdge rad="112500"/>
-          </a:effectLst>
-        </p:spPr>
-      </p:pic>
+          </p:spPr>
+          <p:txBody>
+            <a:bodyPr wrap="square" rtlCol="0">
+              <a:spAutoFit/>
+            </a:bodyPr>
+            <a:lstStyle/>
+            <a:p>
+              <a:r>
+                <a:rPr lang="en-US" dirty="0"/>
+                <a:t>PRRT3</a:t>
+              </a:r>
+            </a:p>
+            <a:p>
+              <a:r>
+                <a:rPr lang="en-US" dirty="0"/>
+                <a:t>LYNX1</a:t>
+              </a:r>
+            </a:p>
+            <a:p>
+              <a:r>
+                <a:rPr lang="en-US" dirty="0"/>
+                <a:t>ST6GAL2</a:t>
+              </a:r>
+            </a:p>
+            <a:p>
+              <a:r>
+                <a:rPr lang="en-US" dirty="0"/>
+                <a:t>CSPG4</a:t>
+              </a:r>
+            </a:p>
+            <a:p>
+              <a:r>
+                <a:rPr lang="en-US" dirty="0"/>
+                <a:t>XYLT2</a:t>
+              </a:r>
+            </a:p>
+            <a:p>
+              <a:r>
+                <a:rPr lang="en-US" dirty="0" smtClean="0"/>
+                <a:t>MB</a:t>
+              </a:r>
+            </a:p>
+            <a:p>
+              <a:r>
+                <a:rPr lang="en-US" dirty="0"/>
+                <a:t>CXCL16</a:t>
+              </a:r>
+            </a:p>
+          </p:txBody>
+        </p:sp>
+        <p:pic>
+          <p:nvPicPr>
+            <p:cNvPr id="5" name="Picture 4"/>
+            <p:cNvPicPr>
+              <a:picLocks noChangeAspect="1"/>
+            </p:cNvPicPr>
+            <p:nvPr/>
+          </p:nvPicPr>
+          <p:blipFill>
+            <a:blip r:embed="rId3" cstate="print">
+              <a:extLst>
+                <a:ext uri="{28A0092B-C50C-407E-A947-70E740481C1C}">
+                  <a14:useLocalDpi xmlns="" xmlns:a14="http://schemas.microsoft.com/office/drawing/2010/main" val="0"/>
+                </a:ext>
+              </a:extLst>
+            </a:blip>
+            <a:stretch>
+              <a:fillRect/>
+            </a:stretch>
+          </p:blipFill>
+          <p:spPr>
+            <a:xfrm>
+              <a:off x="6019800" y="1524000"/>
+              <a:ext cx="238125" cy="1933575"/>
+            </a:xfrm>
+            <a:prstGeom prst="rect">
+              <a:avLst/>
+            </a:prstGeom>
+          </p:spPr>
+        </p:pic>
+        <p:pic>
+          <p:nvPicPr>
+            <p:cNvPr id="18" name="Picture 5"/>
+            <p:cNvPicPr>
+              <a:picLocks noChangeAspect="1" noChangeArrowheads="1"/>
+            </p:cNvPicPr>
+            <p:nvPr/>
+          </p:nvPicPr>
+          <p:blipFill>
+            <a:blip r:embed="rId4" cstate="print">
+              <a:extLst>
+                <a:ext uri="{28A0092B-C50C-407E-A947-70E740481C1C}">
+                  <a14:useLocalDpi xmlns="" xmlns:a14="http://schemas.microsoft.com/office/drawing/2010/main" val="0"/>
+                </a:ext>
+              </a:extLst>
+            </a:blip>
+            <a:srcRect/>
+            <a:stretch>
+              <a:fillRect/>
+            </a:stretch>
+          </p:blipFill>
+          <p:spPr bwMode="auto">
+            <a:xfrm>
+              <a:off x="7740543" y="5993058"/>
+              <a:ext cx="853137" cy="753188"/>
+            </a:xfrm>
+            <a:prstGeom prst="rect">
+              <a:avLst/>
+            </a:prstGeom>
+            <a:solidFill>
+              <a:schemeClr val="accent1"/>
+            </a:solidFill>
+            <a:ln>
+              <a:noFill/>
+            </a:ln>
+          </p:spPr>
+        </p:pic>
+        <p:pic>
+          <p:nvPicPr>
+            <p:cNvPr id="23" name="Picture 22"/>
+            <p:cNvPicPr>
+              <a:picLocks noChangeAspect="1"/>
+            </p:cNvPicPr>
+            <p:nvPr/>
+          </p:nvPicPr>
+          <p:blipFill>
+            <a:blip r:embed="rId5" cstate="print">
+              <a:extLst>
+                <a:ext uri="{28A0092B-C50C-407E-A947-70E740481C1C}">
+                  <a14:useLocalDpi xmlns="" xmlns:a14="http://schemas.microsoft.com/office/drawing/2010/main" val="0"/>
+                </a:ext>
+              </a:extLst>
+            </a:blip>
+            <a:stretch>
+              <a:fillRect/>
+            </a:stretch>
+          </p:blipFill>
+          <p:spPr>
+            <a:xfrm>
+              <a:off x="7660240" y="306551"/>
+              <a:ext cx="784073" cy="784073"/>
+            </a:xfrm>
+            <a:prstGeom prst="rect">
+              <a:avLst/>
+            </a:prstGeom>
+            <a:ln>
+              <a:noFill/>
+            </a:ln>
+            <a:effectLst>
+              <a:softEdge rad="112500"/>
+            </a:effectLst>
+          </p:spPr>
+        </p:pic>
+      </p:grpSp>
     </p:spTree>
     <p:extLst>
       <p:ext uri="{BB962C8B-B14F-4D97-AF65-F5344CB8AC3E}">
-        <p14:creationId xmlns:p14="http://schemas.microsoft.com/office/powerpoint/2010/main" xmlns="" val="1482237585"/>
+        <p14:creationId xmlns="" xmlns:p14="http://schemas.microsoft.com/office/powerpoint/2010/main" val="1482237585"/>
       </p:ext>
     </p:extLst>
   </p:cSld>
@@ -8840,7 +8890,7 @@
           <a:blip r:embed="rId3" cstate="print">
             <a:extLst>
               <a:ext uri="{28A0092B-C50C-407E-A947-70E740481C1C}">
-                <a14:useLocalDpi xmlns:a14="http://schemas.microsoft.com/office/drawing/2010/main" xmlns="" val="0"/>
+                <a14:useLocalDpi xmlns="" xmlns:a14="http://schemas.microsoft.com/office/drawing/2010/main" val="0"/>
               </a:ext>
             </a:extLst>
           </a:blip>
@@ -8870,7 +8920,7 @@
           <a:blip r:embed="rId4" cstate="print">
             <a:extLst>
               <a:ext uri="{28A0092B-C50C-407E-A947-70E740481C1C}">
-                <a14:useLocalDpi xmlns:a14="http://schemas.microsoft.com/office/drawing/2010/main" xmlns="" val="0"/>
+                <a14:useLocalDpi xmlns="" xmlns:a14="http://schemas.microsoft.com/office/drawing/2010/main" val="0"/>
               </a:ext>
             </a:extLst>
           </a:blip>
@@ -8907,7 +8957,7 @@
           <a:blip r:embed="rId5" cstate="print">
             <a:extLst>
               <a:ext uri="{28A0092B-C50C-407E-A947-70E740481C1C}">
-                <a14:useLocalDpi xmlns:a14="http://schemas.microsoft.com/office/drawing/2010/main" xmlns="" val="0"/>
+                <a14:useLocalDpi xmlns="" xmlns:a14="http://schemas.microsoft.com/office/drawing/2010/main" val="0"/>
               </a:ext>
             </a:extLst>
           </a:blip>
@@ -8927,7 +8977,7 @@
           <a:noFill/>
           <a:extLst>
             <a:ext uri="{909E8E84-426E-40DD-AFC4-6F175D3DCCD1}">
-              <a14:hiddenFill xmlns:a14="http://schemas.microsoft.com/office/drawing/2010/main" xmlns="">
+              <a14:hiddenFill xmlns="" xmlns:a14="http://schemas.microsoft.com/office/drawing/2010/main">
                 <a:solidFill>
                   <a:srgbClr val="FFFFFF"/>
                 </a:solidFill>
@@ -8978,7 +9028,7 @@
           <a:blip r:embed="rId6" cstate="print">
             <a:extLst>
               <a:ext uri="{28A0092B-C50C-407E-A947-70E740481C1C}">
-                <a14:useLocalDpi xmlns:a14="http://schemas.microsoft.com/office/drawing/2010/main" xmlns="" val="0"/>
+                <a14:useLocalDpi xmlns="" xmlns:a14="http://schemas.microsoft.com/office/drawing/2010/main" val="0"/>
               </a:ext>
             </a:extLst>
           </a:blip>
@@ -9005,7 +9055,7 @@
     </p:spTree>
     <p:extLst>
       <p:ext uri="{BB962C8B-B14F-4D97-AF65-F5344CB8AC3E}">
-        <p14:creationId xmlns:p14="http://schemas.microsoft.com/office/powerpoint/2010/main" xmlns="" val="1564061355"/>
+        <p14:creationId xmlns="" xmlns:p14="http://schemas.microsoft.com/office/powerpoint/2010/main" val="1564061355"/>
       </p:ext>
     </p:extLst>
   </p:cSld>
@@ -9341,7 +9391,7 @@
           <p:nvPr>
             <p:extLst>
               <p:ext uri="{D42A27DB-BD31-4B8C-83A1-F6EECF244321}">
-                <p14:modId xmlns:p14="http://schemas.microsoft.com/office/powerpoint/2010/main" xmlns="" val="1028401217"/>
+                <p14:modId xmlns="" xmlns:p14="http://schemas.microsoft.com/office/powerpoint/2010/main" val="1028401217"/>
               </p:ext>
             </p:extLst>
           </p:nvPr>
@@ -9832,7 +9882,7 @@
           <a:blip r:embed="rId3" cstate="print">
             <a:extLst>
               <a:ext uri="{28A0092B-C50C-407E-A947-70E740481C1C}">
-                <a14:useLocalDpi xmlns:a14="http://schemas.microsoft.com/office/drawing/2010/main" xmlns="" val="0"/>
+                <a14:useLocalDpi xmlns="" xmlns:a14="http://schemas.microsoft.com/office/drawing/2010/main" val="0"/>
               </a:ext>
             </a:extLst>
           </a:blip>
@@ -9859,7 +9909,7 @@
     </p:spTree>
     <p:extLst>
       <p:ext uri="{BB962C8B-B14F-4D97-AF65-F5344CB8AC3E}">
-        <p14:creationId xmlns:p14="http://schemas.microsoft.com/office/powerpoint/2010/main" xmlns="" val="3002669296"/>
+        <p14:creationId xmlns="" xmlns:p14="http://schemas.microsoft.com/office/powerpoint/2010/main" val="3002669296"/>
       </p:ext>
     </p:extLst>
   </p:cSld>
@@ -10233,7 +10283,7 @@
           <p:nvPr>
             <p:extLst>
               <p:ext uri="{D42A27DB-BD31-4B8C-83A1-F6EECF244321}">
-                <p14:modId xmlns:p14="http://schemas.microsoft.com/office/powerpoint/2010/main" xmlns="" val="2581196658"/>
+                <p14:modId xmlns="" xmlns:p14="http://schemas.microsoft.com/office/powerpoint/2010/main" val="2581196658"/>
               </p:ext>
             </p:extLst>
           </p:nvPr>
@@ -10686,7 +10736,7 @@
           <a:blip r:embed="rId3" cstate="print">
             <a:extLst>
               <a:ext uri="{28A0092B-C50C-407E-A947-70E740481C1C}">
-                <a14:useLocalDpi xmlns:a14="http://schemas.microsoft.com/office/drawing/2010/main" xmlns="" val="0"/>
+                <a14:useLocalDpi xmlns="" xmlns:a14="http://schemas.microsoft.com/office/drawing/2010/main" val="0"/>
               </a:ext>
             </a:extLst>
           </a:blip>
@@ -10723,7 +10773,7 @@
           <a:blip r:embed="rId4" cstate="print">
             <a:extLst>
               <a:ext uri="{28A0092B-C50C-407E-A947-70E740481C1C}">
-                <a14:useLocalDpi xmlns:a14="http://schemas.microsoft.com/office/drawing/2010/main" xmlns="" val="0"/>
+                <a14:useLocalDpi xmlns="" xmlns:a14="http://schemas.microsoft.com/office/drawing/2010/main" val="0"/>
               </a:ext>
             </a:extLst>
           </a:blip>
@@ -10750,7 +10800,7 @@
     </p:spTree>
     <p:extLst>
       <p:ext uri="{BB962C8B-B14F-4D97-AF65-F5344CB8AC3E}">
-        <p14:creationId xmlns:p14="http://schemas.microsoft.com/office/powerpoint/2010/main" xmlns="" val="2467643964"/>
+        <p14:creationId xmlns="" xmlns:p14="http://schemas.microsoft.com/office/powerpoint/2010/main" val="2467643964"/>
       </p:ext>
     </p:extLst>
   </p:cSld>
@@ -11124,7 +11174,7 @@
           <p:nvPr>
             <p:extLst>
               <p:ext uri="{D42A27DB-BD31-4B8C-83A1-F6EECF244321}">
-                <p14:modId xmlns:p14="http://schemas.microsoft.com/office/powerpoint/2010/main" xmlns="" val="1631089700"/>
+                <p14:modId xmlns="" xmlns:p14="http://schemas.microsoft.com/office/powerpoint/2010/main" val="1631089700"/>
               </p:ext>
             </p:extLst>
           </p:nvPr>
@@ -11577,7 +11627,7 @@
           <a:blip r:embed="rId3" cstate="print">
             <a:extLst>
               <a:ext uri="{28A0092B-C50C-407E-A947-70E740481C1C}">
-                <a14:useLocalDpi xmlns:a14="http://schemas.microsoft.com/office/drawing/2010/main" xmlns="" val="0"/>
+                <a14:useLocalDpi xmlns="" xmlns:a14="http://schemas.microsoft.com/office/drawing/2010/main" val="0"/>
               </a:ext>
             </a:extLst>
           </a:blip>
@@ -11686,7 +11736,7 @@
           <a:blip r:embed="rId4" cstate="print">
             <a:extLst>
               <a:ext uri="{28A0092B-C50C-407E-A947-70E740481C1C}">
-                <a14:useLocalDpi xmlns:a14="http://schemas.microsoft.com/office/drawing/2010/main" xmlns="" val="0"/>
+                <a14:useLocalDpi xmlns="" xmlns:a14="http://schemas.microsoft.com/office/drawing/2010/main" val="0"/>
               </a:ext>
             </a:extLst>
           </a:blip>
@@ -11713,7 +11763,7 @@
     </p:spTree>
     <p:extLst>
       <p:ext uri="{BB962C8B-B14F-4D97-AF65-F5344CB8AC3E}">
-        <p14:creationId xmlns:p14="http://schemas.microsoft.com/office/powerpoint/2010/main" xmlns="" val="1222208059"/>
+        <p14:creationId xmlns="" xmlns:p14="http://schemas.microsoft.com/office/powerpoint/2010/main" val="1222208059"/>
       </p:ext>
     </p:extLst>
   </p:cSld>
@@ -12087,7 +12137,7 @@
           <p:nvPr>
             <p:extLst>
               <p:ext uri="{D42A27DB-BD31-4B8C-83A1-F6EECF244321}">
-                <p14:modId xmlns:p14="http://schemas.microsoft.com/office/powerpoint/2010/main" xmlns="" val="2661764781"/>
+                <p14:modId xmlns="" xmlns:p14="http://schemas.microsoft.com/office/powerpoint/2010/main" val="2661764781"/>
               </p:ext>
             </p:extLst>
           </p:nvPr>
@@ -12540,7 +12590,7 @@
           <a:blip r:embed="rId3" cstate="print">
             <a:extLst>
               <a:ext uri="{28A0092B-C50C-407E-A947-70E740481C1C}">
-                <a14:useLocalDpi xmlns:a14="http://schemas.microsoft.com/office/drawing/2010/main" xmlns="" val="0"/>
+                <a14:useLocalDpi xmlns="" xmlns:a14="http://schemas.microsoft.com/office/drawing/2010/main" val="0"/>
               </a:ext>
             </a:extLst>
           </a:blip>
@@ -12577,7 +12627,7 @@
           <a:blip r:embed="rId4" cstate="print">
             <a:extLst>
               <a:ext uri="{28A0092B-C50C-407E-A947-70E740481C1C}">
-                <a14:useLocalDpi xmlns:a14="http://schemas.microsoft.com/office/drawing/2010/main" xmlns="" val="0"/>
+                <a14:useLocalDpi xmlns="" xmlns:a14="http://schemas.microsoft.com/office/drawing/2010/main" val="0"/>
               </a:ext>
             </a:extLst>
           </a:blip>
@@ -12604,7 +12654,7 @@
     </p:spTree>
     <p:extLst>
       <p:ext uri="{BB962C8B-B14F-4D97-AF65-F5344CB8AC3E}">
-        <p14:creationId xmlns:p14="http://schemas.microsoft.com/office/powerpoint/2010/main" xmlns="" val="3226142448"/>
+        <p14:creationId xmlns="" xmlns:p14="http://schemas.microsoft.com/office/powerpoint/2010/main" val="3226142448"/>
       </p:ext>
     </p:extLst>
   </p:cSld>
@@ -12622,6 +12672,905 @@
 </file>
 
 <file path=ppt/slides/slide17.xml><?xml version="1.0" encoding="utf-8"?>
+<p:sld xmlns:a="http://schemas.openxmlformats.org/drawingml/2006/main" xmlns:r="http://schemas.openxmlformats.org/officeDocument/2006/relationships" xmlns:p="http://schemas.openxmlformats.org/presentationml/2006/main">
+  <p:cSld>
+    <p:spTree>
+      <p:nvGrpSpPr>
+        <p:cNvPr id="1" name=""/>
+        <p:cNvGrpSpPr/>
+        <p:nvPr/>
+      </p:nvGrpSpPr>
+      <p:grpSpPr>
+        <a:xfrm>
+          <a:off x="0" y="0"/>
+          <a:ext cx="0" cy="0"/>
+          <a:chOff x="0" y="0"/>
+          <a:chExt cx="0" cy="0"/>
+        </a:xfrm>
+      </p:grpSpPr>
+      <p:sp>
+        <p:nvSpPr>
+          <p:cNvPr id="2" name="Title 1"/>
+          <p:cNvSpPr>
+            <a:spLocks noGrp="1"/>
+          </p:cNvSpPr>
+          <p:nvPr>
+            <p:ph type="ctrTitle"/>
+          </p:nvPr>
+        </p:nvSpPr>
+        <p:spPr/>
+        <p:txBody>
+          <a:bodyPr/>
+          <a:lstStyle/>
+          <a:p>
+            <a:r>
+              <a:rPr lang="en-US" dirty="0" smtClean="0"/>
+              <a:t>+</a:t>
+            </a:r>
+            <a:endParaRPr lang="en-US" dirty="0"/>
+          </a:p>
+        </p:txBody>
+      </p:sp>
+      <p:sp>
+        <p:nvSpPr>
+          <p:cNvPr id="3" name="Subtitle 2"/>
+          <p:cNvSpPr>
+            <a:spLocks noGrp="1"/>
+          </p:cNvSpPr>
+          <p:nvPr>
+            <p:ph type="subTitle" idx="1"/>
+          </p:nvPr>
+        </p:nvSpPr>
+        <p:spPr/>
+        <p:txBody>
+          <a:bodyPr/>
+          <a:lstStyle/>
+          <a:p>
+            <a:endParaRPr lang="en-US"/>
+          </a:p>
+        </p:txBody>
+      </p:sp>
+      <p:sp>
+        <p:nvSpPr>
+          <p:cNvPr id="5" name="Rectangle 4"/>
+          <p:cNvSpPr/>
+          <p:nvPr/>
+        </p:nvSpPr>
+        <p:spPr>
+          <a:xfrm>
+            <a:off x="215074" y="152400"/>
+            <a:ext cx="8624126" cy="6477000"/>
+          </a:xfrm>
+          <a:prstGeom prst="rect">
+            <a:avLst/>
+          </a:prstGeom>
+        </p:spPr>
+        <p:style>
+          <a:lnRef idx="3">
+            <a:schemeClr val="lt1"/>
+          </a:lnRef>
+          <a:fillRef idx="1">
+            <a:schemeClr val="accent1"/>
+          </a:fillRef>
+          <a:effectRef idx="1">
+            <a:schemeClr val="accent1"/>
+          </a:effectRef>
+          <a:fontRef idx="minor">
+            <a:schemeClr val="lt1"/>
+          </a:fontRef>
+        </p:style>
+        <p:txBody>
+          <a:bodyPr rtlCol="0" anchor="ctr"/>
+          <a:lstStyle/>
+          <a:p>
+            <a:pPr algn="ctr"/>
+            <a:r>
+              <a:rPr lang="en-US" dirty="0" smtClean="0"/>
+              <a:t>+[[</a:t>
+            </a:r>
+            <a:endParaRPr lang="en-US" dirty="0"/>
+          </a:p>
+        </p:txBody>
+      </p:sp>
+      <p:sp>
+        <p:nvSpPr>
+          <p:cNvPr id="23" name="Content Placeholder 4"/>
+          <p:cNvSpPr txBox="1">
+            <a:spLocks/>
+          </p:cNvSpPr>
+          <p:nvPr/>
+        </p:nvSpPr>
+        <p:spPr>
+          <a:xfrm>
+            <a:off x="3106275" y="304800"/>
+            <a:ext cx="2971800" cy="546191"/>
+          </a:xfrm>
+          <a:prstGeom prst="roundRect">
+            <a:avLst/>
+          </a:prstGeom>
+        </p:spPr>
+        <p:style>
+          <a:lnRef idx="2">
+            <a:schemeClr val="accent3">
+              <a:shade val="50000"/>
+            </a:schemeClr>
+          </a:lnRef>
+          <a:fillRef idx="1">
+            <a:schemeClr val="accent3"/>
+          </a:fillRef>
+          <a:effectRef idx="0">
+            <a:schemeClr val="accent3"/>
+          </a:effectRef>
+          <a:fontRef idx="minor">
+            <a:schemeClr val="lt1"/>
+          </a:fontRef>
+        </p:style>
+        <p:txBody>
+          <a:bodyPr vert="horz" lIns="91440" tIns="45720" rIns="91440" bIns="45720" rtlCol="0" anchor="ctr">
+            <a:normAutofit fontScale="92500" lnSpcReduction="20000"/>
+          </a:bodyPr>
+          <a:lstStyle>
+            <a:lvl1pPr marL="0" indent="0" algn="ctr" defTabSz="914400" rtl="0" eaLnBrk="1" latinLnBrk="0" hangingPunct="1">
+              <a:spcBef>
+                <a:spcPct val="20000"/>
+              </a:spcBef>
+              <a:buFont typeface="Arial" pitchFamily="34" charset="0"/>
+              <a:buNone/>
+              <a:defRPr sz="3200" kern="1200">
+                <a:solidFill>
+                  <a:schemeClr val="tx1">
+                    <a:tint val="75000"/>
+                  </a:schemeClr>
+                </a:solidFill>
+                <a:latin typeface="+mn-lt"/>
+                <a:ea typeface="+mn-ea"/>
+                <a:cs typeface="+mn-cs"/>
+              </a:defRPr>
+            </a:lvl1pPr>
+            <a:lvl2pPr marL="457200" indent="0" algn="ctr" defTabSz="914400" rtl="0" eaLnBrk="1" latinLnBrk="0" hangingPunct="1">
+              <a:spcBef>
+                <a:spcPct val="20000"/>
+              </a:spcBef>
+              <a:buFont typeface="Arial" pitchFamily="34" charset="0"/>
+              <a:buNone/>
+              <a:defRPr sz="2800" kern="1200">
+                <a:solidFill>
+                  <a:schemeClr val="tx1">
+                    <a:tint val="75000"/>
+                  </a:schemeClr>
+                </a:solidFill>
+                <a:latin typeface="+mn-lt"/>
+                <a:ea typeface="+mn-ea"/>
+                <a:cs typeface="+mn-cs"/>
+              </a:defRPr>
+            </a:lvl2pPr>
+            <a:lvl3pPr marL="914400" indent="0" algn="ctr" defTabSz="914400" rtl="0" eaLnBrk="1" latinLnBrk="0" hangingPunct="1">
+              <a:spcBef>
+                <a:spcPct val="20000"/>
+              </a:spcBef>
+              <a:buFont typeface="Arial" pitchFamily="34" charset="0"/>
+              <a:buNone/>
+              <a:defRPr sz="2400" kern="1200">
+                <a:solidFill>
+                  <a:schemeClr val="tx1">
+                    <a:tint val="75000"/>
+                  </a:schemeClr>
+                </a:solidFill>
+                <a:latin typeface="+mn-lt"/>
+                <a:ea typeface="+mn-ea"/>
+                <a:cs typeface="+mn-cs"/>
+              </a:defRPr>
+            </a:lvl3pPr>
+            <a:lvl4pPr marL="1371600" indent="0" algn="ctr" defTabSz="914400" rtl="0" eaLnBrk="1" latinLnBrk="0" hangingPunct="1">
+              <a:spcBef>
+                <a:spcPct val="20000"/>
+              </a:spcBef>
+              <a:buFont typeface="Arial" pitchFamily="34" charset="0"/>
+              <a:buNone/>
+              <a:defRPr sz="2000" kern="1200">
+                <a:solidFill>
+                  <a:schemeClr val="tx1">
+                    <a:tint val="75000"/>
+                  </a:schemeClr>
+                </a:solidFill>
+                <a:latin typeface="+mn-lt"/>
+                <a:ea typeface="+mn-ea"/>
+                <a:cs typeface="+mn-cs"/>
+              </a:defRPr>
+            </a:lvl4pPr>
+            <a:lvl5pPr marL="1828800" indent="0" algn="ctr" defTabSz="914400" rtl="0" eaLnBrk="1" latinLnBrk="0" hangingPunct="1">
+              <a:spcBef>
+                <a:spcPct val="20000"/>
+              </a:spcBef>
+              <a:buFont typeface="Arial" pitchFamily="34" charset="0"/>
+              <a:buNone/>
+              <a:defRPr sz="2000" kern="1200">
+                <a:solidFill>
+                  <a:schemeClr val="tx1">
+                    <a:tint val="75000"/>
+                  </a:schemeClr>
+                </a:solidFill>
+                <a:latin typeface="+mn-lt"/>
+                <a:ea typeface="+mn-ea"/>
+                <a:cs typeface="+mn-cs"/>
+              </a:defRPr>
+            </a:lvl5pPr>
+            <a:lvl6pPr marL="2286000" indent="0" algn="ctr" defTabSz="914400" rtl="0" eaLnBrk="1" latinLnBrk="0" hangingPunct="1">
+              <a:spcBef>
+                <a:spcPct val="20000"/>
+              </a:spcBef>
+              <a:buFont typeface="Arial" pitchFamily="34" charset="0"/>
+              <a:buNone/>
+              <a:defRPr sz="2000" kern="1200">
+                <a:solidFill>
+                  <a:schemeClr val="tx1">
+                    <a:tint val="75000"/>
+                  </a:schemeClr>
+                </a:solidFill>
+                <a:latin typeface="+mn-lt"/>
+                <a:ea typeface="+mn-ea"/>
+                <a:cs typeface="+mn-cs"/>
+              </a:defRPr>
+            </a:lvl6pPr>
+            <a:lvl7pPr marL="2743200" indent="0" algn="ctr" defTabSz="914400" rtl="0" eaLnBrk="1" latinLnBrk="0" hangingPunct="1">
+              <a:spcBef>
+                <a:spcPct val="20000"/>
+              </a:spcBef>
+              <a:buFont typeface="Arial" pitchFamily="34" charset="0"/>
+              <a:buNone/>
+              <a:defRPr sz="2000" kern="1200">
+                <a:solidFill>
+                  <a:schemeClr val="tx1">
+                    <a:tint val="75000"/>
+                  </a:schemeClr>
+                </a:solidFill>
+                <a:latin typeface="+mn-lt"/>
+                <a:ea typeface="+mn-ea"/>
+                <a:cs typeface="+mn-cs"/>
+              </a:defRPr>
+            </a:lvl7pPr>
+            <a:lvl8pPr marL="3200400" indent="0" algn="ctr" defTabSz="914400" rtl="0" eaLnBrk="1" latinLnBrk="0" hangingPunct="1">
+              <a:spcBef>
+                <a:spcPct val="20000"/>
+              </a:spcBef>
+              <a:buFont typeface="Arial" pitchFamily="34" charset="0"/>
+              <a:buNone/>
+              <a:defRPr sz="2000" kern="1200">
+                <a:solidFill>
+                  <a:schemeClr val="tx1">
+                    <a:tint val="75000"/>
+                  </a:schemeClr>
+                </a:solidFill>
+                <a:latin typeface="+mn-lt"/>
+                <a:ea typeface="+mn-ea"/>
+                <a:cs typeface="+mn-cs"/>
+              </a:defRPr>
+            </a:lvl8pPr>
+            <a:lvl9pPr marL="3657600" indent="0" algn="ctr" defTabSz="914400" rtl="0" eaLnBrk="1" latinLnBrk="0" hangingPunct="1">
+              <a:spcBef>
+                <a:spcPct val="20000"/>
+              </a:spcBef>
+              <a:buFont typeface="Arial" pitchFamily="34" charset="0"/>
+              <a:buNone/>
+              <a:defRPr sz="2000" kern="1200">
+                <a:solidFill>
+                  <a:schemeClr val="tx1">
+                    <a:tint val="75000"/>
+                  </a:schemeClr>
+                </a:solidFill>
+                <a:latin typeface="+mn-lt"/>
+                <a:ea typeface="+mn-ea"/>
+                <a:cs typeface="+mn-cs"/>
+              </a:defRPr>
+            </a:lvl9pPr>
+          </a:lstStyle>
+          <a:p>
+            <a:r>
+              <a:rPr lang="en-US" dirty="0" smtClean="0">
+                <a:solidFill>
+                  <a:schemeClr val="tx1"/>
+                </a:solidFill>
+              </a:rPr>
+              <a:t>Hit Count </a:t>
+            </a:r>
+            <a:r>
+              <a:rPr lang="en-US" dirty="0" smtClean="0">
+                <a:solidFill>
+                  <a:schemeClr val="tx1"/>
+                </a:solidFill>
+              </a:rPr>
+              <a:t>Table</a:t>
+            </a:r>
+            <a:endParaRPr lang="en-US" dirty="0">
+              <a:solidFill>
+                <a:schemeClr val="tx1"/>
+              </a:solidFill>
+            </a:endParaRPr>
+          </a:p>
+        </p:txBody>
+      </p:sp>
+      <p:sp>
+        <p:nvSpPr>
+          <p:cNvPr id="11" name="TextBox 10"/>
+          <p:cNvSpPr txBox="1"/>
+          <p:nvPr/>
+        </p:nvSpPr>
+        <p:spPr>
+          <a:xfrm>
+            <a:off x="6236677" y="6139934"/>
+            <a:ext cx="2170787" cy="369332"/>
+          </a:xfrm>
+          <a:prstGeom prst="rect">
+            <a:avLst/>
+          </a:prstGeom>
+          <a:noFill/>
+        </p:spPr>
+        <p:txBody>
+          <a:bodyPr wrap="none" rtlCol="0">
+            <a:spAutoFit/>
+          </a:bodyPr>
+          <a:lstStyle/>
+          <a:p>
+            <a:r>
+              <a:rPr lang="en-US" u="sng" dirty="0" smtClean="0">
+                <a:solidFill>
+                  <a:schemeClr val="tx2"/>
+                </a:solidFill>
+              </a:rPr>
+              <a:t>1 2 3 4 5 6 7 8…20 21</a:t>
+            </a:r>
+            <a:endParaRPr lang="en-US" u="sng" dirty="0">
+              <a:solidFill>
+                <a:schemeClr val="tx2"/>
+              </a:solidFill>
+            </a:endParaRPr>
+          </a:p>
+        </p:txBody>
+      </p:sp>
+      <p:graphicFrame>
+        <p:nvGraphicFramePr>
+          <p:cNvPr id="13" name="Table 12"/>
+          <p:cNvGraphicFramePr>
+            <a:graphicFrameLocks noGrp="1"/>
+          </p:cNvGraphicFramePr>
+          <p:nvPr>
+            <p:extLst>
+              <p:ext uri="{D42A27DB-BD31-4B8C-83A1-F6EECF244321}">
+                <p14:modId xmlns="" xmlns:p14="http://schemas.microsoft.com/office/powerpoint/2010/main" val="939224728"/>
+              </p:ext>
+            </p:extLst>
+          </p:nvPr>
+        </p:nvGraphicFramePr>
+        <p:xfrm>
+          <a:off x="533400" y="1219199"/>
+          <a:ext cx="8077200" cy="4876798"/>
+        </p:xfrm>
+        <a:graphic>
+          <a:graphicData uri="http://schemas.openxmlformats.org/drawingml/2006/table">
+            <a:tbl>
+              <a:tblPr firstRow="1" bandRow="1">
+                <a:tableStyleId>{7DF18680-E054-41AD-8BC1-D1AEF772440D}</a:tableStyleId>
+              </a:tblPr>
+              <a:tblGrid>
+                <a:gridCol w="4114800"/>
+                <a:gridCol w="3962400"/>
+              </a:tblGrid>
+              <a:tr h="440622">
+                <a:tc>
+                  <a:txBody>
+                    <a:bodyPr/>
+                    <a:lstStyle/>
+                    <a:p>
+                      <a:r>
+                        <a:rPr lang="en-US" sz="2000" dirty="0" smtClean="0"/>
+                        <a:t>Number of publication</a:t>
+                      </a:r>
+                      <a:endParaRPr lang="en-US" sz="2000" dirty="0"/>
+                    </a:p>
+                  </a:txBody>
+                  <a:tcPr/>
+                </a:tc>
+                <a:tc>
+                  <a:txBody>
+                    <a:bodyPr/>
+                    <a:lstStyle/>
+                    <a:p>
+                      <a:r>
+                        <a:rPr lang="en-US" sz="2000" dirty="0" smtClean="0"/>
+                        <a:t>Protein</a:t>
+                      </a:r>
+                      <a:r>
+                        <a:rPr lang="en-US" sz="2000" baseline="0" dirty="0" smtClean="0"/>
+                        <a:t> </a:t>
+                      </a:r>
+                      <a:endParaRPr lang="en-US" sz="2000" dirty="0"/>
+                    </a:p>
+                  </a:txBody>
+                  <a:tcPr/>
+                </a:tc>
+              </a:tr>
+              <a:tr h="436345">
+                <a:tc>
+                  <a:txBody>
+                    <a:bodyPr/>
+                    <a:lstStyle/>
+                    <a:p>
+                      <a:r>
+                        <a:rPr lang="en-US" sz="1800" b="1" i="0" u="sng" kern="1200" dirty="0" smtClean="0">
+                          <a:solidFill>
+                            <a:schemeClr val="accent2"/>
+                          </a:solidFill>
+                          <a:effectLst/>
+                          <a:latin typeface="+mn-lt"/>
+                          <a:ea typeface="+mn-ea"/>
+                          <a:cs typeface="+mn-cs"/>
+                        </a:rPr>
+                        <a:t>13311994</a:t>
+                      </a:r>
+                      <a:endParaRPr lang="en-US" sz="2000" b="1" u="sng" dirty="0">
+                        <a:solidFill>
+                          <a:schemeClr val="accent2"/>
+                        </a:solidFill>
+                      </a:endParaRPr>
+                    </a:p>
+                  </a:txBody>
+                  <a:tcPr/>
+                </a:tc>
+                <a:tc>
+                  <a:txBody>
+                    <a:bodyPr/>
+                    <a:lstStyle/>
+                    <a:p>
+                      <a:r>
+                        <a:rPr lang="en-US" sz="2000" dirty="0" smtClean="0"/>
+                        <a:t>PRRT3</a:t>
+                      </a:r>
+                      <a:endParaRPr lang="en-US" sz="2000" dirty="0"/>
+                    </a:p>
+                  </a:txBody>
+                  <a:tcPr/>
+                </a:tc>
+              </a:tr>
+              <a:tr h="436345">
+                <a:tc>
+                  <a:txBody>
+                    <a:bodyPr/>
+                    <a:lstStyle/>
+                    <a:p>
+                      <a:r>
+                        <a:rPr lang="en-US" sz="2000" b="1" u="sng" dirty="0" smtClean="0">
+                          <a:solidFill>
+                            <a:schemeClr val="accent2"/>
+                          </a:solidFill>
+                        </a:rPr>
+                        <a:t>15</a:t>
+                      </a:r>
+                      <a:endParaRPr lang="en-US" sz="2000" b="1" u="sng" dirty="0">
+                        <a:solidFill>
+                          <a:schemeClr val="accent2"/>
+                        </a:solidFill>
+                      </a:endParaRPr>
+                    </a:p>
+                  </a:txBody>
+                  <a:tcPr/>
+                </a:tc>
+                <a:tc>
+                  <a:txBody>
+                    <a:bodyPr/>
+                    <a:lstStyle/>
+                    <a:p>
+                      <a:r>
+                        <a:rPr lang="en-US" sz="2000" dirty="0" smtClean="0"/>
+                        <a:t>LYNX1</a:t>
+                      </a:r>
+                      <a:endParaRPr lang="en-US" sz="2000" dirty="0"/>
+                    </a:p>
+                  </a:txBody>
+                  <a:tcPr/>
+                </a:tc>
+              </a:tr>
+              <a:tr h="509071">
+                <a:tc>
+                  <a:txBody>
+                    <a:bodyPr/>
+                    <a:lstStyle/>
+                    <a:p>
+                      <a:r>
+                        <a:rPr lang="en-US" sz="2000" b="1" u="sng" dirty="0" smtClean="0">
+                          <a:solidFill>
+                            <a:schemeClr val="accent2"/>
+                          </a:solidFill>
+                        </a:rPr>
+                        <a:t>6</a:t>
+                      </a:r>
+                      <a:endParaRPr lang="en-US" sz="2000" b="1" u="sng" dirty="0">
+                        <a:solidFill>
+                          <a:schemeClr val="accent2"/>
+                        </a:solidFill>
+                      </a:endParaRPr>
+                    </a:p>
+                  </a:txBody>
+                  <a:tcPr/>
+                </a:tc>
+                <a:tc>
+                  <a:txBody>
+                    <a:bodyPr/>
+                    <a:lstStyle/>
+                    <a:p>
+                      <a:r>
+                        <a:rPr lang="en-US" sz="2000" dirty="0" smtClean="0"/>
+                        <a:t>ST6GAL2</a:t>
+                      </a:r>
+                      <a:endParaRPr lang="en-US" sz="2000" dirty="0"/>
+                    </a:p>
+                  </a:txBody>
+                  <a:tcPr/>
+                </a:tc>
+              </a:tr>
+              <a:tr h="436345">
+                <a:tc>
+                  <a:txBody>
+                    <a:bodyPr/>
+                    <a:lstStyle/>
+                    <a:p>
+                      <a:r>
+                        <a:rPr lang="en-US" sz="2000" b="1" u="sng" dirty="0" smtClean="0">
+                          <a:solidFill>
+                            <a:schemeClr val="accent2"/>
+                          </a:solidFill>
+                        </a:rPr>
+                        <a:t>45</a:t>
+                      </a:r>
+                      <a:endParaRPr lang="en-US" sz="2000" b="1" u="sng" dirty="0">
+                        <a:solidFill>
+                          <a:schemeClr val="accent2"/>
+                        </a:solidFill>
+                      </a:endParaRPr>
+                    </a:p>
+                  </a:txBody>
+                  <a:tcPr/>
+                </a:tc>
+                <a:tc>
+                  <a:txBody>
+                    <a:bodyPr/>
+                    <a:lstStyle/>
+                    <a:p>
+                      <a:r>
+                        <a:rPr lang="en-US" sz="2000" dirty="0" smtClean="0"/>
+                        <a:t>CSPG4</a:t>
+                      </a:r>
+                      <a:endParaRPr lang="en-US" sz="2000" dirty="0"/>
+                    </a:p>
+                  </a:txBody>
+                  <a:tcPr/>
+                </a:tc>
+              </a:tr>
+              <a:tr h="436345">
+                <a:tc>
+                  <a:txBody>
+                    <a:bodyPr/>
+                    <a:lstStyle/>
+                    <a:p>
+                      <a:r>
+                        <a:rPr lang="en-US" sz="2000" b="1" u="sng" dirty="0" smtClean="0">
+                          <a:solidFill>
+                            <a:schemeClr val="accent2"/>
+                          </a:solidFill>
+                        </a:rPr>
+                        <a:t>11</a:t>
+                      </a:r>
+                      <a:endParaRPr lang="en-US" sz="2000" b="1" u="sng" dirty="0">
+                        <a:solidFill>
+                          <a:schemeClr val="accent2"/>
+                        </a:solidFill>
+                      </a:endParaRPr>
+                    </a:p>
+                  </a:txBody>
+                  <a:tcPr/>
+                </a:tc>
+                <a:tc>
+                  <a:txBody>
+                    <a:bodyPr/>
+                    <a:lstStyle/>
+                    <a:p>
+                      <a:r>
+                        <a:rPr lang="en-US" sz="2000" dirty="0" smtClean="0"/>
+                        <a:t>XYLT2</a:t>
+                      </a:r>
+                      <a:endParaRPr lang="en-US" sz="2000" dirty="0"/>
+                    </a:p>
+                  </a:txBody>
+                  <a:tcPr/>
+                </a:tc>
+              </a:tr>
+              <a:tr h="436345">
+                <a:tc>
+                  <a:txBody>
+                    <a:bodyPr/>
+                    <a:lstStyle/>
+                    <a:p>
+                      <a:r>
+                        <a:rPr lang="en-US" sz="2000" b="1" u="sng" dirty="0" smtClean="0">
+                          <a:solidFill>
+                            <a:schemeClr val="accent2"/>
+                          </a:solidFill>
+                        </a:rPr>
+                        <a:t>27943</a:t>
+                      </a:r>
+                      <a:endParaRPr lang="en-US" sz="2000" b="1" u="sng" dirty="0">
+                        <a:solidFill>
+                          <a:schemeClr val="accent2"/>
+                        </a:solidFill>
+                      </a:endParaRPr>
+                    </a:p>
+                  </a:txBody>
+                  <a:tcPr/>
+                </a:tc>
+                <a:tc>
+                  <a:txBody>
+                    <a:bodyPr/>
+                    <a:lstStyle/>
+                    <a:p>
+                      <a:r>
+                        <a:rPr lang="en-US" sz="2000" dirty="0" smtClean="0"/>
+                        <a:t>MB</a:t>
+                      </a:r>
+                      <a:endParaRPr lang="en-US" sz="2000" dirty="0"/>
+                    </a:p>
+                  </a:txBody>
+                  <a:tcPr/>
+                </a:tc>
+              </a:tr>
+              <a:tr h="436345">
+                <a:tc>
+                  <a:txBody>
+                    <a:bodyPr/>
+                    <a:lstStyle/>
+                    <a:p>
+                      <a:r>
+                        <a:rPr lang="en-US" sz="2000" b="1" u="sng" dirty="0" smtClean="0">
+                          <a:solidFill>
+                            <a:schemeClr val="accent2"/>
+                          </a:solidFill>
+                        </a:rPr>
+                        <a:t>224</a:t>
+                      </a:r>
+                      <a:endParaRPr lang="en-US" sz="2000" b="1" u="sng" dirty="0">
+                        <a:solidFill>
+                          <a:schemeClr val="accent2"/>
+                        </a:solidFill>
+                      </a:endParaRPr>
+                    </a:p>
+                  </a:txBody>
+                  <a:tcPr/>
+                </a:tc>
+                <a:tc>
+                  <a:txBody>
+                    <a:bodyPr/>
+                    <a:lstStyle/>
+                    <a:p>
+                      <a:r>
+                        <a:rPr lang="en-US" sz="2000" dirty="0" smtClean="0"/>
+                        <a:t>CXCL16</a:t>
+                      </a:r>
+                      <a:endParaRPr lang="en-US" sz="2000" dirty="0"/>
+                    </a:p>
+                  </a:txBody>
+                  <a:tcPr/>
+                </a:tc>
+              </a:tr>
+              <a:tr h="436345">
+                <a:tc>
+                  <a:txBody>
+                    <a:bodyPr/>
+                    <a:lstStyle/>
+                    <a:p>
+                      <a:r>
+                        <a:rPr lang="en-US" sz="2000" b="1" u="sng" dirty="0" smtClean="0">
+                          <a:solidFill>
+                            <a:schemeClr val="accent2"/>
+                          </a:solidFill>
+                        </a:rPr>
+                        <a:t>43</a:t>
+                      </a:r>
+                      <a:endParaRPr lang="en-US" sz="2000" b="1" u="sng" dirty="0">
+                        <a:solidFill>
+                          <a:schemeClr val="accent2"/>
+                        </a:solidFill>
+                      </a:endParaRPr>
+                    </a:p>
+                  </a:txBody>
+                  <a:tcPr/>
+                </a:tc>
+                <a:tc>
+                  <a:txBody>
+                    <a:bodyPr/>
+                    <a:lstStyle/>
+                    <a:p>
+                      <a:r>
+                        <a:rPr lang="en-US" sz="2000" dirty="0" smtClean="0"/>
+                        <a:t>IGFALS</a:t>
+                      </a:r>
+                      <a:endParaRPr lang="en-US" sz="2000" dirty="0"/>
+                    </a:p>
+                  </a:txBody>
+                  <a:tcPr/>
+                </a:tc>
+              </a:tr>
+              <a:tr h="436345">
+                <a:tc>
+                  <a:txBody>
+                    <a:bodyPr/>
+                    <a:lstStyle/>
+                    <a:p>
+                      <a:r>
+                        <a:rPr lang="en-US" sz="2000" b="1" u="sng" dirty="0" smtClean="0">
+                          <a:solidFill>
+                            <a:schemeClr val="accent2"/>
+                          </a:solidFill>
+                        </a:rPr>
+                        <a:t>21</a:t>
+                      </a:r>
+                      <a:endParaRPr lang="en-US" sz="2000" b="1" u="sng" dirty="0">
+                        <a:solidFill>
+                          <a:schemeClr val="accent2"/>
+                        </a:solidFill>
+                      </a:endParaRPr>
+                    </a:p>
+                  </a:txBody>
+                  <a:tcPr/>
+                </a:tc>
+                <a:tc>
+                  <a:txBody>
+                    <a:bodyPr/>
+                    <a:lstStyle/>
+                    <a:p>
+                      <a:r>
+                        <a:rPr lang="en-US" sz="2000" dirty="0" smtClean="0"/>
+                        <a:t>SPRN</a:t>
+                      </a:r>
+                      <a:endParaRPr lang="en-US" sz="2000" dirty="0"/>
+                    </a:p>
+                  </a:txBody>
+                  <a:tcPr/>
+                </a:tc>
+              </a:tr>
+              <a:tr h="436345">
+                <a:tc>
+                  <a:txBody>
+                    <a:bodyPr/>
+                    <a:lstStyle/>
+                    <a:p>
+                      <a:r>
+                        <a:rPr lang="en-US" sz="2000" b="1" u="sng" dirty="0" smtClean="0">
+                          <a:solidFill>
+                            <a:schemeClr val="accent2"/>
+                          </a:solidFill>
+                        </a:rPr>
+                        <a:t>1</a:t>
+                      </a:r>
+                      <a:endParaRPr lang="en-US" sz="2000" b="1" u="sng" dirty="0">
+                        <a:solidFill>
+                          <a:schemeClr val="accent2"/>
+                        </a:solidFill>
+                      </a:endParaRPr>
+                    </a:p>
+                  </a:txBody>
+                  <a:tcPr/>
+                </a:tc>
+                <a:tc>
+                  <a:txBody>
+                    <a:bodyPr/>
+                    <a:lstStyle/>
+                    <a:p>
+                      <a:r>
+                        <a:rPr lang="en-US" sz="2000" dirty="0" smtClean="0"/>
+                        <a:t>VSTM2B</a:t>
+                      </a:r>
+                      <a:endParaRPr lang="en-US" sz="2000" dirty="0"/>
+                    </a:p>
+                  </a:txBody>
+                  <a:tcPr/>
+                </a:tc>
+              </a:tr>
+            </a:tbl>
+          </a:graphicData>
+        </a:graphic>
+      </p:graphicFrame>
+      <p:pic>
+        <p:nvPicPr>
+          <p:cNvPr id="17" name="Picture 5"/>
+          <p:cNvPicPr>
+            <a:picLocks noChangeAspect="1" noChangeArrowheads="1"/>
+          </p:cNvPicPr>
+          <p:nvPr/>
+        </p:nvPicPr>
+        <p:blipFill>
+          <a:blip r:embed="rId3" cstate="print">
+            <a:extLst>
+              <a:ext uri="{28A0092B-C50C-407E-A947-70E740481C1C}">
+                <a14:useLocalDpi xmlns="" xmlns:a14="http://schemas.microsoft.com/office/drawing/2010/main" val="0"/>
+              </a:ext>
+            </a:extLst>
+          </a:blip>
+          <a:srcRect/>
+          <a:stretch>
+            <a:fillRect/>
+          </a:stretch>
+        </p:blipFill>
+        <p:spPr bwMode="auto">
+          <a:xfrm>
+            <a:off x="3505200" y="6011228"/>
+            <a:ext cx="552724" cy="536166"/>
+          </a:xfrm>
+          <a:prstGeom prst="rect">
+            <a:avLst/>
+          </a:prstGeom>
+          <a:solidFill>
+            <a:schemeClr val="accent1"/>
+          </a:solidFill>
+          <a:ln>
+            <a:noFill/>
+          </a:ln>
+        </p:spPr>
+      </p:pic>
+      <p:pic>
+        <p:nvPicPr>
+          <p:cNvPr id="12" name="Picture 11"/>
+          <p:cNvPicPr>
+            <a:picLocks noChangeAspect="1"/>
+          </p:cNvPicPr>
+          <p:nvPr/>
+        </p:nvPicPr>
+        <p:blipFill>
+          <a:blip r:embed="rId4" cstate="print">
+            <a:extLst>
+              <a:ext uri="{28A0092B-C50C-407E-A947-70E740481C1C}">
+                <a14:useLocalDpi xmlns="" xmlns:a14="http://schemas.microsoft.com/office/drawing/2010/main" val="0"/>
+              </a:ext>
+            </a:extLst>
+          </a:blip>
+          <a:stretch>
+            <a:fillRect/>
+          </a:stretch>
+        </p:blipFill>
+        <p:spPr>
+          <a:xfrm>
+            <a:off x="7772400" y="304800"/>
+            <a:ext cx="784073" cy="784073"/>
+          </a:xfrm>
+          <a:prstGeom prst="rect">
+            <a:avLst/>
+          </a:prstGeom>
+          <a:ln>
+            <a:noFill/>
+          </a:ln>
+          <a:effectLst>
+            <a:softEdge rad="112500"/>
+          </a:effectLst>
+        </p:spPr>
+      </p:pic>
+    </p:spTree>
+    <p:extLst>
+      <p:ext uri="{BB962C8B-B14F-4D97-AF65-F5344CB8AC3E}">
+        <p14:creationId xmlns="" xmlns:p14="http://schemas.microsoft.com/office/powerpoint/2010/main" val="237558006"/>
+      </p:ext>
+    </p:extLst>
+  </p:cSld>
+  <p:clrMapOvr>
+    <a:masterClrMapping/>
+  </p:clrMapOvr>
+  <p:timing>
+    <p:tnLst>
+      <p:par>
+        <p:cTn id="1" dur="indefinite" restart="never" nodeType="tmRoot"/>
+      </p:par>
+    </p:tnLst>
+  </p:timing>
+</p:sld>
+</file>
+
+<file path=ppt/slides/slide18.xml><?xml version="1.0" encoding="utf-8"?>
 <p:sld xmlns:a="http://schemas.openxmlformats.org/drawingml/2006/main" xmlns:r="http://schemas.openxmlformats.org/officeDocument/2006/relationships" xmlns:p="http://schemas.openxmlformats.org/presentationml/2006/main">
   <p:cSld>
     <p:spTree>
@@ -12971,21 +13920,21 @@
       </p:sp>
       <p:graphicFrame>
         <p:nvGraphicFramePr>
-          <p:cNvPr id="13" name="Table 12"/>
+          <p:cNvPr id="17" name="Table 16"/>
           <p:cNvGraphicFramePr>
             <a:graphicFrameLocks noGrp="1"/>
           </p:cNvGraphicFramePr>
           <p:nvPr>
             <p:extLst>
               <p:ext uri="{D42A27DB-BD31-4B8C-83A1-F6EECF244321}">
-                <p14:modId xmlns:p14="http://schemas.microsoft.com/office/powerpoint/2010/main" xmlns="" val="939224728"/>
+                <p14:modId xmlns="" xmlns:p14="http://schemas.microsoft.com/office/powerpoint/2010/main" val="3042752149"/>
               </p:ext>
             </p:extLst>
           </p:nvPr>
         </p:nvGraphicFramePr>
         <p:xfrm>
-          <a:off x="533400" y="1040121"/>
-          <a:ext cx="8077200" cy="5055878"/>
+          <a:off x="533400" y="1219199"/>
+          <a:ext cx="8077200" cy="4876798"/>
         </p:xfrm>
         <a:graphic>
           <a:graphicData uri="http://schemas.openxmlformats.org/drawingml/2006/table">
@@ -12997,7 +13946,7 @@
                 <a:gridCol w="4114800"/>
                 <a:gridCol w="3962400"/>
               </a:tblGrid>
-              <a:tr h="456802">
+              <a:tr h="440622">
                 <a:tc>
                   <a:txBody>
                     <a:bodyPr/>
@@ -13031,7 +13980,7 @@
                   <a:tcPr/>
                 </a:tc>
               </a:tr>
-              <a:tr h="452368">
+              <a:tr h="436345">
                 <a:tc>
                   <a:txBody>
                     <a:bodyPr/>
@@ -13073,7 +14022,7 @@
                   <a:tcPr/>
                 </a:tc>
               </a:tr>
-              <a:tr h="452368">
+              <a:tr h="436345">
                 <a:tc>
                   <a:txBody>
                     <a:bodyPr/>
@@ -13111,7 +14060,7 @@
                   <a:tcPr/>
                 </a:tc>
               </a:tr>
-              <a:tr h="527764">
+              <a:tr h="509071">
                 <a:tc>
                   <a:txBody>
                     <a:bodyPr/>
@@ -13149,7 +14098,7 @@
                   <a:tcPr/>
                 </a:tc>
               </a:tr>
-              <a:tr h="452368">
+              <a:tr h="436345">
                 <a:tc>
                   <a:txBody>
                     <a:bodyPr/>
@@ -13187,7 +14136,7 @@
                   <a:tcPr/>
                 </a:tc>
               </a:tr>
-              <a:tr h="452368">
+              <a:tr h="436345">
                 <a:tc>
                   <a:txBody>
                     <a:bodyPr/>
@@ -13225,7 +14174,7 @@
                   <a:tcPr/>
                 </a:tc>
               </a:tr>
-              <a:tr h="452368">
+              <a:tr h="436345">
                 <a:tc>
                   <a:txBody>
                     <a:bodyPr/>
@@ -13263,7 +14212,7 @@
                   <a:tcPr/>
                 </a:tc>
               </a:tr>
-              <a:tr h="452368">
+              <a:tr h="436345">
                 <a:tc>
                   <a:txBody>
                     <a:bodyPr/>
@@ -13301,7 +14250,7 @@
                   <a:tcPr/>
                 </a:tc>
               </a:tr>
-              <a:tr h="452368">
+              <a:tr h="436345">
                 <a:tc>
                   <a:txBody>
                     <a:bodyPr/>
@@ -13339,7 +14288,7 @@
                   <a:tcPr/>
                 </a:tc>
               </a:tr>
-              <a:tr h="452368">
+              <a:tr h="436345">
                 <a:tc>
                   <a:txBody>
                     <a:bodyPr/>
@@ -13377,7 +14326,7 @@
                   <a:tcPr/>
                 </a:tc>
               </a:tr>
-              <a:tr h="452368">
+              <a:tr h="436345">
                 <a:tc>
                   <a:txBody>
                     <a:bodyPr/>
@@ -13421,7 +14370,7 @@
       </p:graphicFrame>
       <p:pic>
         <p:nvPicPr>
-          <p:cNvPr id="17" name="Picture 5"/>
+          <p:cNvPr id="13" name="Picture 5"/>
           <p:cNvPicPr>
             <a:picLocks noChangeAspect="1" noChangeArrowheads="1"/>
           </p:cNvPicPr>
@@ -13431,7 +14380,7 @@
           <a:blip r:embed="rId3" cstate="print">
             <a:extLst>
               <a:ext uri="{28A0092B-C50C-407E-A947-70E740481C1C}">
-                <a14:useLocalDpi xmlns:a14="http://schemas.microsoft.com/office/drawing/2010/main" xmlns="" val="0"/>
+                <a14:useLocalDpi xmlns="" xmlns:a14="http://schemas.microsoft.com/office/drawing/2010/main" val="0"/>
               </a:ext>
             </a:extLst>
           </a:blip>
@@ -13442,7 +14391,7 @@
         </p:blipFill>
         <p:spPr bwMode="auto">
           <a:xfrm>
-            <a:off x="3505200" y="6011228"/>
+            <a:off x="752338" y="3122817"/>
             <a:ext cx="552724" cy="536166"/>
           </a:xfrm>
           <a:prstGeom prst="rect">
@@ -13468,7 +14417,7 @@
           <a:blip r:embed="rId4" cstate="print">
             <a:extLst>
               <a:ext uri="{28A0092B-C50C-407E-A947-70E740481C1C}">
-                <a14:useLocalDpi xmlns:a14="http://schemas.microsoft.com/office/drawing/2010/main" xmlns="" val="0"/>
+                <a14:useLocalDpi xmlns="" xmlns:a14="http://schemas.microsoft.com/office/drawing/2010/main" val="0"/>
               </a:ext>
             </a:extLst>
           </a:blip>
@@ -13478,7 +14427,7 @@
         </p:blipFill>
         <p:spPr>
           <a:xfrm>
-            <a:off x="7660240" y="306551"/>
+            <a:off x="7772400" y="304800"/>
             <a:ext cx="784073" cy="784073"/>
           </a:xfrm>
           <a:prstGeom prst="rect">
@@ -13495,7 +14444,7 @@
     </p:spTree>
     <p:extLst>
       <p:ext uri="{BB962C8B-B14F-4D97-AF65-F5344CB8AC3E}">
-        <p14:creationId xmlns:p14="http://schemas.microsoft.com/office/powerpoint/2010/main" xmlns="" val="237558006"/>
+        <p14:creationId xmlns="" xmlns:p14="http://schemas.microsoft.com/office/powerpoint/2010/main" val="4105341119"/>
       </p:ext>
     </p:extLst>
   </p:cSld>
@@ -13512,7 +14461,7 @@
 </p:sld>
 </file>
 
-<file path=ppt/slides/slide18.xml><?xml version="1.0" encoding="utf-8"?>
+<file path=ppt/slides/slide19.xml><?xml version="1.0" encoding="utf-8"?>
 <p:sld xmlns:a="http://schemas.openxmlformats.org/drawingml/2006/main" xmlns:r="http://schemas.openxmlformats.org/officeDocument/2006/relationships" xmlns:p="http://schemas.openxmlformats.org/presentationml/2006/main">
   <p:cSld>
     <p:spTree>
@@ -13862,14 +14811,14 @@
       </p:sp>
       <p:graphicFrame>
         <p:nvGraphicFramePr>
-          <p:cNvPr id="17" name="Table 16"/>
+          <p:cNvPr id="20" name="Table 19"/>
           <p:cNvGraphicFramePr>
             <a:graphicFrameLocks noGrp="1"/>
           </p:cNvGraphicFramePr>
           <p:nvPr>
             <p:extLst>
               <p:ext uri="{D42A27DB-BD31-4B8C-83A1-F6EECF244321}">
-                <p14:modId xmlns:p14="http://schemas.microsoft.com/office/powerpoint/2010/main" xmlns="" val="3042752149"/>
+                <p14:modId xmlns="" xmlns:p14="http://schemas.microsoft.com/office/powerpoint/2010/main" val="1078470720"/>
               </p:ext>
             </p:extLst>
           </p:nvPr>
@@ -14322,898 +15271,7 @@
           <a:blip r:embed="rId3" cstate="print">
             <a:extLst>
               <a:ext uri="{28A0092B-C50C-407E-A947-70E740481C1C}">
-                <a14:useLocalDpi xmlns:a14="http://schemas.microsoft.com/office/drawing/2010/main" xmlns="" val="0"/>
-              </a:ext>
-            </a:extLst>
-          </a:blip>
-          <a:srcRect/>
-          <a:stretch>
-            <a:fillRect/>
-          </a:stretch>
-        </p:blipFill>
-        <p:spPr bwMode="auto">
-          <a:xfrm>
-            <a:off x="752338" y="3122817"/>
-            <a:ext cx="552724" cy="536166"/>
-          </a:xfrm>
-          <a:prstGeom prst="rect">
-            <a:avLst/>
-          </a:prstGeom>
-          <a:solidFill>
-            <a:schemeClr val="accent1"/>
-          </a:solidFill>
-          <a:ln>
-            <a:noFill/>
-          </a:ln>
-        </p:spPr>
-      </p:pic>
-      <p:pic>
-        <p:nvPicPr>
-          <p:cNvPr id="12" name="Picture 11"/>
-          <p:cNvPicPr>
-            <a:picLocks noChangeAspect="1"/>
-          </p:cNvPicPr>
-          <p:nvPr/>
-        </p:nvPicPr>
-        <p:blipFill>
-          <a:blip r:embed="rId4" cstate="print">
-            <a:extLst>
-              <a:ext uri="{28A0092B-C50C-407E-A947-70E740481C1C}">
-                <a14:useLocalDpi xmlns:a14="http://schemas.microsoft.com/office/drawing/2010/main" xmlns="" val="0"/>
-              </a:ext>
-            </a:extLst>
-          </a:blip>
-          <a:stretch>
-            <a:fillRect/>
-          </a:stretch>
-        </p:blipFill>
-        <p:spPr>
-          <a:xfrm>
-            <a:off x="7660240" y="306551"/>
-            <a:ext cx="784073" cy="784073"/>
-          </a:xfrm>
-          <a:prstGeom prst="rect">
-            <a:avLst/>
-          </a:prstGeom>
-          <a:ln>
-            <a:noFill/>
-          </a:ln>
-          <a:effectLst>
-            <a:softEdge rad="112500"/>
-          </a:effectLst>
-        </p:spPr>
-      </p:pic>
-    </p:spTree>
-    <p:extLst>
-      <p:ext uri="{BB962C8B-B14F-4D97-AF65-F5344CB8AC3E}">
-        <p14:creationId xmlns:p14="http://schemas.microsoft.com/office/powerpoint/2010/main" xmlns="" val="4105341119"/>
-      </p:ext>
-    </p:extLst>
-  </p:cSld>
-  <p:clrMapOvr>
-    <a:masterClrMapping/>
-  </p:clrMapOvr>
-  <p:timing>
-    <p:tnLst>
-      <p:par>
-        <p:cTn id="1" dur="indefinite" restart="never" nodeType="tmRoot"/>
-      </p:par>
-    </p:tnLst>
-  </p:timing>
-</p:sld>
-</file>
-
-<file path=ppt/slides/slide19.xml><?xml version="1.0" encoding="utf-8"?>
-<p:sld xmlns:a="http://schemas.openxmlformats.org/drawingml/2006/main" xmlns:r="http://schemas.openxmlformats.org/officeDocument/2006/relationships" xmlns:p="http://schemas.openxmlformats.org/presentationml/2006/main">
-  <p:cSld>
-    <p:spTree>
-      <p:nvGrpSpPr>
-        <p:cNvPr id="1" name=""/>
-        <p:cNvGrpSpPr/>
-        <p:nvPr/>
-      </p:nvGrpSpPr>
-      <p:grpSpPr>
-        <a:xfrm>
-          <a:off x="0" y="0"/>
-          <a:ext cx="0" cy="0"/>
-          <a:chOff x="0" y="0"/>
-          <a:chExt cx="0" cy="0"/>
-        </a:xfrm>
-      </p:grpSpPr>
-      <p:sp>
-        <p:nvSpPr>
-          <p:cNvPr id="2" name="Title 1"/>
-          <p:cNvSpPr>
-            <a:spLocks noGrp="1"/>
-          </p:cNvSpPr>
-          <p:nvPr>
-            <p:ph type="ctrTitle"/>
-          </p:nvPr>
-        </p:nvSpPr>
-        <p:spPr/>
-        <p:txBody>
-          <a:bodyPr/>
-          <a:lstStyle/>
-          <a:p>
-            <a:r>
-              <a:rPr lang="en-US" dirty="0" smtClean="0"/>
-              <a:t>+</a:t>
-            </a:r>
-            <a:endParaRPr lang="en-US" dirty="0"/>
-          </a:p>
-        </p:txBody>
-      </p:sp>
-      <p:sp>
-        <p:nvSpPr>
-          <p:cNvPr id="3" name="Subtitle 2"/>
-          <p:cNvSpPr>
-            <a:spLocks noGrp="1"/>
-          </p:cNvSpPr>
-          <p:nvPr>
-            <p:ph type="subTitle" idx="1"/>
-          </p:nvPr>
-        </p:nvSpPr>
-        <p:spPr/>
-        <p:txBody>
-          <a:bodyPr/>
-          <a:lstStyle/>
-          <a:p>
-            <a:endParaRPr lang="en-US"/>
-          </a:p>
-        </p:txBody>
-      </p:sp>
-      <p:sp>
-        <p:nvSpPr>
-          <p:cNvPr id="5" name="Rectangle 4"/>
-          <p:cNvSpPr/>
-          <p:nvPr/>
-        </p:nvSpPr>
-        <p:spPr>
-          <a:xfrm>
-            <a:off x="215074" y="152400"/>
-            <a:ext cx="8610600" cy="6477000"/>
-          </a:xfrm>
-          <a:prstGeom prst="rect">
-            <a:avLst/>
-          </a:prstGeom>
-        </p:spPr>
-        <p:style>
-          <a:lnRef idx="3">
-            <a:schemeClr val="lt1"/>
-          </a:lnRef>
-          <a:fillRef idx="1">
-            <a:schemeClr val="accent1"/>
-          </a:fillRef>
-          <a:effectRef idx="1">
-            <a:schemeClr val="accent1"/>
-          </a:effectRef>
-          <a:fontRef idx="minor">
-            <a:schemeClr val="lt1"/>
-          </a:fontRef>
-        </p:style>
-        <p:txBody>
-          <a:bodyPr rtlCol="0" anchor="ctr"/>
-          <a:lstStyle/>
-          <a:p>
-            <a:pPr algn="ctr"/>
-            <a:r>
-              <a:rPr lang="en-US" dirty="0" smtClean="0"/>
-              <a:t>+[[</a:t>
-            </a:r>
-            <a:endParaRPr lang="en-US" dirty="0"/>
-          </a:p>
-        </p:txBody>
-      </p:sp>
-      <p:sp>
-        <p:nvSpPr>
-          <p:cNvPr id="23" name="Content Placeholder 4"/>
-          <p:cNvSpPr txBox="1">
-            <a:spLocks/>
-          </p:cNvSpPr>
-          <p:nvPr/>
-        </p:nvSpPr>
-        <p:spPr>
-          <a:xfrm>
-            <a:off x="3106275" y="393792"/>
-            <a:ext cx="2971800" cy="457199"/>
-          </a:xfrm>
-          <a:prstGeom prst="roundRect">
-            <a:avLst/>
-          </a:prstGeom>
-        </p:spPr>
-        <p:style>
-          <a:lnRef idx="2">
-            <a:schemeClr val="accent3">
-              <a:shade val="50000"/>
-            </a:schemeClr>
-          </a:lnRef>
-          <a:fillRef idx="1">
-            <a:schemeClr val="accent3"/>
-          </a:fillRef>
-          <a:effectRef idx="0">
-            <a:schemeClr val="accent3"/>
-          </a:effectRef>
-          <a:fontRef idx="minor">
-            <a:schemeClr val="lt1"/>
-          </a:fontRef>
-        </p:style>
-        <p:txBody>
-          <a:bodyPr vert="horz" lIns="91440" tIns="45720" rIns="91440" bIns="45720" rtlCol="0" anchor="ctr">
-            <a:normAutofit fontScale="77500" lnSpcReduction="20000"/>
-          </a:bodyPr>
-          <a:lstStyle>
-            <a:lvl1pPr marL="0" indent="0" algn="ctr" defTabSz="914400" rtl="0" eaLnBrk="1" latinLnBrk="0" hangingPunct="1">
-              <a:spcBef>
-                <a:spcPct val="20000"/>
-              </a:spcBef>
-              <a:buFont typeface="Arial" pitchFamily="34" charset="0"/>
-              <a:buNone/>
-              <a:defRPr sz="3200" kern="1200">
-                <a:solidFill>
-                  <a:schemeClr val="tx1">
-                    <a:tint val="75000"/>
-                  </a:schemeClr>
-                </a:solidFill>
-                <a:latin typeface="+mn-lt"/>
-                <a:ea typeface="+mn-ea"/>
-                <a:cs typeface="+mn-cs"/>
-              </a:defRPr>
-            </a:lvl1pPr>
-            <a:lvl2pPr marL="457200" indent="0" algn="ctr" defTabSz="914400" rtl="0" eaLnBrk="1" latinLnBrk="0" hangingPunct="1">
-              <a:spcBef>
-                <a:spcPct val="20000"/>
-              </a:spcBef>
-              <a:buFont typeface="Arial" pitchFamily="34" charset="0"/>
-              <a:buNone/>
-              <a:defRPr sz="2800" kern="1200">
-                <a:solidFill>
-                  <a:schemeClr val="tx1">
-                    <a:tint val="75000"/>
-                  </a:schemeClr>
-                </a:solidFill>
-                <a:latin typeface="+mn-lt"/>
-                <a:ea typeface="+mn-ea"/>
-                <a:cs typeface="+mn-cs"/>
-              </a:defRPr>
-            </a:lvl2pPr>
-            <a:lvl3pPr marL="914400" indent="0" algn="ctr" defTabSz="914400" rtl="0" eaLnBrk="1" latinLnBrk="0" hangingPunct="1">
-              <a:spcBef>
-                <a:spcPct val="20000"/>
-              </a:spcBef>
-              <a:buFont typeface="Arial" pitchFamily="34" charset="0"/>
-              <a:buNone/>
-              <a:defRPr sz="2400" kern="1200">
-                <a:solidFill>
-                  <a:schemeClr val="tx1">
-                    <a:tint val="75000"/>
-                  </a:schemeClr>
-                </a:solidFill>
-                <a:latin typeface="+mn-lt"/>
-                <a:ea typeface="+mn-ea"/>
-                <a:cs typeface="+mn-cs"/>
-              </a:defRPr>
-            </a:lvl3pPr>
-            <a:lvl4pPr marL="1371600" indent="0" algn="ctr" defTabSz="914400" rtl="0" eaLnBrk="1" latinLnBrk="0" hangingPunct="1">
-              <a:spcBef>
-                <a:spcPct val="20000"/>
-              </a:spcBef>
-              <a:buFont typeface="Arial" pitchFamily="34" charset="0"/>
-              <a:buNone/>
-              <a:defRPr sz="2000" kern="1200">
-                <a:solidFill>
-                  <a:schemeClr val="tx1">
-                    <a:tint val="75000"/>
-                  </a:schemeClr>
-                </a:solidFill>
-                <a:latin typeface="+mn-lt"/>
-                <a:ea typeface="+mn-ea"/>
-                <a:cs typeface="+mn-cs"/>
-              </a:defRPr>
-            </a:lvl4pPr>
-            <a:lvl5pPr marL="1828800" indent="0" algn="ctr" defTabSz="914400" rtl="0" eaLnBrk="1" latinLnBrk="0" hangingPunct="1">
-              <a:spcBef>
-                <a:spcPct val="20000"/>
-              </a:spcBef>
-              <a:buFont typeface="Arial" pitchFamily="34" charset="0"/>
-              <a:buNone/>
-              <a:defRPr sz="2000" kern="1200">
-                <a:solidFill>
-                  <a:schemeClr val="tx1">
-                    <a:tint val="75000"/>
-                  </a:schemeClr>
-                </a:solidFill>
-                <a:latin typeface="+mn-lt"/>
-                <a:ea typeface="+mn-ea"/>
-                <a:cs typeface="+mn-cs"/>
-              </a:defRPr>
-            </a:lvl5pPr>
-            <a:lvl6pPr marL="2286000" indent="0" algn="ctr" defTabSz="914400" rtl="0" eaLnBrk="1" latinLnBrk="0" hangingPunct="1">
-              <a:spcBef>
-                <a:spcPct val="20000"/>
-              </a:spcBef>
-              <a:buFont typeface="Arial" pitchFamily="34" charset="0"/>
-              <a:buNone/>
-              <a:defRPr sz="2000" kern="1200">
-                <a:solidFill>
-                  <a:schemeClr val="tx1">
-                    <a:tint val="75000"/>
-                  </a:schemeClr>
-                </a:solidFill>
-                <a:latin typeface="+mn-lt"/>
-                <a:ea typeface="+mn-ea"/>
-                <a:cs typeface="+mn-cs"/>
-              </a:defRPr>
-            </a:lvl6pPr>
-            <a:lvl7pPr marL="2743200" indent="0" algn="ctr" defTabSz="914400" rtl="0" eaLnBrk="1" latinLnBrk="0" hangingPunct="1">
-              <a:spcBef>
-                <a:spcPct val="20000"/>
-              </a:spcBef>
-              <a:buFont typeface="Arial" pitchFamily="34" charset="0"/>
-              <a:buNone/>
-              <a:defRPr sz="2000" kern="1200">
-                <a:solidFill>
-                  <a:schemeClr val="tx1">
-                    <a:tint val="75000"/>
-                  </a:schemeClr>
-                </a:solidFill>
-                <a:latin typeface="+mn-lt"/>
-                <a:ea typeface="+mn-ea"/>
-                <a:cs typeface="+mn-cs"/>
-              </a:defRPr>
-            </a:lvl7pPr>
-            <a:lvl8pPr marL="3200400" indent="0" algn="ctr" defTabSz="914400" rtl="0" eaLnBrk="1" latinLnBrk="0" hangingPunct="1">
-              <a:spcBef>
-                <a:spcPct val="20000"/>
-              </a:spcBef>
-              <a:buFont typeface="Arial" pitchFamily="34" charset="0"/>
-              <a:buNone/>
-              <a:defRPr sz="2000" kern="1200">
-                <a:solidFill>
-                  <a:schemeClr val="tx1">
-                    <a:tint val="75000"/>
-                  </a:schemeClr>
-                </a:solidFill>
-                <a:latin typeface="+mn-lt"/>
-                <a:ea typeface="+mn-ea"/>
-                <a:cs typeface="+mn-cs"/>
-              </a:defRPr>
-            </a:lvl8pPr>
-            <a:lvl9pPr marL="3657600" indent="0" algn="ctr" defTabSz="914400" rtl="0" eaLnBrk="1" latinLnBrk="0" hangingPunct="1">
-              <a:spcBef>
-                <a:spcPct val="20000"/>
-              </a:spcBef>
-              <a:buFont typeface="Arial" pitchFamily="34" charset="0"/>
-              <a:buNone/>
-              <a:defRPr sz="2000" kern="1200">
-                <a:solidFill>
-                  <a:schemeClr val="tx1">
-                    <a:tint val="75000"/>
-                  </a:schemeClr>
-                </a:solidFill>
-                <a:latin typeface="+mn-lt"/>
-                <a:ea typeface="+mn-ea"/>
-                <a:cs typeface="+mn-cs"/>
-              </a:defRPr>
-            </a:lvl9pPr>
-          </a:lstStyle>
-          <a:p>
-            <a:r>
-              <a:rPr lang="en-US" dirty="0" smtClean="0">
-                <a:solidFill>
-                  <a:schemeClr val="tx1"/>
-                </a:solidFill>
-              </a:rPr>
-              <a:t>Hit Count Summary</a:t>
-            </a:r>
-            <a:endParaRPr lang="en-US" dirty="0">
-              <a:solidFill>
-                <a:schemeClr val="tx1"/>
-              </a:solidFill>
-            </a:endParaRPr>
-          </a:p>
-        </p:txBody>
-      </p:sp>
-      <p:sp>
-        <p:nvSpPr>
-          <p:cNvPr id="11" name="TextBox 10"/>
-          <p:cNvSpPr txBox="1"/>
-          <p:nvPr/>
-        </p:nvSpPr>
-        <p:spPr>
-          <a:xfrm>
-            <a:off x="6236677" y="6139934"/>
-            <a:ext cx="2170787" cy="369332"/>
-          </a:xfrm>
-          <a:prstGeom prst="rect">
-            <a:avLst/>
-          </a:prstGeom>
-          <a:noFill/>
-        </p:spPr>
-        <p:txBody>
-          <a:bodyPr wrap="none" rtlCol="0">
-            <a:spAutoFit/>
-          </a:bodyPr>
-          <a:lstStyle/>
-          <a:p>
-            <a:r>
-              <a:rPr lang="en-US" u="sng" dirty="0" smtClean="0">
-                <a:solidFill>
-                  <a:schemeClr val="tx2"/>
-                </a:solidFill>
-              </a:rPr>
-              <a:t>1 2 3 4 5 6 7 8…20 21</a:t>
-            </a:r>
-            <a:endParaRPr lang="en-US" u="sng" dirty="0">
-              <a:solidFill>
-                <a:schemeClr val="tx2"/>
-              </a:solidFill>
-            </a:endParaRPr>
-          </a:p>
-        </p:txBody>
-      </p:sp>
-      <p:graphicFrame>
-        <p:nvGraphicFramePr>
-          <p:cNvPr id="20" name="Table 19"/>
-          <p:cNvGraphicFramePr>
-            <a:graphicFrameLocks noGrp="1"/>
-          </p:cNvGraphicFramePr>
-          <p:nvPr>
-            <p:extLst>
-              <p:ext uri="{D42A27DB-BD31-4B8C-83A1-F6EECF244321}">
-                <p14:modId xmlns:p14="http://schemas.microsoft.com/office/powerpoint/2010/main" xmlns="" val="1078470720"/>
-              </p:ext>
-            </p:extLst>
-          </p:nvPr>
-        </p:nvGraphicFramePr>
-        <p:xfrm>
-          <a:off x="533400" y="1040121"/>
-          <a:ext cx="8077200" cy="5055878"/>
-        </p:xfrm>
-        <a:graphic>
-          <a:graphicData uri="http://schemas.openxmlformats.org/drawingml/2006/table">
-            <a:tbl>
-              <a:tblPr firstRow="1" bandRow="1">
-                <a:tableStyleId>{7DF18680-E054-41AD-8BC1-D1AEF772440D}</a:tableStyleId>
-              </a:tblPr>
-              <a:tblGrid>
-                <a:gridCol w="4114800"/>
-                <a:gridCol w="3962400"/>
-              </a:tblGrid>
-              <a:tr h="456802">
-                <a:tc>
-                  <a:txBody>
-                    <a:bodyPr/>
-                    <a:lstStyle/>
-                    <a:p>
-                      <a:r>
-                        <a:rPr lang="en-US" sz="2000" dirty="0" smtClean="0"/>
-                        <a:t>Number of publication</a:t>
-                      </a:r>
-                      <a:endParaRPr lang="en-US" sz="2000" dirty="0"/>
-                    </a:p>
-                  </a:txBody>
-                  <a:tcPr/>
-                </a:tc>
-                <a:tc>
-                  <a:txBody>
-                    <a:bodyPr/>
-                    <a:lstStyle/>
-                    <a:p>
-                      <a:r>
-                        <a:rPr lang="en-US" sz="2000" dirty="0" smtClean="0"/>
-                        <a:t>Protein</a:t>
-                      </a:r>
-                      <a:r>
-                        <a:rPr lang="en-US" sz="2000" baseline="0" dirty="0" smtClean="0"/>
-                        <a:t> </a:t>
-                      </a:r>
-                      <a:endParaRPr lang="en-US" sz="2000" dirty="0"/>
-                    </a:p>
-                  </a:txBody>
-                  <a:tcPr/>
-                </a:tc>
-              </a:tr>
-              <a:tr h="452368">
-                <a:tc>
-                  <a:txBody>
-                    <a:bodyPr/>
-                    <a:lstStyle/>
-                    <a:p>
-                      <a:r>
-                        <a:rPr lang="en-US" sz="1800" b="1" i="0" u="sng" kern="1200" dirty="0" smtClean="0">
-                          <a:solidFill>
-                            <a:schemeClr val="accent2"/>
-                          </a:solidFill>
-                          <a:effectLst/>
-                          <a:latin typeface="+mn-lt"/>
-                          <a:ea typeface="+mn-ea"/>
-                          <a:cs typeface="+mn-cs"/>
-                        </a:rPr>
-                        <a:t>13311994</a:t>
-                      </a:r>
-                      <a:endParaRPr lang="en-US" sz="2000" b="1" u="sng" dirty="0">
-                        <a:solidFill>
-                          <a:schemeClr val="accent2"/>
-                        </a:solidFill>
-                      </a:endParaRPr>
-                    </a:p>
-                  </a:txBody>
-                  <a:tcPr/>
-                </a:tc>
-                <a:tc>
-                  <a:txBody>
-                    <a:bodyPr/>
-                    <a:lstStyle/>
-                    <a:p>
-                      <a:r>
-                        <a:rPr lang="en-US" sz="2000" dirty="0" smtClean="0"/>
-                        <a:t>PRRT3</a:t>
-                      </a:r>
-                      <a:endParaRPr lang="en-US" sz="2000" dirty="0"/>
-                    </a:p>
-                  </a:txBody>
-                  <a:tcPr/>
-                </a:tc>
-              </a:tr>
-              <a:tr h="452368">
-                <a:tc>
-                  <a:txBody>
-                    <a:bodyPr/>
-                    <a:lstStyle/>
-                    <a:p>
-                      <a:r>
-                        <a:rPr lang="en-US" sz="2000" b="1" u="sng" dirty="0" smtClean="0">
-                          <a:solidFill>
-                            <a:schemeClr val="accent2"/>
-                          </a:solidFill>
-                        </a:rPr>
-                        <a:t>15</a:t>
-                      </a:r>
-                      <a:endParaRPr lang="en-US" sz="2000" b="1" u="sng" dirty="0">
-                        <a:solidFill>
-                          <a:schemeClr val="accent2"/>
-                        </a:solidFill>
-                      </a:endParaRPr>
-                    </a:p>
-                  </a:txBody>
-                  <a:tcPr/>
-                </a:tc>
-                <a:tc>
-                  <a:txBody>
-                    <a:bodyPr/>
-                    <a:lstStyle/>
-                    <a:p>
-                      <a:r>
-                        <a:rPr lang="en-US" sz="2000" dirty="0" smtClean="0"/>
-                        <a:t>LYNX1</a:t>
-                      </a:r>
-                      <a:endParaRPr lang="en-US" sz="2000" dirty="0"/>
-                    </a:p>
-                  </a:txBody>
-                  <a:tcPr/>
-                </a:tc>
-              </a:tr>
-              <a:tr h="527764">
-                <a:tc>
-                  <a:txBody>
-                    <a:bodyPr/>
-                    <a:lstStyle/>
-                    <a:p>
-                      <a:r>
-                        <a:rPr lang="en-US" sz="2000" b="1" u="sng" dirty="0" smtClean="0">
-                          <a:solidFill>
-                            <a:schemeClr val="accent2"/>
-                          </a:solidFill>
-                        </a:rPr>
-                        <a:t>6</a:t>
-                      </a:r>
-                      <a:endParaRPr lang="en-US" sz="2000" b="1" u="sng" dirty="0">
-                        <a:solidFill>
-                          <a:schemeClr val="accent2"/>
-                        </a:solidFill>
-                      </a:endParaRPr>
-                    </a:p>
-                  </a:txBody>
-                  <a:tcPr/>
-                </a:tc>
-                <a:tc>
-                  <a:txBody>
-                    <a:bodyPr/>
-                    <a:lstStyle/>
-                    <a:p>
-                      <a:r>
-                        <a:rPr lang="en-US" sz="2000" dirty="0" smtClean="0"/>
-                        <a:t>ST6GAL2</a:t>
-                      </a:r>
-                      <a:endParaRPr lang="en-US" sz="2000" dirty="0"/>
-                    </a:p>
-                  </a:txBody>
-                  <a:tcPr/>
-                </a:tc>
-              </a:tr>
-              <a:tr h="452368">
-                <a:tc>
-                  <a:txBody>
-                    <a:bodyPr/>
-                    <a:lstStyle/>
-                    <a:p>
-                      <a:r>
-                        <a:rPr lang="en-US" sz="2000" b="1" u="sng" dirty="0" smtClean="0">
-                          <a:solidFill>
-                            <a:schemeClr val="accent2"/>
-                          </a:solidFill>
-                        </a:rPr>
-                        <a:t>45</a:t>
-                      </a:r>
-                      <a:endParaRPr lang="en-US" sz="2000" b="1" u="sng" dirty="0">
-                        <a:solidFill>
-                          <a:schemeClr val="accent2"/>
-                        </a:solidFill>
-                      </a:endParaRPr>
-                    </a:p>
-                  </a:txBody>
-                  <a:tcPr/>
-                </a:tc>
-                <a:tc>
-                  <a:txBody>
-                    <a:bodyPr/>
-                    <a:lstStyle/>
-                    <a:p>
-                      <a:r>
-                        <a:rPr lang="en-US" sz="2000" dirty="0" smtClean="0"/>
-                        <a:t>CSPG4</a:t>
-                      </a:r>
-                      <a:endParaRPr lang="en-US" sz="2000" dirty="0"/>
-                    </a:p>
-                  </a:txBody>
-                  <a:tcPr/>
-                </a:tc>
-              </a:tr>
-              <a:tr h="452368">
-                <a:tc>
-                  <a:txBody>
-                    <a:bodyPr/>
-                    <a:lstStyle/>
-                    <a:p>
-                      <a:r>
-                        <a:rPr lang="en-US" sz="2000" b="1" u="sng" dirty="0" smtClean="0">
-                          <a:solidFill>
-                            <a:schemeClr val="accent2"/>
-                          </a:solidFill>
-                        </a:rPr>
-                        <a:t>11</a:t>
-                      </a:r>
-                      <a:endParaRPr lang="en-US" sz="2000" b="1" u="sng" dirty="0">
-                        <a:solidFill>
-                          <a:schemeClr val="accent2"/>
-                        </a:solidFill>
-                      </a:endParaRPr>
-                    </a:p>
-                  </a:txBody>
-                  <a:tcPr/>
-                </a:tc>
-                <a:tc>
-                  <a:txBody>
-                    <a:bodyPr/>
-                    <a:lstStyle/>
-                    <a:p>
-                      <a:r>
-                        <a:rPr lang="en-US" sz="2000" dirty="0" smtClean="0"/>
-                        <a:t>XYLT2</a:t>
-                      </a:r>
-                      <a:endParaRPr lang="en-US" sz="2000" dirty="0"/>
-                    </a:p>
-                  </a:txBody>
-                  <a:tcPr/>
-                </a:tc>
-              </a:tr>
-              <a:tr h="452368">
-                <a:tc>
-                  <a:txBody>
-                    <a:bodyPr/>
-                    <a:lstStyle/>
-                    <a:p>
-                      <a:r>
-                        <a:rPr lang="en-US" sz="2000" b="1" u="sng" dirty="0" smtClean="0">
-                          <a:solidFill>
-                            <a:schemeClr val="accent2"/>
-                          </a:solidFill>
-                        </a:rPr>
-                        <a:t>27943</a:t>
-                      </a:r>
-                      <a:endParaRPr lang="en-US" sz="2000" b="1" u="sng" dirty="0">
-                        <a:solidFill>
-                          <a:schemeClr val="accent2"/>
-                        </a:solidFill>
-                      </a:endParaRPr>
-                    </a:p>
-                  </a:txBody>
-                  <a:tcPr/>
-                </a:tc>
-                <a:tc>
-                  <a:txBody>
-                    <a:bodyPr/>
-                    <a:lstStyle/>
-                    <a:p>
-                      <a:r>
-                        <a:rPr lang="en-US" sz="2000" dirty="0" smtClean="0"/>
-                        <a:t>MB</a:t>
-                      </a:r>
-                      <a:endParaRPr lang="en-US" sz="2000" dirty="0"/>
-                    </a:p>
-                  </a:txBody>
-                  <a:tcPr/>
-                </a:tc>
-              </a:tr>
-              <a:tr h="452368">
-                <a:tc>
-                  <a:txBody>
-                    <a:bodyPr/>
-                    <a:lstStyle/>
-                    <a:p>
-                      <a:r>
-                        <a:rPr lang="en-US" sz="2000" b="1" u="sng" dirty="0" smtClean="0">
-                          <a:solidFill>
-                            <a:schemeClr val="accent2"/>
-                          </a:solidFill>
-                        </a:rPr>
-                        <a:t>224</a:t>
-                      </a:r>
-                      <a:endParaRPr lang="en-US" sz="2000" b="1" u="sng" dirty="0">
-                        <a:solidFill>
-                          <a:schemeClr val="accent2"/>
-                        </a:solidFill>
-                      </a:endParaRPr>
-                    </a:p>
-                  </a:txBody>
-                  <a:tcPr/>
-                </a:tc>
-                <a:tc>
-                  <a:txBody>
-                    <a:bodyPr/>
-                    <a:lstStyle/>
-                    <a:p>
-                      <a:r>
-                        <a:rPr lang="en-US" sz="2000" dirty="0" smtClean="0"/>
-                        <a:t>CXCL16</a:t>
-                      </a:r>
-                      <a:endParaRPr lang="en-US" sz="2000" dirty="0"/>
-                    </a:p>
-                  </a:txBody>
-                  <a:tcPr/>
-                </a:tc>
-              </a:tr>
-              <a:tr h="452368">
-                <a:tc>
-                  <a:txBody>
-                    <a:bodyPr/>
-                    <a:lstStyle/>
-                    <a:p>
-                      <a:r>
-                        <a:rPr lang="en-US" sz="2000" b="1" u="sng" dirty="0" smtClean="0">
-                          <a:solidFill>
-                            <a:schemeClr val="accent2"/>
-                          </a:solidFill>
-                        </a:rPr>
-                        <a:t>43</a:t>
-                      </a:r>
-                      <a:endParaRPr lang="en-US" sz="2000" b="1" u="sng" dirty="0">
-                        <a:solidFill>
-                          <a:schemeClr val="accent2"/>
-                        </a:solidFill>
-                      </a:endParaRPr>
-                    </a:p>
-                  </a:txBody>
-                  <a:tcPr/>
-                </a:tc>
-                <a:tc>
-                  <a:txBody>
-                    <a:bodyPr/>
-                    <a:lstStyle/>
-                    <a:p>
-                      <a:r>
-                        <a:rPr lang="en-US" sz="2000" dirty="0" smtClean="0"/>
-                        <a:t>IGFALS</a:t>
-                      </a:r>
-                      <a:endParaRPr lang="en-US" sz="2000" dirty="0"/>
-                    </a:p>
-                  </a:txBody>
-                  <a:tcPr/>
-                </a:tc>
-              </a:tr>
-              <a:tr h="452368">
-                <a:tc>
-                  <a:txBody>
-                    <a:bodyPr/>
-                    <a:lstStyle/>
-                    <a:p>
-                      <a:r>
-                        <a:rPr lang="en-US" sz="2000" b="1" u="sng" dirty="0" smtClean="0">
-                          <a:solidFill>
-                            <a:schemeClr val="accent2"/>
-                          </a:solidFill>
-                        </a:rPr>
-                        <a:t>21</a:t>
-                      </a:r>
-                      <a:endParaRPr lang="en-US" sz="2000" b="1" u="sng" dirty="0">
-                        <a:solidFill>
-                          <a:schemeClr val="accent2"/>
-                        </a:solidFill>
-                      </a:endParaRPr>
-                    </a:p>
-                  </a:txBody>
-                  <a:tcPr/>
-                </a:tc>
-                <a:tc>
-                  <a:txBody>
-                    <a:bodyPr/>
-                    <a:lstStyle/>
-                    <a:p>
-                      <a:r>
-                        <a:rPr lang="en-US" sz="2000" dirty="0" smtClean="0"/>
-                        <a:t>SPRN</a:t>
-                      </a:r>
-                      <a:endParaRPr lang="en-US" sz="2000" dirty="0"/>
-                    </a:p>
-                  </a:txBody>
-                  <a:tcPr/>
-                </a:tc>
-              </a:tr>
-              <a:tr h="452368">
-                <a:tc>
-                  <a:txBody>
-                    <a:bodyPr/>
-                    <a:lstStyle/>
-                    <a:p>
-                      <a:r>
-                        <a:rPr lang="en-US" sz="2000" b="1" u="sng" dirty="0" smtClean="0">
-                          <a:solidFill>
-                            <a:schemeClr val="accent2"/>
-                          </a:solidFill>
-                        </a:rPr>
-                        <a:t>1</a:t>
-                      </a:r>
-                      <a:endParaRPr lang="en-US" sz="2000" b="1" u="sng" dirty="0">
-                        <a:solidFill>
-                          <a:schemeClr val="accent2"/>
-                        </a:solidFill>
-                      </a:endParaRPr>
-                    </a:p>
-                  </a:txBody>
-                  <a:tcPr/>
-                </a:tc>
-                <a:tc>
-                  <a:txBody>
-                    <a:bodyPr/>
-                    <a:lstStyle/>
-                    <a:p>
-                      <a:r>
-                        <a:rPr lang="en-US" sz="2000" dirty="0" smtClean="0"/>
-                        <a:t>VSTM2B</a:t>
-                      </a:r>
-                      <a:endParaRPr lang="en-US" sz="2000" dirty="0"/>
-                    </a:p>
-                  </a:txBody>
-                  <a:tcPr/>
-                </a:tc>
-              </a:tr>
-            </a:tbl>
-          </a:graphicData>
-        </a:graphic>
-      </p:graphicFrame>
-      <p:pic>
-        <p:nvPicPr>
-          <p:cNvPr id="13" name="Picture 5"/>
-          <p:cNvPicPr>
-            <a:picLocks noChangeAspect="1" noChangeArrowheads="1"/>
-          </p:cNvPicPr>
-          <p:nvPr/>
-        </p:nvPicPr>
-        <p:blipFill>
-          <a:blip r:embed="rId3" cstate="print">
-            <a:extLst>
-              <a:ext uri="{28A0092B-C50C-407E-A947-70E740481C1C}">
-                <a14:useLocalDpi xmlns:a14="http://schemas.microsoft.com/office/drawing/2010/main" xmlns="" val="0"/>
+                <a14:useLocalDpi xmlns="" xmlns:a14="http://schemas.microsoft.com/office/drawing/2010/main" val="0"/>
               </a:ext>
             </a:extLst>
           </a:blip>
@@ -15250,7 +15308,7 @@
           <a:blip r:embed="rId4" cstate="print">
             <a:extLst>
               <a:ext uri="{28A0092B-C50C-407E-A947-70E740481C1C}">
-                <a14:useLocalDpi xmlns:a14="http://schemas.microsoft.com/office/drawing/2010/main" xmlns="" val="0"/>
+                <a14:useLocalDpi xmlns="" xmlns:a14="http://schemas.microsoft.com/office/drawing/2010/main" val="0"/>
               </a:ext>
             </a:extLst>
           </a:blip>
@@ -15270,7 +15328,7 @@
           <a:noFill/>
           <a:extLst>
             <a:ext uri="{909E8E84-426E-40DD-AFC4-6F175D3DCCD1}">
-              <a14:hiddenFill xmlns:a14="http://schemas.microsoft.com/office/drawing/2010/main" xmlns="">
+              <a14:hiddenFill xmlns="" xmlns:a14="http://schemas.microsoft.com/office/drawing/2010/main">
                 <a:solidFill>
                   <a:srgbClr val="FFFFFF"/>
                 </a:solidFill>
@@ -15321,7 +15379,7 @@
           <a:blip r:embed="rId5" cstate="print">
             <a:extLst>
               <a:ext uri="{28A0092B-C50C-407E-A947-70E740481C1C}">
-                <a14:useLocalDpi xmlns:a14="http://schemas.microsoft.com/office/drawing/2010/main" xmlns="" val="0"/>
+                <a14:useLocalDpi xmlns="" xmlns:a14="http://schemas.microsoft.com/office/drawing/2010/main" val="0"/>
               </a:ext>
             </a:extLst>
           </a:blip>
@@ -15348,7 +15406,7 @@
     </p:spTree>
     <p:extLst>
       <p:ext uri="{BB962C8B-B14F-4D97-AF65-F5344CB8AC3E}">
-        <p14:creationId xmlns:p14="http://schemas.microsoft.com/office/powerpoint/2010/main" xmlns="" val="2487982237"/>
+        <p14:creationId xmlns="" xmlns:p14="http://schemas.microsoft.com/office/powerpoint/2010/main" val="2487982237"/>
       </p:ext>
     </p:extLst>
   </p:cSld>
@@ -15860,7 +15918,7 @@
           <a:blip r:embed="rId3" cstate="print">
             <a:extLst>
               <a:ext uri="{28A0092B-C50C-407E-A947-70E740481C1C}">
-                <a14:useLocalDpi xmlns:a14="http://schemas.microsoft.com/office/drawing/2010/main" xmlns="" val="0"/>
+                <a14:useLocalDpi xmlns="" xmlns:a14="http://schemas.microsoft.com/office/drawing/2010/main" val="0"/>
               </a:ext>
             </a:extLst>
           </a:blip>
@@ -15897,7 +15955,7 @@
           <a:blip r:embed="rId4" cstate="print">
             <a:extLst>
               <a:ext uri="{28A0092B-C50C-407E-A947-70E740481C1C}">
-                <a14:useLocalDpi xmlns:a14="http://schemas.microsoft.com/office/drawing/2010/main" xmlns="" val="0"/>
+                <a14:useLocalDpi xmlns="" xmlns:a14="http://schemas.microsoft.com/office/drawing/2010/main" val="0"/>
               </a:ext>
             </a:extLst>
           </a:blip>
@@ -15924,7 +15982,7 @@
     </p:spTree>
     <p:extLst>
       <p:ext uri="{BB962C8B-B14F-4D97-AF65-F5344CB8AC3E}">
-        <p14:creationId xmlns:p14="http://schemas.microsoft.com/office/powerpoint/2010/main" xmlns="" val="2405318348"/>
+        <p14:creationId xmlns="" xmlns:p14="http://schemas.microsoft.com/office/powerpoint/2010/main" val="2405318348"/>
       </p:ext>
     </p:extLst>
   </p:cSld>
@@ -16095,7 +16153,7 @@
           <p:nvPr>
             <p:extLst>
               <p:ext uri="{D42A27DB-BD31-4B8C-83A1-F6EECF244321}">
-                <p14:modId xmlns:p14="http://schemas.microsoft.com/office/powerpoint/2010/main" xmlns="" val="500365383"/>
+                <p14:modId xmlns="" xmlns:p14="http://schemas.microsoft.com/office/powerpoint/2010/main" val="500365383"/>
               </p:ext>
             </p:extLst>
           </p:nvPr>
@@ -16363,20 +16421,7 @@
                           <a:cs typeface="+mn-cs"/>
                           <a:hlinkClick r:id="rId3" tooltip="The Journal of biological chemistry."/>
                         </a:rPr>
-                        <a:t> </a:t>
-                      </a:r>
-                      <a:r>
-                        <a:rPr lang="en-US" sz="1600" b="0" i="0" u="none" kern="1200" dirty="0" err="1" smtClean="0">
-                          <a:solidFill>
-                            <a:schemeClr val="tx1"/>
-                          </a:solidFill>
-                          <a:effectLst/>
-                          <a:latin typeface="+mn-lt"/>
-                          <a:ea typeface="+mn-ea"/>
-                          <a:cs typeface="+mn-cs"/>
-                          <a:hlinkClick r:id="rId3" tooltip="The Journal of biological chemistry."/>
-                        </a:rPr>
-                        <a:t>Chem</a:t>
+                        <a:t> Chem</a:t>
                       </a:r>
                       <a:endParaRPr lang="en-US" sz="1600" b="0" u="none" dirty="0">
                         <a:solidFill>
@@ -16448,19 +16493,6 @@
                     <a:lstStyle/>
                     <a:p>
                       <a:r>
-                        <a:rPr lang="en-US" sz="1600" b="0" i="0" u="none" kern="1200" dirty="0" err="1" smtClean="0">
-                          <a:solidFill>
-                            <a:schemeClr val="tx1"/>
-                          </a:solidFill>
-                          <a:effectLst/>
-                          <a:latin typeface="+mn-lt"/>
-                          <a:ea typeface="+mn-ea"/>
-                          <a:cs typeface="+mn-cs"/>
-                          <a:hlinkClick r:id="rId5"/>
-                        </a:rPr>
-                        <a:t>Shulepko</a:t>
-                      </a:r>
-                      <a:r>
                         <a:rPr lang="en-US" sz="1600" b="0" i="0" u="none" kern="1200" dirty="0" smtClean="0">
                           <a:solidFill>
                             <a:schemeClr val="tx1"/>
@@ -16471,7 +16503,7 @@
                           <a:cs typeface="+mn-cs"/>
                           <a:hlinkClick r:id="rId5"/>
                         </a:rPr>
-                        <a:t> MA</a:t>
+                        <a:t>Shulepko MA</a:t>
                       </a:r>
                       <a:r>
                         <a:rPr lang="en-US" sz="1600" b="0" i="0" u="none" kern="1200" dirty="0" smtClean="0">
@@ -16546,19 +16578,6 @@
                     <a:lstStyle/>
                     <a:p>
                       <a:r>
-                        <a:rPr lang="en-US" sz="1600" b="0" i="0" u="none" kern="1200" dirty="0" err="1" smtClean="0">
-                          <a:solidFill>
-                            <a:schemeClr val="tx1"/>
-                          </a:solidFill>
-                          <a:effectLst/>
-                          <a:latin typeface="+mn-lt"/>
-                          <a:ea typeface="+mn-ea"/>
-                          <a:cs typeface="+mn-cs"/>
-                          <a:hlinkClick r:id="rId4" tooltip="Bioorganicheskaia khimiia."/>
-                        </a:rPr>
-                        <a:t>Bioorg</a:t>
-                      </a:r>
-                      <a:r>
                         <a:rPr lang="en-US" sz="1600" b="0" i="0" u="none" kern="1200" dirty="0" smtClean="0">
                           <a:solidFill>
                             <a:schemeClr val="tx1"/>
@@ -16569,7 +16588,7 @@
                           <a:cs typeface="+mn-cs"/>
                           <a:hlinkClick r:id="rId4" tooltip="Bioorganicheskaia khimiia."/>
                         </a:rPr>
-                        <a:t> </a:t>
+                        <a:t>Bioorg </a:t>
                       </a:r>
                       <a:r>
                         <a:rPr lang="en-US" sz="1600" b="0" i="0" u="none" kern="1200" dirty="0" err="1" smtClean="0">
@@ -16927,15 +16946,7 @@
                             <a:schemeClr val="tx1"/>
                           </a:solidFill>
                         </a:rPr>
-                        <a:t> </a:t>
-                      </a:r>
-                      <a:r>
-                        <a:rPr lang="en-US" sz="1600" b="0" u="none" dirty="0" err="1" smtClean="0">
-                          <a:solidFill>
-                            <a:schemeClr val="tx1"/>
-                          </a:solidFill>
-                        </a:rPr>
-                        <a:t>Chem</a:t>
+                        <a:t> Chem</a:t>
                       </a:r>
                       <a:endParaRPr lang="en-US" sz="1600" b="0" u="none" dirty="0">
                         <a:solidFill>
@@ -16963,7 +16974,7 @@
           <a:blip r:embed="rId10" cstate="print">
             <a:extLst>
               <a:ext uri="{28A0092B-C50C-407E-A947-70E740481C1C}">
-                <a14:useLocalDpi xmlns:a14="http://schemas.microsoft.com/office/drawing/2010/main" xmlns="" val="0"/>
+                <a14:useLocalDpi xmlns="" xmlns:a14="http://schemas.microsoft.com/office/drawing/2010/main" val="0"/>
               </a:ext>
             </a:extLst>
           </a:blip>
@@ -17073,7 +17084,7 @@
           <a:blip r:embed="rId11" cstate="print">
             <a:extLst>
               <a:ext uri="{28A0092B-C50C-407E-A947-70E740481C1C}">
-                <a14:useLocalDpi xmlns:a14="http://schemas.microsoft.com/office/drawing/2010/main" xmlns="" val="0"/>
+                <a14:useLocalDpi xmlns="" xmlns:a14="http://schemas.microsoft.com/office/drawing/2010/main" val="0"/>
               </a:ext>
             </a:extLst>
           </a:blip>
@@ -17100,7 +17111,7 @@
     </p:spTree>
     <p:extLst>
       <p:ext uri="{BB962C8B-B14F-4D97-AF65-F5344CB8AC3E}">
-        <p14:creationId xmlns:p14="http://schemas.microsoft.com/office/powerpoint/2010/main" xmlns="" val="1895049175"/>
+        <p14:creationId xmlns="" xmlns:p14="http://schemas.microsoft.com/office/powerpoint/2010/main" val="1895049175"/>
       </p:ext>
     </p:extLst>
   </p:cSld>
@@ -17535,20 +17546,7 @@
                           <a:cs typeface="+mn-cs"/>
                           <a:hlinkClick r:id="rId3" tooltip="The Journal of biological chemistry."/>
                         </a:rPr>
-                        <a:t> </a:t>
-                      </a:r>
-                      <a:r>
-                        <a:rPr lang="en-US" sz="1600" b="0" i="0" u="none" kern="1200" dirty="0" err="1" smtClean="0">
-                          <a:solidFill>
-                            <a:schemeClr val="tx1"/>
-                          </a:solidFill>
-                          <a:effectLst/>
-                          <a:latin typeface="+mn-lt"/>
-                          <a:ea typeface="+mn-ea"/>
-                          <a:cs typeface="+mn-cs"/>
-                          <a:hlinkClick r:id="rId3" tooltip="The Journal of biological chemistry."/>
-                        </a:rPr>
-                        <a:t>Chem</a:t>
+                        <a:t> Chem</a:t>
                       </a:r>
                       <a:endParaRPr lang="en-US" sz="1600" b="0" u="none" dirty="0">
                         <a:solidFill>
@@ -17620,19 +17618,6 @@
                     <a:lstStyle/>
                     <a:p>
                       <a:r>
-                        <a:rPr lang="en-US" sz="1600" b="0" i="0" u="none" kern="1200" dirty="0" err="1" smtClean="0">
-                          <a:solidFill>
-                            <a:schemeClr val="tx1"/>
-                          </a:solidFill>
-                          <a:effectLst/>
-                          <a:latin typeface="+mn-lt"/>
-                          <a:ea typeface="+mn-ea"/>
-                          <a:cs typeface="+mn-cs"/>
-                          <a:hlinkClick r:id="rId5"/>
-                        </a:rPr>
-                        <a:t>Shulepko</a:t>
-                      </a:r>
-                      <a:r>
                         <a:rPr lang="en-US" sz="1600" b="0" i="0" u="none" kern="1200" dirty="0" smtClean="0">
                           <a:solidFill>
                             <a:schemeClr val="tx1"/>
@@ -17643,7 +17628,7 @@
                           <a:cs typeface="+mn-cs"/>
                           <a:hlinkClick r:id="rId5"/>
                         </a:rPr>
-                        <a:t> MA</a:t>
+                        <a:t>Shulepko MA</a:t>
                       </a:r>
                       <a:r>
                         <a:rPr lang="en-US" sz="1600" b="0" i="0" u="none" kern="1200" dirty="0" smtClean="0">
@@ -17718,19 +17703,6 @@
                     <a:lstStyle/>
                     <a:p>
                       <a:r>
-                        <a:rPr lang="en-US" sz="1600" b="0" i="0" u="none" kern="1200" dirty="0" err="1" smtClean="0">
-                          <a:solidFill>
-                            <a:schemeClr val="tx1"/>
-                          </a:solidFill>
-                          <a:effectLst/>
-                          <a:latin typeface="+mn-lt"/>
-                          <a:ea typeface="+mn-ea"/>
-                          <a:cs typeface="+mn-cs"/>
-                          <a:hlinkClick r:id="rId4" tooltip="Bioorganicheskaia khimiia."/>
-                        </a:rPr>
-                        <a:t>Bioorg</a:t>
-                      </a:r>
-                      <a:r>
                         <a:rPr lang="en-US" sz="1600" b="0" i="0" u="none" kern="1200" dirty="0" smtClean="0">
                           <a:solidFill>
                             <a:schemeClr val="tx1"/>
@@ -17741,7 +17713,7 @@
                           <a:cs typeface="+mn-cs"/>
                           <a:hlinkClick r:id="rId4" tooltip="Bioorganicheskaia khimiia."/>
                         </a:rPr>
-                        <a:t> </a:t>
+                        <a:t>Bioorg </a:t>
                       </a:r>
                       <a:r>
                         <a:rPr lang="en-US" sz="1600" b="0" i="0" u="none" kern="1200" dirty="0" err="1" smtClean="0">
@@ -18099,15 +18071,7 @@
                             <a:schemeClr val="tx1"/>
                           </a:solidFill>
                         </a:rPr>
-                        <a:t> </a:t>
-                      </a:r>
-                      <a:r>
-                        <a:rPr lang="en-US" sz="1600" b="0" u="none" dirty="0" err="1" smtClean="0">
-                          <a:solidFill>
-                            <a:schemeClr val="tx1"/>
-                          </a:solidFill>
-                        </a:rPr>
-                        <a:t>Chem</a:t>
+                        <a:t> Chem</a:t>
                       </a:r>
                       <a:endParaRPr lang="en-US" sz="1600" b="0" u="none" dirty="0">
                         <a:solidFill>
@@ -18135,7 +18099,7 @@
           <a:blip r:embed="rId10" cstate="print">
             <a:extLst>
               <a:ext uri="{28A0092B-C50C-407E-A947-70E740481C1C}">
-                <a14:useLocalDpi xmlns:a14="http://schemas.microsoft.com/office/drawing/2010/main" xmlns="" val="0"/>
+                <a14:useLocalDpi xmlns="" xmlns:a14="http://schemas.microsoft.com/office/drawing/2010/main" val="0"/>
               </a:ext>
             </a:extLst>
           </a:blip>
@@ -18172,7 +18136,7 @@
           <a:blip r:embed="rId11" cstate="print">
             <a:extLst>
               <a:ext uri="{28A0092B-C50C-407E-A947-70E740481C1C}">
-                <a14:useLocalDpi xmlns:a14="http://schemas.microsoft.com/office/drawing/2010/main" xmlns="" val="0"/>
+                <a14:useLocalDpi xmlns="" xmlns:a14="http://schemas.microsoft.com/office/drawing/2010/main" val="0"/>
               </a:ext>
             </a:extLst>
           </a:blip>
@@ -18282,7 +18246,7 @@
           <a:blip r:embed="rId12" cstate="print">
             <a:extLst>
               <a:ext uri="{28A0092B-C50C-407E-A947-70E740481C1C}">
-                <a14:useLocalDpi xmlns:a14="http://schemas.microsoft.com/office/drawing/2010/main" xmlns="" val="0"/>
+                <a14:useLocalDpi xmlns="" xmlns:a14="http://schemas.microsoft.com/office/drawing/2010/main" val="0"/>
               </a:ext>
             </a:extLst>
           </a:blip>
@@ -18309,7 +18273,7 @@
     </p:spTree>
     <p:extLst>
       <p:ext uri="{BB962C8B-B14F-4D97-AF65-F5344CB8AC3E}">
-        <p14:creationId xmlns:p14="http://schemas.microsoft.com/office/powerpoint/2010/main" xmlns="" val="2249361793"/>
+        <p14:creationId xmlns="" xmlns:p14="http://schemas.microsoft.com/office/powerpoint/2010/main" val="2249361793"/>
       </p:ext>
     </p:extLst>
   </p:cSld>
@@ -18435,7 +18399,7 @@
         </p:nvSpPr>
         <p:spPr>
           <a:xfrm>
-            <a:off x="1374346" y="356795"/>
+            <a:off x="533400" y="381000"/>
             <a:ext cx="1828800" cy="384464"/>
           </a:xfrm>
           <a:prstGeom prst="roundRect">
@@ -18480,14 +18444,14 @@
           <p:nvPr>
             <p:extLst>
               <p:ext uri="{D42A27DB-BD31-4B8C-83A1-F6EECF244321}">
-                <p14:modId xmlns:p14="http://schemas.microsoft.com/office/powerpoint/2010/main" xmlns="" val="416398512"/>
+                <p14:modId xmlns="" xmlns:p14="http://schemas.microsoft.com/office/powerpoint/2010/main" val="416398512"/>
               </p:ext>
             </p:extLst>
           </p:nvPr>
         </p:nvGraphicFramePr>
         <p:xfrm>
-          <a:off x="457200" y="868241"/>
-          <a:ext cx="8047892" cy="5273733"/>
+          <a:off x="457200" y="1072573"/>
+          <a:ext cx="8047892" cy="5099628"/>
         </p:xfrm>
         <a:graphic>
           <a:graphicData uri="http://schemas.openxmlformats.org/drawingml/2006/table">
@@ -18501,7 +18465,7 @@
                 <a:gridCol w="908777"/>
                 <a:gridCol w="1955979"/>
               </a:tblGrid>
-              <a:tr h="381001">
+              <a:tr h="357325">
                 <a:tc>
                   <a:txBody>
                     <a:bodyPr/>
@@ -18591,12 +18555,56 @@
                   <a:tcPr/>
                 </a:tc>
               </a:tr>
-              <a:tr h="958135">
+              <a:tr h="1073161">
                 <a:tc>
                   <a:txBody>
                     <a:bodyPr/>
                     <a:lstStyle/>
                     <a:p>
+                      <a:r>
+                        <a:rPr lang="en-US" sz="1600" b="0" i="0" u="none" kern="1200" dirty="0" smtClean="0">
+                          <a:solidFill>
+                            <a:schemeClr val="tx1"/>
+                          </a:solidFill>
+                          <a:effectLst/>
+                          <a:latin typeface="+mn-lt"/>
+                          <a:ea typeface="+mn-ea"/>
+                          <a:cs typeface="+mn-cs"/>
+                          <a:hlinkClick r:id="rId3"/>
+                        </a:rPr>
+                        <a:t>Water-soluble LYNX1 residues important for interaction with muscle-type and/or neuronal nicotinic receptors</a:t>
+                      </a:r>
+                      <a:endParaRPr lang="en-US" sz="1600" b="0" i="0" u="none" kern="1200" dirty="0">
+                        <a:solidFill>
+                          <a:schemeClr val="tx1"/>
+                        </a:solidFill>
+                        <a:effectLst/>
+                        <a:latin typeface="+mn-lt"/>
+                        <a:ea typeface="+mn-ea"/>
+                        <a:cs typeface="+mn-cs"/>
+                        <a:hlinkClick r:id="rId3"/>
+                      </a:endParaRPr>
+                    </a:p>
+                  </a:txBody>
+                  <a:tcPr/>
+                </a:tc>
+                <a:tc>
+                  <a:txBody>
+                    <a:bodyPr/>
+                    <a:lstStyle/>
+                    <a:p>
+                      <a:r>
+                        <a:rPr lang="en-US" sz="1600" b="0" i="0" u="none" kern="1200" dirty="0" err="1" smtClean="0">
+                          <a:solidFill>
+                            <a:schemeClr val="tx1"/>
+                          </a:solidFill>
+                          <a:effectLst/>
+                          <a:latin typeface="+mn-lt"/>
+                          <a:ea typeface="+mn-ea"/>
+                          <a:cs typeface="+mn-cs"/>
+                        </a:rPr>
+                        <a:t>Lyukmanova</a:t>
+                      </a:r>
                       <a:r>
                         <a:rPr lang="en-US" sz="1600" b="0" i="0" u="none" kern="1200" dirty="0" smtClean="0">
                           <a:solidFill>
@@ -18607,7 +18615,31 @@
                           <a:ea typeface="+mn-ea"/>
                           <a:cs typeface="+mn-cs"/>
                         </a:rPr>
-                        <a:t>Water-soluble LYNX1 residues important for interaction with muscle-type and/or neuronal nicotinic receptors</a:t>
+                        <a:t> EN,…</a:t>
+                      </a:r>
+                      <a:r>
+                        <a:rPr lang="en-US" sz="1600" b="0" i="0" u="none" kern="1200" dirty="0" err="1" smtClean="0">
+                          <a:solidFill>
+                            <a:schemeClr val="tx1"/>
+                          </a:solidFill>
+                          <a:effectLst/>
+                          <a:latin typeface="+mn-lt"/>
+                          <a:ea typeface="+mn-ea"/>
+                          <a:cs typeface="+mn-cs"/>
+                        </a:rPr>
+                        <a:t>Tsetlin</a:t>
+                      </a:r>
+                      <a:r>
+                        <a:rPr lang="en-US" sz="1600" b="0" i="0" u="none" kern="1200" dirty="0" smtClean="0">
+                          <a:solidFill>
+                            <a:schemeClr val="tx1"/>
+                          </a:solidFill>
+                          <a:effectLst/>
+                          <a:latin typeface="+mn-lt"/>
+                          <a:ea typeface="+mn-ea"/>
+                          <a:cs typeface="+mn-cs"/>
+                        </a:rPr>
+                        <a:t> VI</a:t>
                       </a:r>
                       <a:endParaRPr lang="en-US" sz="1600" b="0" u="none" dirty="0">
                         <a:solidFill>
@@ -18624,18 +18656,6 @@
                     <a:lstStyle/>
                     <a:p>
                       <a:r>
-                        <a:rPr lang="en-US" sz="1600" b="0" i="0" u="none" kern="1200" dirty="0" err="1" smtClean="0">
-                          <a:solidFill>
-                            <a:schemeClr val="tx1"/>
-                          </a:solidFill>
-                          <a:effectLst/>
-                          <a:latin typeface="+mn-lt"/>
-                          <a:ea typeface="+mn-ea"/>
-                          <a:cs typeface="+mn-cs"/>
-                        </a:rPr>
-                        <a:t>Lyukmanova</a:t>
-                      </a:r>
-                      <a:r>
                         <a:rPr lang="en-US" sz="1600" b="0" i="0" u="none" kern="1200" dirty="0" smtClean="0">
                           <a:solidFill>
                             <a:schemeClr val="tx1"/>
@@ -18645,31 +18665,7 @@
                           <a:ea typeface="+mn-ea"/>
                           <a:cs typeface="+mn-cs"/>
                         </a:rPr>
-                        <a:t> EN,…</a:t>
-                      </a:r>
-                      <a:r>
-                        <a:rPr lang="en-US" sz="1600" b="0" i="0" u="none" kern="1200" dirty="0" err="1" smtClean="0">
-                          <a:solidFill>
-                            <a:schemeClr val="tx1"/>
-                          </a:solidFill>
-                          <a:effectLst/>
-                          <a:latin typeface="+mn-lt"/>
-                          <a:ea typeface="+mn-ea"/>
-                          <a:cs typeface="+mn-cs"/>
-                        </a:rPr>
-                        <a:t>Tsetlin</a:t>
-                      </a:r>
-                      <a:r>
-                        <a:rPr lang="en-US" sz="1600" b="0" i="0" u="none" kern="1200" dirty="0" smtClean="0">
-                          <a:solidFill>
-                            <a:schemeClr val="tx1"/>
-                          </a:solidFill>
-                          <a:effectLst/>
-                          <a:latin typeface="+mn-lt"/>
-                          <a:ea typeface="+mn-ea"/>
-                          <a:cs typeface="+mn-cs"/>
-                        </a:rPr>
-                        <a:t> VI</a:t>
+                        <a:t> 2013</a:t>
                       </a:r>
                       <a:endParaRPr lang="en-US" sz="1600" b="0" u="none" dirty="0">
                         <a:solidFill>
@@ -18695,7 +18691,86 @@
                           <a:ea typeface="+mn-ea"/>
                           <a:cs typeface="+mn-cs"/>
                         </a:rPr>
-                        <a:t> 2013</a:t>
+                        <a:t>J </a:t>
+                      </a:r>
+                      <a:r>
+                        <a:rPr lang="en-US" sz="1600" b="0" i="0" u="none" kern="1200" dirty="0" err="1" smtClean="0">
+                          <a:solidFill>
+                            <a:schemeClr val="tx1"/>
+                          </a:solidFill>
+                          <a:effectLst/>
+                          <a:latin typeface="+mn-lt"/>
+                          <a:ea typeface="+mn-ea"/>
+                          <a:cs typeface="+mn-cs"/>
+                        </a:rPr>
+                        <a:t>Biol</a:t>
+                      </a:r>
+                      <a:r>
+                        <a:rPr lang="en-US" sz="1600" b="0" i="0" u="none" kern="1200" dirty="0" smtClean="0">
+                          <a:solidFill>
+                            <a:schemeClr val="tx1"/>
+                          </a:solidFill>
+                          <a:effectLst/>
+                          <a:latin typeface="+mn-lt"/>
+                          <a:ea typeface="+mn-ea"/>
+                          <a:cs typeface="+mn-cs"/>
+                        </a:rPr>
+                        <a:t> Chem</a:t>
+                      </a:r>
+                      <a:endParaRPr lang="en-US" sz="1600" b="0" u="none" dirty="0">
+                        <a:solidFill>
+                          <a:schemeClr val="tx1"/>
+                        </a:solidFill>
+                      </a:endParaRPr>
+                    </a:p>
+                  </a:txBody>
+                  <a:tcPr/>
+                </a:tc>
+              </a:tr>
+              <a:tr h="1535172">
+                <a:tc>
+                  <a:txBody>
+                    <a:bodyPr/>
+                    <a:lstStyle/>
+                    <a:p>
+                      <a:r>
+                        <a:rPr lang="en-US" sz="1600" b="0" i="0" u="none" kern="1200" dirty="0" smtClean="0">
+                          <a:solidFill>
+                            <a:schemeClr val="tx1"/>
+                          </a:solidFill>
+                          <a:effectLst/>
+                          <a:latin typeface="+mn-lt"/>
+                          <a:ea typeface="+mn-ea"/>
+                          <a:cs typeface="+mn-cs"/>
+                          <a:hlinkClick r:id="rId3"/>
+                        </a:rPr>
+                        <a:t>[Bacterial expression of water-soluble domain of Lynx1, endogenic neuromodulator of </a:t>
+                      </a:r>
+                      <a:r>
+                        <a:rPr lang="en-US" sz="1600" b="0" i="0" u="none" kern="1200" dirty="0" err="1" smtClean="0">
+                          <a:solidFill>
+                            <a:schemeClr val="tx1"/>
+                          </a:solidFill>
+                          <a:effectLst/>
+                          <a:latin typeface="+mn-lt"/>
+                          <a:ea typeface="+mn-ea"/>
+                          <a:cs typeface="+mn-cs"/>
+                          <a:hlinkClick r:id="rId3"/>
+                        </a:rPr>
+                        <a:t>humannicotinic</a:t>
+                      </a:r>
+                      <a:r>
+                        <a:rPr lang="en-US" sz="1600" b="0" i="0" u="none" kern="1200" dirty="0" smtClean="0">
+                          <a:solidFill>
+                            <a:schemeClr val="tx1"/>
+                          </a:solidFill>
+                          <a:effectLst/>
+                          <a:latin typeface="+mn-lt"/>
+                          <a:ea typeface="+mn-ea"/>
+                          <a:cs typeface="+mn-cs"/>
+                          <a:hlinkClick r:id="rId3"/>
+                        </a:rPr>
+                        <a:t> acetylcholine receptors]</a:t>
                       </a:r>
                       <a:endParaRPr lang="en-US" sz="1600" b="0" u="none" dirty="0">
                         <a:solidFill>
@@ -18720,9 +18795,8 @@
                           <a:latin typeface="+mn-lt"/>
                           <a:ea typeface="+mn-ea"/>
                           <a:cs typeface="+mn-cs"/>
-                          <a:hlinkClick r:id="rId3" tooltip="The Journal of biological chemistry."/>
                         </a:rPr>
-                        <a:t>J </a:t>
+                        <a:t>Shulepko MA, … </a:t>
                       </a:r>
                       <a:r>
                         <a:rPr lang="en-US" sz="1600" b="0" i="0" u="none" kern="1200" dirty="0" err="1" smtClean="0">
@@ -18733,9 +18807,8 @@
                           <a:latin typeface="+mn-lt"/>
                           <a:ea typeface="+mn-ea"/>
                           <a:cs typeface="+mn-cs"/>
-                          <a:hlinkClick r:id="rId3" tooltip="The Journal of biological chemistry."/>
                         </a:rPr>
-                        <a:t>Biol</a:t>
+                        <a:t>Kirpichnikov</a:t>
                       </a:r>
                       <a:r>
                         <a:rPr lang="en-US" sz="1600" b="0" i="0" u="none" kern="1200" dirty="0" smtClean="0">
@@ -18746,77 +18819,8 @@
                           <a:latin typeface="+mn-lt"/>
                           <a:ea typeface="+mn-ea"/>
                           <a:cs typeface="+mn-cs"/>
-                          <a:hlinkClick r:id="rId3" tooltip="The Journal of biological chemistry."/>
                         </a:rPr>
-                        <a:t> </a:t>
-                      </a:r>
-                      <a:r>
-                        <a:rPr lang="en-US" sz="1600" b="0" i="0" u="none" kern="1200" dirty="0" err="1" smtClean="0">
-                          <a:solidFill>
-                            <a:schemeClr val="tx1"/>
-                          </a:solidFill>
-                          <a:effectLst/>
-                          <a:latin typeface="+mn-lt"/>
-                          <a:ea typeface="+mn-ea"/>
-                          <a:cs typeface="+mn-cs"/>
-                          <a:hlinkClick r:id="rId3" tooltip="The Journal of biological chemistry."/>
-                        </a:rPr>
-                        <a:t>Chem</a:t>
-                      </a:r>
-                      <a:endParaRPr lang="en-US" sz="1600" b="0" u="none" dirty="0">
-                        <a:solidFill>
-                          <a:schemeClr val="tx1"/>
-                        </a:solidFill>
-                      </a:endParaRPr>
-                    </a:p>
-                  </a:txBody>
-                  <a:tcPr/>
-                </a:tc>
-              </a:tr>
-              <a:tr h="1636890">
-                <a:tc>
-                  <a:txBody>
-                    <a:bodyPr/>
-                    <a:lstStyle/>
-                    <a:p>
-                      <a:r>
-                        <a:rPr lang="en-US" sz="1600" b="0" i="0" u="none" kern="1200" dirty="0" smtClean="0">
-                          <a:solidFill>
-                            <a:schemeClr val="tx1"/>
-                          </a:solidFill>
-                          <a:effectLst/>
-                          <a:latin typeface="+mn-lt"/>
-                          <a:ea typeface="+mn-ea"/>
-                          <a:cs typeface="+mn-cs"/>
-                          <a:hlinkClick r:id="rId4"/>
-                        </a:rPr>
-                        <a:t>[Bacterial expression of water-soluble domain of Lynx1, endogenic neuromodulator of </a:t>
-                      </a:r>
-                      <a:r>
-                        <a:rPr lang="en-US" sz="1600" b="0" i="0" u="none" kern="1200" dirty="0" err="1" smtClean="0">
-                          <a:solidFill>
-                            <a:schemeClr val="tx1"/>
-                          </a:solidFill>
-                          <a:effectLst/>
-                          <a:latin typeface="+mn-lt"/>
-                          <a:ea typeface="+mn-ea"/>
-                          <a:cs typeface="+mn-cs"/>
-                          <a:hlinkClick r:id="rId4"/>
-                        </a:rPr>
-                        <a:t>humannicotinic</a:t>
-                      </a:r>
-                      <a:r>
-                        <a:rPr lang="en-US" sz="1600" b="0" i="0" u="none" kern="1200" dirty="0" smtClean="0">
-                          <a:solidFill>
-                            <a:schemeClr val="tx1"/>
-                          </a:solidFill>
-                          <a:effectLst/>
-                          <a:latin typeface="+mn-lt"/>
-                          <a:ea typeface="+mn-ea"/>
-                          <a:cs typeface="+mn-cs"/>
-                          <a:hlinkClick r:id="rId4"/>
-                        </a:rPr>
-                        <a:t> acetylcholine receptors]</a:t>
+                        <a:t> MP</a:t>
                       </a:r>
                       <a:endParaRPr lang="en-US" sz="1600" b="0" u="none" dirty="0">
                         <a:solidFill>
@@ -18833,66 +18837,12 @@
                     <a:lstStyle/>
                     <a:p>
                       <a:r>
-                        <a:rPr lang="en-US" sz="1600" b="0" i="0" u="none" kern="1200" dirty="0" err="1" smtClean="0">
+                        <a:rPr lang="en-US" sz="1600" b="0" u="none" dirty="0" smtClean="0">
                           <a:solidFill>
                             <a:schemeClr val="tx1"/>
                           </a:solidFill>
-                          <a:effectLst/>
-                          <a:latin typeface="+mn-lt"/>
-                          <a:ea typeface="+mn-ea"/>
-                          <a:cs typeface="+mn-cs"/>
-                          <a:hlinkClick r:id="rId5"/>
                         </a:rPr>
-                        <a:t>Shulepko</a:t>
-                      </a:r>
-                      <a:r>
-                        <a:rPr lang="en-US" sz="1600" b="0" i="0" u="none" kern="1200" dirty="0" smtClean="0">
-                          <a:solidFill>
-                            <a:schemeClr val="tx1"/>
-                          </a:solidFill>
-                          <a:effectLst/>
-                          <a:latin typeface="+mn-lt"/>
-                          <a:ea typeface="+mn-ea"/>
-                          <a:cs typeface="+mn-cs"/>
-                          <a:hlinkClick r:id="rId5"/>
-                        </a:rPr>
-                        <a:t> MA</a:t>
-                      </a:r>
-                      <a:r>
-                        <a:rPr lang="en-US" sz="1600" b="0" i="0" u="none" kern="1200" dirty="0" smtClean="0">
-                          <a:solidFill>
-                            <a:schemeClr val="tx1"/>
-                          </a:solidFill>
-                          <a:effectLst/>
-                          <a:latin typeface="+mn-lt"/>
-                          <a:ea typeface="+mn-ea"/>
-                          <a:cs typeface="+mn-cs"/>
-                        </a:rPr>
-                        <a:t>, … </a:t>
-                      </a:r>
-                      <a:r>
-                        <a:rPr lang="en-US" sz="1600" b="0" i="0" u="none" kern="1200" dirty="0" err="1" smtClean="0">
-                          <a:solidFill>
-                            <a:schemeClr val="tx1"/>
-                          </a:solidFill>
-                          <a:effectLst/>
-                          <a:latin typeface="+mn-lt"/>
-                          <a:ea typeface="+mn-ea"/>
-                          <a:cs typeface="+mn-cs"/>
-                        </a:rPr>
-                        <a:t>Kirpichnikov</a:t>
-                      </a:r>
-                      <a:r>
-                        <a:rPr lang="en-US" sz="1600" b="0" i="0" u="none" kern="1200" dirty="0" smtClean="0">
-                          <a:solidFill>
-                            <a:schemeClr val="tx1"/>
-                          </a:solidFill>
-                          <a:effectLst/>
-                          <a:latin typeface="+mn-lt"/>
-                          <a:ea typeface="+mn-ea"/>
-                          <a:cs typeface="+mn-cs"/>
-                        </a:rPr>
-                        <a:t> MP</a:t>
+                        <a:t>2011</a:t>
                       </a:r>
                       <a:endParaRPr lang="en-US" sz="1600" b="0" u="none" dirty="0">
                         <a:solidFill>
@@ -18909,12 +18859,57 @@
                     <a:lstStyle/>
                     <a:p>
                       <a:r>
-                        <a:rPr lang="en-US" sz="1600" b="0" u="none" dirty="0" smtClean="0">
+                        <a:rPr lang="en-US" sz="1600" b="0" i="0" u="none" kern="1200" dirty="0" smtClean="0">
                           <a:solidFill>
                             <a:schemeClr val="tx1"/>
                           </a:solidFill>
+                          <a:effectLst/>
+                          <a:latin typeface="+mn-lt"/>
+                          <a:ea typeface="+mn-ea"/>
+                          <a:cs typeface="+mn-cs"/>
                         </a:rPr>
-                        <a:t>2011</a:t>
+                        <a:t>Bioorg </a:t>
+                      </a:r>
+                      <a:r>
+                        <a:rPr lang="en-US" sz="1600" b="0" i="0" u="none" kern="1200" dirty="0" err="1" smtClean="0">
+                          <a:solidFill>
+                            <a:schemeClr val="tx1"/>
+                          </a:solidFill>
+                          <a:effectLst/>
+                          <a:latin typeface="+mn-lt"/>
+                          <a:ea typeface="+mn-ea"/>
+                          <a:cs typeface="+mn-cs"/>
+                        </a:rPr>
+                        <a:t>Khim</a:t>
+                      </a:r>
+                      <a:endParaRPr lang="en-US" sz="1600" b="0" u="none" dirty="0">
+                        <a:solidFill>
+                          <a:schemeClr val="tx1"/>
+                        </a:solidFill>
+                      </a:endParaRPr>
+                    </a:p>
+                  </a:txBody>
+                  <a:tcPr/>
+                </a:tc>
+              </a:tr>
+              <a:tr h="938162">
+                <a:tc>
+                  <a:txBody>
+                    <a:bodyPr/>
+                    <a:lstStyle/>
+                    <a:p>
+                      <a:r>
+                        <a:rPr lang="en-US" sz="1600" b="0" i="0" u="none" kern="1200" dirty="0" smtClean="0">
+                          <a:solidFill>
+                            <a:schemeClr val="tx1"/>
+                          </a:solidFill>
+                          <a:effectLst/>
+                          <a:latin typeface="+mn-lt"/>
+                          <a:ea typeface="+mn-ea"/>
+                          <a:cs typeface="+mn-cs"/>
+                          <a:hlinkClick r:id="rId4"/>
+                        </a:rPr>
+                        <a:t>The α7 nicotinic acetylcholine receptor complex: one, two or multiple drug targets?</a:t>
                       </a:r>
                       <a:endParaRPr lang="en-US" sz="1600" b="0" u="none" dirty="0">
                         <a:solidFill>
@@ -18931,6 +18926,18 @@
                     <a:lstStyle/>
                     <a:p>
                       <a:r>
+                        <a:rPr lang="en-US" sz="1600" b="0" i="0" u="none" kern="1200" dirty="0" smtClean="0">
+                          <a:solidFill>
+                            <a:schemeClr val="tx1"/>
+                          </a:solidFill>
+                          <a:effectLst/>
+                          <a:latin typeface="+mn-lt"/>
+                          <a:ea typeface="+mn-ea"/>
+                          <a:cs typeface="+mn-cs"/>
+                        </a:rPr>
+                        <a:t>Thomsen MS, </a:t>
+                      </a:r>
+                      <a:r>
                         <a:rPr lang="en-US" sz="1600" b="0" i="0" u="none" kern="1200" dirty="0" err="1" smtClean="0">
                           <a:solidFill>
                             <a:schemeClr val="tx1"/>
@@ -18939,9 +18946,8 @@
                           <a:latin typeface="+mn-lt"/>
                           <a:ea typeface="+mn-ea"/>
                           <a:cs typeface="+mn-cs"/>
-                          <a:hlinkClick r:id="rId4" tooltip="Bioorganicheskaia khimiia."/>
                         </a:rPr>
-                        <a:t>Bioorg</a:t>
+                        <a:t>Mikkelsen</a:t>
                       </a:r>
                       <a:r>
                         <a:rPr lang="en-US" sz="1600" b="0" i="0" u="none" kern="1200" dirty="0" smtClean="0">
@@ -18952,51 +18958,8 @@
                           <a:latin typeface="+mn-lt"/>
                           <a:ea typeface="+mn-ea"/>
                           <a:cs typeface="+mn-cs"/>
-                          <a:hlinkClick r:id="rId4" tooltip="Bioorganicheskaia khimiia."/>
                         </a:rPr>
-                        <a:t> </a:t>
-                      </a:r>
-                      <a:r>
-                        <a:rPr lang="en-US" sz="1600" b="0" i="0" u="none" kern="1200" dirty="0" err="1" smtClean="0">
-                          <a:solidFill>
-                            <a:schemeClr val="tx1"/>
-                          </a:solidFill>
-                          <a:effectLst/>
-                          <a:latin typeface="+mn-lt"/>
-                          <a:ea typeface="+mn-ea"/>
-                          <a:cs typeface="+mn-cs"/>
-                          <a:hlinkClick r:id="rId4" tooltip="Bioorganicheskaia khimiia."/>
-                        </a:rPr>
-                        <a:t>Khim</a:t>
-                      </a:r>
-                      <a:endParaRPr lang="en-US" sz="1600" b="0" u="none" dirty="0">
-                        <a:solidFill>
-                          <a:schemeClr val="tx1"/>
-                        </a:solidFill>
-                      </a:endParaRPr>
-                    </a:p>
-                  </a:txBody>
-                  <a:tcPr/>
-                </a:tc>
-              </a:tr>
-              <a:tr h="1000322">
-                <a:tc>
-                  <a:txBody>
-                    <a:bodyPr/>
-                    <a:lstStyle/>
-                    <a:p>
-                      <a:r>
-                        <a:rPr lang="en-US" sz="1600" b="0" i="0" u="none" kern="1200" dirty="0" smtClean="0">
-                          <a:solidFill>
-                            <a:schemeClr val="tx1"/>
-                          </a:solidFill>
-                          <a:effectLst/>
-                          <a:latin typeface="+mn-lt"/>
-                          <a:ea typeface="+mn-ea"/>
-                          <a:cs typeface="+mn-cs"/>
-                          <a:hlinkClick r:id="rId6"/>
-                        </a:rPr>
-                        <a:t>The α7 nicotinic acetylcholine receptor complex: one, two or multiple drug targets?</a:t>
+                        <a:t> JD.</a:t>
                       </a:r>
                       <a:endParaRPr lang="en-US" sz="1600" b="0" u="none" dirty="0">
                         <a:solidFill>
@@ -19013,67 +18976,12 @@
                     <a:lstStyle/>
                     <a:p>
                       <a:r>
-                        <a:rPr lang="en-US" sz="1600" b="0" i="0" u="none" kern="1200" dirty="0" smtClean="0">
+                        <a:rPr lang="en-US" sz="1600" b="0" u="none" dirty="0" smtClean="0">
                           <a:solidFill>
                             <a:schemeClr val="tx1"/>
                           </a:solidFill>
-                          <a:effectLst/>
-                          <a:latin typeface="+mn-lt"/>
-                          <a:ea typeface="+mn-ea"/>
-                          <a:cs typeface="+mn-cs"/>
-                          <a:hlinkClick r:id="rId7"/>
                         </a:rPr>
-                        <a:t>Thomsen MS</a:t>
-                      </a:r>
-                      <a:r>
-                        <a:rPr lang="en-US" sz="1600" b="0" i="0" u="none" kern="1200" dirty="0" smtClean="0">
-                          <a:solidFill>
-                            <a:schemeClr val="tx1"/>
-                          </a:solidFill>
-                          <a:effectLst/>
-                          <a:latin typeface="+mn-lt"/>
-                          <a:ea typeface="+mn-ea"/>
-                          <a:cs typeface="+mn-cs"/>
-                        </a:rPr>
-                        <a:t>, </a:t>
-                      </a:r>
-                      <a:r>
-                        <a:rPr lang="en-US" sz="1600" b="0" i="0" u="none" kern="1200" dirty="0" err="1" smtClean="0">
-                          <a:solidFill>
-                            <a:schemeClr val="tx1"/>
-                          </a:solidFill>
-                          <a:effectLst/>
-                          <a:latin typeface="+mn-lt"/>
-                          <a:ea typeface="+mn-ea"/>
-                          <a:cs typeface="+mn-cs"/>
-                          <a:hlinkClick r:id="rId8"/>
-                        </a:rPr>
-                        <a:t>Mikkelsen</a:t>
-                      </a:r>
-                      <a:r>
-                        <a:rPr lang="en-US" sz="1600" b="0" i="0" u="none" kern="1200" dirty="0" smtClean="0">
-                          <a:solidFill>
-                            <a:schemeClr val="tx1"/>
-                          </a:solidFill>
-                          <a:effectLst/>
-                          <a:latin typeface="+mn-lt"/>
-                          <a:ea typeface="+mn-ea"/>
-                          <a:cs typeface="+mn-cs"/>
-                          <a:hlinkClick r:id="rId8"/>
-                        </a:rPr>
-                        <a:t> JD</a:t>
-                      </a:r>
-                      <a:r>
-                        <a:rPr lang="en-US" sz="1600" b="0" i="0" u="none" kern="1200" dirty="0" smtClean="0">
-                          <a:solidFill>
-                            <a:schemeClr val="tx1"/>
-                          </a:solidFill>
-                          <a:effectLst/>
-                          <a:latin typeface="+mn-lt"/>
-                          <a:ea typeface="+mn-ea"/>
-                          <a:cs typeface="+mn-cs"/>
-                        </a:rPr>
-                        <a:t>.</a:t>
+                        <a:t>2012</a:t>
                       </a:r>
                       <a:endParaRPr lang="en-US" sz="1600" b="0" u="none" dirty="0">
                         <a:solidFill>
@@ -19090,12 +18998,61 @@
                     <a:lstStyle/>
                     <a:p>
                       <a:r>
-                        <a:rPr lang="en-US" sz="1600" b="0" u="none" dirty="0" smtClean="0">
+                        <a:rPr lang="en-US" sz="1600" b="0" i="0" u="none" kern="1200" dirty="0" err="1" smtClean="0">
                           <a:solidFill>
                             <a:schemeClr val="tx1"/>
                           </a:solidFill>
+                          <a:effectLst/>
+                          <a:latin typeface="+mn-lt"/>
+                          <a:ea typeface="+mn-ea"/>
+                          <a:cs typeface="+mn-cs"/>
                         </a:rPr>
-                        <a:t>2012</a:t>
+                        <a:t>Curr</a:t>
+                      </a:r>
+                      <a:r>
+                        <a:rPr lang="en-US" sz="1600" b="0" i="0" u="none" kern="1200" dirty="0" smtClean="0">
+                          <a:solidFill>
+                            <a:schemeClr val="tx1"/>
+                          </a:solidFill>
+                          <a:effectLst/>
+                          <a:latin typeface="+mn-lt"/>
+                          <a:ea typeface="+mn-ea"/>
+                          <a:cs typeface="+mn-cs"/>
+                        </a:rPr>
+                        <a:t> Drug Targets</a:t>
+                      </a:r>
+                      <a:endParaRPr lang="en-US" sz="1600" b="0" i="0" u="none" kern="1200" dirty="0">
+                        <a:solidFill>
+                          <a:schemeClr val="tx1"/>
+                        </a:solidFill>
+                        <a:effectLst/>
+                        <a:latin typeface="+mn-lt"/>
+                        <a:ea typeface="+mn-ea"/>
+                        <a:cs typeface="+mn-cs"/>
+                      </a:endParaRPr>
+                    </a:p>
+                  </a:txBody>
+                  <a:tcPr/>
+                </a:tc>
+              </a:tr>
+              <a:tr h="1195808">
+                <a:tc>
+                  <a:txBody>
+                    <a:bodyPr/>
+                    <a:lstStyle/>
+                    <a:p>
+                      <a:r>
+                        <a:rPr lang="en-US" sz="1800" b="0" i="0" kern="1200" dirty="0" smtClean="0">
+                          <a:solidFill>
+                            <a:schemeClr val="dk1"/>
+                          </a:solidFill>
+                          <a:effectLst/>
+                          <a:latin typeface="+mn-lt"/>
+                          <a:ea typeface="+mn-ea"/>
+                          <a:cs typeface="+mn-cs"/>
+                          <a:hlinkClick r:id="rId5"/>
+                        </a:rPr>
+                        <a:t>NMR structure and action on nicotinic acetylcholine receptors of water-soluble domain of humanLYNX1.</a:t>
                       </a:r>
                       <a:endParaRPr lang="en-US" sz="1600" b="0" u="none" dirty="0">
                         <a:solidFill>
@@ -19112,47 +19069,17 @@
                     <a:lstStyle/>
                     <a:p>
                       <a:r>
-                        <a:rPr lang="en-US" sz="1600" b="0" i="0" u="none" kern="1200" dirty="0" err="1" smtClean="0">
+                        <a:rPr lang="en-US" sz="1800" b="0" i="0" kern="1200" dirty="0" err="1" smtClean="0">
                           <a:solidFill>
-                            <a:schemeClr val="tx1"/>
+                            <a:schemeClr val="dk1"/>
                           </a:solidFill>
                           <a:effectLst/>
                           <a:latin typeface="+mn-lt"/>
                           <a:ea typeface="+mn-ea"/>
                           <a:cs typeface="+mn-cs"/>
-                          <a:hlinkClick r:id="rId6" tooltip="Current drug targets."/>
                         </a:rPr>
-                        <a:t>Curr</a:t>
-                      </a:r>
-                      <a:r>
-                        <a:rPr lang="en-US" sz="1600" b="0" i="0" u="none" kern="1200" dirty="0" smtClean="0">
-                          <a:solidFill>
-                            <a:schemeClr val="tx1"/>
-                          </a:solidFill>
-                          <a:effectLst/>
-                          <a:latin typeface="+mn-lt"/>
-                          <a:ea typeface="+mn-ea"/>
-                          <a:cs typeface="+mn-cs"/>
-                          <a:hlinkClick r:id="rId6" tooltip="Current drug targets."/>
-                        </a:rPr>
-                        <a:t> Drug Targets</a:t>
-                      </a:r>
-                      <a:endParaRPr lang="en-US" sz="1600" b="0" u="none" dirty="0">
-                        <a:solidFill>
-                          <a:schemeClr val="tx1"/>
-                        </a:solidFill>
-                      </a:endParaRPr>
-                    </a:p>
-                  </a:txBody>
-                  <a:tcPr/>
-                </a:tc>
-              </a:tr>
-              <a:tr h="1000322">
-                <a:tc>
-                  <a:txBody>
-                    <a:bodyPr/>
-                    <a:lstStyle/>
-                    <a:p>
+                        <a:t>Lyukmanova</a:t>
+                      </a:r>
                       <a:r>
                         <a:rPr lang="en-US" sz="1800" b="0" i="0" kern="1200" dirty="0" smtClean="0">
                           <a:solidFill>
@@ -19162,12 +19089,11 @@
                           <a:latin typeface="+mn-lt"/>
                           <a:ea typeface="+mn-ea"/>
                           <a:cs typeface="+mn-cs"/>
-                          <a:hlinkClick r:id="rId9"/>
                         </a:rPr>
-                        <a:t>NMR structure and action on nicotinic acetylcholine receptors of water-soluble domain of </a:t>
-                      </a:r>
-                      <a:r>
-                        <a:rPr lang="en-US" sz="1800" b="1" i="0" kern="1200" dirty="0" smtClean="0">
+                        <a:t> EN… </a:t>
+                      </a:r>
+                      <a:r>
+                        <a:rPr lang="en-US" sz="1800" b="0" i="0" kern="1200" dirty="0" err="1" smtClean="0">
                           <a:solidFill>
                             <a:schemeClr val="dk1"/>
                           </a:solidFill>
@@ -19175,9 +19101,8 @@
                           <a:latin typeface="+mn-lt"/>
                           <a:ea typeface="+mn-ea"/>
                           <a:cs typeface="+mn-cs"/>
-                          <a:hlinkClick r:id="rId9"/>
                         </a:rPr>
-                        <a:t>humanLYNX1</a:t>
+                        <a:t>Kirpichnikov</a:t>
                       </a:r>
                       <a:r>
                         <a:rPr lang="en-US" sz="1800" b="0" i="0" kern="1200" dirty="0" smtClean="0">
@@ -19188,9 +19113,8 @@
                           <a:latin typeface="+mn-lt"/>
                           <a:ea typeface="+mn-ea"/>
                           <a:cs typeface="+mn-cs"/>
-                          <a:hlinkClick r:id="rId9"/>
                         </a:rPr>
-                        <a:t>.</a:t>
+                        <a:t> MP</a:t>
                       </a:r>
                       <a:endParaRPr lang="en-US" sz="1600" b="0" u="none" dirty="0">
                         <a:solidFill>
@@ -19207,52 +19131,12 @@
                     <a:lstStyle/>
                     <a:p>
                       <a:r>
-                        <a:rPr lang="en-US" sz="1800" b="0" i="0" kern="1200" dirty="0" err="1" smtClean="0">
+                        <a:rPr lang="en-US" sz="1600" b="0" u="none" dirty="0" smtClean="0">
                           <a:solidFill>
-                            <a:schemeClr val="dk1"/>
+                            <a:schemeClr val="tx1"/>
                           </a:solidFill>
-                          <a:effectLst/>
-                          <a:latin typeface="+mn-lt"/>
-                          <a:ea typeface="+mn-ea"/>
-                          <a:cs typeface="+mn-cs"/>
                         </a:rPr>
-                        <a:t>Lyukmanova</a:t>
-                      </a:r>
-                      <a:r>
-                        <a:rPr lang="en-US" sz="1800" b="0" i="0" kern="1200" dirty="0" smtClean="0">
-                          <a:solidFill>
-                            <a:schemeClr val="dk1"/>
-                          </a:solidFill>
-                          <a:effectLst/>
-                          <a:latin typeface="+mn-lt"/>
-                          <a:ea typeface="+mn-ea"/>
-                          <a:cs typeface="+mn-cs"/>
-                        </a:rPr>
-                        <a:t> EN… </a:t>
-                      </a:r>
-                      <a:r>
-                        <a:rPr lang="en-US" sz="1800" b="0" i="0" kern="1200" dirty="0" err="1" smtClean="0">
-                          <a:solidFill>
-                            <a:schemeClr val="dk1"/>
-                          </a:solidFill>
-                          <a:effectLst/>
-                          <a:latin typeface="+mn-lt"/>
-                          <a:ea typeface="+mn-ea"/>
-                          <a:cs typeface="+mn-cs"/>
-                        </a:rPr>
-                        <a:t>Kirpichnikov</a:t>
-                      </a:r>
-                      <a:r>
-                        <a:rPr lang="en-US" sz="1800" b="0" i="0" kern="1200" dirty="0" smtClean="0">
-                          <a:solidFill>
-                            <a:schemeClr val="dk1"/>
-                          </a:solidFill>
-                          <a:effectLst/>
-                          <a:latin typeface="+mn-lt"/>
-                          <a:ea typeface="+mn-ea"/>
-                          <a:cs typeface="+mn-cs"/>
-                        </a:rPr>
-                        <a:t> MP</a:t>
+                        <a:t>2011</a:t>
                       </a:r>
                       <a:endParaRPr lang="en-US" sz="1600" b="0" u="none" dirty="0">
                         <a:solidFill>
@@ -19274,28 +19158,6 @@
                             <a:schemeClr val="tx1"/>
                           </a:solidFill>
                         </a:rPr>
-                        <a:t>2011</a:t>
-                      </a:r>
-                      <a:endParaRPr lang="en-US" sz="1600" b="0" u="none" dirty="0">
-                        <a:solidFill>
-                          <a:schemeClr val="tx1"/>
-                        </a:solidFill>
-                      </a:endParaRPr>
-                    </a:p>
-                  </a:txBody>
-                  <a:tcPr/>
-                </a:tc>
-                <a:tc>
-                  <a:txBody>
-                    <a:bodyPr/>
-                    <a:lstStyle/>
-                    <a:p>
-                      <a:r>
-                        <a:rPr lang="en-US" sz="1600" b="0" u="none" dirty="0" smtClean="0">
-                          <a:solidFill>
-                            <a:schemeClr val="tx1"/>
-                          </a:solidFill>
-                        </a:rPr>
                         <a:t>J </a:t>
                       </a:r>
                       <a:r>
@@ -19312,15 +19174,7 @@
                             <a:schemeClr val="tx1"/>
                           </a:solidFill>
                         </a:rPr>
-                        <a:t> </a:t>
-                      </a:r>
-                      <a:r>
-                        <a:rPr lang="en-US" sz="1600" b="0" u="none" dirty="0" err="1" smtClean="0">
-                          <a:solidFill>
-                            <a:schemeClr val="tx1"/>
-                          </a:solidFill>
-                        </a:rPr>
-                        <a:t>Chem</a:t>
+                        <a:t> Chem</a:t>
                       </a:r>
                       <a:endParaRPr lang="en-US" sz="1600" b="0" u="none" dirty="0">
                         <a:solidFill>
@@ -19345,10 +19199,10 @@
           <p:nvPr/>
         </p:nvPicPr>
         <p:blipFill>
-          <a:blip r:embed="rId10" cstate="print">
+          <a:blip r:embed="rId6" cstate="print">
             <a:extLst>
               <a:ext uri="{28A0092B-C50C-407E-A947-70E740481C1C}">
-                <a14:useLocalDpi xmlns:a14="http://schemas.microsoft.com/office/drawing/2010/main" xmlns="" val="0"/>
+                <a14:useLocalDpi xmlns="" xmlns:a14="http://schemas.microsoft.com/office/drawing/2010/main" val="0"/>
               </a:ext>
             </a:extLst>
           </a:blip>
@@ -19358,8 +19212,8 @@
         </p:blipFill>
         <p:spPr>
           <a:xfrm>
-            <a:off x="8378232" y="813188"/>
-            <a:ext cx="460968" cy="5339505"/>
+            <a:off x="8153400" y="1066801"/>
+            <a:ext cx="460968" cy="5105399"/>
           </a:xfrm>
           <a:prstGeom prst="rect">
             <a:avLst/>
@@ -19412,8 +19266,8 @@
         </p:nvSpPr>
         <p:spPr>
           <a:xfrm>
-            <a:off x="3810000" y="434620"/>
-            <a:ext cx="2133601" cy="304801"/>
+            <a:off x="3505200" y="381000"/>
+            <a:ext cx="2133601" cy="381000"/>
           </a:xfrm>
           <a:prstGeom prst="roundRect">
             <a:avLst/>
@@ -19440,7 +19294,11 @@
             <a:pPr algn="ctr"/>
             <a:r>
               <a:rPr lang="en-US" dirty="0" smtClean="0"/>
-              <a:t>Export to txt(icon) </a:t>
+              <a:t>Export to </a:t>
+            </a:r>
+            <a:r>
+              <a:rPr lang="en-US" dirty="0" smtClean="0"/>
+              <a:t>Text File </a:t>
             </a:r>
             <a:endParaRPr lang="en-US" dirty="0"/>
           </a:p>
@@ -19455,10 +19313,10 @@
           <p:nvPr/>
         </p:nvPicPr>
         <p:blipFill>
-          <a:blip r:embed="rId11" cstate="print">
+          <a:blip r:embed="rId7" cstate="print">
             <a:extLst>
               <a:ext uri="{28A0092B-C50C-407E-A947-70E740481C1C}">
-                <a14:useLocalDpi xmlns:a14="http://schemas.microsoft.com/office/drawing/2010/main" xmlns="" val="0"/>
+                <a14:useLocalDpi xmlns="" xmlns:a14="http://schemas.microsoft.com/office/drawing/2010/main" val="0"/>
               </a:ext>
             </a:extLst>
           </a:blip>
@@ -19468,8 +19326,8 @@
         </p:blipFill>
         <p:spPr>
           <a:xfrm>
-            <a:off x="7683280" y="255284"/>
-            <a:ext cx="784073" cy="784073"/>
+            <a:off x="7924800" y="304800"/>
+            <a:ext cx="685800" cy="685800"/>
           </a:xfrm>
           <a:prstGeom prst="rect">
             <a:avLst/>
@@ -19544,10 +19402,10 @@
           <p:nvPr/>
         </p:nvPicPr>
         <p:blipFill>
-          <a:blip r:embed="rId12" cstate="print">
+          <a:blip r:embed="rId8" cstate="print">
             <a:extLst>
               <a:ext uri="{28A0092B-C50C-407E-A947-70E740481C1C}">
-                <a14:useLocalDpi xmlns:a14="http://schemas.microsoft.com/office/drawing/2010/main" xmlns="" val="0"/>
+                <a14:useLocalDpi xmlns="" xmlns:a14="http://schemas.microsoft.com/office/drawing/2010/main" val="0"/>
               </a:ext>
             </a:extLst>
           </a:blip>
@@ -19575,7 +19433,7 @@
     </p:spTree>
     <p:extLst>
       <p:ext uri="{BB962C8B-B14F-4D97-AF65-F5344CB8AC3E}">
-        <p14:creationId xmlns:p14="http://schemas.microsoft.com/office/powerpoint/2010/main" xmlns="" val="3369958731"/>
+        <p14:creationId xmlns="" xmlns:p14="http://schemas.microsoft.com/office/powerpoint/2010/main" val="3369958731"/>
       </p:ext>
     </p:extLst>
   </p:cSld>
@@ -19621,7 +19479,7 @@
           <a:blip r:embed="rId3" cstate="print">
             <a:extLst>
               <a:ext uri="{28A0092B-C50C-407E-A947-70E740481C1C}">
-                <a14:useLocalDpi xmlns:a14="http://schemas.microsoft.com/office/drawing/2010/main" xmlns="" val="0"/>
+                <a14:useLocalDpi xmlns="" xmlns:a14="http://schemas.microsoft.com/office/drawing/2010/main" val="0"/>
               </a:ext>
             </a:extLst>
           </a:blip>
@@ -19642,7 +19500,7 @@
     </p:spTree>
     <p:extLst>
       <p:ext uri="{BB962C8B-B14F-4D97-AF65-F5344CB8AC3E}">
-        <p14:creationId xmlns:p14="http://schemas.microsoft.com/office/powerpoint/2010/main" xmlns="" val="1020919972"/>
+        <p14:creationId xmlns="" xmlns:p14="http://schemas.microsoft.com/office/powerpoint/2010/main" val="1020919972"/>
       </p:ext>
     </p:extLst>
   </p:cSld>
@@ -20077,20 +19935,7 @@
                           <a:cs typeface="+mn-cs"/>
                           <a:hlinkClick r:id="rId3" tooltip="The Journal of biological chemistry."/>
                         </a:rPr>
-                        <a:t> </a:t>
-                      </a:r>
-                      <a:r>
-                        <a:rPr lang="en-US" sz="1600" b="0" i="0" u="none" kern="1200" dirty="0" err="1" smtClean="0">
-                          <a:solidFill>
-                            <a:schemeClr val="tx1"/>
-                          </a:solidFill>
-                          <a:effectLst/>
-                          <a:latin typeface="+mn-lt"/>
-                          <a:ea typeface="+mn-ea"/>
-                          <a:cs typeface="+mn-cs"/>
-                          <a:hlinkClick r:id="rId3" tooltip="The Journal of biological chemistry."/>
-                        </a:rPr>
-                        <a:t>Chem</a:t>
+                        <a:t> Chem</a:t>
                       </a:r>
                       <a:endParaRPr lang="en-US" sz="1600" b="0" u="none" dirty="0">
                         <a:solidFill>
@@ -20162,19 +20007,6 @@
                     <a:lstStyle/>
                     <a:p>
                       <a:r>
-                        <a:rPr lang="en-US" sz="1600" b="0" i="0" u="none" kern="1200" dirty="0" err="1" smtClean="0">
-                          <a:solidFill>
-                            <a:schemeClr val="tx1"/>
-                          </a:solidFill>
-                          <a:effectLst/>
-                          <a:latin typeface="+mn-lt"/>
-                          <a:ea typeface="+mn-ea"/>
-                          <a:cs typeface="+mn-cs"/>
-                          <a:hlinkClick r:id="rId5"/>
-                        </a:rPr>
-                        <a:t>Shulepko</a:t>
-                      </a:r>
-                      <a:r>
                         <a:rPr lang="en-US" sz="1600" b="0" i="0" u="none" kern="1200" dirty="0" smtClean="0">
                           <a:solidFill>
                             <a:schemeClr val="tx1"/>
@@ -20185,7 +20017,7 @@
                           <a:cs typeface="+mn-cs"/>
                           <a:hlinkClick r:id="rId5"/>
                         </a:rPr>
-                        <a:t> MA</a:t>
+                        <a:t>Shulepko MA</a:t>
                       </a:r>
                       <a:r>
                         <a:rPr lang="en-US" sz="1600" b="0" i="0" u="none" kern="1200" dirty="0" smtClean="0">
@@ -20260,19 +20092,6 @@
                     <a:lstStyle/>
                     <a:p>
                       <a:r>
-                        <a:rPr lang="en-US" sz="1600" b="0" i="0" u="none" kern="1200" dirty="0" err="1" smtClean="0">
-                          <a:solidFill>
-                            <a:schemeClr val="tx1"/>
-                          </a:solidFill>
-                          <a:effectLst/>
-                          <a:latin typeface="+mn-lt"/>
-                          <a:ea typeface="+mn-ea"/>
-                          <a:cs typeface="+mn-cs"/>
-                          <a:hlinkClick r:id="rId4" tooltip="Bioorganicheskaia khimiia."/>
-                        </a:rPr>
-                        <a:t>Bioorg</a:t>
-                      </a:r>
-                      <a:r>
                         <a:rPr lang="en-US" sz="1600" b="0" i="0" u="none" kern="1200" dirty="0" smtClean="0">
                           <a:solidFill>
                             <a:schemeClr val="tx1"/>
@@ -20283,7 +20102,7 @@
                           <a:cs typeface="+mn-cs"/>
                           <a:hlinkClick r:id="rId4" tooltip="Bioorganicheskaia khimiia."/>
                         </a:rPr>
-                        <a:t> </a:t>
+                        <a:t>Bioorg </a:t>
                       </a:r>
                       <a:r>
                         <a:rPr lang="en-US" sz="1600" b="0" i="0" u="none" kern="1200" dirty="0" err="1" smtClean="0">
@@ -20641,15 +20460,7 @@
                             <a:schemeClr val="tx1"/>
                           </a:solidFill>
                         </a:rPr>
-                        <a:t> </a:t>
-                      </a:r>
-                      <a:r>
-                        <a:rPr lang="en-US" sz="1600" b="0" u="none" dirty="0" err="1" smtClean="0">
-                          <a:solidFill>
-                            <a:schemeClr val="tx1"/>
-                          </a:solidFill>
-                        </a:rPr>
-                        <a:t>Chem</a:t>
+                        <a:t> Chem</a:t>
                       </a:r>
                       <a:endParaRPr lang="en-US" sz="1600" b="0" u="none" dirty="0">
                         <a:solidFill>
@@ -20677,7 +20488,7 @@
           <a:blip r:embed="rId10" cstate="print">
             <a:extLst>
               <a:ext uri="{28A0092B-C50C-407E-A947-70E740481C1C}">
-                <a14:useLocalDpi xmlns:a14="http://schemas.microsoft.com/office/drawing/2010/main" xmlns="" val="0"/>
+                <a14:useLocalDpi xmlns="" xmlns:a14="http://schemas.microsoft.com/office/drawing/2010/main" val="0"/>
               </a:ext>
             </a:extLst>
           </a:blip>
@@ -20787,7 +20598,7 @@
           <a:blip r:embed="rId11" cstate="print">
             <a:extLst>
               <a:ext uri="{28A0092B-C50C-407E-A947-70E740481C1C}">
-                <a14:useLocalDpi xmlns:a14="http://schemas.microsoft.com/office/drawing/2010/main" xmlns="" val="0"/>
+                <a14:useLocalDpi xmlns="" xmlns:a14="http://schemas.microsoft.com/office/drawing/2010/main" val="0"/>
               </a:ext>
             </a:extLst>
           </a:blip>
@@ -20823,7 +20634,7 @@
           <a:blip r:embed="rId12" cstate="print">
             <a:extLst>
               <a:ext uri="{28A0092B-C50C-407E-A947-70E740481C1C}">
-                <a14:useLocalDpi xmlns:a14="http://schemas.microsoft.com/office/drawing/2010/main" xmlns="" val="0"/>
+                <a14:useLocalDpi xmlns="" xmlns:a14="http://schemas.microsoft.com/office/drawing/2010/main" val="0"/>
               </a:ext>
             </a:extLst>
           </a:blip>
@@ -20859,7 +20670,7 @@
           <a:blip r:embed="rId13" cstate="print">
             <a:extLst>
               <a:ext uri="{28A0092B-C50C-407E-A947-70E740481C1C}">
-                <a14:useLocalDpi xmlns:a14="http://schemas.microsoft.com/office/drawing/2010/main" xmlns="" val="0"/>
+                <a14:useLocalDpi xmlns="" xmlns:a14="http://schemas.microsoft.com/office/drawing/2010/main" val="0"/>
               </a:ext>
             </a:extLst>
           </a:blip>
@@ -20887,7 +20698,7 @@
     </p:spTree>
     <p:extLst>
       <p:ext uri="{BB962C8B-B14F-4D97-AF65-F5344CB8AC3E}">
-        <p14:creationId xmlns:p14="http://schemas.microsoft.com/office/powerpoint/2010/main" xmlns="" val="399654798"/>
+        <p14:creationId xmlns="" xmlns:p14="http://schemas.microsoft.com/office/powerpoint/2010/main" val="399654798"/>
       </p:ext>
     </p:extLst>
   </p:cSld>
@@ -21377,7 +21188,7 @@
           <a:blip r:embed="rId3" cstate="print">
             <a:extLst>
               <a:ext uri="{28A0092B-C50C-407E-A947-70E740481C1C}">
-                <a14:useLocalDpi xmlns:a14="http://schemas.microsoft.com/office/drawing/2010/main" xmlns="" val="0"/>
+                <a14:useLocalDpi xmlns="" xmlns:a14="http://schemas.microsoft.com/office/drawing/2010/main" val="0"/>
               </a:ext>
             </a:extLst>
           </a:blip>
@@ -21414,7 +21225,7 @@
           <a:blip r:embed="rId4" cstate="print">
             <a:extLst>
               <a:ext uri="{28A0092B-C50C-407E-A947-70E740481C1C}">
-                <a14:useLocalDpi xmlns:a14="http://schemas.microsoft.com/office/drawing/2010/main" xmlns="" val="0"/>
+                <a14:useLocalDpi xmlns="" xmlns:a14="http://schemas.microsoft.com/office/drawing/2010/main" val="0"/>
               </a:ext>
             </a:extLst>
           </a:blip>
@@ -21441,7 +21252,7 @@
     </p:spTree>
     <p:extLst>
       <p:ext uri="{BB962C8B-B14F-4D97-AF65-F5344CB8AC3E}">
-        <p14:creationId xmlns:p14="http://schemas.microsoft.com/office/powerpoint/2010/main" xmlns="" val="3650155931"/>
+        <p14:creationId xmlns="" xmlns:p14="http://schemas.microsoft.com/office/powerpoint/2010/main" val="3650155931"/>
       </p:ext>
     </p:extLst>
   </p:cSld>
@@ -22048,7 +21859,7 @@
           <a:blip r:embed="rId3" cstate="print">
             <a:extLst>
               <a:ext uri="{28A0092B-C50C-407E-A947-70E740481C1C}">
-                <a14:useLocalDpi xmlns:a14="http://schemas.microsoft.com/office/drawing/2010/main" xmlns="" val="0"/>
+                <a14:useLocalDpi xmlns="" xmlns:a14="http://schemas.microsoft.com/office/drawing/2010/main" val="0"/>
               </a:ext>
             </a:extLst>
           </a:blip>
@@ -22078,7 +21889,7 @@
           <a:blip r:embed="rId4" cstate="print">
             <a:extLst>
               <a:ext uri="{28A0092B-C50C-407E-A947-70E740481C1C}">
-                <a14:useLocalDpi xmlns:a14="http://schemas.microsoft.com/office/drawing/2010/main" xmlns="" val="0"/>
+                <a14:useLocalDpi xmlns="" xmlns:a14="http://schemas.microsoft.com/office/drawing/2010/main" val="0"/>
               </a:ext>
             </a:extLst>
           </a:blip>
@@ -22105,7 +21916,7 @@
     </p:spTree>
     <p:extLst>
       <p:ext uri="{BB962C8B-B14F-4D97-AF65-F5344CB8AC3E}">
-        <p14:creationId xmlns:p14="http://schemas.microsoft.com/office/powerpoint/2010/main" xmlns="" val="3569835234"/>
+        <p14:creationId xmlns="" xmlns:p14="http://schemas.microsoft.com/office/powerpoint/2010/main" val="3569835234"/>
       </p:ext>
     </p:extLst>
   </p:cSld>
@@ -22694,7 +22505,7 @@
           <a:blip r:embed="rId3" cstate="print">
             <a:extLst>
               <a:ext uri="{28A0092B-C50C-407E-A947-70E740481C1C}">
-                <a14:useLocalDpi xmlns:a14="http://schemas.microsoft.com/office/drawing/2010/main" xmlns="" val="0"/>
+                <a14:useLocalDpi xmlns="" xmlns:a14="http://schemas.microsoft.com/office/drawing/2010/main" val="0"/>
               </a:ext>
             </a:extLst>
           </a:blip>
@@ -22731,7 +22542,7 @@
           <a:blip r:embed="rId4" cstate="print">
             <a:extLst>
               <a:ext uri="{28A0092B-C50C-407E-A947-70E740481C1C}">
-                <a14:useLocalDpi xmlns:a14="http://schemas.microsoft.com/office/drawing/2010/main" xmlns="" val="0"/>
+                <a14:useLocalDpi xmlns="" xmlns:a14="http://schemas.microsoft.com/office/drawing/2010/main" val="0"/>
               </a:ext>
             </a:extLst>
           </a:blip>
@@ -22758,7 +22569,7 @@
     </p:spTree>
     <p:extLst>
       <p:ext uri="{BB962C8B-B14F-4D97-AF65-F5344CB8AC3E}">
-        <p14:creationId xmlns:p14="http://schemas.microsoft.com/office/powerpoint/2010/main" xmlns="" val="3162370841"/>
+        <p14:creationId xmlns="" xmlns:p14="http://schemas.microsoft.com/office/powerpoint/2010/main" val="3162370841"/>
       </p:ext>
     </p:extLst>
   </p:cSld>
@@ -23270,7 +23081,7 @@
           <a:blip r:embed="rId3" cstate="print">
             <a:extLst>
               <a:ext uri="{28A0092B-C50C-407E-A947-70E740481C1C}">
-                <a14:useLocalDpi xmlns:a14="http://schemas.microsoft.com/office/drawing/2010/main" xmlns="" val="0"/>
+                <a14:useLocalDpi xmlns="" xmlns:a14="http://schemas.microsoft.com/office/drawing/2010/main" val="0"/>
               </a:ext>
             </a:extLst>
           </a:blip>
@@ -23307,7 +23118,7 @@
           <a:blip r:embed="rId4" cstate="print">
             <a:extLst>
               <a:ext uri="{28A0092B-C50C-407E-A947-70E740481C1C}">
-                <a14:useLocalDpi xmlns:a14="http://schemas.microsoft.com/office/drawing/2010/main" xmlns="" val="0"/>
+                <a14:useLocalDpi xmlns="" xmlns:a14="http://schemas.microsoft.com/office/drawing/2010/main" val="0"/>
               </a:ext>
             </a:extLst>
           </a:blip>
@@ -23334,7 +23145,7 @@
     </p:spTree>
     <p:extLst>
       <p:ext uri="{BB962C8B-B14F-4D97-AF65-F5344CB8AC3E}">
-        <p14:creationId xmlns:p14="http://schemas.microsoft.com/office/powerpoint/2010/main" xmlns="" val="3152483461"/>
+        <p14:creationId xmlns="" xmlns:p14="http://schemas.microsoft.com/office/powerpoint/2010/main" val="3152483461"/>
       </p:ext>
     </p:extLst>
   </p:cSld>
@@ -23923,7 +23734,7 @@
           <a:blip r:embed="rId3" cstate="print">
             <a:extLst>
               <a:ext uri="{28A0092B-C50C-407E-A947-70E740481C1C}">
-                <a14:useLocalDpi xmlns:a14="http://schemas.microsoft.com/office/drawing/2010/main" xmlns="" val="0"/>
+                <a14:useLocalDpi xmlns="" xmlns:a14="http://schemas.microsoft.com/office/drawing/2010/main" val="0"/>
               </a:ext>
             </a:extLst>
           </a:blip>
@@ -23960,7 +23771,7 @@
           <a:blip r:embed="rId4" cstate="print">
             <a:extLst>
               <a:ext uri="{28A0092B-C50C-407E-A947-70E740481C1C}">
-                <a14:useLocalDpi xmlns:a14="http://schemas.microsoft.com/office/drawing/2010/main" xmlns="" val="0"/>
+                <a14:useLocalDpi xmlns="" xmlns:a14="http://schemas.microsoft.com/office/drawing/2010/main" val="0"/>
               </a:ext>
             </a:extLst>
           </a:blip>
@@ -23987,7 +23798,7 @@
     </p:spTree>
     <p:extLst>
       <p:ext uri="{BB962C8B-B14F-4D97-AF65-F5344CB8AC3E}">
-        <p14:creationId xmlns:p14="http://schemas.microsoft.com/office/powerpoint/2010/main" xmlns="" val="854248728"/>
+        <p14:creationId xmlns="" xmlns:p14="http://schemas.microsoft.com/office/powerpoint/2010/main" val="854248728"/>
       </p:ext>
     </p:extLst>
   </p:cSld>
@@ -24499,7 +24310,7 @@
           <a:blip r:embed="rId3" cstate="print">
             <a:extLst>
               <a:ext uri="{28A0092B-C50C-407E-A947-70E740481C1C}">
-                <a14:useLocalDpi xmlns:a14="http://schemas.microsoft.com/office/drawing/2010/main" xmlns="" val="0"/>
+                <a14:useLocalDpi xmlns="" xmlns:a14="http://schemas.microsoft.com/office/drawing/2010/main" val="0"/>
               </a:ext>
             </a:extLst>
           </a:blip>
@@ -24536,7 +24347,7 @@
           <a:blip r:embed="rId4" cstate="print">
             <a:extLst>
               <a:ext uri="{28A0092B-C50C-407E-A947-70E740481C1C}">
-                <a14:useLocalDpi xmlns:a14="http://schemas.microsoft.com/office/drawing/2010/main" xmlns="" val="0"/>
+                <a14:useLocalDpi xmlns="" xmlns:a14="http://schemas.microsoft.com/office/drawing/2010/main" val="0"/>
               </a:ext>
             </a:extLst>
           </a:blip>
@@ -24563,7 +24374,7 @@
     </p:spTree>
     <p:extLst>
       <p:ext uri="{BB962C8B-B14F-4D97-AF65-F5344CB8AC3E}">
-        <p14:creationId xmlns:p14="http://schemas.microsoft.com/office/powerpoint/2010/main" xmlns="" val="3355100028"/>
+        <p14:creationId xmlns="" xmlns:p14="http://schemas.microsoft.com/office/powerpoint/2010/main" val="3355100028"/>
       </p:ext>
     </p:extLst>
   </p:cSld>
@@ -25152,7 +24963,7 @@
           <a:blip r:embed="rId3" cstate="print">
             <a:extLst>
               <a:ext uri="{28A0092B-C50C-407E-A947-70E740481C1C}">
-                <a14:useLocalDpi xmlns:a14="http://schemas.microsoft.com/office/drawing/2010/main" xmlns="" val="0"/>
+                <a14:useLocalDpi xmlns="" xmlns:a14="http://schemas.microsoft.com/office/drawing/2010/main" val="0"/>
               </a:ext>
             </a:extLst>
           </a:blip>
@@ -25189,7 +25000,7 @@
           <a:blip r:embed="rId4" cstate="print">
             <a:extLst>
               <a:ext uri="{28A0092B-C50C-407E-A947-70E740481C1C}">
-                <a14:useLocalDpi xmlns:a14="http://schemas.microsoft.com/office/drawing/2010/main" xmlns="" val="0"/>
+                <a14:useLocalDpi xmlns="" xmlns:a14="http://schemas.microsoft.com/office/drawing/2010/main" val="0"/>
               </a:ext>
             </a:extLst>
           </a:blip>
@@ -25216,7 +25027,7 @@
     </p:spTree>
     <p:extLst>
       <p:ext uri="{BB962C8B-B14F-4D97-AF65-F5344CB8AC3E}">
-        <p14:creationId xmlns:p14="http://schemas.microsoft.com/office/powerpoint/2010/main" xmlns="" val="4185902420"/>
+        <p14:creationId xmlns="" xmlns:p14="http://schemas.microsoft.com/office/powerpoint/2010/main" val="4185902420"/>
       </p:ext>
     </p:extLst>
   </p:cSld>
@@ -25728,7 +25539,7 @@
           <a:blip r:embed="rId3" cstate="print">
             <a:extLst>
               <a:ext uri="{28A0092B-C50C-407E-A947-70E740481C1C}">
-                <a14:useLocalDpi xmlns:a14="http://schemas.microsoft.com/office/drawing/2010/main" xmlns="" val="0"/>
+                <a14:useLocalDpi xmlns="" xmlns:a14="http://schemas.microsoft.com/office/drawing/2010/main" val="0"/>
               </a:ext>
             </a:extLst>
           </a:blip>
@@ -25765,7 +25576,7 @@
           <a:blip r:embed="rId4" cstate="print">
             <a:extLst>
               <a:ext uri="{28A0092B-C50C-407E-A947-70E740481C1C}">
-                <a14:useLocalDpi xmlns:a14="http://schemas.microsoft.com/office/drawing/2010/main" xmlns="" val="0"/>
+                <a14:useLocalDpi xmlns="" xmlns:a14="http://schemas.microsoft.com/office/drawing/2010/main" val="0"/>
               </a:ext>
             </a:extLst>
           </a:blip>
@@ -25792,7 +25603,7 @@
     </p:spTree>
     <p:extLst>
       <p:ext uri="{BB962C8B-B14F-4D97-AF65-F5344CB8AC3E}">
-        <p14:creationId xmlns:p14="http://schemas.microsoft.com/office/powerpoint/2010/main" xmlns="" val="2233187370"/>
+        <p14:creationId xmlns="" xmlns:p14="http://schemas.microsoft.com/office/powerpoint/2010/main" val="2233187370"/>
       </p:ext>
     </p:extLst>
   </p:cSld>
@@ -26304,7 +26115,7 @@
           <a:blip r:embed="rId3" cstate="print">
             <a:extLst>
               <a:ext uri="{28A0092B-C50C-407E-A947-70E740481C1C}">
-                <a14:useLocalDpi xmlns:a14="http://schemas.microsoft.com/office/drawing/2010/main" xmlns="" val="0"/>
+                <a14:useLocalDpi xmlns="" xmlns:a14="http://schemas.microsoft.com/office/drawing/2010/main" val="0"/>
               </a:ext>
             </a:extLst>
           </a:blip>
@@ -26334,7 +26145,7 @@
           <a:blip r:embed="rId4" cstate="print">
             <a:extLst>
               <a:ext uri="{28A0092B-C50C-407E-A947-70E740481C1C}">
-                <a14:useLocalDpi xmlns:a14="http://schemas.microsoft.com/office/drawing/2010/main" xmlns="" val="0"/>
+                <a14:useLocalDpi xmlns="" xmlns:a14="http://schemas.microsoft.com/office/drawing/2010/main" val="0"/>
               </a:ext>
             </a:extLst>
           </a:blip>
@@ -26361,7 +26172,7 @@
     </p:spTree>
     <p:extLst>
       <p:ext uri="{BB962C8B-B14F-4D97-AF65-F5344CB8AC3E}">
-        <p14:creationId xmlns:p14="http://schemas.microsoft.com/office/powerpoint/2010/main" xmlns="" val="2120755622"/>
+        <p14:creationId xmlns="" xmlns:p14="http://schemas.microsoft.com/office/powerpoint/2010/main" val="2120755622"/>
       </p:ext>
     </p:extLst>
   </p:cSld>

--- a/Documents/GUI.pptx
+++ b/Documents/GUI.pptx
@@ -134,7 +134,7 @@
   </p:defaultTextStyle>
   <p:extLst>
     <p:ext uri="{EFAFB233-063F-42B5-8137-9DF3F51BA10A}">
-      <p15:sldGuideLst xmlns="" xmlns:p15="http://schemas.microsoft.com/office/powerpoint/2012/main">
+      <p15:sldGuideLst xmlns:p15="http://schemas.microsoft.com/office/powerpoint/2012/main">
         <p15:guide id="1" orient="horz" pos="2160">
           <p15:clr>
             <a:srgbClr val="A4A3A4"/>
@@ -233,8 +233,7 @@
           <a:p>
             <a:fld id="{2EAC1481-C882-4B5F-A1D1-8DBDCDD0D5C0}" type="datetimeFigureOut">
               <a:rPr lang="en-US" smtClean="0"/>
-              <a:pPr/>
-              <a:t>10/31/2013</a:t>
+              <a:t>10/29/2013</a:t>
             </a:fld>
             <a:endParaRPr lang="en-US"/>
           </a:p>
@@ -393,7 +392,6 @@
           <a:p>
             <a:fld id="{FD1AB967-2ECE-4AAC-B210-D1C618464131}" type="slidenum">
               <a:rPr lang="en-US" smtClean="0"/>
-              <a:pPr/>
               <a:t>‹#›</a:t>
             </a:fld>
             <a:endParaRPr lang="en-US"/>
@@ -403,7 +401,7 @@
     </p:spTree>
     <p:extLst>
       <p:ext uri="{BB962C8B-B14F-4D97-AF65-F5344CB8AC3E}">
-        <p14:creationId xmlns="" xmlns:p14="http://schemas.microsoft.com/office/powerpoint/2010/main" val="2546306511"/>
+        <p14:creationId xmlns:p14="http://schemas.microsoft.com/office/powerpoint/2010/main" val="2546306511"/>
       </p:ext>
     </p:extLst>
   </p:cSld>
@@ -587,11 +585,12 @@
             </a:r>
             <a:r>
               <a:rPr lang="en-US" altLang="zh-CN" baseline="0" dirty="0" smtClean="0"/>
-              <a:t>// initialization database</a:t>
-            </a:r>
-            <a:endParaRPr lang="en-US" baseline="0" dirty="0" smtClean="0"/>
-          </a:p>
-          <a:p>
+              <a:t>// </a:t>
+            </a:r>
+            <a:r>
+              <a:rPr lang="en-US" altLang="zh-CN" baseline="0" smtClean="0"/>
+              <a:t>initialization database</a:t>
+            </a:r>
             <a:endParaRPr lang="en-US" baseline="0" dirty="0" smtClean="0"/>
           </a:p>
         </p:txBody>
@@ -613,7 +612,6 @@
           <a:p>
             <a:fld id="{FD1AB967-2ECE-4AAC-B210-D1C618464131}" type="slidenum">
               <a:rPr lang="en-US" smtClean="0"/>
-              <a:pPr/>
               <a:t>1</a:t>
             </a:fld>
             <a:endParaRPr lang="en-US"/>
@@ -623,7 +621,7 @@
     </p:spTree>
     <p:extLst>
       <p:ext uri="{BB962C8B-B14F-4D97-AF65-F5344CB8AC3E}">
-        <p14:creationId xmlns="" xmlns:p14="http://schemas.microsoft.com/office/powerpoint/2010/main" val="3387089590"/>
+        <p14:creationId xmlns:p14="http://schemas.microsoft.com/office/powerpoint/2010/main" val="3387089590"/>
       </p:ext>
     </p:extLst>
   </p:cSld>
@@ -769,7 +767,6 @@
           <a:p>
             <a:fld id="{FD1AB967-2ECE-4AAC-B210-D1C618464131}" type="slidenum">
               <a:rPr lang="en-US" smtClean="0"/>
-              <a:pPr/>
               <a:t>10</a:t>
             </a:fld>
             <a:endParaRPr lang="en-US"/>
@@ -779,7 +776,7 @@
     </p:spTree>
     <p:extLst>
       <p:ext uri="{BB962C8B-B14F-4D97-AF65-F5344CB8AC3E}">
-        <p14:creationId xmlns="" xmlns:p14="http://schemas.microsoft.com/office/powerpoint/2010/main" val="3387089590"/>
+        <p14:creationId xmlns:p14="http://schemas.microsoft.com/office/powerpoint/2010/main" val="3387089590"/>
       </p:ext>
     </p:extLst>
   </p:cSld>
@@ -857,7 +854,6 @@
           <a:p>
             <a:fld id="{FD1AB967-2ECE-4AAC-B210-D1C618464131}" type="slidenum">
               <a:rPr lang="en-US" smtClean="0"/>
-              <a:pPr/>
               <a:t>11</a:t>
             </a:fld>
             <a:endParaRPr lang="en-US"/>
@@ -867,7 +863,7 @@
     </p:spTree>
     <p:extLst>
       <p:ext uri="{BB962C8B-B14F-4D97-AF65-F5344CB8AC3E}">
-        <p14:creationId xmlns="" xmlns:p14="http://schemas.microsoft.com/office/powerpoint/2010/main" val="3387089590"/>
+        <p14:creationId xmlns:p14="http://schemas.microsoft.com/office/powerpoint/2010/main" val="3387089590"/>
       </p:ext>
     </p:extLst>
   </p:cSld>
@@ -1036,7 +1032,6 @@
           <a:p>
             <a:fld id="{FD1AB967-2ECE-4AAC-B210-D1C618464131}" type="slidenum">
               <a:rPr lang="en-US" smtClean="0"/>
-              <a:pPr/>
               <a:t>12</a:t>
             </a:fld>
             <a:endParaRPr lang="en-US"/>
@@ -1046,7 +1041,7 @@
     </p:spTree>
     <p:extLst>
       <p:ext uri="{BB962C8B-B14F-4D97-AF65-F5344CB8AC3E}">
-        <p14:creationId xmlns="" xmlns:p14="http://schemas.microsoft.com/office/powerpoint/2010/main" val="3387089590"/>
+        <p14:creationId xmlns:p14="http://schemas.microsoft.com/office/powerpoint/2010/main" val="3387089590"/>
       </p:ext>
     </p:extLst>
   </p:cSld>
@@ -1102,7 +1097,19 @@
           <a:p>
             <a:r>
               <a:rPr lang="en-US" dirty="0" smtClean="0"/>
-              <a:t>Opening a new tab</a:t>
+              <a:t>Switch</a:t>
+            </a:r>
+            <a:r>
+              <a:rPr lang="en-US" baseline="0" dirty="0" smtClean="0"/>
+              <a:t> to the</a:t>
+            </a:r>
+            <a:r>
+              <a:rPr lang="en-US" dirty="0" smtClean="0"/>
+              <a:t> </a:t>
+            </a:r>
+            <a:r>
+              <a:rPr lang="en-US" dirty="0" smtClean="0"/>
+              <a:t>new tab</a:t>
             </a:r>
           </a:p>
           <a:p>
@@ -1152,7 +1159,6 @@
           <a:p>
             <a:fld id="{FD1AB967-2ECE-4AAC-B210-D1C618464131}" type="slidenum">
               <a:rPr lang="en-US" smtClean="0"/>
-              <a:pPr/>
               <a:t>13</a:t>
             </a:fld>
             <a:endParaRPr lang="en-US"/>
@@ -1162,7 +1168,7 @@
     </p:spTree>
     <p:extLst>
       <p:ext uri="{BB962C8B-B14F-4D97-AF65-F5344CB8AC3E}">
-        <p14:creationId xmlns="" xmlns:p14="http://schemas.microsoft.com/office/powerpoint/2010/main" val="2729341949"/>
+        <p14:creationId xmlns:p14="http://schemas.microsoft.com/office/powerpoint/2010/main" val="2729341949"/>
       </p:ext>
     </p:extLst>
   </p:cSld>
@@ -1248,7 +1254,6 @@
           <a:p>
             <a:fld id="{FD1AB967-2ECE-4AAC-B210-D1C618464131}" type="slidenum">
               <a:rPr lang="en-US" smtClean="0"/>
-              <a:pPr/>
               <a:t>14</a:t>
             </a:fld>
             <a:endParaRPr lang="en-US"/>
@@ -1258,7 +1263,7 @@
     </p:spTree>
     <p:extLst>
       <p:ext uri="{BB962C8B-B14F-4D97-AF65-F5344CB8AC3E}">
-        <p14:creationId xmlns="" xmlns:p14="http://schemas.microsoft.com/office/powerpoint/2010/main" val="2729341949"/>
+        <p14:creationId xmlns:p14="http://schemas.microsoft.com/office/powerpoint/2010/main" val="2729341949"/>
       </p:ext>
     </p:extLst>
   </p:cSld>
@@ -1336,7 +1341,6 @@
           <a:p>
             <a:fld id="{FD1AB967-2ECE-4AAC-B210-D1C618464131}" type="slidenum">
               <a:rPr lang="en-US" smtClean="0"/>
-              <a:pPr/>
               <a:t>15</a:t>
             </a:fld>
             <a:endParaRPr lang="en-US"/>
@@ -1346,7 +1350,7 @@
     </p:spTree>
     <p:extLst>
       <p:ext uri="{BB962C8B-B14F-4D97-AF65-F5344CB8AC3E}">
-        <p14:creationId xmlns="" xmlns:p14="http://schemas.microsoft.com/office/powerpoint/2010/main" val="2729341949"/>
+        <p14:creationId xmlns:p14="http://schemas.microsoft.com/office/powerpoint/2010/main" val="2729341949"/>
       </p:ext>
     </p:extLst>
   </p:cSld>
@@ -1424,7 +1428,6 @@
           <a:p>
             <a:fld id="{FD1AB967-2ECE-4AAC-B210-D1C618464131}" type="slidenum">
               <a:rPr lang="en-US" smtClean="0"/>
-              <a:pPr/>
               <a:t>16</a:t>
             </a:fld>
             <a:endParaRPr lang="en-US"/>
@@ -1434,7 +1437,7 @@
     </p:spTree>
     <p:extLst>
       <p:ext uri="{BB962C8B-B14F-4D97-AF65-F5344CB8AC3E}">
-        <p14:creationId xmlns="" xmlns:p14="http://schemas.microsoft.com/office/powerpoint/2010/main" val="2729341949"/>
+        <p14:creationId xmlns:p14="http://schemas.microsoft.com/office/powerpoint/2010/main" val="2729341949"/>
       </p:ext>
     </p:extLst>
   </p:cSld>
@@ -1512,7 +1515,6 @@
           <a:p>
             <a:fld id="{FD1AB967-2ECE-4AAC-B210-D1C618464131}" type="slidenum">
               <a:rPr lang="en-US" smtClean="0"/>
-              <a:pPr/>
               <a:t>17</a:t>
             </a:fld>
             <a:endParaRPr lang="en-US"/>
@@ -1522,7 +1524,7 @@
     </p:spTree>
     <p:extLst>
       <p:ext uri="{BB962C8B-B14F-4D97-AF65-F5344CB8AC3E}">
-        <p14:creationId xmlns="" xmlns:p14="http://schemas.microsoft.com/office/powerpoint/2010/main" val="2729341949"/>
+        <p14:creationId xmlns:p14="http://schemas.microsoft.com/office/powerpoint/2010/main" val="2729341949"/>
       </p:ext>
     </p:extLst>
   </p:cSld>
@@ -1694,7 +1696,6 @@
           <a:p>
             <a:fld id="{FD1AB967-2ECE-4AAC-B210-D1C618464131}" type="slidenum">
               <a:rPr lang="en-US" smtClean="0"/>
-              <a:pPr/>
               <a:t>18</a:t>
             </a:fld>
             <a:endParaRPr lang="en-US"/>
@@ -1704,7 +1705,7 @@
     </p:spTree>
     <p:extLst>
       <p:ext uri="{BB962C8B-B14F-4D97-AF65-F5344CB8AC3E}">
-        <p14:creationId xmlns="" xmlns:p14="http://schemas.microsoft.com/office/powerpoint/2010/main" val="2729341949"/>
+        <p14:creationId xmlns:p14="http://schemas.microsoft.com/office/powerpoint/2010/main" val="2729341949"/>
       </p:ext>
     </p:extLst>
   </p:cSld>
@@ -1786,7 +1787,6 @@
           <a:p>
             <a:fld id="{FD1AB967-2ECE-4AAC-B210-D1C618464131}" type="slidenum">
               <a:rPr lang="en-US" smtClean="0"/>
-              <a:pPr/>
               <a:t>19</a:t>
             </a:fld>
             <a:endParaRPr lang="en-US"/>
@@ -1796,7 +1796,7 @@
     </p:spTree>
     <p:extLst>
       <p:ext uri="{BB962C8B-B14F-4D97-AF65-F5344CB8AC3E}">
-        <p14:creationId xmlns="" xmlns:p14="http://schemas.microsoft.com/office/powerpoint/2010/main" val="2729341949"/>
+        <p14:creationId xmlns:p14="http://schemas.microsoft.com/office/powerpoint/2010/main" val="2729341949"/>
       </p:ext>
     </p:extLst>
   </p:cSld>
@@ -1875,7 +1875,6 @@
           <a:p>
             <a:fld id="{FD1AB967-2ECE-4AAC-B210-D1C618464131}" type="slidenum">
               <a:rPr lang="en-US" smtClean="0"/>
-              <a:pPr/>
               <a:t>2</a:t>
             </a:fld>
             <a:endParaRPr lang="en-US"/>
@@ -1885,7 +1884,7 @@
     </p:spTree>
     <p:extLst>
       <p:ext uri="{BB962C8B-B14F-4D97-AF65-F5344CB8AC3E}">
-        <p14:creationId xmlns="" xmlns:p14="http://schemas.microsoft.com/office/powerpoint/2010/main" val="3387089590"/>
+        <p14:creationId xmlns:p14="http://schemas.microsoft.com/office/powerpoint/2010/main" val="3387089590"/>
       </p:ext>
     </p:extLst>
   </p:cSld>
@@ -1941,7 +1940,15 @@
           <a:p>
             <a:r>
               <a:rPr lang="en-US" baseline="0" dirty="0" smtClean="0"/>
-              <a:t>Opening a new tab</a:t>
+              <a:t>Switch </a:t>
+            </a:r>
+            <a:r>
+              <a:rPr lang="en-US" baseline="0" smtClean="0"/>
+              <a:t>to the </a:t>
+            </a:r>
+            <a:r>
+              <a:rPr lang="en-US" baseline="0" dirty="0" smtClean="0"/>
+              <a:t>new tab</a:t>
             </a:r>
           </a:p>
           <a:p>
@@ -2003,7 +2010,6 @@
           <a:p>
             <a:fld id="{FD1AB967-2ECE-4AAC-B210-D1C618464131}" type="slidenum">
               <a:rPr lang="en-US" smtClean="0"/>
-              <a:pPr/>
               <a:t>20</a:t>
             </a:fld>
             <a:endParaRPr lang="en-US"/>
@@ -2013,7 +2019,7 @@
     </p:spTree>
     <p:extLst>
       <p:ext uri="{BB962C8B-B14F-4D97-AF65-F5344CB8AC3E}">
-        <p14:creationId xmlns="" xmlns:p14="http://schemas.microsoft.com/office/powerpoint/2010/main" val="3330533067"/>
+        <p14:creationId xmlns:p14="http://schemas.microsoft.com/office/powerpoint/2010/main" val="3330533067"/>
       </p:ext>
     </p:extLst>
   </p:cSld>
@@ -2091,7 +2097,6 @@
           <a:p>
             <a:fld id="{FD1AB967-2ECE-4AAC-B210-D1C618464131}" type="slidenum">
               <a:rPr lang="en-US" smtClean="0"/>
-              <a:pPr/>
               <a:t>21</a:t>
             </a:fld>
             <a:endParaRPr lang="en-US"/>
@@ -2101,7 +2106,7 @@
     </p:spTree>
     <p:extLst>
       <p:ext uri="{BB962C8B-B14F-4D97-AF65-F5344CB8AC3E}">
-        <p14:creationId xmlns="" xmlns:p14="http://schemas.microsoft.com/office/powerpoint/2010/main" val="3552479314"/>
+        <p14:creationId xmlns:p14="http://schemas.microsoft.com/office/powerpoint/2010/main" val="3552479314"/>
       </p:ext>
     </p:extLst>
   </p:cSld>
@@ -2189,7 +2194,6 @@
           <a:p>
             <a:fld id="{FD1AB967-2ECE-4AAC-B210-D1C618464131}" type="slidenum">
               <a:rPr lang="en-US" smtClean="0"/>
-              <a:pPr/>
               <a:t>22</a:t>
             </a:fld>
             <a:endParaRPr lang="en-US"/>
@@ -2199,7 +2203,7 @@
     </p:spTree>
     <p:extLst>
       <p:ext uri="{BB962C8B-B14F-4D97-AF65-F5344CB8AC3E}">
-        <p14:creationId xmlns="" xmlns:p14="http://schemas.microsoft.com/office/powerpoint/2010/main" val="906056225"/>
+        <p14:creationId xmlns:p14="http://schemas.microsoft.com/office/powerpoint/2010/main" val="906056225"/>
       </p:ext>
     </p:extLst>
   </p:cSld>
@@ -2286,7 +2290,6 @@
           <a:p>
             <a:fld id="{FD1AB967-2ECE-4AAC-B210-D1C618464131}" type="slidenum">
               <a:rPr lang="en-US" smtClean="0"/>
-              <a:pPr/>
               <a:t>23</a:t>
             </a:fld>
             <a:endParaRPr lang="en-US"/>
@@ -2296,7 +2299,7 @@
     </p:spTree>
     <p:extLst>
       <p:ext uri="{BB962C8B-B14F-4D97-AF65-F5344CB8AC3E}">
-        <p14:creationId xmlns="" xmlns:p14="http://schemas.microsoft.com/office/powerpoint/2010/main" val="51032624"/>
+        <p14:creationId xmlns:p14="http://schemas.microsoft.com/office/powerpoint/2010/main" val="51032624"/>
       </p:ext>
     </p:extLst>
   </p:cSld>
@@ -2439,7 +2442,6 @@
           <a:p>
             <a:fld id="{FD1AB967-2ECE-4AAC-B210-D1C618464131}" type="slidenum">
               <a:rPr lang="en-US" smtClean="0"/>
-              <a:pPr/>
               <a:t>24</a:t>
             </a:fld>
             <a:endParaRPr lang="en-US"/>
@@ -2449,7 +2451,7 @@
     </p:spTree>
     <p:extLst>
       <p:ext uri="{BB962C8B-B14F-4D97-AF65-F5344CB8AC3E}">
-        <p14:creationId xmlns="" xmlns:p14="http://schemas.microsoft.com/office/powerpoint/2010/main" val="3539635432"/>
+        <p14:creationId xmlns:p14="http://schemas.microsoft.com/office/powerpoint/2010/main" val="3539635432"/>
       </p:ext>
     </p:extLst>
   </p:cSld>
@@ -2586,7 +2588,6 @@
           <a:p>
             <a:fld id="{FD1AB967-2ECE-4AAC-B210-D1C618464131}" type="slidenum">
               <a:rPr lang="en-US" smtClean="0"/>
-              <a:pPr/>
               <a:t>25</a:t>
             </a:fld>
             <a:endParaRPr lang="en-US"/>
@@ -2596,7 +2597,7 @@
     </p:spTree>
     <p:extLst>
       <p:ext uri="{BB962C8B-B14F-4D97-AF65-F5344CB8AC3E}">
-        <p14:creationId xmlns="" xmlns:p14="http://schemas.microsoft.com/office/powerpoint/2010/main" val="3387089590"/>
+        <p14:creationId xmlns:p14="http://schemas.microsoft.com/office/powerpoint/2010/main" val="3387089590"/>
       </p:ext>
     </p:extLst>
   </p:cSld>
@@ -2688,7 +2689,6 @@
           <a:p>
             <a:fld id="{FD1AB967-2ECE-4AAC-B210-D1C618464131}" type="slidenum">
               <a:rPr lang="en-US" smtClean="0"/>
-              <a:pPr/>
               <a:t>26</a:t>
             </a:fld>
             <a:endParaRPr lang="en-US"/>
@@ -2698,7 +2698,7 @@
     </p:spTree>
     <p:extLst>
       <p:ext uri="{BB962C8B-B14F-4D97-AF65-F5344CB8AC3E}">
-        <p14:creationId xmlns="" xmlns:p14="http://schemas.microsoft.com/office/powerpoint/2010/main" val="3387089590"/>
+        <p14:creationId xmlns:p14="http://schemas.microsoft.com/office/powerpoint/2010/main" val="3387089590"/>
       </p:ext>
     </p:extLst>
   </p:cSld>
@@ -2781,7 +2781,6 @@
           <a:p>
             <a:fld id="{FD1AB967-2ECE-4AAC-B210-D1C618464131}" type="slidenum">
               <a:rPr lang="en-US" smtClean="0"/>
-              <a:pPr/>
               <a:t>3</a:t>
             </a:fld>
             <a:endParaRPr lang="en-US"/>
@@ -2791,7 +2790,7 @@
     </p:spTree>
     <p:extLst>
       <p:ext uri="{BB962C8B-B14F-4D97-AF65-F5344CB8AC3E}">
-        <p14:creationId xmlns="" xmlns:p14="http://schemas.microsoft.com/office/powerpoint/2010/main" val="3387089590"/>
+        <p14:creationId xmlns:p14="http://schemas.microsoft.com/office/powerpoint/2010/main" val="3387089590"/>
       </p:ext>
     </p:extLst>
   </p:cSld>
@@ -2870,7 +2869,6 @@
           <a:p>
             <a:fld id="{FD1AB967-2ECE-4AAC-B210-D1C618464131}" type="slidenum">
               <a:rPr lang="en-US" smtClean="0"/>
-              <a:pPr/>
               <a:t>4</a:t>
             </a:fld>
             <a:endParaRPr lang="en-US"/>
@@ -2880,7 +2878,7 @@
     </p:spTree>
     <p:extLst>
       <p:ext uri="{BB962C8B-B14F-4D97-AF65-F5344CB8AC3E}">
-        <p14:creationId xmlns="" xmlns:p14="http://schemas.microsoft.com/office/powerpoint/2010/main" val="3387089590"/>
+        <p14:creationId xmlns:p14="http://schemas.microsoft.com/office/powerpoint/2010/main" val="3387089590"/>
       </p:ext>
     </p:extLst>
   </p:cSld>
@@ -2963,7 +2961,6 @@
           <a:p>
             <a:fld id="{FD1AB967-2ECE-4AAC-B210-D1C618464131}" type="slidenum">
               <a:rPr lang="en-US" smtClean="0"/>
-              <a:pPr/>
               <a:t>5</a:t>
             </a:fld>
             <a:endParaRPr lang="en-US"/>
@@ -2973,7 +2970,7 @@
     </p:spTree>
     <p:extLst>
       <p:ext uri="{BB962C8B-B14F-4D97-AF65-F5344CB8AC3E}">
-        <p14:creationId xmlns="" xmlns:p14="http://schemas.microsoft.com/office/powerpoint/2010/main" val="3387089590"/>
+        <p14:creationId xmlns:p14="http://schemas.microsoft.com/office/powerpoint/2010/main" val="3387089590"/>
       </p:ext>
     </p:extLst>
   </p:cSld>
@@ -3052,7 +3049,6 @@
           <a:p>
             <a:fld id="{FD1AB967-2ECE-4AAC-B210-D1C618464131}" type="slidenum">
               <a:rPr lang="en-US" smtClean="0"/>
-              <a:pPr/>
               <a:t>6</a:t>
             </a:fld>
             <a:endParaRPr lang="en-US"/>
@@ -3062,7 +3058,7 @@
     </p:spTree>
     <p:extLst>
       <p:ext uri="{BB962C8B-B14F-4D97-AF65-F5344CB8AC3E}">
-        <p14:creationId xmlns="" xmlns:p14="http://schemas.microsoft.com/office/powerpoint/2010/main" val="3387089590"/>
+        <p14:creationId xmlns:p14="http://schemas.microsoft.com/office/powerpoint/2010/main" val="3387089590"/>
       </p:ext>
     </p:extLst>
   </p:cSld>
@@ -3145,7 +3141,6 @@
           <a:p>
             <a:fld id="{FD1AB967-2ECE-4AAC-B210-D1C618464131}" type="slidenum">
               <a:rPr lang="en-US" smtClean="0"/>
-              <a:pPr/>
               <a:t>7</a:t>
             </a:fld>
             <a:endParaRPr lang="en-US"/>
@@ -3155,7 +3150,7 @@
     </p:spTree>
     <p:extLst>
       <p:ext uri="{BB962C8B-B14F-4D97-AF65-F5344CB8AC3E}">
-        <p14:creationId xmlns="" xmlns:p14="http://schemas.microsoft.com/office/powerpoint/2010/main" val="3387089590"/>
+        <p14:creationId xmlns:p14="http://schemas.microsoft.com/office/powerpoint/2010/main" val="3387089590"/>
       </p:ext>
     </p:extLst>
   </p:cSld>
@@ -3238,7 +3233,6 @@
           <a:p>
             <a:fld id="{FD1AB967-2ECE-4AAC-B210-D1C618464131}" type="slidenum">
               <a:rPr lang="en-US" smtClean="0"/>
-              <a:pPr/>
               <a:t>8</a:t>
             </a:fld>
             <a:endParaRPr lang="en-US"/>
@@ -3248,7 +3242,7 @@
     </p:spTree>
     <p:extLst>
       <p:ext uri="{BB962C8B-B14F-4D97-AF65-F5344CB8AC3E}">
-        <p14:creationId xmlns="" xmlns:p14="http://schemas.microsoft.com/office/powerpoint/2010/main" val="3387089590"/>
+        <p14:creationId xmlns:p14="http://schemas.microsoft.com/office/powerpoint/2010/main" val="3387089590"/>
       </p:ext>
     </p:extLst>
   </p:cSld>
@@ -3331,7 +3325,6 @@
           <a:p>
             <a:fld id="{FD1AB967-2ECE-4AAC-B210-D1C618464131}" type="slidenum">
               <a:rPr lang="en-US" smtClean="0"/>
-              <a:pPr/>
               <a:t>9</a:t>
             </a:fld>
             <a:endParaRPr lang="en-US"/>
@@ -3341,7 +3334,7 @@
     </p:spTree>
     <p:extLst>
       <p:ext uri="{BB962C8B-B14F-4D97-AF65-F5344CB8AC3E}">
-        <p14:creationId xmlns="" xmlns:p14="http://schemas.microsoft.com/office/powerpoint/2010/main" val="3387089590"/>
+        <p14:creationId xmlns:p14="http://schemas.microsoft.com/office/powerpoint/2010/main" val="3387089590"/>
       </p:ext>
     </p:extLst>
   </p:cSld>
@@ -3532,8 +3525,7 @@
           <a:p>
             <a:fld id="{381775FD-B2F8-47D0-BF62-F2DFA9DC70ED}" type="datetimeFigureOut">
               <a:rPr lang="en-US" smtClean="0"/>
-              <a:pPr/>
-              <a:t>10/31/2013</a:t>
+              <a:t>10/29/2013</a:t>
             </a:fld>
             <a:endParaRPr lang="en-US"/>
           </a:p>
@@ -3575,7 +3567,6 @@
           <a:p>
             <a:fld id="{F8A94C55-08D2-4CFB-B2D6-218A2100F79C}" type="slidenum">
               <a:rPr lang="en-US" smtClean="0"/>
-              <a:pPr/>
               <a:t>‹#›</a:t>
             </a:fld>
             <a:endParaRPr lang="en-US"/>
@@ -3585,7 +3576,7 @@
     </p:spTree>
     <p:extLst>
       <p:ext uri="{BB962C8B-B14F-4D97-AF65-F5344CB8AC3E}">
-        <p14:creationId xmlns="" xmlns:p14="http://schemas.microsoft.com/office/powerpoint/2010/main" val="3840482123"/>
+        <p14:creationId xmlns:p14="http://schemas.microsoft.com/office/powerpoint/2010/main" val="3840482123"/>
       </p:ext>
     </p:extLst>
   </p:cSld>
@@ -3704,8 +3695,7 @@
           <a:p>
             <a:fld id="{381775FD-B2F8-47D0-BF62-F2DFA9DC70ED}" type="datetimeFigureOut">
               <a:rPr lang="en-US" smtClean="0"/>
-              <a:pPr/>
-              <a:t>10/31/2013</a:t>
+              <a:t>10/29/2013</a:t>
             </a:fld>
             <a:endParaRPr lang="en-US"/>
           </a:p>
@@ -3747,7 +3737,6 @@
           <a:p>
             <a:fld id="{F8A94C55-08D2-4CFB-B2D6-218A2100F79C}" type="slidenum">
               <a:rPr lang="en-US" smtClean="0"/>
-              <a:pPr/>
               <a:t>‹#›</a:t>
             </a:fld>
             <a:endParaRPr lang="en-US"/>
@@ -3757,7 +3746,7 @@
     </p:spTree>
     <p:extLst>
       <p:ext uri="{BB962C8B-B14F-4D97-AF65-F5344CB8AC3E}">
-        <p14:creationId xmlns="" xmlns:p14="http://schemas.microsoft.com/office/powerpoint/2010/main" val="3633675804"/>
+        <p14:creationId xmlns:p14="http://schemas.microsoft.com/office/powerpoint/2010/main" val="3633675804"/>
       </p:ext>
     </p:extLst>
   </p:cSld>
@@ -3886,8 +3875,7 @@
           <a:p>
             <a:fld id="{381775FD-B2F8-47D0-BF62-F2DFA9DC70ED}" type="datetimeFigureOut">
               <a:rPr lang="en-US" smtClean="0"/>
-              <a:pPr/>
-              <a:t>10/31/2013</a:t>
+              <a:t>10/29/2013</a:t>
             </a:fld>
             <a:endParaRPr lang="en-US"/>
           </a:p>
@@ -3929,7 +3917,6 @@
           <a:p>
             <a:fld id="{F8A94C55-08D2-4CFB-B2D6-218A2100F79C}" type="slidenum">
               <a:rPr lang="en-US" smtClean="0"/>
-              <a:pPr/>
               <a:t>‹#›</a:t>
             </a:fld>
             <a:endParaRPr lang="en-US"/>
@@ -3939,7 +3926,7 @@
     </p:spTree>
     <p:extLst>
       <p:ext uri="{BB962C8B-B14F-4D97-AF65-F5344CB8AC3E}">
-        <p14:creationId xmlns="" xmlns:p14="http://schemas.microsoft.com/office/powerpoint/2010/main" val="2624895722"/>
+        <p14:creationId xmlns:p14="http://schemas.microsoft.com/office/powerpoint/2010/main" val="2624895722"/>
       </p:ext>
     </p:extLst>
   </p:cSld>
@@ -4058,8 +4045,7 @@
           <a:p>
             <a:fld id="{381775FD-B2F8-47D0-BF62-F2DFA9DC70ED}" type="datetimeFigureOut">
               <a:rPr lang="en-US" smtClean="0"/>
-              <a:pPr/>
-              <a:t>10/31/2013</a:t>
+              <a:t>10/29/2013</a:t>
             </a:fld>
             <a:endParaRPr lang="en-US"/>
           </a:p>
@@ -4101,7 +4087,6 @@
           <a:p>
             <a:fld id="{F8A94C55-08D2-4CFB-B2D6-218A2100F79C}" type="slidenum">
               <a:rPr lang="en-US" smtClean="0"/>
-              <a:pPr/>
               <a:t>‹#›</a:t>
             </a:fld>
             <a:endParaRPr lang="en-US"/>
@@ -4111,7 +4096,7 @@
     </p:spTree>
     <p:extLst>
       <p:ext uri="{BB962C8B-B14F-4D97-AF65-F5344CB8AC3E}">
-        <p14:creationId xmlns="" xmlns:p14="http://schemas.microsoft.com/office/powerpoint/2010/main" val="2395609477"/>
+        <p14:creationId xmlns:p14="http://schemas.microsoft.com/office/powerpoint/2010/main" val="2395609477"/>
       </p:ext>
     </p:extLst>
   </p:cSld>
@@ -4306,8 +4291,7 @@
           <a:p>
             <a:fld id="{381775FD-B2F8-47D0-BF62-F2DFA9DC70ED}" type="datetimeFigureOut">
               <a:rPr lang="en-US" smtClean="0"/>
-              <a:pPr/>
-              <a:t>10/31/2013</a:t>
+              <a:t>10/29/2013</a:t>
             </a:fld>
             <a:endParaRPr lang="en-US"/>
           </a:p>
@@ -4349,7 +4333,6 @@
           <a:p>
             <a:fld id="{F8A94C55-08D2-4CFB-B2D6-218A2100F79C}" type="slidenum">
               <a:rPr lang="en-US" smtClean="0"/>
-              <a:pPr/>
               <a:t>‹#›</a:t>
             </a:fld>
             <a:endParaRPr lang="en-US"/>
@@ -4359,7 +4342,7 @@
     </p:spTree>
     <p:extLst>
       <p:ext uri="{BB962C8B-B14F-4D97-AF65-F5344CB8AC3E}">
-        <p14:creationId xmlns="" xmlns:p14="http://schemas.microsoft.com/office/powerpoint/2010/main" val="4631245"/>
+        <p14:creationId xmlns:p14="http://schemas.microsoft.com/office/powerpoint/2010/main" val="4631245"/>
       </p:ext>
     </p:extLst>
   </p:cSld>
@@ -4596,8 +4579,7 @@
           <a:p>
             <a:fld id="{381775FD-B2F8-47D0-BF62-F2DFA9DC70ED}" type="datetimeFigureOut">
               <a:rPr lang="en-US" smtClean="0"/>
-              <a:pPr/>
-              <a:t>10/31/2013</a:t>
+              <a:t>10/29/2013</a:t>
             </a:fld>
             <a:endParaRPr lang="en-US"/>
           </a:p>
@@ -4639,7 +4621,6 @@
           <a:p>
             <a:fld id="{F8A94C55-08D2-4CFB-B2D6-218A2100F79C}" type="slidenum">
               <a:rPr lang="en-US" smtClean="0"/>
-              <a:pPr/>
               <a:t>‹#›</a:t>
             </a:fld>
             <a:endParaRPr lang="en-US"/>
@@ -4649,7 +4630,7 @@
     </p:spTree>
     <p:extLst>
       <p:ext uri="{BB962C8B-B14F-4D97-AF65-F5344CB8AC3E}">
-        <p14:creationId xmlns="" xmlns:p14="http://schemas.microsoft.com/office/powerpoint/2010/main" val="3650264481"/>
+        <p14:creationId xmlns:p14="http://schemas.microsoft.com/office/powerpoint/2010/main" val="3650264481"/>
       </p:ext>
     </p:extLst>
   </p:cSld>
@@ -5020,8 +5001,7 @@
           <a:p>
             <a:fld id="{381775FD-B2F8-47D0-BF62-F2DFA9DC70ED}" type="datetimeFigureOut">
               <a:rPr lang="en-US" smtClean="0"/>
-              <a:pPr/>
-              <a:t>10/31/2013</a:t>
+              <a:t>10/29/2013</a:t>
             </a:fld>
             <a:endParaRPr lang="en-US"/>
           </a:p>
@@ -5063,7 +5043,6 @@
           <a:p>
             <a:fld id="{F8A94C55-08D2-4CFB-B2D6-218A2100F79C}" type="slidenum">
               <a:rPr lang="en-US" smtClean="0"/>
-              <a:pPr/>
               <a:t>‹#›</a:t>
             </a:fld>
             <a:endParaRPr lang="en-US"/>
@@ -5073,7 +5052,7 @@
     </p:spTree>
     <p:extLst>
       <p:ext uri="{BB962C8B-B14F-4D97-AF65-F5344CB8AC3E}">
-        <p14:creationId xmlns="" xmlns:p14="http://schemas.microsoft.com/office/powerpoint/2010/main" val="2744787192"/>
+        <p14:creationId xmlns:p14="http://schemas.microsoft.com/office/powerpoint/2010/main" val="2744787192"/>
       </p:ext>
     </p:extLst>
   </p:cSld>
@@ -5140,8 +5119,7 @@
           <a:p>
             <a:fld id="{381775FD-B2F8-47D0-BF62-F2DFA9DC70ED}" type="datetimeFigureOut">
               <a:rPr lang="en-US" smtClean="0"/>
-              <a:pPr/>
-              <a:t>10/31/2013</a:t>
+              <a:t>10/29/2013</a:t>
             </a:fld>
             <a:endParaRPr lang="en-US"/>
           </a:p>
@@ -5183,7 +5161,6 @@
           <a:p>
             <a:fld id="{F8A94C55-08D2-4CFB-B2D6-218A2100F79C}" type="slidenum">
               <a:rPr lang="en-US" smtClean="0"/>
-              <a:pPr/>
               <a:t>‹#›</a:t>
             </a:fld>
             <a:endParaRPr lang="en-US"/>
@@ -5193,7 +5170,7 @@
     </p:spTree>
     <p:extLst>
       <p:ext uri="{BB962C8B-B14F-4D97-AF65-F5344CB8AC3E}">
-        <p14:creationId xmlns="" xmlns:p14="http://schemas.microsoft.com/office/powerpoint/2010/main" val="3908247753"/>
+        <p14:creationId xmlns:p14="http://schemas.microsoft.com/office/powerpoint/2010/main" val="3908247753"/>
       </p:ext>
     </p:extLst>
   </p:cSld>
@@ -5237,8 +5214,7 @@
           <a:p>
             <a:fld id="{381775FD-B2F8-47D0-BF62-F2DFA9DC70ED}" type="datetimeFigureOut">
               <a:rPr lang="en-US" smtClean="0"/>
-              <a:pPr/>
-              <a:t>10/31/2013</a:t>
+              <a:t>10/29/2013</a:t>
             </a:fld>
             <a:endParaRPr lang="en-US"/>
           </a:p>
@@ -5280,7 +5256,6 @@
           <a:p>
             <a:fld id="{F8A94C55-08D2-4CFB-B2D6-218A2100F79C}" type="slidenum">
               <a:rPr lang="en-US" smtClean="0"/>
-              <a:pPr/>
               <a:t>‹#›</a:t>
             </a:fld>
             <a:endParaRPr lang="en-US"/>
@@ -5290,7 +5265,7 @@
     </p:spTree>
     <p:extLst>
       <p:ext uri="{BB962C8B-B14F-4D97-AF65-F5344CB8AC3E}">
-        <p14:creationId xmlns="" xmlns:p14="http://schemas.microsoft.com/office/powerpoint/2010/main" val="2697205621"/>
+        <p14:creationId xmlns:p14="http://schemas.microsoft.com/office/powerpoint/2010/main" val="2697205621"/>
       </p:ext>
     </p:extLst>
   </p:cSld>
@@ -5516,8 +5491,7 @@
           <a:p>
             <a:fld id="{381775FD-B2F8-47D0-BF62-F2DFA9DC70ED}" type="datetimeFigureOut">
               <a:rPr lang="en-US" smtClean="0"/>
-              <a:pPr/>
-              <a:t>10/31/2013</a:t>
+              <a:t>10/29/2013</a:t>
             </a:fld>
             <a:endParaRPr lang="en-US"/>
           </a:p>
@@ -5559,7 +5533,6 @@
           <a:p>
             <a:fld id="{F8A94C55-08D2-4CFB-B2D6-218A2100F79C}" type="slidenum">
               <a:rPr lang="en-US" smtClean="0"/>
-              <a:pPr/>
               <a:t>‹#›</a:t>
             </a:fld>
             <a:endParaRPr lang="en-US"/>
@@ -5569,7 +5542,7 @@
     </p:spTree>
     <p:extLst>
       <p:ext uri="{BB962C8B-B14F-4D97-AF65-F5344CB8AC3E}">
-        <p14:creationId xmlns="" xmlns:p14="http://schemas.microsoft.com/office/powerpoint/2010/main" val="3404995596"/>
+        <p14:creationId xmlns:p14="http://schemas.microsoft.com/office/powerpoint/2010/main" val="3404995596"/>
       </p:ext>
     </p:extLst>
   </p:cSld>
@@ -5771,8 +5744,7 @@
           <a:p>
             <a:fld id="{381775FD-B2F8-47D0-BF62-F2DFA9DC70ED}" type="datetimeFigureOut">
               <a:rPr lang="en-US" smtClean="0"/>
-              <a:pPr/>
-              <a:t>10/31/2013</a:t>
+              <a:t>10/29/2013</a:t>
             </a:fld>
             <a:endParaRPr lang="en-US"/>
           </a:p>
@@ -5814,7 +5786,6 @@
           <a:p>
             <a:fld id="{F8A94C55-08D2-4CFB-B2D6-218A2100F79C}" type="slidenum">
               <a:rPr lang="en-US" smtClean="0"/>
-              <a:pPr/>
               <a:t>‹#›</a:t>
             </a:fld>
             <a:endParaRPr lang="en-US"/>
@@ -5824,7 +5795,7 @@
     </p:spTree>
     <p:extLst>
       <p:ext uri="{BB962C8B-B14F-4D97-AF65-F5344CB8AC3E}">
-        <p14:creationId xmlns="" xmlns:p14="http://schemas.microsoft.com/office/powerpoint/2010/main" val="1782242437"/>
+        <p14:creationId xmlns:p14="http://schemas.microsoft.com/office/powerpoint/2010/main" val="1782242437"/>
       </p:ext>
     </p:extLst>
   </p:cSld>
@@ -5986,8 +5957,7 @@
           <a:p>
             <a:fld id="{381775FD-B2F8-47D0-BF62-F2DFA9DC70ED}" type="datetimeFigureOut">
               <a:rPr lang="en-US" smtClean="0"/>
-              <a:pPr/>
-              <a:t>10/31/2013</a:t>
+              <a:t>10/29/2013</a:t>
             </a:fld>
             <a:endParaRPr lang="en-US"/>
           </a:p>
@@ -6065,7 +6035,6 @@
           <a:p>
             <a:fld id="{F8A94C55-08D2-4CFB-B2D6-218A2100F79C}" type="slidenum">
               <a:rPr lang="en-US" smtClean="0"/>
-              <a:pPr/>
               <a:t>‹#›</a:t>
             </a:fld>
             <a:endParaRPr lang="en-US"/>
@@ -6075,7 +6044,7 @@
     </p:spTree>
     <p:extLst>
       <p:ext uri="{BB962C8B-B14F-4D97-AF65-F5344CB8AC3E}">
-        <p14:creationId xmlns="" xmlns:p14="http://schemas.microsoft.com/office/powerpoint/2010/main" val="1092906713"/>
+        <p14:creationId xmlns:p14="http://schemas.microsoft.com/office/powerpoint/2010/main" val="1092906713"/>
       </p:ext>
     </p:extLst>
   </p:cSld>
@@ -6841,7 +6810,7 @@
           <a:blip r:embed="rId3" cstate="print">
             <a:extLst>
               <a:ext uri="{28A0092B-C50C-407E-A947-70E740481C1C}">
-                <a14:useLocalDpi xmlns="" xmlns:a14="http://schemas.microsoft.com/office/drawing/2010/main" val="0"/>
+                <a14:useLocalDpi xmlns:a14="http://schemas.microsoft.com/office/drawing/2010/main" val="0"/>
               </a:ext>
             </a:extLst>
           </a:blip>
@@ -6868,7 +6837,7 @@
     </p:spTree>
     <p:extLst>
       <p:ext uri="{BB962C8B-B14F-4D97-AF65-F5344CB8AC3E}">
-        <p14:creationId xmlns="" xmlns:p14="http://schemas.microsoft.com/office/powerpoint/2010/main" val="4104259936"/>
+        <p14:creationId xmlns:p14="http://schemas.microsoft.com/office/powerpoint/2010/main" val="4104259936"/>
       </p:ext>
     </p:extLst>
   </p:cSld>
@@ -7472,10 +7441,10 @@
           <p:nvPr/>
         </p:nvPicPr>
         <p:blipFill>
-          <a:blip r:embed="rId3" cstate="print">
+          <a:blip r:embed="rId3">
             <a:extLst>
               <a:ext uri="{28A0092B-C50C-407E-A947-70E740481C1C}">
-                <a14:useLocalDpi xmlns="" xmlns:a14="http://schemas.microsoft.com/office/drawing/2010/main" val="0"/>
+                <a14:useLocalDpi xmlns:a14="http://schemas.microsoft.com/office/drawing/2010/main" val="0"/>
               </a:ext>
             </a:extLst>
           </a:blip>
@@ -7505,7 +7474,7 @@
           <a:blip r:embed="rId4" cstate="print">
             <a:extLst>
               <a:ext uri="{28A0092B-C50C-407E-A947-70E740481C1C}">
-                <a14:useLocalDpi xmlns="" xmlns:a14="http://schemas.microsoft.com/office/drawing/2010/main" val="0"/>
+                <a14:useLocalDpi xmlns:a14="http://schemas.microsoft.com/office/drawing/2010/main" val="0"/>
               </a:ext>
             </a:extLst>
           </a:blip>
@@ -7532,7 +7501,7 @@
     </p:spTree>
     <p:extLst>
       <p:ext uri="{BB962C8B-B14F-4D97-AF65-F5344CB8AC3E}">
-        <p14:creationId xmlns="" xmlns:p14="http://schemas.microsoft.com/office/powerpoint/2010/main" val="2191200112"/>
+        <p14:creationId xmlns:p14="http://schemas.microsoft.com/office/powerpoint/2010/main" val="2191200112"/>
       </p:ext>
     </p:extLst>
   </p:cSld>
@@ -7566,724 +7535,674 @@
           <a:chExt cx="0" cy="0"/>
         </a:xfrm>
       </p:grpSpPr>
-      <p:grpSp>
-        <p:nvGrpSpPr>
-          <p:cNvPr id="24" name="그룹 23"/>
-          <p:cNvGrpSpPr/>
+      <p:sp>
+        <p:nvSpPr>
+          <p:cNvPr id="12" name="Rectangle 11"/>
+          <p:cNvSpPr/>
           <p:nvPr/>
-        </p:nvGrpSpPr>
-        <p:grpSpPr>
+        </p:nvSpPr>
+        <p:spPr>
           <a:xfrm>
             <a:off x="199292" y="214157"/>
-            <a:ext cx="8610600" cy="6532089"/>
-            <a:chOff x="199292" y="214157"/>
-            <a:chExt cx="8610600" cy="6532089"/>
-          </a:xfrm>
-        </p:grpSpPr>
-        <p:sp>
-          <p:nvSpPr>
-            <p:cNvPr id="12" name="Rectangle 11"/>
-            <p:cNvSpPr/>
-            <p:nvPr/>
-          </p:nvSpPr>
-          <p:spPr>
-            <a:xfrm>
-              <a:off x="199292" y="214157"/>
-              <a:ext cx="8610600" cy="6477000"/>
-            </a:xfrm>
-            <a:prstGeom prst="rect">
-              <a:avLst/>
-            </a:prstGeom>
-          </p:spPr>
-          <p:style>
-            <a:lnRef idx="3">
-              <a:schemeClr val="lt1"/>
-            </a:lnRef>
-            <a:fillRef idx="1">
-              <a:schemeClr val="accent1"/>
-            </a:fillRef>
-            <a:effectRef idx="1">
-              <a:schemeClr val="accent1"/>
-            </a:effectRef>
-            <a:fontRef idx="minor">
-              <a:schemeClr val="lt1"/>
-            </a:fontRef>
-          </p:style>
-          <p:txBody>
-            <a:bodyPr rtlCol="0" anchor="ctr"/>
-            <a:lstStyle/>
-            <a:p>
-              <a:pPr algn="ctr"/>
-              <a:endParaRPr lang="en-US" dirty="0"/>
-            </a:p>
-          </p:txBody>
-        </p:sp>
-        <p:sp>
-          <p:nvSpPr>
-            <p:cNvPr id="13" name="Rounded Rectangle 12"/>
-            <p:cNvSpPr/>
-            <p:nvPr/>
-          </p:nvSpPr>
-          <p:spPr>
-            <a:xfrm>
-              <a:off x="819814" y="1524000"/>
-              <a:ext cx="1389985" cy="609600"/>
-            </a:xfrm>
-            <a:prstGeom prst="roundRect">
-              <a:avLst/>
-            </a:prstGeom>
-          </p:spPr>
-          <p:style>
-            <a:lnRef idx="2">
-              <a:schemeClr val="accent3">
-                <a:shade val="50000"/>
-              </a:schemeClr>
-            </a:lnRef>
-            <a:fillRef idx="1">
-              <a:schemeClr val="accent3"/>
-            </a:fillRef>
-            <a:effectRef idx="0">
-              <a:schemeClr val="accent3"/>
-            </a:effectRef>
-            <a:fontRef idx="minor">
-              <a:schemeClr val="lt1"/>
-            </a:fontRef>
-          </p:style>
-          <p:txBody>
-            <a:bodyPr rtlCol="0" anchor="ctr"/>
-            <a:lstStyle/>
-            <a:p>
-              <a:pPr algn="ctr"/>
-              <a:r>
-                <a:rPr lang="en-US" dirty="0" smtClean="0">
-                  <a:solidFill>
-                    <a:schemeClr val="tx1"/>
-                  </a:solidFill>
-                </a:rPr>
-                <a:t>Protein</a:t>
-              </a:r>
-            </a:p>
-            <a:p>
-              <a:pPr algn="ctr"/>
-              <a:r>
-                <a:rPr lang="en-US" dirty="0" smtClean="0">
-                  <a:solidFill>
-                    <a:schemeClr val="tx1"/>
-                  </a:solidFill>
-                </a:rPr>
-                <a:t>(Required)</a:t>
-              </a:r>
-              <a:endParaRPr lang="en-US" dirty="0">
+            <a:ext cx="8610600" cy="6477000"/>
+          </a:xfrm>
+          <a:prstGeom prst="rect">
+            <a:avLst/>
+          </a:prstGeom>
+        </p:spPr>
+        <p:style>
+          <a:lnRef idx="3">
+            <a:schemeClr val="lt1"/>
+          </a:lnRef>
+          <a:fillRef idx="1">
+            <a:schemeClr val="accent1"/>
+          </a:fillRef>
+          <a:effectRef idx="1">
+            <a:schemeClr val="accent1"/>
+          </a:effectRef>
+          <a:fontRef idx="minor">
+            <a:schemeClr val="lt1"/>
+          </a:fontRef>
+        </p:style>
+        <p:txBody>
+          <a:bodyPr rtlCol="0" anchor="ctr"/>
+          <a:lstStyle/>
+          <a:p>
+            <a:pPr algn="ctr"/>
+            <a:endParaRPr lang="en-US" dirty="0"/>
+          </a:p>
+        </p:txBody>
+      </p:sp>
+      <p:sp>
+        <p:nvSpPr>
+          <p:cNvPr id="13" name="Rounded Rectangle 12"/>
+          <p:cNvSpPr/>
+          <p:nvPr/>
+        </p:nvSpPr>
+        <p:spPr>
+          <a:xfrm>
+            <a:off x="819815" y="1708978"/>
+            <a:ext cx="1219200" cy="318655"/>
+          </a:xfrm>
+          <a:prstGeom prst="roundRect">
+            <a:avLst/>
+          </a:prstGeom>
+        </p:spPr>
+        <p:style>
+          <a:lnRef idx="2">
+            <a:schemeClr val="accent3">
+              <a:shade val="50000"/>
+            </a:schemeClr>
+          </a:lnRef>
+          <a:fillRef idx="1">
+            <a:schemeClr val="accent3"/>
+          </a:fillRef>
+          <a:effectRef idx="0">
+            <a:schemeClr val="accent3"/>
+          </a:effectRef>
+          <a:fontRef idx="minor">
+            <a:schemeClr val="lt1"/>
+          </a:fontRef>
+        </p:style>
+        <p:txBody>
+          <a:bodyPr rtlCol="0" anchor="ctr"/>
+          <a:lstStyle/>
+          <a:p>
+            <a:pPr algn="ctr"/>
+            <a:r>
+              <a:rPr lang="en-US" dirty="0" smtClean="0">
                 <a:solidFill>
                   <a:schemeClr val="tx1"/>
                 </a:solidFill>
-              </a:endParaRPr>
-            </a:p>
-          </p:txBody>
-        </p:sp>
-        <p:sp>
-          <p:nvSpPr>
-            <p:cNvPr id="19" name="Rectangle 18"/>
-            <p:cNvSpPr/>
-            <p:nvPr/>
-          </p:nvSpPr>
-          <p:spPr>
-            <a:xfrm>
-              <a:off x="3124200" y="1524000"/>
-              <a:ext cx="3124200" cy="1981200"/>
-            </a:xfrm>
-            <a:prstGeom prst="rect">
-              <a:avLst/>
-            </a:prstGeom>
-          </p:spPr>
-          <p:style>
-            <a:lnRef idx="2">
-              <a:schemeClr val="accent3"/>
-            </a:lnRef>
-            <a:fillRef idx="1">
-              <a:schemeClr val="lt1"/>
-            </a:fillRef>
-            <a:effectRef idx="0">
-              <a:schemeClr val="accent3"/>
-            </a:effectRef>
-            <a:fontRef idx="minor">
-              <a:schemeClr val="dk1"/>
-            </a:fontRef>
-          </p:style>
-          <p:txBody>
-            <a:bodyPr rtlCol="0" anchor="ctr"/>
-            <a:lstStyle/>
-            <a:p>
-              <a:pPr algn="ctr"/>
-              <a:endParaRPr lang="en-US" sz="1400" dirty="0"/>
-            </a:p>
-          </p:txBody>
-        </p:sp>
-        <p:sp>
-          <p:nvSpPr>
-            <p:cNvPr id="20" name="Rectangle 19"/>
-            <p:cNvSpPr/>
-            <p:nvPr/>
-          </p:nvSpPr>
-          <p:spPr>
-            <a:xfrm>
-              <a:off x="3124200" y="4114800"/>
-              <a:ext cx="3124200" cy="685800"/>
-            </a:xfrm>
-            <a:prstGeom prst="rect">
-              <a:avLst/>
-            </a:prstGeom>
-          </p:spPr>
-          <p:style>
-            <a:lnRef idx="2">
-              <a:schemeClr val="accent3"/>
-            </a:lnRef>
-            <a:fillRef idx="1">
-              <a:schemeClr val="lt1"/>
-            </a:fillRef>
-            <a:effectRef idx="0">
-              <a:schemeClr val="accent3"/>
-            </a:effectRef>
-            <a:fontRef idx="minor">
-              <a:schemeClr val="dk1"/>
-            </a:fontRef>
-          </p:style>
-          <p:txBody>
-            <a:bodyPr rtlCol="0" anchor="ctr"/>
-            <a:lstStyle/>
-            <a:p>
-              <a:pPr algn="ctr"/>
-              <a:endParaRPr lang="en-US" sz="1400" dirty="0" smtClean="0"/>
-            </a:p>
-          </p:txBody>
-        </p:sp>
-        <p:sp>
-          <p:nvSpPr>
-            <p:cNvPr id="21" name="Rectangle 20"/>
-            <p:cNvSpPr/>
-            <p:nvPr/>
-          </p:nvSpPr>
-          <p:spPr>
-            <a:xfrm>
-              <a:off x="3124200" y="5334000"/>
-              <a:ext cx="3195608" cy="663553"/>
-            </a:xfrm>
-            <a:prstGeom prst="rect">
-              <a:avLst/>
-            </a:prstGeom>
-          </p:spPr>
-          <p:style>
-            <a:lnRef idx="2">
-              <a:schemeClr val="accent3"/>
-            </a:lnRef>
-            <a:fillRef idx="1">
-              <a:schemeClr val="lt1"/>
-            </a:fillRef>
-            <a:effectRef idx="0">
-              <a:schemeClr val="accent3"/>
-            </a:effectRef>
-            <a:fontRef idx="minor">
-              <a:schemeClr val="dk1"/>
-            </a:fontRef>
-          </p:style>
-          <p:txBody>
-            <a:bodyPr rtlCol="0" anchor="ctr"/>
-            <a:lstStyle/>
-            <a:p>
-              <a:pPr algn="ctr"/>
-              <a:endParaRPr lang="en-US" sz="1400" dirty="0" smtClean="0"/>
-            </a:p>
-          </p:txBody>
-        </p:sp>
-        <p:sp>
-          <p:nvSpPr>
-            <p:cNvPr id="22" name="Rounded Rectangle 21"/>
-            <p:cNvSpPr/>
-            <p:nvPr/>
-          </p:nvSpPr>
-          <p:spPr>
-            <a:xfrm>
-              <a:off x="838200" y="533400"/>
-              <a:ext cx="1447800" cy="457200"/>
-            </a:xfrm>
-            <a:prstGeom prst="roundRect">
-              <a:avLst/>
-            </a:prstGeom>
-          </p:spPr>
-          <p:style>
-            <a:lnRef idx="1">
-              <a:schemeClr val="accent3"/>
-            </a:lnRef>
-            <a:fillRef idx="2">
-              <a:schemeClr val="accent3"/>
-            </a:fillRef>
-            <a:effectRef idx="1">
-              <a:schemeClr val="accent3"/>
-            </a:effectRef>
-            <a:fontRef idx="minor">
-              <a:schemeClr val="dk1"/>
-            </a:fontRef>
-          </p:style>
-          <p:txBody>
-            <a:bodyPr rtlCol="0" anchor="ctr"/>
-            <a:lstStyle/>
-            <a:p>
-              <a:pPr algn="ctr"/>
-              <a:r>
-                <a:rPr lang="en-US" dirty="0" smtClean="0"/>
-                <a:t>Import</a:t>
-              </a:r>
-              <a:endParaRPr lang="en-US" dirty="0"/>
-            </a:p>
-          </p:txBody>
-        </p:sp>
-        <p:sp>
-          <p:nvSpPr>
-            <p:cNvPr id="27" name="Rounded Rectangle 26"/>
-            <p:cNvSpPr/>
-            <p:nvPr/>
-          </p:nvSpPr>
-          <p:spPr>
-            <a:xfrm>
-              <a:off x="786244" y="4114800"/>
-              <a:ext cx="1347356" cy="609600"/>
-            </a:xfrm>
-            <a:prstGeom prst="roundRect">
-              <a:avLst/>
-            </a:prstGeom>
-          </p:spPr>
-          <p:style>
-            <a:lnRef idx="2">
-              <a:schemeClr val="accent3">
-                <a:shade val="50000"/>
-              </a:schemeClr>
-            </a:lnRef>
-            <a:fillRef idx="1">
-              <a:schemeClr val="accent3"/>
-            </a:fillRef>
-            <a:effectRef idx="0">
-              <a:schemeClr val="accent3"/>
-            </a:effectRef>
-            <a:fontRef idx="minor">
-              <a:schemeClr val="lt1"/>
-            </a:fontRef>
-          </p:style>
-          <p:txBody>
-            <a:bodyPr rtlCol="0" anchor="ctr"/>
-            <a:lstStyle/>
-            <a:p>
-              <a:pPr algn="ctr"/>
-              <a:r>
-                <a:rPr lang="en-US" dirty="0" smtClean="0">
-                  <a:solidFill>
-                    <a:schemeClr val="tx1"/>
-                  </a:solidFill>
-                </a:rPr>
-                <a:t>Organism</a:t>
-              </a:r>
-            </a:p>
-            <a:p>
-              <a:pPr algn="ctr"/>
-              <a:r>
-                <a:rPr lang="en-US" dirty="0" smtClean="0">
-                  <a:solidFill>
-                    <a:schemeClr val="tx1"/>
-                  </a:solidFill>
-                </a:rPr>
-                <a:t>(optional)</a:t>
-              </a:r>
-              <a:endParaRPr lang="en-US" dirty="0">
+              </a:rPr>
+              <a:t>Protein</a:t>
+            </a:r>
+            <a:endParaRPr lang="en-US" dirty="0">
+              <a:solidFill>
+                <a:schemeClr val="tx1"/>
+              </a:solidFill>
+            </a:endParaRPr>
+          </a:p>
+        </p:txBody>
+      </p:sp>
+      <p:sp>
+        <p:nvSpPr>
+          <p:cNvPr id="19" name="Rectangle 18"/>
+          <p:cNvSpPr/>
+          <p:nvPr/>
+        </p:nvSpPr>
+        <p:spPr>
+          <a:xfrm>
+            <a:off x="3124200" y="1295400"/>
+            <a:ext cx="3195608" cy="1951160"/>
+          </a:xfrm>
+          <a:prstGeom prst="rect">
+            <a:avLst/>
+          </a:prstGeom>
+        </p:spPr>
+        <p:style>
+          <a:lnRef idx="2">
+            <a:schemeClr val="accent3"/>
+          </a:lnRef>
+          <a:fillRef idx="1">
+            <a:schemeClr val="lt1"/>
+          </a:fillRef>
+          <a:effectRef idx="0">
+            <a:schemeClr val="accent3"/>
+          </a:effectRef>
+          <a:fontRef idx="minor">
+            <a:schemeClr val="dk1"/>
+          </a:fontRef>
+        </p:style>
+        <p:txBody>
+          <a:bodyPr rtlCol="0" anchor="ctr"/>
+          <a:lstStyle/>
+          <a:p>
+            <a:pPr algn="ctr"/>
+            <a:endParaRPr lang="en-US" sz="1400" dirty="0"/>
+          </a:p>
+        </p:txBody>
+      </p:sp>
+      <p:sp>
+        <p:nvSpPr>
+          <p:cNvPr id="20" name="Rectangle 19"/>
+          <p:cNvSpPr/>
+          <p:nvPr/>
+        </p:nvSpPr>
+        <p:spPr>
+          <a:xfrm>
+            <a:off x="3124200" y="3813033"/>
+            <a:ext cx="3195608" cy="768079"/>
+          </a:xfrm>
+          <a:prstGeom prst="rect">
+            <a:avLst/>
+          </a:prstGeom>
+        </p:spPr>
+        <p:style>
+          <a:lnRef idx="2">
+            <a:schemeClr val="accent3"/>
+          </a:lnRef>
+          <a:fillRef idx="1">
+            <a:schemeClr val="lt1"/>
+          </a:fillRef>
+          <a:effectRef idx="0">
+            <a:schemeClr val="accent3"/>
+          </a:effectRef>
+          <a:fontRef idx="minor">
+            <a:schemeClr val="dk1"/>
+          </a:fontRef>
+        </p:style>
+        <p:txBody>
+          <a:bodyPr rtlCol="0" anchor="ctr"/>
+          <a:lstStyle/>
+          <a:p>
+            <a:pPr algn="ctr"/>
+            <a:endParaRPr lang="en-US" sz="1400" dirty="0" smtClean="0"/>
+          </a:p>
+        </p:txBody>
+      </p:sp>
+      <p:sp>
+        <p:nvSpPr>
+          <p:cNvPr id="21" name="Rectangle 20"/>
+          <p:cNvSpPr/>
+          <p:nvPr/>
+        </p:nvSpPr>
+        <p:spPr>
+          <a:xfrm>
+            <a:off x="3124201" y="5054195"/>
+            <a:ext cx="3195608" cy="663553"/>
+          </a:xfrm>
+          <a:prstGeom prst="rect">
+            <a:avLst/>
+          </a:prstGeom>
+        </p:spPr>
+        <p:style>
+          <a:lnRef idx="2">
+            <a:schemeClr val="accent3"/>
+          </a:lnRef>
+          <a:fillRef idx="1">
+            <a:schemeClr val="lt1"/>
+          </a:fillRef>
+          <a:effectRef idx="0">
+            <a:schemeClr val="accent3"/>
+          </a:effectRef>
+          <a:fontRef idx="minor">
+            <a:schemeClr val="dk1"/>
+          </a:fontRef>
+        </p:style>
+        <p:txBody>
+          <a:bodyPr rtlCol="0" anchor="ctr"/>
+          <a:lstStyle/>
+          <a:p>
+            <a:pPr algn="ctr"/>
+            <a:endParaRPr lang="en-US" sz="1400" dirty="0" smtClean="0"/>
+          </a:p>
+        </p:txBody>
+      </p:sp>
+      <p:sp>
+        <p:nvSpPr>
+          <p:cNvPr id="22" name="Rounded Rectangle 21"/>
+          <p:cNvSpPr/>
+          <p:nvPr/>
+        </p:nvSpPr>
+        <p:spPr>
+          <a:xfrm>
+            <a:off x="595744" y="291531"/>
+            <a:ext cx="1600201" cy="356915"/>
+          </a:xfrm>
+          <a:prstGeom prst="roundRect">
+            <a:avLst/>
+          </a:prstGeom>
+        </p:spPr>
+        <p:style>
+          <a:lnRef idx="1">
+            <a:schemeClr val="accent3"/>
+          </a:lnRef>
+          <a:fillRef idx="2">
+            <a:schemeClr val="accent3"/>
+          </a:fillRef>
+          <a:effectRef idx="1">
+            <a:schemeClr val="accent3"/>
+          </a:effectRef>
+          <a:fontRef idx="minor">
+            <a:schemeClr val="dk1"/>
+          </a:fontRef>
+        </p:style>
+        <p:txBody>
+          <a:bodyPr rtlCol="0" anchor="ctr"/>
+          <a:lstStyle/>
+          <a:p>
+            <a:pPr algn="ctr"/>
+            <a:r>
+              <a:rPr lang="en-US" dirty="0" smtClean="0"/>
+              <a:t>Import(icon)</a:t>
+            </a:r>
+            <a:endParaRPr lang="en-US" dirty="0"/>
+          </a:p>
+        </p:txBody>
+      </p:sp>
+      <p:sp>
+        <p:nvSpPr>
+          <p:cNvPr id="27" name="Rounded Rectangle 26"/>
+          <p:cNvSpPr/>
+          <p:nvPr/>
+        </p:nvSpPr>
+        <p:spPr>
+          <a:xfrm>
+            <a:off x="786244" y="3938738"/>
+            <a:ext cx="1219200" cy="516670"/>
+          </a:xfrm>
+          <a:prstGeom prst="roundRect">
+            <a:avLst/>
+          </a:prstGeom>
+        </p:spPr>
+        <p:style>
+          <a:lnRef idx="2">
+            <a:schemeClr val="accent3">
+              <a:shade val="50000"/>
+            </a:schemeClr>
+          </a:lnRef>
+          <a:fillRef idx="1">
+            <a:schemeClr val="accent3"/>
+          </a:fillRef>
+          <a:effectRef idx="0">
+            <a:schemeClr val="accent3"/>
+          </a:effectRef>
+          <a:fontRef idx="minor">
+            <a:schemeClr val="lt1"/>
+          </a:fontRef>
+        </p:style>
+        <p:txBody>
+          <a:bodyPr rtlCol="0" anchor="ctr"/>
+          <a:lstStyle/>
+          <a:p>
+            <a:pPr algn="ctr"/>
+            <a:r>
+              <a:rPr lang="en-US" dirty="0" smtClean="0">
                 <a:solidFill>
                   <a:schemeClr val="tx1"/>
                 </a:solidFill>
-              </a:endParaRPr>
-            </a:p>
-          </p:txBody>
-        </p:sp>
-        <p:sp>
-          <p:nvSpPr>
-            <p:cNvPr id="28" name="Rounded Rectangle 27"/>
-            <p:cNvSpPr/>
-            <p:nvPr/>
-          </p:nvSpPr>
-          <p:spPr>
-            <a:xfrm>
-              <a:off x="819814" y="5334000"/>
-              <a:ext cx="1389985" cy="533400"/>
-            </a:xfrm>
-            <a:prstGeom prst="roundRect">
-              <a:avLst/>
-            </a:prstGeom>
-          </p:spPr>
-          <p:style>
-            <a:lnRef idx="2">
-              <a:schemeClr val="accent3">
-                <a:shade val="50000"/>
-              </a:schemeClr>
-            </a:lnRef>
-            <a:fillRef idx="1">
-              <a:schemeClr val="accent3"/>
-            </a:fillRef>
-            <a:effectRef idx="0">
-              <a:schemeClr val="accent3"/>
-            </a:effectRef>
-            <a:fontRef idx="minor">
-              <a:schemeClr val="lt1"/>
-            </a:fontRef>
-          </p:style>
-          <p:txBody>
-            <a:bodyPr rtlCol="0" anchor="ctr"/>
-            <a:lstStyle/>
-            <a:p>
-              <a:pPr algn="ctr"/>
-              <a:r>
-                <a:rPr lang="en-US" dirty="0" smtClean="0">
-                  <a:solidFill>
-                    <a:schemeClr val="tx1"/>
-                  </a:solidFill>
-                </a:rPr>
-                <a:t>Keyword</a:t>
-              </a:r>
-            </a:p>
-            <a:p>
-              <a:pPr algn="ctr"/>
-              <a:r>
-                <a:rPr lang="en-US" dirty="0" smtClean="0">
-                  <a:solidFill>
-                    <a:schemeClr val="tx1"/>
-                  </a:solidFill>
-                </a:rPr>
-                <a:t>(optional)</a:t>
-              </a:r>
-              <a:endParaRPr lang="en-US" dirty="0">
+              </a:rPr>
+              <a:t>Organism</a:t>
+            </a:r>
+          </a:p>
+          <a:p>
+            <a:pPr algn="ctr"/>
+            <a:r>
+              <a:rPr lang="en-US" dirty="0" smtClean="0">
                 <a:solidFill>
                   <a:schemeClr val="tx1"/>
                 </a:solidFill>
-              </a:endParaRPr>
-            </a:p>
-          </p:txBody>
-        </p:sp>
-        <p:sp>
-          <p:nvSpPr>
-            <p:cNvPr id="16" name="Rounded Rectangle 15"/>
-            <p:cNvSpPr/>
-            <p:nvPr/>
-          </p:nvSpPr>
-          <p:spPr>
-            <a:xfrm>
-              <a:off x="3124200" y="533400"/>
-              <a:ext cx="3124200" cy="457200"/>
-            </a:xfrm>
-            <a:prstGeom prst="roundRect">
-              <a:avLst/>
-            </a:prstGeom>
-          </p:spPr>
-          <p:style>
-            <a:lnRef idx="1">
-              <a:schemeClr val="accent3"/>
-            </a:lnRef>
-            <a:fillRef idx="2">
-              <a:schemeClr val="accent3"/>
-            </a:fillRef>
-            <a:effectRef idx="1">
-              <a:schemeClr val="accent3"/>
-            </a:effectRef>
-            <a:fontRef idx="minor">
-              <a:schemeClr val="dk1"/>
-            </a:fontRef>
-          </p:style>
-          <p:txBody>
-            <a:bodyPr rtlCol="0" anchor="ctr"/>
-            <a:lstStyle/>
-            <a:p>
-              <a:pPr algn="ctr"/>
-              <a:r>
-                <a:rPr lang="en-US" dirty="0" smtClean="0">
-                  <a:solidFill>
-                    <a:schemeClr val="tx1"/>
-                  </a:solidFill>
-                </a:rPr>
-                <a:t>Browse </a:t>
-              </a:r>
-              <a:r>
-                <a:rPr lang="en-US" dirty="0" smtClean="0">
-                  <a:solidFill>
-                    <a:schemeClr val="tx1"/>
-                  </a:solidFill>
-                </a:rPr>
-                <a:t>Previous </a:t>
-              </a:r>
-              <a:r>
-                <a:rPr lang="en-US" dirty="0" smtClean="0">
-                  <a:solidFill>
-                    <a:schemeClr val="tx1"/>
-                  </a:solidFill>
-                </a:rPr>
-                <a:t>S</a:t>
-              </a:r>
-              <a:r>
-                <a:rPr lang="en-US" dirty="0" smtClean="0">
-                  <a:solidFill>
-                    <a:schemeClr val="tx1"/>
-                  </a:solidFill>
-                </a:rPr>
-                <a:t>earch</a:t>
-              </a:r>
-              <a:endParaRPr lang="en-US" dirty="0">
+              </a:rPr>
+              <a:t>(optional)</a:t>
+            </a:r>
+            <a:endParaRPr lang="en-US" dirty="0">
+              <a:solidFill>
+                <a:schemeClr val="tx1"/>
+              </a:solidFill>
+            </a:endParaRPr>
+          </a:p>
+        </p:txBody>
+      </p:sp>
+      <p:sp>
+        <p:nvSpPr>
+          <p:cNvPr id="28" name="Rounded Rectangle 27"/>
+          <p:cNvSpPr/>
+          <p:nvPr/>
+        </p:nvSpPr>
+        <p:spPr>
+          <a:xfrm>
+            <a:off x="819815" y="5064722"/>
+            <a:ext cx="1219200" cy="529581"/>
+          </a:xfrm>
+          <a:prstGeom prst="roundRect">
+            <a:avLst/>
+          </a:prstGeom>
+        </p:spPr>
+        <p:style>
+          <a:lnRef idx="2">
+            <a:schemeClr val="accent3">
+              <a:shade val="50000"/>
+            </a:schemeClr>
+          </a:lnRef>
+          <a:fillRef idx="1">
+            <a:schemeClr val="accent3"/>
+          </a:fillRef>
+          <a:effectRef idx="0">
+            <a:schemeClr val="accent3"/>
+          </a:effectRef>
+          <a:fontRef idx="minor">
+            <a:schemeClr val="lt1"/>
+          </a:fontRef>
+        </p:style>
+        <p:txBody>
+          <a:bodyPr rtlCol="0" anchor="ctr"/>
+          <a:lstStyle/>
+          <a:p>
+            <a:pPr algn="ctr"/>
+            <a:r>
+              <a:rPr lang="en-US" dirty="0" smtClean="0">
                 <a:solidFill>
                   <a:schemeClr val="tx1"/>
                 </a:solidFill>
-              </a:endParaRPr>
-            </a:p>
-          </p:txBody>
-        </p:sp>
-        <p:sp>
-          <p:nvSpPr>
-            <p:cNvPr id="17" name="Rounded Rectangle 16"/>
-            <p:cNvSpPr/>
-            <p:nvPr/>
-          </p:nvSpPr>
-          <p:spPr>
-            <a:xfrm>
-              <a:off x="6553200" y="5543944"/>
-              <a:ext cx="1766455" cy="797511"/>
-            </a:xfrm>
-            <a:prstGeom prst="roundRect">
-              <a:avLst/>
-            </a:prstGeom>
-          </p:spPr>
-          <p:style>
-            <a:lnRef idx="2">
-              <a:schemeClr val="accent2">
-                <a:shade val="50000"/>
-              </a:schemeClr>
-            </a:lnRef>
-            <a:fillRef idx="1">
-              <a:schemeClr val="accent2"/>
-            </a:fillRef>
-            <a:effectRef idx="0">
-              <a:schemeClr val="accent2"/>
-            </a:effectRef>
-            <a:fontRef idx="minor">
-              <a:schemeClr val="lt1"/>
-            </a:fontRef>
-          </p:style>
-          <p:txBody>
-            <a:bodyPr rtlCol="0" anchor="ctr"/>
-            <a:lstStyle/>
-            <a:p>
-              <a:pPr algn="ctr"/>
-              <a:r>
-                <a:rPr lang="en-US" dirty="0" smtClean="0"/>
-                <a:t>Search PubMed</a:t>
-              </a:r>
-              <a:endParaRPr lang="en-US" dirty="0"/>
-            </a:p>
-          </p:txBody>
-        </p:sp>
-        <p:sp>
-          <p:nvSpPr>
-            <p:cNvPr id="4" name="TextBox 3"/>
-            <p:cNvSpPr txBox="1"/>
-            <p:nvPr/>
-          </p:nvSpPr>
-          <p:spPr>
-            <a:xfrm>
-              <a:off x="3429000" y="4191000"/>
-              <a:ext cx="1989057" cy="369332"/>
-            </a:xfrm>
-            <a:prstGeom prst="rect">
-              <a:avLst/>
-            </a:prstGeom>
+              </a:rPr>
+              <a:t>Keyword</a:t>
+            </a:r>
+          </a:p>
+          <a:p>
+            <a:pPr algn="ctr"/>
+            <a:r>
+              <a:rPr lang="en-US" dirty="0" smtClean="0">
+                <a:solidFill>
+                  <a:schemeClr val="tx1"/>
+                </a:solidFill>
+              </a:rPr>
+              <a:t>(optional)</a:t>
+            </a:r>
+            <a:endParaRPr lang="en-US" dirty="0">
+              <a:solidFill>
+                <a:schemeClr val="tx1"/>
+              </a:solidFill>
+            </a:endParaRPr>
+          </a:p>
+        </p:txBody>
+      </p:sp>
+      <p:sp>
+        <p:nvSpPr>
+          <p:cNvPr id="16" name="Rounded Rectangle 15"/>
+          <p:cNvSpPr/>
+          <p:nvPr/>
+        </p:nvSpPr>
+        <p:spPr>
+          <a:xfrm>
+            <a:off x="2895600" y="241388"/>
+            <a:ext cx="2068332" cy="457200"/>
+          </a:xfrm>
+          <a:prstGeom prst="roundRect">
+            <a:avLst/>
+          </a:prstGeom>
+        </p:spPr>
+        <p:style>
+          <a:lnRef idx="1">
+            <a:schemeClr val="accent3"/>
+          </a:lnRef>
+          <a:fillRef idx="2">
+            <a:schemeClr val="accent3"/>
+          </a:fillRef>
+          <a:effectRef idx="1">
+            <a:schemeClr val="accent3"/>
+          </a:effectRef>
+          <a:fontRef idx="minor">
+            <a:schemeClr val="dk1"/>
+          </a:fontRef>
+        </p:style>
+        <p:txBody>
+          <a:bodyPr rtlCol="0" anchor="ctr"/>
+          <a:lstStyle/>
+          <a:p>
+            <a:pPr algn="ctr"/>
+            <a:r>
+              <a:rPr lang="en-US" dirty="0" smtClean="0">
+                <a:solidFill>
+                  <a:schemeClr val="tx1"/>
+                </a:solidFill>
+              </a:rPr>
+              <a:t>Browse previous search</a:t>
+            </a:r>
+            <a:endParaRPr lang="en-US" dirty="0">
+              <a:solidFill>
+                <a:schemeClr val="tx1"/>
+              </a:solidFill>
+            </a:endParaRPr>
+          </a:p>
+        </p:txBody>
+      </p:sp>
+      <p:sp>
+        <p:nvSpPr>
+          <p:cNvPr id="17" name="Rounded Rectangle 16"/>
+          <p:cNvSpPr/>
+          <p:nvPr/>
+        </p:nvSpPr>
+        <p:spPr>
+          <a:xfrm>
+            <a:off x="6553200" y="5543944"/>
+            <a:ext cx="1766455" cy="797511"/>
+          </a:xfrm>
+          <a:prstGeom prst="roundRect">
+            <a:avLst/>
+          </a:prstGeom>
+        </p:spPr>
+        <p:style>
+          <a:lnRef idx="2">
+            <a:schemeClr val="accent2">
+              <a:shade val="50000"/>
+            </a:schemeClr>
+          </a:lnRef>
+          <a:fillRef idx="1">
+            <a:schemeClr val="accent2"/>
+          </a:fillRef>
+          <a:effectRef idx="0">
+            <a:schemeClr val="accent2"/>
+          </a:effectRef>
+          <a:fontRef idx="minor">
+            <a:schemeClr val="lt1"/>
+          </a:fontRef>
+        </p:style>
+        <p:txBody>
+          <a:bodyPr rtlCol="0" anchor="ctr"/>
+          <a:lstStyle/>
+          <a:p>
+            <a:pPr algn="ctr"/>
+            <a:r>
+              <a:rPr lang="en-US" dirty="0" smtClean="0"/>
+              <a:t>Search PubMed</a:t>
+            </a:r>
+            <a:endParaRPr lang="en-US" dirty="0"/>
+          </a:p>
+        </p:txBody>
+      </p:sp>
+      <p:sp>
+        <p:nvSpPr>
+          <p:cNvPr id="4" name="TextBox 3"/>
+          <p:cNvSpPr txBox="1"/>
+          <p:nvPr/>
+        </p:nvSpPr>
+        <p:spPr>
+          <a:xfrm>
+            <a:off x="3472566" y="3938738"/>
+            <a:ext cx="1989057" cy="369332"/>
+          </a:xfrm>
+          <a:prstGeom prst="rect">
+            <a:avLst/>
+          </a:prstGeom>
+          <a:noFill/>
+        </p:spPr>
+        <p:txBody>
+          <a:bodyPr wrap="square" rtlCol="0">
+            <a:spAutoFit/>
+          </a:bodyPr>
+          <a:lstStyle/>
+          <a:p>
+            <a:r>
+              <a:rPr lang="en-US" dirty="0" smtClean="0"/>
+              <a:t>Human</a:t>
+            </a:r>
+            <a:endParaRPr lang="en-US" dirty="0"/>
+          </a:p>
+        </p:txBody>
+      </p:sp>
+      <p:sp>
+        <p:nvSpPr>
+          <p:cNvPr id="3" name="TextBox 2"/>
+          <p:cNvSpPr txBox="1"/>
+          <p:nvPr/>
+        </p:nvSpPr>
+        <p:spPr>
+          <a:xfrm>
+            <a:off x="3472566" y="1312985"/>
+            <a:ext cx="2362200" cy="2031325"/>
+          </a:xfrm>
+          <a:prstGeom prst="rect">
+            <a:avLst/>
+          </a:prstGeom>
+          <a:noFill/>
+        </p:spPr>
+        <p:txBody>
+          <a:bodyPr wrap="square" rtlCol="0">
+            <a:spAutoFit/>
+          </a:bodyPr>
+          <a:lstStyle/>
+          <a:p>
+            <a:r>
+              <a:rPr lang="en-US" dirty="0"/>
+              <a:t>PRRT3</a:t>
+            </a:r>
+          </a:p>
+          <a:p>
+            <a:r>
+              <a:rPr lang="en-US" dirty="0"/>
+              <a:t>LYNX1</a:t>
+            </a:r>
+          </a:p>
+          <a:p>
+            <a:r>
+              <a:rPr lang="en-US" dirty="0"/>
+              <a:t>ST6GAL2</a:t>
+            </a:r>
+          </a:p>
+          <a:p>
+            <a:r>
+              <a:rPr lang="en-US" dirty="0"/>
+              <a:t>CSPG4</a:t>
+            </a:r>
+          </a:p>
+          <a:p>
+            <a:r>
+              <a:rPr lang="en-US" dirty="0"/>
+              <a:t>XYLT2</a:t>
+            </a:r>
+          </a:p>
+          <a:p>
+            <a:r>
+              <a:rPr lang="en-US" dirty="0" smtClean="0"/>
+              <a:t>MB</a:t>
+            </a:r>
+          </a:p>
+          <a:p>
+            <a:r>
+              <a:rPr lang="en-US" dirty="0"/>
+              <a:t>CXCL16</a:t>
+            </a:r>
+          </a:p>
+        </p:txBody>
+      </p:sp>
+      <p:pic>
+        <p:nvPicPr>
+          <p:cNvPr id="5" name="Picture 4"/>
+          <p:cNvPicPr>
+            <a:picLocks noChangeAspect="1"/>
+          </p:cNvPicPr>
+          <p:nvPr/>
+        </p:nvPicPr>
+        <p:blipFill>
+          <a:blip r:embed="rId3">
+            <a:extLst>
+              <a:ext uri="{28A0092B-C50C-407E-A947-70E740481C1C}">
+                <a14:useLocalDpi xmlns:a14="http://schemas.microsoft.com/office/drawing/2010/main" val="0"/>
+              </a:ext>
+            </a:extLst>
+          </a:blip>
+          <a:stretch>
+            <a:fillRect/>
+          </a:stretch>
+        </p:blipFill>
+        <p:spPr>
+          <a:xfrm>
+            <a:off x="6315075" y="1312985"/>
+            <a:ext cx="238125" cy="1933575"/>
+          </a:xfrm>
+          <a:prstGeom prst="rect">
+            <a:avLst/>
+          </a:prstGeom>
+        </p:spPr>
+      </p:pic>
+      <p:pic>
+        <p:nvPicPr>
+          <p:cNvPr id="18" name="Picture 5"/>
+          <p:cNvPicPr>
+            <a:picLocks noChangeAspect="1" noChangeArrowheads="1"/>
+          </p:cNvPicPr>
+          <p:nvPr/>
+        </p:nvPicPr>
+        <p:blipFill>
+          <a:blip r:embed="rId4" cstate="print">
+            <a:extLst>
+              <a:ext uri="{28A0092B-C50C-407E-A947-70E740481C1C}">
+                <a14:useLocalDpi xmlns:a14="http://schemas.microsoft.com/office/drawing/2010/main" val="0"/>
+              </a:ext>
+            </a:extLst>
+          </a:blip>
+          <a:srcRect/>
+          <a:stretch>
+            <a:fillRect/>
+          </a:stretch>
+        </p:blipFill>
+        <p:spPr bwMode="auto">
+          <a:xfrm>
+            <a:off x="7740543" y="5993058"/>
+            <a:ext cx="853137" cy="753188"/>
+          </a:xfrm>
+          <a:prstGeom prst="rect">
+            <a:avLst/>
+          </a:prstGeom>
+          <a:solidFill>
+            <a:schemeClr val="accent1"/>
+          </a:solidFill>
+          <a:ln>
             <a:noFill/>
-          </p:spPr>
-          <p:txBody>
-            <a:bodyPr wrap="square" rtlCol="0">
-              <a:spAutoFit/>
-            </a:bodyPr>
-            <a:lstStyle/>
-            <a:p>
-              <a:r>
-                <a:rPr lang="en-US" dirty="0" smtClean="0"/>
-                <a:t>Human</a:t>
-              </a:r>
-              <a:endParaRPr lang="en-US" dirty="0"/>
-            </a:p>
-          </p:txBody>
-        </p:sp>
-        <p:sp>
-          <p:nvSpPr>
-            <p:cNvPr id="3" name="TextBox 2"/>
-            <p:cNvSpPr txBox="1"/>
-            <p:nvPr/>
-          </p:nvSpPr>
-          <p:spPr>
-            <a:xfrm>
-              <a:off x="3429000" y="1524000"/>
-              <a:ext cx="2362200" cy="2031325"/>
-            </a:xfrm>
-            <a:prstGeom prst="rect">
-              <a:avLst/>
-            </a:prstGeom>
+          </a:ln>
+        </p:spPr>
+      </p:pic>
+      <p:pic>
+        <p:nvPicPr>
+          <p:cNvPr id="23" name="Picture 22"/>
+          <p:cNvPicPr>
+            <a:picLocks noChangeAspect="1"/>
+          </p:cNvPicPr>
+          <p:nvPr/>
+        </p:nvPicPr>
+        <p:blipFill>
+          <a:blip r:embed="rId5" cstate="print">
+            <a:extLst>
+              <a:ext uri="{28A0092B-C50C-407E-A947-70E740481C1C}">
+                <a14:useLocalDpi xmlns:a14="http://schemas.microsoft.com/office/drawing/2010/main" val="0"/>
+              </a:ext>
+            </a:extLst>
+          </a:blip>
+          <a:stretch>
+            <a:fillRect/>
+          </a:stretch>
+        </p:blipFill>
+        <p:spPr>
+          <a:xfrm>
+            <a:off x="7660240" y="306551"/>
+            <a:ext cx="784073" cy="784073"/>
+          </a:xfrm>
+          <a:prstGeom prst="rect">
+            <a:avLst/>
+          </a:prstGeom>
+          <a:ln>
             <a:noFill/>
-          </p:spPr>
-          <p:txBody>
-            <a:bodyPr wrap="square" rtlCol="0">
-              <a:spAutoFit/>
-            </a:bodyPr>
-            <a:lstStyle/>
-            <a:p>
-              <a:r>
-                <a:rPr lang="en-US" dirty="0"/>
-                <a:t>PRRT3</a:t>
-              </a:r>
-            </a:p>
-            <a:p>
-              <a:r>
-                <a:rPr lang="en-US" dirty="0"/>
-                <a:t>LYNX1</a:t>
-              </a:r>
-            </a:p>
-            <a:p>
-              <a:r>
-                <a:rPr lang="en-US" dirty="0"/>
-                <a:t>ST6GAL2</a:t>
-              </a:r>
-            </a:p>
-            <a:p>
-              <a:r>
-                <a:rPr lang="en-US" dirty="0"/>
-                <a:t>CSPG4</a:t>
-              </a:r>
-            </a:p>
-            <a:p>
-              <a:r>
-                <a:rPr lang="en-US" dirty="0"/>
-                <a:t>XYLT2</a:t>
-              </a:r>
-            </a:p>
-            <a:p>
-              <a:r>
-                <a:rPr lang="en-US" dirty="0" smtClean="0"/>
-                <a:t>MB</a:t>
-              </a:r>
-            </a:p>
-            <a:p>
-              <a:r>
-                <a:rPr lang="en-US" dirty="0"/>
-                <a:t>CXCL16</a:t>
-              </a:r>
-            </a:p>
-          </p:txBody>
-        </p:sp>
-        <p:pic>
-          <p:nvPicPr>
-            <p:cNvPr id="5" name="Picture 4"/>
-            <p:cNvPicPr>
-              <a:picLocks noChangeAspect="1"/>
-            </p:cNvPicPr>
-            <p:nvPr/>
-          </p:nvPicPr>
-          <p:blipFill>
-            <a:blip r:embed="rId3" cstate="print">
-              <a:extLst>
-                <a:ext uri="{28A0092B-C50C-407E-A947-70E740481C1C}">
-                  <a14:useLocalDpi xmlns="" xmlns:a14="http://schemas.microsoft.com/office/drawing/2010/main" val="0"/>
-                </a:ext>
-              </a:extLst>
-            </a:blip>
-            <a:stretch>
-              <a:fillRect/>
-            </a:stretch>
-          </p:blipFill>
-          <p:spPr>
-            <a:xfrm>
-              <a:off x="6019800" y="1524000"/>
-              <a:ext cx="238125" cy="1933575"/>
-            </a:xfrm>
-            <a:prstGeom prst="rect">
-              <a:avLst/>
-            </a:prstGeom>
-          </p:spPr>
-        </p:pic>
-        <p:pic>
-          <p:nvPicPr>
-            <p:cNvPr id="18" name="Picture 5"/>
-            <p:cNvPicPr>
-              <a:picLocks noChangeAspect="1" noChangeArrowheads="1"/>
-            </p:cNvPicPr>
-            <p:nvPr/>
-          </p:nvPicPr>
-          <p:blipFill>
-            <a:blip r:embed="rId4" cstate="print">
-              <a:extLst>
-                <a:ext uri="{28A0092B-C50C-407E-A947-70E740481C1C}">
-                  <a14:useLocalDpi xmlns="" xmlns:a14="http://schemas.microsoft.com/office/drawing/2010/main" val="0"/>
-                </a:ext>
-              </a:extLst>
-            </a:blip>
-            <a:srcRect/>
-            <a:stretch>
-              <a:fillRect/>
-            </a:stretch>
-          </p:blipFill>
-          <p:spPr bwMode="auto">
-            <a:xfrm>
-              <a:off x="7740543" y="5993058"/>
-              <a:ext cx="853137" cy="753188"/>
-            </a:xfrm>
-            <a:prstGeom prst="rect">
-              <a:avLst/>
-            </a:prstGeom>
-            <a:solidFill>
-              <a:schemeClr val="accent1"/>
-            </a:solidFill>
-            <a:ln>
-              <a:noFill/>
-            </a:ln>
-          </p:spPr>
-        </p:pic>
-        <p:pic>
-          <p:nvPicPr>
-            <p:cNvPr id="23" name="Picture 22"/>
-            <p:cNvPicPr>
-              <a:picLocks noChangeAspect="1"/>
-            </p:cNvPicPr>
-            <p:nvPr/>
-          </p:nvPicPr>
-          <p:blipFill>
-            <a:blip r:embed="rId5" cstate="print">
-              <a:extLst>
-                <a:ext uri="{28A0092B-C50C-407E-A947-70E740481C1C}">
-                  <a14:useLocalDpi xmlns="" xmlns:a14="http://schemas.microsoft.com/office/drawing/2010/main" val="0"/>
-                </a:ext>
-              </a:extLst>
-            </a:blip>
-            <a:stretch>
-              <a:fillRect/>
-            </a:stretch>
-          </p:blipFill>
-          <p:spPr>
-            <a:xfrm>
-              <a:off x="7660240" y="306551"/>
-              <a:ext cx="784073" cy="784073"/>
-            </a:xfrm>
-            <a:prstGeom prst="rect">
-              <a:avLst/>
-            </a:prstGeom>
-            <a:ln>
-              <a:noFill/>
-            </a:ln>
-            <a:effectLst>
-              <a:softEdge rad="112500"/>
-            </a:effectLst>
-          </p:spPr>
-        </p:pic>
-      </p:grpSp>
+          </a:ln>
+          <a:effectLst>
+            <a:softEdge rad="112500"/>
+          </a:effectLst>
+        </p:spPr>
+      </p:pic>
     </p:spTree>
     <p:extLst>
       <p:ext uri="{BB962C8B-B14F-4D97-AF65-F5344CB8AC3E}">
-        <p14:creationId xmlns="" xmlns:p14="http://schemas.microsoft.com/office/powerpoint/2010/main" val="1482237585"/>
+        <p14:creationId xmlns:p14="http://schemas.microsoft.com/office/powerpoint/2010/main" val="1482237585"/>
       </p:ext>
     </p:extLst>
   </p:cSld>
@@ -8887,10 +8806,10 @@
           <p:nvPr/>
         </p:nvPicPr>
         <p:blipFill>
-          <a:blip r:embed="rId3" cstate="print">
+          <a:blip r:embed="rId3">
             <a:extLst>
               <a:ext uri="{28A0092B-C50C-407E-A947-70E740481C1C}">
-                <a14:useLocalDpi xmlns="" xmlns:a14="http://schemas.microsoft.com/office/drawing/2010/main" val="0"/>
+                <a14:useLocalDpi xmlns:a14="http://schemas.microsoft.com/office/drawing/2010/main" val="0"/>
               </a:ext>
             </a:extLst>
           </a:blip>
@@ -8920,7 +8839,7 @@
           <a:blip r:embed="rId4" cstate="print">
             <a:extLst>
               <a:ext uri="{28A0092B-C50C-407E-A947-70E740481C1C}">
-                <a14:useLocalDpi xmlns="" xmlns:a14="http://schemas.microsoft.com/office/drawing/2010/main" val="0"/>
+                <a14:useLocalDpi xmlns:a14="http://schemas.microsoft.com/office/drawing/2010/main" val="0"/>
               </a:ext>
             </a:extLst>
           </a:blip>
@@ -8954,10 +8873,10 @@
           <p:nvPr/>
         </p:nvPicPr>
         <p:blipFill>
-          <a:blip r:embed="rId5" cstate="print">
+          <a:blip r:embed="rId5">
             <a:extLst>
               <a:ext uri="{28A0092B-C50C-407E-A947-70E740481C1C}">
-                <a14:useLocalDpi xmlns="" xmlns:a14="http://schemas.microsoft.com/office/drawing/2010/main" val="0"/>
+                <a14:useLocalDpi xmlns:a14="http://schemas.microsoft.com/office/drawing/2010/main" val="0"/>
               </a:ext>
             </a:extLst>
           </a:blip>
@@ -8977,7 +8896,7 @@
           <a:noFill/>
           <a:extLst>
             <a:ext uri="{909E8E84-426E-40DD-AFC4-6F175D3DCCD1}">
-              <a14:hiddenFill xmlns="" xmlns:a14="http://schemas.microsoft.com/office/drawing/2010/main">
+              <a14:hiddenFill xmlns:a14="http://schemas.microsoft.com/office/drawing/2010/main">
                 <a:solidFill>
                   <a:srgbClr val="FFFFFF"/>
                 </a:solidFill>
@@ -9028,7 +8947,7 @@
           <a:blip r:embed="rId6" cstate="print">
             <a:extLst>
               <a:ext uri="{28A0092B-C50C-407E-A947-70E740481C1C}">
-                <a14:useLocalDpi xmlns="" xmlns:a14="http://schemas.microsoft.com/office/drawing/2010/main" val="0"/>
+                <a14:useLocalDpi xmlns:a14="http://schemas.microsoft.com/office/drawing/2010/main" val="0"/>
               </a:ext>
             </a:extLst>
           </a:blip>
@@ -9055,7 +8974,7 @@
     </p:spTree>
     <p:extLst>
       <p:ext uri="{BB962C8B-B14F-4D97-AF65-F5344CB8AC3E}">
-        <p14:creationId xmlns="" xmlns:p14="http://schemas.microsoft.com/office/powerpoint/2010/main" val="1564061355"/>
+        <p14:creationId xmlns:p14="http://schemas.microsoft.com/office/powerpoint/2010/main" val="1564061355"/>
       </p:ext>
     </p:extLst>
   </p:cSld>
@@ -9391,7 +9310,7 @@
           <p:nvPr>
             <p:extLst>
               <p:ext uri="{D42A27DB-BD31-4B8C-83A1-F6EECF244321}">
-                <p14:modId xmlns="" xmlns:p14="http://schemas.microsoft.com/office/powerpoint/2010/main" val="1028401217"/>
+                <p14:modId xmlns:p14="http://schemas.microsoft.com/office/powerpoint/2010/main" val="1028401217"/>
               </p:ext>
             </p:extLst>
           </p:nvPr>
@@ -9882,7 +9801,7 @@
           <a:blip r:embed="rId3" cstate="print">
             <a:extLst>
               <a:ext uri="{28A0092B-C50C-407E-A947-70E740481C1C}">
-                <a14:useLocalDpi xmlns="" xmlns:a14="http://schemas.microsoft.com/office/drawing/2010/main" val="0"/>
+                <a14:useLocalDpi xmlns:a14="http://schemas.microsoft.com/office/drawing/2010/main" val="0"/>
               </a:ext>
             </a:extLst>
           </a:blip>
@@ -9909,7 +9828,7 @@
     </p:spTree>
     <p:extLst>
       <p:ext uri="{BB962C8B-B14F-4D97-AF65-F5344CB8AC3E}">
-        <p14:creationId xmlns="" xmlns:p14="http://schemas.microsoft.com/office/powerpoint/2010/main" val="3002669296"/>
+        <p14:creationId xmlns:p14="http://schemas.microsoft.com/office/powerpoint/2010/main" val="3002669296"/>
       </p:ext>
     </p:extLst>
   </p:cSld>
@@ -10283,7 +10202,7 @@
           <p:nvPr>
             <p:extLst>
               <p:ext uri="{D42A27DB-BD31-4B8C-83A1-F6EECF244321}">
-                <p14:modId xmlns="" xmlns:p14="http://schemas.microsoft.com/office/powerpoint/2010/main" val="2581196658"/>
+                <p14:modId xmlns:p14="http://schemas.microsoft.com/office/powerpoint/2010/main" val="2581196658"/>
               </p:ext>
             </p:extLst>
           </p:nvPr>
@@ -10736,7 +10655,7 @@
           <a:blip r:embed="rId3" cstate="print">
             <a:extLst>
               <a:ext uri="{28A0092B-C50C-407E-A947-70E740481C1C}">
-                <a14:useLocalDpi xmlns="" xmlns:a14="http://schemas.microsoft.com/office/drawing/2010/main" val="0"/>
+                <a14:useLocalDpi xmlns:a14="http://schemas.microsoft.com/office/drawing/2010/main" val="0"/>
               </a:ext>
             </a:extLst>
           </a:blip>
@@ -10773,7 +10692,7 @@
           <a:blip r:embed="rId4" cstate="print">
             <a:extLst>
               <a:ext uri="{28A0092B-C50C-407E-A947-70E740481C1C}">
-                <a14:useLocalDpi xmlns="" xmlns:a14="http://schemas.microsoft.com/office/drawing/2010/main" val="0"/>
+                <a14:useLocalDpi xmlns:a14="http://schemas.microsoft.com/office/drawing/2010/main" val="0"/>
               </a:ext>
             </a:extLst>
           </a:blip>
@@ -10800,7 +10719,7 @@
     </p:spTree>
     <p:extLst>
       <p:ext uri="{BB962C8B-B14F-4D97-AF65-F5344CB8AC3E}">
-        <p14:creationId xmlns="" xmlns:p14="http://schemas.microsoft.com/office/powerpoint/2010/main" val="2467643964"/>
+        <p14:creationId xmlns:p14="http://schemas.microsoft.com/office/powerpoint/2010/main" val="2467643964"/>
       </p:ext>
     </p:extLst>
   </p:cSld>
@@ -11174,7 +11093,7 @@
           <p:nvPr>
             <p:extLst>
               <p:ext uri="{D42A27DB-BD31-4B8C-83A1-F6EECF244321}">
-                <p14:modId xmlns="" xmlns:p14="http://schemas.microsoft.com/office/powerpoint/2010/main" val="1631089700"/>
+                <p14:modId xmlns:p14="http://schemas.microsoft.com/office/powerpoint/2010/main" val="1631089700"/>
               </p:ext>
             </p:extLst>
           </p:nvPr>
@@ -11627,7 +11546,7 @@
           <a:blip r:embed="rId3" cstate="print">
             <a:extLst>
               <a:ext uri="{28A0092B-C50C-407E-A947-70E740481C1C}">
-                <a14:useLocalDpi xmlns="" xmlns:a14="http://schemas.microsoft.com/office/drawing/2010/main" val="0"/>
+                <a14:useLocalDpi xmlns:a14="http://schemas.microsoft.com/office/drawing/2010/main" val="0"/>
               </a:ext>
             </a:extLst>
           </a:blip>
@@ -11736,7 +11655,7 @@
           <a:blip r:embed="rId4" cstate="print">
             <a:extLst>
               <a:ext uri="{28A0092B-C50C-407E-A947-70E740481C1C}">
-                <a14:useLocalDpi xmlns="" xmlns:a14="http://schemas.microsoft.com/office/drawing/2010/main" val="0"/>
+                <a14:useLocalDpi xmlns:a14="http://schemas.microsoft.com/office/drawing/2010/main" val="0"/>
               </a:ext>
             </a:extLst>
           </a:blip>
@@ -11763,7 +11682,7 @@
     </p:spTree>
     <p:extLst>
       <p:ext uri="{BB962C8B-B14F-4D97-AF65-F5344CB8AC3E}">
-        <p14:creationId xmlns="" xmlns:p14="http://schemas.microsoft.com/office/powerpoint/2010/main" val="1222208059"/>
+        <p14:creationId xmlns:p14="http://schemas.microsoft.com/office/powerpoint/2010/main" val="1222208059"/>
       </p:ext>
     </p:extLst>
   </p:cSld>
@@ -12137,7 +12056,7 @@
           <p:nvPr>
             <p:extLst>
               <p:ext uri="{D42A27DB-BD31-4B8C-83A1-F6EECF244321}">
-                <p14:modId xmlns="" xmlns:p14="http://schemas.microsoft.com/office/powerpoint/2010/main" val="2661764781"/>
+                <p14:modId xmlns:p14="http://schemas.microsoft.com/office/powerpoint/2010/main" val="2661764781"/>
               </p:ext>
             </p:extLst>
           </p:nvPr>
@@ -12590,7 +12509,7 @@
           <a:blip r:embed="rId3" cstate="print">
             <a:extLst>
               <a:ext uri="{28A0092B-C50C-407E-A947-70E740481C1C}">
-                <a14:useLocalDpi xmlns="" xmlns:a14="http://schemas.microsoft.com/office/drawing/2010/main" val="0"/>
+                <a14:useLocalDpi xmlns:a14="http://schemas.microsoft.com/office/drawing/2010/main" val="0"/>
               </a:ext>
             </a:extLst>
           </a:blip>
@@ -12627,7 +12546,7 @@
           <a:blip r:embed="rId4" cstate="print">
             <a:extLst>
               <a:ext uri="{28A0092B-C50C-407E-A947-70E740481C1C}">
-                <a14:useLocalDpi xmlns="" xmlns:a14="http://schemas.microsoft.com/office/drawing/2010/main" val="0"/>
+                <a14:useLocalDpi xmlns:a14="http://schemas.microsoft.com/office/drawing/2010/main" val="0"/>
               </a:ext>
             </a:extLst>
           </a:blip>
@@ -12654,7 +12573,7 @@
     </p:spTree>
     <p:extLst>
       <p:ext uri="{BB962C8B-B14F-4D97-AF65-F5344CB8AC3E}">
-        <p14:creationId xmlns="" xmlns:p14="http://schemas.microsoft.com/office/powerpoint/2010/main" val="3226142448"/>
+        <p14:creationId xmlns:p14="http://schemas.microsoft.com/office/powerpoint/2010/main" val="3226142448"/>
       </p:ext>
     </p:extLst>
   </p:cSld>
@@ -12672,905 +12591,6 @@
 </file>
 
 <file path=ppt/slides/slide17.xml><?xml version="1.0" encoding="utf-8"?>
-<p:sld xmlns:a="http://schemas.openxmlformats.org/drawingml/2006/main" xmlns:r="http://schemas.openxmlformats.org/officeDocument/2006/relationships" xmlns:p="http://schemas.openxmlformats.org/presentationml/2006/main">
-  <p:cSld>
-    <p:spTree>
-      <p:nvGrpSpPr>
-        <p:cNvPr id="1" name=""/>
-        <p:cNvGrpSpPr/>
-        <p:nvPr/>
-      </p:nvGrpSpPr>
-      <p:grpSpPr>
-        <a:xfrm>
-          <a:off x="0" y="0"/>
-          <a:ext cx="0" cy="0"/>
-          <a:chOff x="0" y="0"/>
-          <a:chExt cx="0" cy="0"/>
-        </a:xfrm>
-      </p:grpSpPr>
-      <p:sp>
-        <p:nvSpPr>
-          <p:cNvPr id="2" name="Title 1"/>
-          <p:cNvSpPr>
-            <a:spLocks noGrp="1"/>
-          </p:cNvSpPr>
-          <p:nvPr>
-            <p:ph type="ctrTitle"/>
-          </p:nvPr>
-        </p:nvSpPr>
-        <p:spPr/>
-        <p:txBody>
-          <a:bodyPr/>
-          <a:lstStyle/>
-          <a:p>
-            <a:r>
-              <a:rPr lang="en-US" dirty="0" smtClean="0"/>
-              <a:t>+</a:t>
-            </a:r>
-            <a:endParaRPr lang="en-US" dirty="0"/>
-          </a:p>
-        </p:txBody>
-      </p:sp>
-      <p:sp>
-        <p:nvSpPr>
-          <p:cNvPr id="3" name="Subtitle 2"/>
-          <p:cNvSpPr>
-            <a:spLocks noGrp="1"/>
-          </p:cNvSpPr>
-          <p:nvPr>
-            <p:ph type="subTitle" idx="1"/>
-          </p:nvPr>
-        </p:nvSpPr>
-        <p:spPr/>
-        <p:txBody>
-          <a:bodyPr/>
-          <a:lstStyle/>
-          <a:p>
-            <a:endParaRPr lang="en-US"/>
-          </a:p>
-        </p:txBody>
-      </p:sp>
-      <p:sp>
-        <p:nvSpPr>
-          <p:cNvPr id="5" name="Rectangle 4"/>
-          <p:cNvSpPr/>
-          <p:nvPr/>
-        </p:nvSpPr>
-        <p:spPr>
-          <a:xfrm>
-            <a:off x="215074" y="152400"/>
-            <a:ext cx="8624126" cy="6477000"/>
-          </a:xfrm>
-          <a:prstGeom prst="rect">
-            <a:avLst/>
-          </a:prstGeom>
-        </p:spPr>
-        <p:style>
-          <a:lnRef idx="3">
-            <a:schemeClr val="lt1"/>
-          </a:lnRef>
-          <a:fillRef idx="1">
-            <a:schemeClr val="accent1"/>
-          </a:fillRef>
-          <a:effectRef idx="1">
-            <a:schemeClr val="accent1"/>
-          </a:effectRef>
-          <a:fontRef idx="minor">
-            <a:schemeClr val="lt1"/>
-          </a:fontRef>
-        </p:style>
-        <p:txBody>
-          <a:bodyPr rtlCol="0" anchor="ctr"/>
-          <a:lstStyle/>
-          <a:p>
-            <a:pPr algn="ctr"/>
-            <a:r>
-              <a:rPr lang="en-US" dirty="0" smtClean="0"/>
-              <a:t>+[[</a:t>
-            </a:r>
-            <a:endParaRPr lang="en-US" dirty="0"/>
-          </a:p>
-        </p:txBody>
-      </p:sp>
-      <p:sp>
-        <p:nvSpPr>
-          <p:cNvPr id="23" name="Content Placeholder 4"/>
-          <p:cNvSpPr txBox="1">
-            <a:spLocks/>
-          </p:cNvSpPr>
-          <p:nvPr/>
-        </p:nvSpPr>
-        <p:spPr>
-          <a:xfrm>
-            <a:off x="3106275" y="304800"/>
-            <a:ext cx="2971800" cy="546191"/>
-          </a:xfrm>
-          <a:prstGeom prst="roundRect">
-            <a:avLst/>
-          </a:prstGeom>
-        </p:spPr>
-        <p:style>
-          <a:lnRef idx="2">
-            <a:schemeClr val="accent3">
-              <a:shade val="50000"/>
-            </a:schemeClr>
-          </a:lnRef>
-          <a:fillRef idx="1">
-            <a:schemeClr val="accent3"/>
-          </a:fillRef>
-          <a:effectRef idx="0">
-            <a:schemeClr val="accent3"/>
-          </a:effectRef>
-          <a:fontRef idx="minor">
-            <a:schemeClr val="lt1"/>
-          </a:fontRef>
-        </p:style>
-        <p:txBody>
-          <a:bodyPr vert="horz" lIns="91440" tIns="45720" rIns="91440" bIns="45720" rtlCol="0" anchor="ctr">
-            <a:normAutofit fontScale="92500" lnSpcReduction="20000"/>
-          </a:bodyPr>
-          <a:lstStyle>
-            <a:lvl1pPr marL="0" indent="0" algn="ctr" defTabSz="914400" rtl="0" eaLnBrk="1" latinLnBrk="0" hangingPunct="1">
-              <a:spcBef>
-                <a:spcPct val="20000"/>
-              </a:spcBef>
-              <a:buFont typeface="Arial" pitchFamily="34" charset="0"/>
-              <a:buNone/>
-              <a:defRPr sz="3200" kern="1200">
-                <a:solidFill>
-                  <a:schemeClr val="tx1">
-                    <a:tint val="75000"/>
-                  </a:schemeClr>
-                </a:solidFill>
-                <a:latin typeface="+mn-lt"/>
-                <a:ea typeface="+mn-ea"/>
-                <a:cs typeface="+mn-cs"/>
-              </a:defRPr>
-            </a:lvl1pPr>
-            <a:lvl2pPr marL="457200" indent="0" algn="ctr" defTabSz="914400" rtl="0" eaLnBrk="1" latinLnBrk="0" hangingPunct="1">
-              <a:spcBef>
-                <a:spcPct val="20000"/>
-              </a:spcBef>
-              <a:buFont typeface="Arial" pitchFamily="34" charset="0"/>
-              <a:buNone/>
-              <a:defRPr sz="2800" kern="1200">
-                <a:solidFill>
-                  <a:schemeClr val="tx1">
-                    <a:tint val="75000"/>
-                  </a:schemeClr>
-                </a:solidFill>
-                <a:latin typeface="+mn-lt"/>
-                <a:ea typeface="+mn-ea"/>
-                <a:cs typeface="+mn-cs"/>
-              </a:defRPr>
-            </a:lvl2pPr>
-            <a:lvl3pPr marL="914400" indent="0" algn="ctr" defTabSz="914400" rtl="0" eaLnBrk="1" latinLnBrk="0" hangingPunct="1">
-              <a:spcBef>
-                <a:spcPct val="20000"/>
-              </a:spcBef>
-              <a:buFont typeface="Arial" pitchFamily="34" charset="0"/>
-              <a:buNone/>
-              <a:defRPr sz="2400" kern="1200">
-                <a:solidFill>
-                  <a:schemeClr val="tx1">
-                    <a:tint val="75000"/>
-                  </a:schemeClr>
-                </a:solidFill>
-                <a:latin typeface="+mn-lt"/>
-                <a:ea typeface="+mn-ea"/>
-                <a:cs typeface="+mn-cs"/>
-              </a:defRPr>
-            </a:lvl3pPr>
-            <a:lvl4pPr marL="1371600" indent="0" algn="ctr" defTabSz="914400" rtl="0" eaLnBrk="1" latinLnBrk="0" hangingPunct="1">
-              <a:spcBef>
-                <a:spcPct val="20000"/>
-              </a:spcBef>
-              <a:buFont typeface="Arial" pitchFamily="34" charset="0"/>
-              <a:buNone/>
-              <a:defRPr sz="2000" kern="1200">
-                <a:solidFill>
-                  <a:schemeClr val="tx1">
-                    <a:tint val="75000"/>
-                  </a:schemeClr>
-                </a:solidFill>
-                <a:latin typeface="+mn-lt"/>
-                <a:ea typeface="+mn-ea"/>
-                <a:cs typeface="+mn-cs"/>
-              </a:defRPr>
-            </a:lvl4pPr>
-            <a:lvl5pPr marL="1828800" indent="0" algn="ctr" defTabSz="914400" rtl="0" eaLnBrk="1" latinLnBrk="0" hangingPunct="1">
-              <a:spcBef>
-                <a:spcPct val="20000"/>
-              </a:spcBef>
-              <a:buFont typeface="Arial" pitchFamily="34" charset="0"/>
-              <a:buNone/>
-              <a:defRPr sz="2000" kern="1200">
-                <a:solidFill>
-                  <a:schemeClr val="tx1">
-                    <a:tint val="75000"/>
-                  </a:schemeClr>
-                </a:solidFill>
-                <a:latin typeface="+mn-lt"/>
-                <a:ea typeface="+mn-ea"/>
-                <a:cs typeface="+mn-cs"/>
-              </a:defRPr>
-            </a:lvl5pPr>
-            <a:lvl6pPr marL="2286000" indent="0" algn="ctr" defTabSz="914400" rtl="0" eaLnBrk="1" latinLnBrk="0" hangingPunct="1">
-              <a:spcBef>
-                <a:spcPct val="20000"/>
-              </a:spcBef>
-              <a:buFont typeface="Arial" pitchFamily="34" charset="0"/>
-              <a:buNone/>
-              <a:defRPr sz="2000" kern="1200">
-                <a:solidFill>
-                  <a:schemeClr val="tx1">
-                    <a:tint val="75000"/>
-                  </a:schemeClr>
-                </a:solidFill>
-                <a:latin typeface="+mn-lt"/>
-                <a:ea typeface="+mn-ea"/>
-                <a:cs typeface="+mn-cs"/>
-              </a:defRPr>
-            </a:lvl6pPr>
-            <a:lvl7pPr marL="2743200" indent="0" algn="ctr" defTabSz="914400" rtl="0" eaLnBrk="1" latinLnBrk="0" hangingPunct="1">
-              <a:spcBef>
-                <a:spcPct val="20000"/>
-              </a:spcBef>
-              <a:buFont typeface="Arial" pitchFamily="34" charset="0"/>
-              <a:buNone/>
-              <a:defRPr sz="2000" kern="1200">
-                <a:solidFill>
-                  <a:schemeClr val="tx1">
-                    <a:tint val="75000"/>
-                  </a:schemeClr>
-                </a:solidFill>
-                <a:latin typeface="+mn-lt"/>
-                <a:ea typeface="+mn-ea"/>
-                <a:cs typeface="+mn-cs"/>
-              </a:defRPr>
-            </a:lvl7pPr>
-            <a:lvl8pPr marL="3200400" indent="0" algn="ctr" defTabSz="914400" rtl="0" eaLnBrk="1" latinLnBrk="0" hangingPunct="1">
-              <a:spcBef>
-                <a:spcPct val="20000"/>
-              </a:spcBef>
-              <a:buFont typeface="Arial" pitchFamily="34" charset="0"/>
-              <a:buNone/>
-              <a:defRPr sz="2000" kern="1200">
-                <a:solidFill>
-                  <a:schemeClr val="tx1">
-                    <a:tint val="75000"/>
-                  </a:schemeClr>
-                </a:solidFill>
-                <a:latin typeface="+mn-lt"/>
-                <a:ea typeface="+mn-ea"/>
-                <a:cs typeface="+mn-cs"/>
-              </a:defRPr>
-            </a:lvl8pPr>
-            <a:lvl9pPr marL="3657600" indent="0" algn="ctr" defTabSz="914400" rtl="0" eaLnBrk="1" latinLnBrk="0" hangingPunct="1">
-              <a:spcBef>
-                <a:spcPct val="20000"/>
-              </a:spcBef>
-              <a:buFont typeface="Arial" pitchFamily="34" charset="0"/>
-              <a:buNone/>
-              <a:defRPr sz="2000" kern="1200">
-                <a:solidFill>
-                  <a:schemeClr val="tx1">
-                    <a:tint val="75000"/>
-                  </a:schemeClr>
-                </a:solidFill>
-                <a:latin typeface="+mn-lt"/>
-                <a:ea typeface="+mn-ea"/>
-                <a:cs typeface="+mn-cs"/>
-              </a:defRPr>
-            </a:lvl9pPr>
-          </a:lstStyle>
-          <a:p>
-            <a:r>
-              <a:rPr lang="en-US" dirty="0" smtClean="0">
-                <a:solidFill>
-                  <a:schemeClr val="tx1"/>
-                </a:solidFill>
-              </a:rPr>
-              <a:t>Hit Count </a:t>
-            </a:r>
-            <a:r>
-              <a:rPr lang="en-US" dirty="0" smtClean="0">
-                <a:solidFill>
-                  <a:schemeClr val="tx1"/>
-                </a:solidFill>
-              </a:rPr>
-              <a:t>Table</a:t>
-            </a:r>
-            <a:endParaRPr lang="en-US" dirty="0">
-              <a:solidFill>
-                <a:schemeClr val="tx1"/>
-              </a:solidFill>
-            </a:endParaRPr>
-          </a:p>
-        </p:txBody>
-      </p:sp>
-      <p:sp>
-        <p:nvSpPr>
-          <p:cNvPr id="11" name="TextBox 10"/>
-          <p:cNvSpPr txBox="1"/>
-          <p:nvPr/>
-        </p:nvSpPr>
-        <p:spPr>
-          <a:xfrm>
-            <a:off x="6236677" y="6139934"/>
-            <a:ext cx="2170787" cy="369332"/>
-          </a:xfrm>
-          <a:prstGeom prst="rect">
-            <a:avLst/>
-          </a:prstGeom>
-          <a:noFill/>
-        </p:spPr>
-        <p:txBody>
-          <a:bodyPr wrap="none" rtlCol="0">
-            <a:spAutoFit/>
-          </a:bodyPr>
-          <a:lstStyle/>
-          <a:p>
-            <a:r>
-              <a:rPr lang="en-US" u="sng" dirty="0" smtClean="0">
-                <a:solidFill>
-                  <a:schemeClr val="tx2"/>
-                </a:solidFill>
-              </a:rPr>
-              <a:t>1 2 3 4 5 6 7 8…20 21</a:t>
-            </a:r>
-            <a:endParaRPr lang="en-US" u="sng" dirty="0">
-              <a:solidFill>
-                <a:schemeClr val="tx2"/>
-              </a:solidFill>
-            </a:endParaRPr>
-          </a:p>
-        </p:txBody>
-      </p:sp>
-      <p:graphicFrame>
-        <p:nvGraphicFramePr>
-          <p:cNvPr id="13" name="Table 12"/>
-          <p:cNvGraphicFramePr>
-            <a:graphicFrameLocks noGrp="1"/>
-          </p:cNvGraphicFramePr>
-          <p:nvPr>
-            <p:extLst>
-              <p:ext uri="{D42A27DB-BD31-4B8C-83A1-F6EECF244321}">
-                <p14:modId xmlns="" xmlns:p14="http://schemas.microsoft.com/office/powerpoint/2010/main" val="939224728"/>
-              </p:ext>
-            </p:extLst>
-          </p:nvPr>
-        </p:nvGraphicFramePr>
-        <p:xfrm>
-          <a:off x="533400" y="1219199"/>
-          <a:ext cx="8077200" cy="4876798"/>
-        </p:xfrm>
-        <a:graphic>
-          <a:graphicData uri="http://schemas.openxmlformats.org/drawingml/2006/table">
-            <a:tbl>
-              <a:tblPr firstRow="1" bandRow="1">
-                <a:tableStyleId>{7DF18680-E054-41AD-8BC1-D1AEF772440D}</a:tableStyleId>
-              </a:tblPr>
-              <a:tblGrid>
-                <a:gridCol w="4114800"/>
-                <a:gridCol w="3962400"/>
-              </a:tblGrid>
-              <a:tr h="440622">
-                <a:tc>
-                  <a:txBody>
-                    <a:bodyPr/>
-                    <a:lstStyle/>
-                    <a:p>
-                      <a:r>
-                        <a:rPr lang="en-US" sz="2000" dirty="0" smtClean="0"/>
-                        <a:t>Number of publication</a:t>
-                      </a:r>
-                      <a:endParaRPr lang="en-US" sz="2000" dirty="0"/>
-                    </a:p>
-                  </a:txBody>
-                  <a:tcPr/>
-                </a:tc>
-                <a:tc>
-                  <a:txBody>
-                    <a:bodyPr/>
-                    <a:lstStyle/>
-                    <a:p>
-                      <a:r>
-                        <a:rPr lang="en-US" sz="2000" dirty="0" smtClean="0"/>
-                        <a:t>Protein</a:t>
-                      </a:r>
-                      <a:r>
-                        <a:rPr lang="en-US" sz="2000" baseline="0" dirty="0" smtClean="0"/>
-                        <a:t> </a:t>
-                      </a:r>
-                      <a:endParaRPr lang="en-US" sz="2000" dirty="0"/>
-                    </a:p>
-                  </a:txBody>
-                  <a:tcPr/>
-                </a:tc>
-              </a:tr>
-              <a:tr h="436345">
-                <a:tc>
-                  <a:txBody>
-                    <a:bodyPr/>
-                    <a:lstStyle/>
-                    <a:p>
-                      <a:r>
-                        <a:rPr lang="en-US" sz="1800" b="1" i="0" u="sng" kern="1200" dirty="0" smtClean="0">
-                          <a:solidFill>
-                            <a:schemeClr val="accent2"/>
-                          </a:solidFill>
-                          <a:effectLst/>
-                          <a:latin typeface="+mn-lt"/>
-                          <a:ea typeface="+mn-ea"/>
-                          <a:cs typeface="+mn-cs"/>
-                        </a:rPr>
-                        <a:t>13311994</a:t>
-                      </a:r>
-                      <a:endParaRPr lang="en-US" sz="2000" b="1" u="sng" dirty="0">
-                        <a:solidFill>
-                          <a:schemeClr val="accent2"/>
-                        </a:solidFill>
-                      </a:endParaRPr>
-                    </a:p>
-                  </a:txBody>
-                  <a:tcPr/>
-                </a:tc>
-                <a:tc>
-                  <a:txBody>
-                    <a:bodyPr/>
-                    <a:lstStyle/>
-                    <a:p>
-                      <a:r>
-                        <a:rPr lang="en-US" sz="2000" dirty="0" smtClean="0"/>
-                        <a:t>PRRT3</a:t>
-                      </a:r>
-                      <a:endParaRPr lang="en-US" sz="2000" dirty="0"/>
-                    </a:p>
-                  </a:txBody>
-                  <a:tcPr/>
-                </a:tc>
-              </a:tr>
-              <a:tr h="436345">
-                <a:tc>
-                  <a:txBody>
-                    <a:bodyPr/>
-                    <a:lstStyle/>
-                    <a:p>
-                      <a:r>
-                        <a:rPr lang="en-US" sz="2000" b="1" u="sng" dirty="0" smtClean="0">
-                          <a:solidFill>
-                            <a:schemeClr val="accent2"/>
-                          </a:solidFill>
-                        </a:rPr>
-                        <a:t>15</a:t>
-                      </a:r>
-                      <a:endParaRPr lang="en-US" sz="2000" b="1" u="sng" dirty="0">
-                        <a:solidFill>
-                          <a:schemeClr val="accent2"/>
-                        </a:solidFill>
-                      </a:endParaRPr>
-                    </a:p>
-                  </a:txBody>
-                  <a:tcPr/>
-                </a:tc>
-                <a:tc>
-                  <a:txBody>
-                    <a:bodyPr/>
-                    <a:lstStyle/>
-                    <a:p>
-                      <a:r>
-                        <a:rPr lang="en-US" sz="2000" dirty="0" smtClean="0"/>
-                        <a:t>LYNX1</a:t>
-                      </a:r>
-                      <a:endParaRPr lang="en-US" sz="2000" dirty="0"/>
-                    </a:p>
-                  </a:txBody>
-                  <a:tcPr/>
-                </a:tc>
-              </a:tr>
-              <a:tr h="509071">
-                <a:tc>
-                  <a:txBody>
-                    <a:bodyPr/>
-                    <a:lstStyle/>
-                    <a:p>
-                      <a:r>
-                        <a:rPr lang="en-US" sz="2000" b="1" u="sng" dirty="0" smtClean="0">
-                          <a:solidFill>
-                            <a:schemeClr val="accent2"/>
-                          </a:solidFill>
-                        </a:rPr>
-                        <a:t>6</a:t>
-                      </a:r>
-                      <a:endParaRPr lang="en-US" sz="2000" b="1" u="sng" dirty="0">
-                        <a:solidFill>
-                          <a:schemeClr val="accent2"/>
-                        </a:solidFill>
-                      </a:endParaRPr>
-                    </a:p>
-                  </a:txBody>
-                  <a:tcPr/>
-                </a:tc>
-                <a:tc>
-                  <a:txBody>
-                    <a:bodyPr/>
-                    <a:lstStyle/>
-                    <a:p>
-                      <a:r>
-                        <a:rPr lang="en-US" sz="2000" dirty="0" smtClean="0"/>
-                        <a:t>ST6GAL2</a:t>
-                      </a:r>
-                      <a:endParaRPr lang="en-US" sz="2000" dirty="0"/>
-                    </a:p>
-                  </a:txBody>
-                  <a:tcPr/>
-                </a:tc>
-              </a:tr>
-              <a:tr h="436345">
-                <a:tc>
-                  <a:txBody>
-                    <a:bodyPr/>
-                    <a:lstStyle/>
-                    <a:p>
-                      <a:r>
-                        <a:rPr lang="en-US" sz="2000" b="1" u="sng" dirty="0" smtClean="0">
-                          <a:solidFill>
-                            <a:schemeClr val="accent2"/>
-                          </a:solidFill>
-                        </a:rPr>
-                        <a:t>45</a:t>
-                      </a:r>
-                      <a:endParaRPr lang="en-US" sz="2000" b="1" u="sng" dirty="0">
-                        <a:solidFill>
-                          <a:schemeClr val="accent2"/>
-                        </a:solidFill>
-                      </a:endParaRPr>
-                    </a:p>
-                  </a:txBody>
-                  <a:tcPr/>
-                </a:tc>
-                <a:tc>
-                  <a:txBody>
-                    <a:bodyPr/>
-                    <a:lstStyle/>
-                    <a:p>
-                      <a:r>
-                        <a:rPr lang="en-US" sz="2000" dirty="0" smtClean="0"/>
-                        <a:t>CSPG4</a:t>
-                      </a:r>
-                      <a:endParaRPr lang="en-US" sz="2000" dirty="0"/>
-                    </a:p>
-                  </a:txBody>
-                  <a:tcPr/>
-                </a:tc>
-              </a:tr>
-              <a:tr h="436345">
-                <a:tc>
-                  <a:txBody>
-                    <a:bodyPr/>
-                    <a:lstStyle/>
-                    <a:p>
-                      <a:r>
-                        <a:rPr lang="en-US" sz="2000" b="1" u="sng" dirty="0" smtClean="0">
-                          <a:solidFill>
-                            <a:schemeClr val="accent2"/>
-                          </a:solidFill>
-                        </a:rPr>
-                        <a:t>11</a:t>
-                      </a:r>
-                      <a:endParaRPr lang="en-US" sz="2000" b="1" u="sng" dirty="0">
-                        <a:solidFill>
-                          <a:schemeClr val="accent2"/>
-                        </a:solidFill>
-                      </a:endParaRPr>
-                    </a:p>
-                  </a:txBody>
-                  <a:tcPr/>
-                </a:tc>
-                <a:tc>
-                  <a:txBody>
-                    <a:bodyPr/>
-                    <a:lstStyle/>
-                    <a:p>
-                      <a:r>
-                        <a:rPr lang="en-US" sz="2000" dirty="0" smtClean="0"/>
-                        <a:t>XYLT2</a:t>
-                      </a:r>
-                      <a:endParaRPr lang="en-US" sz="2000" dirty="0"/>
-                    </a:p>
-                  </a:txBody>
-                  <a:tcPr/>
-                </a:tc>
-              </a:tr>
-              <a:tr h="436345">
-                <a:tc>
-                  <a:txBody>
-                    <a:bodyPr/>
-                    <a:lstStyle/>
-                    <a:p>
-                      <a:r>
-                        <a:rPr lang="en-US" sz="2000" b="1" u="sng" dirty="0" smtClean="0">
-                          <a:solidFill>
-                            <a:schemeClr val="accent2"/>
-                          </a:solidFill>
-                        </a:rPr>
-                        <a:t>27943</a:t>
-                      </a:r>
-                      <a:endParaRPr lang="en-US" sz="2000" b="1" u="sng" dirty="0">
-                        <a:solidFill>
-                          <a:schemeClr val="accent2"/>
-                        </a:solidFill>
-                      </a:endParaRPr>
-                    </a:p>
-                  </a:txBody>
-                  <a:tcPr/>
-                </a:tc>
-                <a:tc>
-                  <a:txBody>
-                    <a:bodyPr/>
-                    <a:lstStyle/>
-                    <a:p>
-                      <a:r>
-                        <a:rPr lang="en-US" sz="2000" dirty="0" smtClean="0"/>
-                        <a:t>MB</a:t>
-                      </a:r>
-                      <a:endParaRPr lang="en-US" sz="2000" dirty="0"/>
-                    </a:p>
-                  </a:txBody>
-                  <a:tcPr/>
-                </a:tc>
-              </a:tr>
-              <a:tr h="436345">
-                <a:tc>
-                  <a:txBody>
-                    <a:bodyPr/>
-                    <a:lstStyle/>
-                    <a:p>
-                      <a:r>
-                        <a:rPr lang="en-US" sz="2000" b="1" u="sng" dirty="0" smtClean="0">
-                          <a:solidFill>
-                            <a:schemeClr val="accent2"/>
-                          </a:solidFill>
-                        </a:rPr>
-                        <a:t>224</a:t>
-                      </a:r>
-                      <a:endParaRPr lang="en-US" sz="2000" b="1" u="sng" dirty="0">
-                        <a:solidFill>
-                          <a:schemeClr val="accent2"/>
-                        </a:solidFill>
-                      </a:endParaRPr>
-                    </a:p>
-                  </a:txBody>
-                  <a:tcPr/>
-                </a:tc>
-                <a:tc>
-                  <a:txBody>
-                    <a:bodyPr/>
-                    <a:lstStyle/>
-                    <a:p>
-                      <a:r>
-                        <a:rPr lang="en-US" sz="2000" dirty="0" smtClean="0"/>
-                        <a:t>CXCL16</a:t>
-                      </a:r>
-                      <a:endParaRPr lang="en-US" sz="2000" dirty="0"/>
-                    </a:p>
-                  </a:txBody>
-                  <a:tcPr/>
-                </a:tc>
-              </a:tr>
-              <a:tr h="436345">
-                <a:tc>
-                  <a:txBody>
-                    <a:bodyPr/>
-                    <a:lstStyle/>
-                    <a:p>
-                      <a:r>
-                        <a:rPr lang="en-US" sz="2000" b="1" u="sng" dirty="0" smtClean="0">
-                          <a:solidFill>
-                            <a:schemeClr val="accent2"/>
-                          </a:solidFill>
-                        </a:rPr>
-                        <a:t>43</a:t>
-                      </a:r>
-                      <a:endParaRPr lang="en-US" sz="2000" b="1" u="sng" dirty="0">
-                        <a:solidFill>
-                          <a:schemeClr val="accent2"/>
-                        </a:solidFill>
-                      </a:endParaRPr>
-                    </a:p>
-                  </a:txBody>
-                  <a:tcPr/>
-                </a:tc>
-                <a:tc>
-                  <a:txBody>
-                    <a:bodyPr/>
-                    <a:lstStyle/>
-                    <a:p>
-                      <a:r>
-                        <a:rPr lang="en-US" sz="2000" dirty="0" smtClean="0"/>
-                        <a:t>IGFALS</a:t>
-                      </a:r>
-                      <a:endParaRPr lang="en-US" sz="2000" dirty="0"/>
-                    </a:p>
-                  </a:txBody>
-                  <a:tcPr/>
-                </a:tc>
-              </a:tr>
-              <a:tr h="436345">
-                <a:tc>
-                  <a:txBody>
-                    <a:bodyPr/>
-                    <a:lstStyle/>
-                    <a:p>
-                      <a:r>
-                        <a:rPr lang="en-US" sz="2000" b="1" u="sng" dirty="0" smtClean="0">
-                          <a:solidFill>
-                            <a:schemeClr val="accent2"/>
-                          </a:solidFill>
-                        </a:rPr>
-                        <a:t>21</a:t>
-                      </a:r>
-                      <a:endParaRPr lang="en-US" sz="2000" b="1" u="sng" dirty="0">
-                        <a:solidFill>
-                          <a:schemeClr val="accent2"/>
-                        </a:solidFill>
-                      </a:endParaRPr>
-                    </a:p>
-                  </a:txBody>
-                  <a:tcPr/>
-                </a:tc>
-                <a:tc>
-                  <a:txBody>
-                    <a:bodyPr/>
-                    <a:lstStyle/>
-                    <a:p>
-                      <a:r>
-                        <a:rPr lang="en-US" sz="2000" dirty="0" smtClean="0"/>
-                        <a:t>SPRN</a:t>
-                      </a:r>
-                      <a:endParaRPr lang="en-US" sz="2000" dirty="0"/>
-                    </a:p>
-                  </a:txBody>
-                  <a:tcPr/>
-                </a:tc>
-              </a:tr>
-              <a:tr h="436345">
-                <a:tc>
-                  <a:txBody>
-                    <a:bodyPr/>
-                    <a:lstStyle/>
-                    <a:p>
-                      <a:r>
-                        <a:rPr lang="en-US" sz="2000" b="1" u="sng" dirty="0" smtClean="0">
-                          <a:solidFill>
-                            <a:schemeClr val="accent2"/>
-                          </a:solidFill>
-                        </a:rPr>
-                        <a:t>1</a:t>
-                      </a:r>
-                      <a:endParaRPr lang="en-US" sz="2000" b="1" u="sng" dirty="0">
-                        <a:solidFill>
-                          <a:schemeClr val="accent2"/>
-                        </a:solidFill>
-                      </a:endParaRPr>
-                    </a:p>
-                  </a:txBody>
-                  <a:tcPr/>
-                </a:tc>
-                <a:tc>
-                  <a:txBody>
-                    <a:bodyPr/>
-                    <a:lstStyle/>
-                    <a:p>
-                      <a:r>
-                        <a:rPr lang="en-US" sz="2000" dirty="0" smtClean="0"/>
-                        <a:t>VSTM2B</a:t>
-                      </a:r>
-                      <a:endParaRPr lang="en-US" sz="2000" dirty="0"/>
-                    </a:p>
-                  </a:txBody>
-                  <a:tcPr/>
-                </a:tc>
-              </a:tr>
-            </a:tbl>
-          </a:graphicData>
-        </a:graphic>
-      </p:graphicFrame>
-      <p:pic>
-        <p:nvPicPr>
-          <p:cNvPr id="17" name="Picture 5"/>
-          <p:cNvPicPr>
-            <a:picLocks noChangeAspect="1" noChangeArrowheads="1"/>
-          </p:cNvPicPr>
-          <p:nvPr/>
-        </p:nvPicPr>
-        <p:blipFill>
-          <a:blip r:embed="rId3" cstate="print">
-            <a:extLst>
-              <a:ext uri="{28A0092B-C50C-407E-A947-70E740481C1C}">
-                <a14:useLocalDpi xmlns="" xmlns:a14="http://schemas.microsoft.com/office/drawing/2010/main" val="0"/>
-              </a:ext>
-            </a:extLst>
-          </a:blip>
-          <a:srcRect/>
-          <a:stretch>
-            <a:fillRect/>
-          </a:stretch>
-        </p:blipFill>
-        <p:spPr bwMode="auto">
-          <a:xfrm>
-            <a:off x="3505200" y="6011228"/>
-            <a:ext cx="552724" cy="536166"/>
-          </a:xfrm>
-          <a:prstGeom prst="rect">
-            <a:avLst/>
-          </a:prstGeom>
-          <a:solidFill>
-            <a:schemeClr val="accent1"/>
-          </a:solidFill>
-          <a:ln>
-            <a:noFill/>
-          </a:ln>
-        </p:spPr>
-      </p:pic>
-      <p:pic>
-        <p:nvPicPr>
-          <p:cNvPr id="12" name="Picture 11"/>
-          <p:cNvPicPr>
-            <a:picLocks noChangeAspect="1"/>
-          </p:cNvPicPr>
-          <p:nvPr/>
-        </p:nvPicPr>
-        <p:blipFill>
-          <a:blip r:embed="rId4" cstate="print">
-            <a:extLst>
-              <a:ext uri="{28A0092B-C50C-407E-A947-70E740481C1C}">
-                <a14:useLocalDpi xmlns="" xmlns:a14="http://schemas.microsoft.com/office/drawing/2010/main" val="0"/>
-              </a:ext>
-            </a:extLst>
-          </a:blip>
-          <a:stretch>
-            <a:fillRect/>
-          </a:stretch>
-        </p:blipFill>
-        <p:spPr>
-          <a:xfrm>
-            <a:off x="7772400" y="304800"/>
-            <a:ext cx="784073" cy="784073"/>
-          </a:xfrm>
-          <a:prstGeom prst="rect">
-            <a:avLst/>
-          </a:prstGeom>
-          <a:ln>
-            <a:noFill/>
-          </a:ln>
-          <a:effectLst>
-            <a:softEdge rad="112500"/>
-          </a:effectLst>
-        </p:spPr>
-      </p:pic>
-    </p:spTree>
-    <p:extLst>
-      <p:ext uri="{BB962C8B-B14F-4D97-AF65-F5344CB8AC3E}">
-        <p14:creationId xmlns="" xmlns:p14="http://schemas.microsoft.com/office/powerpoint/2010/main" val="237558006"/>
-      </p:ext>
-    </p:extLst>
-  </p:cSld>
-  <p:clrMapOvr>
-    <a:masterClrMapping/>
-  </p:clrMapOvr>
-  <p:timing>
-    <p:tnLst>
-      <p:par>
-        <p:cTn id="1" dur="indefinite" restart="never" nodeType="tmRoot"/>
-      </p:par>
-    </p:tnLst>
-  </p:timing>
-</p:sld>
-</file>
-
-<file path=ppt/slides/slide18.xml><?xml version="1.0" encoding="utf-8"?>
 <p:sld xmlns:a="http://schemas.openxmlformats.org/drawingml/2006/main" xmlns:r="http://schemas.openxmlformats.org/officeDocument/2006/relationships" xmlns:p="http://schemas.openxmlformats.org/presentationml/2006/main">
   <p:cSld>
     <p:spTree>
@@ -13920,21 +12940,21 @@
       </p:sp>
       <p:graphicFrame>
         <p:nvGraphicFramePr>
-          <p:cNvPr id="17" name="Table 16"/>
+          <p:cNvPr id="13" name="Table 12"/>
           <p:cNvGraphicFramePr>
             <a:graphicFrameLocks noGrp="1"/>
           </p:cNvGraphicFramePr>
           <p:nvPr>
             <p:extLst>
               <p:ext uri="{D42A27DB-BD31-4B8C-83A1-F6EECF244321}">
-                <p14:modId xmlns="" xmlns:p14="http://schemas.microsoft.com/office/powerpoint/2010/main" val="3042752149"/>
+                <p14:modId xmlns:p14="http://schemas.microsoft.com/office/powerpoint/2010/main" val="939224728"/>
               </p:ext>
             </p:extLst>
           </p:nvPr>
         </p:nvGraphicFramePr>
         <p:xfrm>
-          <a:off x="533400" y="1219199"/>
-          <a:ext cx="8077200" cy="4876798"/>
+          <a:off x="533400" y="1040121"/>
+          <a:ext cx="8077200" cy="5055878"/>
         </p:xfrm>
         <a:graphic>
           <a:graphicData uri="http://schemas.openxmlformats.org/drawingml/2006/table">
@@ -13946,7 +12966,7 @@
                 <a:gridCol w="4114800"/>
                 <a:gridCol w="3962400"/>
               </a:tblGrid>
-              <a:tr h="440622">
+              <a:tr h="456802">
                 <a:tc>
                   <a:txBody>
                     <a:bodyPr/>
@@ -13980,7 +13000,7 @@
                   <a:tcPr/>
                 </a:tc>
               </a:tr>
-              <a:tr h="436345">
+              <a:tr h="452368">
                 <a:tc>
                   <a:txBody>
                     <a:bodyPr/>
@@ -14022,7 +13042,7 @@
                   <a:tcPr/>
                 </a:tc>
               </a:tr>
-              <a:tr h="436345">
+              <a:tr h="452368">
                 <a:tc>
                   <a:txBody>
                     <a:bodyPr/>
@@ -14060,7 +13080,7 @@
                   <a:tcPr/>
                 </a:tc>
               </a:tr>
-              <a:tr h="509071">
+              <a:tr h="527764">
                 <a:tc>
                   <a:txBody>
                     <a:bodyPr/>
@@ -14098,7 +13118,7 @@
                   <a:tcPr/>
                 </a:tc>
               </a:tr>
-              <a:tr h="436345">
+              <a:tr h="452368">
                 <a:tc>
                   <a:txBody>
                     <a:bodyPr/>
@@ -14136,7 +13156,7 @@
                   <a:tcPr/>
                 </a:tc>
               </a:tr>
-              <a:tr h="436345">
+              <a:tr h="452368">
                 <a:tc>
                   <a:txBody>
                     <a:bodyPr/>
@@ -14174,7 +13194,7 @@
                   <a:tcPr/>
                 </a:tc>
               </a:tr>
-              <a:tr h="436345">
+              <a:tr h="452368">
                 <a:tc>
                   <a:txBody>
                     <a:bodyPr/>
@@ -14212,7 +13232,7 @@
                   <a:tcPr/>
                 </a:tc>
               </a:tr>
-              <a:tr h="436345">
+              <a:tr h="452368">
                 <a:tc>
                   <a:txBody>
                     <a:bodyPr/>
@@ -14250,7 +13270,7 @@
                   <a:tcPr/>
                 </a:tc>
               </a:tr>
-              <a:tr h="436345">
+              <a:tr h="452368">
                 <a:tc>
                   <a:txBody>
                     <a:bodyPr/>
@@ -14288,7 +13308,7 @@
                   <a:tcPr/>
                 </a:tc>
               </a:tr>
-              <a:tr h="436345">
+              <a:tr h="452368">
                 <a:tc>
                   <a:txBody>
                     <a:bodyPr/>
@@ -14326,7 +13346,7 @@
                   <a:tcPr/>
                 </a:tc>
               </a:tr>
-              <a:tr h="436345">
+              <a:tr h="452368">
                 <a:tc>
                   <a:txBody>
                     <a:bodyPr/>
@@ -14370,7 +13390,7 @@
       </p:graphicFrame>
       <p:pic>
         <p:nvPicPr>
-          <p:cNvPr id="13" name="Picture 5"/>
+          <p:cNvPr id="17" name="Picture 5"/>
           <p:cNvPicPr>
             <a:picLocks noChangeAspect="1" noChangeArrowheads="1"/>
           </p:cNvPicPr>
@@ -14380,7 +13400,7 @@
           <a:blip r:embed="rId3" cstate="print">
             <a:extLst>
               <a:ext uri="{28A0092B-C50C-407E-A947-70E740481C1C}">
-                <a14:useLocalDpi xmlns="" xmlns:a14="http://schemas.microsoft.com/office/drawing/2010/main" val="0"/>
+                <a14:useLocalDpi xmlns:a14="http://schemas.microsoft.com/office/drawing/2010/main" val="0"/>
               </a:ext>
             </a:extLst>
           </a:blip>
@@ -14391,7 +13411,7 @@
         </p:blipFill>
         <p:spPr bwMode="auto">
           <a:xfrm>
-            <a:off x="752338" y="3122817"/>
+            <a:off x="3505200" y="6011228"/>
             <a:ext cx="552724" cy="536166"/>
           </a:xfrm>
           <a:prstGeom prst="rect">
@@ -14417,7 +13437,7 @@
           <a:blip r:embed="rId4" cstate="print">
             <a:extLst>
               <a:ext uri="{28A0092B-C50C-407E-A947-70E740481C1C}">
-                <a14:useLocalDpi xmlns="" xmlns:a14="http://schemas.microsoft.com/office/drawing/2010/main" val="0"/>
+                <a14:useLocalDpi xmlns:a14="http://schemas.microsoft.com/office/drawing/2010/main" val="0"/>
               </a:ext>
             </a:extLst>
           </a:blip>
@@ -14427,7 +13447,7 @@
         </p:blipFill>
         <p:spPr>
           <a:xfrm>
-            <a:off x="7772400" y="304800"/>
+            <a:off x="7660240" y="306551"/>
             <a:ext cx="784073" cy="784073"/>
           </a:xfrm>
           <a:prstGeom prst="rect">
@@ -14444,7 +13464,7 @@
     </p:spTree>
     <p:extLst>
       <p:ext uri="{BB962C8B-B14F-4D97-AF65-F5344CB8AC3E}">
-        <p14:creationId xmlns="" xmlns:p14="http://schemas.microsoft.com/office/powerpoint/2010/main" val="4105341119"/>
+        <p14:creationId xmlns:p14="http://schemas.microsoft.com/office/powerpoint/2010/main" val="237558006"/>
       </p:ext>
     </p:extLst>
   </p:cSld>
@@ -14461,7 +13481,7 @@
 </p:sld>
 </file>
 
-<file path=ppt/slides/slide19.xml><?xml version="1.0" encoding="utf-8"?>
+<file path=ppt/slides/slide18.xml><?xml version="1.0" encoding="utf-8"?>
 <p:sld xmlns:a="http://schemas.openxmlformats.org/drawingml/2006/main" xmlns:r="http://schemas.openxmlformats.org/officeDocument/2006/relationships" xmlns:p="http://schemas.openxmlformats.org/presentationml/2006/main">
   <p:cSld>
     <p:spTree>
@@ -14811,14 +13831,14 @@
       </p:sp>
       <p:graphicFrame>
         <p:nvGraphicFramePr>
-          <p:cNvPr id="20" name="Table 19"/>
+          <p:cNvPr id="17" name="Table 16"/>
           <p:cNvGraphicFramePr>
             <a:graphicFrameLocks noGrp="1"/>
           </p:cNvGraphicFramePr>
           <p:nvPr>
             <p:extLst>
               <p:ext uri="{D42A27DB-BD31-4B8C-83A1-F6EECF244321}">
-                <p14:modId xmlns="" xmlns:p14="http://schemas.microsoft.com/office/powerpoint/2010/main" val="1078470720"/>
+                <p14:modId xmlns:p14="http://schemas.microsoft.com/office/powerpoint/2010/main" val="3042752149"/>
               </p:ext>
             </p:extLst>
           </p:nvPr>
@@ -15271,7 +14291,898 @@
           <a:blip r:embed="rId3" cstate="print">
             <a:extLst>
               <a:ext uri="{28A0092B-C50C-407E-A947-70E740481C1C}">
-                <a14:useLocalDpi xmlns="" xmlns:a14="http://schemas.microsoft.com/office/drawing/2010/main" val="0"/>
+                <a14:useLocalDpi xmlns:a14="http://schemas.microsoft.com/office/drawing/2010/main" val="0"/>
+              </a:ext>
+            </a:extLst>
+          </a:blip>
+          <a:srcRect/>
+          <a:stretch>
+            <a:fillRect/>
+          </a:stretch>
+        </p:blipFill>
+        <p:spPr bwMode="auto">
+          <a:xfrm>
+            <a:off x="752338" y="3122817"/>
+            <a:ext cx="552724" cy="536166"/>
+          </a:xfrm>
+          <a:prstGeom prst="rect">
+            <a:avLst/>
+          </a:prstGeom>
+          <a:solidFill>
+            <a:schemeClr val="accent1"/>
+          </a:solidFill>
+          <a:ln>
+            <a:noFill/>
+          </a:ln>
+        </p:spPr>
+      </p:pic>
+      <p:pic>
+        <p:nvPicPr>
+          <p:cNvPr id="12" name="Picture 11"/>
+          <p:cNvPicPr>
+            <a:picLocks noChangeAspect="1"/>
+          </p:cNvPicPr>
+          <p:nvPr/>
+        </p:nvPicPr>
+        <p:blipFill>
+          <a:blip r:embed="rId4" cstate="print">
+            <a:extLst>
+              <a:ext uri="{28A0092B-C50C-407E-A947-70E740481C1C}">
+                <a14:useLocalDpi xmlns:a14="http://schemas.microsoft.com/office/drawing/2010/main" val="0"/>
+              </a:ext>
+            </a:extLst>
+          </a:blip>
+          <a:stretch>
+            <a:fillRect/>
+          </a:stretch>
+        </p:blipFill>
+        <p:spPr>
+          <a:xfrm>
+            <a:off x="7660240" y="306551"/>
+            <a:ext cx="784073" cy="784073"/>
+          </a:xfrm>
+          <a:prstGeom prst="rect">
+            <a:avLst/>
+          </a:prstGeom>
+          <a:ln>
+            <a:noFill/>
+          </a:ln>
+          <a:effectLst>
+            <a:softEdge rad="112500"/>
+          </a:effectLst>
+        </p:spPr>
+      </p:pic>
+    </p:spTree>
+    <p:extLst>
+      <p:ext uri="{BB962C8B-B14F-4D97-AF65-F5344CB8AC3E}">
+        <p14:creationId xmlns:p14="http://schemas.microsoft.com/office/powerpoint/2010/main" val="4105341119"/>
+      </p:ext>
+    </p:extLst>
+  </p:cSld>
+  <p:clrMapOvr>
+    <a:masterClrMapping/>
+  </p:clrMapOvr>
+  <p:timing>
+    <p:tnLst>
+      <p:par>
+        <p:cTn id="1" dur="indefinite" restart="never" nodeType="tmRoot"/>
+      </p:par>
+    </p:tnLst>
+  </p:timing>
+</p:sld>
+</file>
+
+<file path=ppt/slides/slide19.xml><?xml version="1.0" encoding="utf-8"?>
+<p:sld xmlns:a="http://schemas.openxmlformats.org/drawingml/2006/main" xmlns:r="http://schemas.openxmlformats.org/officeDocument/2006/relationships" xmlns:p="http://schemas.openxmlformats.org/presentationml/2006/main">
+  <p:cSld>
+    <p:spTree>
+      <p:nvGrpSpPr>
+        <p:cNvPr id="1" name=""/>
+        <p:cNvGrpSpPr/>
+        <p:nvPr/>
+      </p:nvGrpSpPr>
+      <p:grpSpPr>
+        <a:xfrm>
+          <a:off x="0" y="0"/>
+          <a:ext cx="0" cy="0"/>
+          <a:chOff x="0" y="0"/>
+          <a:chExt cx="0" cy="0"/>
+        </a:xfrm>
+      </p:grpSpPr>
+      <p:sp>
+        <p:nvSpPr>
+          <p:cNvPr id="2" name="Title 1"/>
+          <p:cNvSpPr>
+            <a:spLocks noGrp="1"/>
+          </p:cNvSpPr>
+          <p:nvPr>
+            <p:ph type="ctrTitle"/>
+          </p:nvPr>
+        </p:nvSpPr>
+        <p:spPr/>
+        <p:txBody>
+          <a:bodyPr/>
+          <a:lstStyle/>
+          <a:p>
+            <a:r>
+              <a:rPr lang="en-US" dirty="0" smtClean="0"/>
+              <a:t>+</a:t>
+            </a:r>
+            <a:endParaRPr lang="en-US" dirty="0"/>
+          </a:p>
+        </p:txBody>
+      </p:sp>
+      <p:sp>
+        <p:nvSpPr>
+          <p:cNvPr id="3" name="Subtitle 2"/>
+          <p:cNvSpPr>
+            <a:spLocks noGrp="1"/>
+          </p:cNvSpPr>
+          <p:nvPr>
+            <p:ph type="subTitle" idx="1"/>
+          </p:nvPr>
+        </p:nvSpPr>
+        <p:spPr/>
+        <p:txBody>
+          <a:bodyPr/>
+          <a:lstStyle/>
+          <a:p>
+            <a:endParaRPr lang="en-US"/>
+          </a:p>
+        </p:txBody>
+      </p:sp>
+      <p:sp>
+        <p:nvSpPr>
+          <p:cNvPr id="5" name="Rectangle 4"/>
+          <p:cNvSpPr/>
+          <p:nvPr/>
+        </p:nvSpPr>
+        <p:spPr>
+          <a:xfrm>
+            <a:off x="215074" y="152400"/>
+            <a:ext cx="8610600" cy="6477000"/>
+          </a:xfrm>
+          <a:prstGeom prst="rect">
+            <a:avLst/>
+          </a:prstGeom>
+        </p:spPr>
+        <p:style>
+          <a:lnRef idx="3">
+            <a:schemeClr val="lt1"/>
+          </a:lnRef>
+          <a:fillRef idx="1">
+            <a:schemeClr val="accent1"/>
+          </a:fillRef>
+          <a:effectRef idx="1">
+            <a:schemeClr val="accent1"/>
+          </a:effectRef>
+          <a:fontRef idx="minor">
+            <a:schemeClr val="lt1"/>
+          </a:fontRef>
+        </p:style>
+        <p:txBody>
+          <a:bodyPr rtlCol="0" anchor="ctr"/>
+          <a:lstStyle/>
+          <a:p>
+            <a:pPr algn="ctr"/>
+            <a:r>
+              <a:rPr lang="en-US" dirty="0" smtClean="0"/>
+              <a:t>+[[</a:t>
+            </a:r>
+            <a:endParaRPr lang="en-US" dirty="0"/>
+          </a:p>
+        </p:txBody>
+      </p:sp>
+      <p:sp>
+        <p:nvSpPr>
+          <p:cNvPr id="23" name="Content Placeholder 4"/>
+          <p:cNvSpPr txBox="1">
+            <a:spLocks/>
+          </p:cNvSpPr>
+          <p:nvPr/>
+        </p:nvSpPr>
+        <p:spPr>
+          <a:xfrm>
+            <a:off x="3106275" y="393792"/>
+            <a:ext cx="2971800" cy="457199"/>
+          </a:xfrm>
+          <a:prstGeom prst="roundRect">
+            <a:avLst/>
+          </a:prstGeom>
+        </p:spPr>
+        <p:style>
+          <a:lnRef idx="2">
+            <a:schemeClr val="accent3">
+              <a:shade val="50000"/>
+            </a:schemeClr>
+          </a:lnRef>
+          <a:fillRef idx="1">
+            <a:schemeClr val="accent3"/>
+          </a:fillRef>
+          <a:effectRef idx="0">
+            <a:schemeClr val="accent3"/>
+          </a:effectRef>
+          <a:fontRef idx="minor">
+            <a:schemeClr val="lt1"/>
+          </a:fontRef>
+        </p:style>
+        <p:txBody>
+          <a:bodyPr vert="horz" lIns="91440" tIns="45720" rIns="91440" bIns="45720" rtlCol="0" anchor="ctr">
+            <a:normAutofit fontScale="77500" lnSpcReduction="20000"/>
+          </a:bodyPr>
+          <a:lstStyle>
+            <a:lvl1pPr marL="0" indent="0" algn="ctr" defTabSz="914400" rtl="0" eaLnBrk="1" latinLnBrk="0" hangingPunct="1">
+              <a:spcBef>
+                <a:spcPct val="20000"/>
+              </a:spcBef>
+              <a:buFont typeface="Arial" pitchFamily="34" charset="0"/>
+              <a:buNone/>
+              <a:defRPr sz="3200" kern="1200">
+                <a:solidFill>
+                  <a:schemeClr val="tx1">
+                    <a:tint val="75000"/>
+                  </a:schemeClr>
+                </a:solidFill>
+                <a:latin typeface="+mn-lt"/>
+                <a:ea typeface="+mn-ea"/>
+                <a:cs typeface="+mn-cs"/>
+              </a:defRPr>
+            </a:lvl1pPr>
+            <a:lvl2pPr marL="457200" indent="0" algn="ctr" defTabSz="914400" rtl="0" eaLnBrk="1" latinLnBrk="0" hangingPunct="1">
+              <a:spcBef>
+                <a:spcPct val="20000"/>
+              </a:spcBef>
+              <a:buFont typeface="Arial" pitchFamily="34" charset="0"/>
+              <a:buNone/>
+              <a:defRPr sz="2800" kern="1200">
+                <a:solidFill>
+                  <a:schemeClr val="tx1">
+                    <a:tint val="75000"/>
+                  </a:schemeClr>
+                </a:solidFill>
+                <a:latin typeface="+mn-lt"/>
+                <a:ea typeface="+mn-ea"/>
+                <a:cs typeface="+mn-cs"/>
+              </a:defRPr>
+            </a:lvl2pPr>
+            <a:lvl3pPr marL="914400" indent="0" algn="ctr" defTabSz="914400" rtl="0" eaLnBrk="1" latinLnBrk="0" hangingPunct="1">
+              <a:spcBef>
+                <a:spcPct val="20000"/>
+              </a:spcBef>
+              <a:buFont typeface="Arial" pitchFamily="34" charset="0"/>
+              <a:buNone/>
+              <a:defRPr sz="2400" kern="1200">
+                <a:solidFill>
+                  <a:schemeClr val="tx1">
+                    <a:tint val="75000"/>
+                  </a:schemeClr>
+                </a:solidFill>
+                <a:latin typeface="+mn-lt"/>
+                <a:ea typeface="+mn-ea"/>
+                <a:cs typeface="+mn-cs"/>
+              </a:defRPr>
+            </a:lvl3pPr>
+            <a:lvl4pPr marL="1371600" indent="0" algn="ctr" defTabSz="914400" rtl="0" eaLnBrk="1" latinLnBrk="0" hangingPunct="1">
+              <a:spcBef>
+                <a:spcPct val="20000"/>
+              </a:spcBef>
+              <a:buFont typeface="Arial" pitchFamily="34" charset="0"/>
+              <a:buNone/>
+              <a:defRPr sz="2000" kern="1200">
+                <a:solidFill>
+                  <a:schemeClr val="tx1">
+                    <a:tint val="75000"/>
+                  </a:schemeClr>
+                </a:solidFill>
+                <a:latin typeface="+mn-lt"/>
+                <a:ea typeface="+mn-ea"/>
+                <a:cs typeface="+mn-cs"/>
+              </a:defRPr>
+            </a:lvl4pPr>
+            <a:lvl5pPr marL="1828800" indent="0" algn="ctr" defTabSz="914400" rtl="0" eaLnBrk="1" latinLnBrk="0" hangingPunct="1">
+              <a:spcBef>
+                <a:spcPct val="20000"/>
+              </a:spcBef>
+              <a:buFont typeface="Arial" pitchFamily="34" charset="0"/>
+              <a:buNone/>
+              <a:defRPr sz="2000" kern="1200">
+                <a:solidFill>
+                  <a:schemeClr val="tx1">
+                    <a:tint val="75000"/>
+                  </a:schemeClr>
+                </a:solidFill>
+                <a:latin typeface="+mn-lt"/>
+                <a:ea typeface="+mn-ea"/>
+                <a:cs typeface="+mn-cs"/>
+              </a:defRPr>
+            </a:lvl5pPr>
+            <a:lvl6pPr marL="2286000" indent="0" algn="ctr" defTabSz="914400" rtl="0" eaLnBrk="1" latinLnBrk="0" hangingPunct="1">
+              <a:spcBef>
+                <a:spcPct val="20000"/>
+              </a:spcBef>
+              <a:buFont typeface="Arial" pitchFamily="34" charset="0"/>
+              <a:buNone/>
+              <a:defRPr sz="2000" kern="1200">
+                <a:solidFill>
+                  <a:schemeClr val="tx1">
+                    <a:tint val="75000"/>
+                  </a:schemeClr>
+                </a:solidFill>
+                <a:latin typeface="+mn-lt"/>
+                <a:ea typeface="+mn-ea"/>
+                <a:cs typeface="+mn-cs"/>
+              </a:defRPr>
+            </a:lvl6pPr>
+            <a:lvl7pPr marL="2743200" indent="0" algn="ctr" defTabSz="914400" rtl="0" eaLnBrk="1" latinLnBrk="0" hangingPunct="1">
+              <a:spcBef>
+                <a:spcPct val="20000"/>
+              </a:spcBef>
+              <a:buFont typeface="Arial" pitchFamily="34" charset="0"/>
+              <a:buNone/>
+              <a:defRPr sz="2000" kern="1200">
+                <a:solidFill>
+                  <a:schemeClr val="tx1">
+                    <a:tint val="75000"/>
+                  </a:schemeClr>
+                </a:solidFill>
+                <a:latin typeface="+mn-lt"/>
+                <a:ea typeface="+mn-ea"/>
+                <a:cs typeface="+mn-cs"/>
+              </a:defRPr>
+            </a:lvl7pPr>
+            <a:lvl8pPr marL="3200400" indent="0" algn="ctr" defTabSz="914400" rtl="0" eaLnBrk="1" latinLnBrk="0" hangingPunct="1">
+              <a:spcBef>
+                <a:spcPct val="20000"/>
+              </a:spcBef>
+              <a:buFont typeface="Arial" pitchFamily="34" charset="0"/>
+              <a:buNone/>
+              <a:defRPr sz="2000" kern="1200">
+                <a:solidFill>
+                  <a:schemeClr val="tx1">
+                    <a:tint val="75000"/>
+                  </a:schemeClr>
+                </a:solidFill>
+                <a:latin typeface="+mn-lt"/>
+                <a:ea typeface="+mn-ea"/>
+                <a:cs typeface="+mn-cs"/>
+              </a:defRPr>
+            </a:lvl8pPr>
+            <a:lvl9pPr marL="3657600" indent="0" algn="ctr" defTabSz="914400" rtl="0" eaLnBrk="1" latinLnBrk="0" hangingPunct="1">
+              <a:spcBef>
+                <a:spcPct val="20000"/>
+              </a:spcBef>
+              <a:buFont typeface="Arial" pitchFamily="34" charset="0"/>
+              <a:buNone/>
+              <a:defRPr sz="2000" kern="1200">
+                <a:solidFill>
+                  <a:schemeClr val="tx1">
+                    <a:tint val="75000"/>
+                  </a:schemeClr>
+                </a:solidFill>
+                <a:latin typeface="+mn-lt"/>
+                <a:ea typeface="+mn-ea"/>
+                <a:cs typeface="+mn-cs"/>
+              </a:defRPr>
+            </a:lvl9pPr>
+          </a:lstStyle>
+          <a:p>
+            <a:r>
+              <a:rPr lang="en-US" dirty="0" smtClean="0">
+                <a:solidFill>
+                  <a:schemeClr val="tx1"/>
+                </a:solidFill>
+              </a:rPr>
+              <a:t>Hit Count Summary</a:t>
+            </a:r>
+            <a:endParaRPr lang="en-US" dirty="0">
+              <a:solidFill>
+                <a:schemeClr val="tx1"/>
+              </a:solidFill>
+            </a:endParaRPr>
+          </a:p>
+        </p:txBody>
+      </p:sp>
+      <p:sp>
+        <p:nvSpPr>
+          <p:cNvPr id="11" name="TextBox 10"/>
+          <p:cNvSpPr txBox="1"/>
+          <p:nvPr/>
+        </p:nvSpPr>
+        <p:spPr>
+          <a:xfrm>
+            <a:off x="6236677" y="6139934"/>
+            <a:ext cx="2170787" cy="369332"/>
+          </a:xfrm>
+          <a:prstGeom prst="rect">
+            <a:avLst/>
+          </a:prstGeom>
+          <a:noFill/>
+        </p:spPr>
+        <p:txBody>
+          <a:bodyPr wrap="none" rtlCol="0">
+            <a:spAutoFit/>
+          </a:bodyPr>
+          <a:lstStyle/>
+          <a:p>
+            <a:r>
+              <a:rPr lang="en-US" u="sng" dirty="0" smtClean="0">
+                <a:solidFill>
+                  <a:schemeClr val="tx2"/>
+                </a:solidFill>
+              </a:rPr>
+              <a:t>1 2 3 4 5 6 7 8…20 21</a:t>
+            </a:r>
+            <a:endParaRPr lang="en-US" u="sng" dirty="0">
+              <a:solidFill>
+                <a:schemeClr val="tx2"/>
+              </a:solidFill>
+            </a:endParaRPr>
+          </a:p>
+        </p:txBody>
+      </p:sp>
+      <p:graphicFrame>
+        <p:nvGraphicFramePr>
+          <p:cNvPr id="20" name="Table 19"/>
+          <p:cNvGraphicFramePr>
+            <a:graphicFrameLocks noGrp="1"/>
+          </p:cNvGraphicFramePr>
+          <p:nvPr>
+            <p:extLst>
+              <p:ext uri="{D42A27DB-BD31-4B8C-83A1-F6EECF244321}">
+                <p14:modId xmlns:p14="http://schemas.microsoft.com/office/powerpoint/2010/main" val="1078470720"/>
+              </p:ext>
+            </p:extLst>
+          </p:nvPr>
+        </p:nvGraphicFramePr>
+        <p:xfrm>
+          <a:off x="533400" y="1040121"/>
+          <a:ext cx="8077200" cy="5055878"/>
+        </p:xfrm>
+        <a:graphic>
+          <a:graphicData uri="http://schemas.openxmlformats.org/drawingml/2006/table">
+            <a:tbl>
+              <a:tblPr firstRow="1" bandRow="1">
+                <a:tableStyleId>{7DF18680-E054-41AD-8BC1-D1AEF772440D}</a:tableStyleId>
+              </a:tblPr>
+              <a:tblGrid>
+                <a:gridCol w="4114800"/>
+                <a:gridCol w="3962400"/>
+              </a:tblGrid>
+              <a:tr h="456802">
+                <a:tc>
+                  <a:txBody>
+                    <a:bodyPr/>
+                    <a:lstStyle/>
+                    <a:p>
+                      <a:r>
+                        <a:rPr lang="en-US" sz="2000" dirty="0" smtClean="0"/>
+                        <a:t>Number of publication</a:t>
+                      </a:r>
+                      <a:endParaRPr lang="en-US" sz="2000" dirty="0"/>
+                    </a:p>
+                  </a:txBody>
+                  <a:tcPr/>
+                </a:tc>
+                <a:tc>
+                  <a:txBody>
+                    <a:bodyPr/>
+                    <a:lstStyle/>
+                    <a:p>
+                      <a:r>
+                        <a:rPr lang="en-US" sz="2000" dirty="0" smtClean="0"/>
+                        <a:t>Protein</a:t>
+                      </a:r>
+                      <a:r>
+                        <a:rPr lang="en-US" sz="2000" baseline="0" dirty="0" smtClean="0"/>
+                        <a:t> </a:t>
+                      </a:r>
+                      <a:endParaRPr lang="en-US" sz="2000" dirty="0"/>
+                    </a:p>
+                  </a:txBody>
+                  <a:tcPr/>
+                </a:tc>
+              </a:tr>
+              <a:tr h="452368">
+                <a:tc>
+                  <a:txBody>
+                    <a:bodyPr/>
+                    <a:lstStyle/>
+                    <a:p>
+                      <a:r>
+                        <a:rPr lang="en-US" sz="1800" b="1" i="0" u="sng" kern="1200" dirty="0" smtClean="0">
+                          <a:solidFill>
+                            <a:schemeClr val="accent2"/>
+                          </a:solidFill>
+                          <a:effectLst/>
+                          <a:latin typeface="+mn-lt"/>
+                          <a:ea typeface="+mn-ea"/>
+                          <a:cs typeface="+mn-cs"/>
+                        </a:rPr>
+                        <a:t>13311994</a:t>
+                      </a:r>
+                      <a:endParaRPr lang="en-US" sz="2000" b="1" u="sng" dirty="0">
+                        <a:solidFill>
+                          <a:schemeClr val="accent2"/>
+                        </a:solidFill>
+                      </a:endParaRPr>
+                    </a:p>
+                  </a:txBody>
+                  <a:tcPr/>
+                </a:tc>
+                <a:tc>
+                  <a:txBody>
+                    <a:bodyPr/>
+                    <a:lstStyle/>
+                    <a:p>
+                      <a:r>
+                        <a:rPr lang="en-US" sz="2000" dirty="0" smtClean="0"/>
+                        <a:t>PRRT3</a:t>
+                      </a:r>
+                      <a:endParaRPr lang="en-US" sz="2000" dirty="0"/>
+                    </a:p>
+                  </a:txBody>
+                  <a:tcPr/>
+                </a:tc>
+              </a:tr>
+              <a:tr h="452368">
+                <a:tc>
+                  <a:txBody>
+                    <a:bodyPr/>
+                    <a:lstStyle/>
+                    <a:p>
+                      <a:r>
+                        <a:rPr lang="en-US" sz="2000" b="1" u="sng" dirty="0" smtClean="0">
+                          <a:solidFill>
+                            <a:schemeClr val="accent2"/>
+                          </a:solidFill>
+                        </a:rPr>
+                        <a:t>15</a:t>
+                      </a:r>
+                      <a:endParaRPr lang="en-US" sz="2000" b="1" u="sng" dirty="0">
+                        <a:solidFill>
+                          <a:schemeClr val="accent2"/>
+                        </a:solidFill>
+                      </a:endParaRPr>
+                    </a:p>
+                  </a:txBody>
+                  <a:tcPr/>
+                </a:tc>
+                <a:tc>
+                  <a:txBody>
+                    <a:bodyPr/>
+                    <a:lstStyle/>
+                    <a:p>
+                      <a:r>
+                        <a:rPr lang="en-US" sz="2000" dirty="0" smtClean="0"/>
+                        <a:t>LYNX1</a:t>
+                      </a:r>
+                      <a:endParaRPr lang="en-US" sz="2000" dirty="0"/>
+                    </a:p>
+                  </a:txBody>
+                  <a:tcPr/>
+                </a:tc>
+              </a:tr>
+              <a:tr h="527764">
+                <a:tc>
+                  <a:txBody>
+                    <a:bodyPr/>
+                    <a:lstStyle/>
+                    <a:p>
+                      <a:r>
+                        <a:rPr lang="en-US" sz="2000" b="1" u="sng" dirty="0" smtClean="0">
+                          <a:solidFill>
+                            <a:schemeClr val="accent2"/>
+                          </a:solidFill>
+                        </a:rPr>
+                        <a:t>6</a:t>
+                      </a:r>
+                      <a:endParaRPr lang="en-US" sz="2000" b="1" u="sng" dirty="0">
+                        <a:solidFill>
+                          <a:schemeClr val="accent2"/>
+                        </a:solidFill>
+                      </a:endParaRPr>
+                    </a:p>
+                  </a:txBody>
+                  <a:tcPr/>
+                </a:tc>
+                <a:tc>
+                  <a:txBody>
+                    <a:bodyPr/>
+                    <a:lstStyle/>
+                    <a:p>
+                      <a:r>
+                        <a:rPr lang="en-US" sz="2000" dirty="0" smtClean="0"/>
+                        <a:t>ST6GAL2</a:t>
+                      </a:r>
+                      <a:endParaRPr lang="en-US" sz="2000" dirty="0"/>
+                    </a:p>
+                  </a:txBody>
+                  <a:tcPr/>
+                </a:tc>
+              </a:tr>
+              <a:tr h="452368">
+                <a:tc>
+                  <a:txBody>
+                    <a:bodyPr/>
+                    <a:lstStyle/>
+                    <a:p>
+                      <a:r>
+                        <a:rPr lang="en-US" sz="2000" b="1" u="sng" dirty="0" smtClean="0">
+                          <a:solidFill>
+                            <a:schemeClr val="accent2"/>
+                          </a:solidFill>
+                        </a:rPr>
+                        <a:t>45</a:t>
+                      </a:r>
+                      <a:endParaRPr lang="en-US" sz="2000" b="1" u="sng" dirty="0">
+                        <a:solidFill>
+                          <a:schemeClr val="accent2"/>
+                        </a:solidFill>
+                      </a:endParaRPr>
+                    </a:p>
+                  </a:txBody>
+                  <a:tcPr/>
+                </a:tc>
+                <a:tc>
+                  <a:txBody>
+                    <a:bodyPr/>
+                    <a:lstStyle/>
+                    <a:p>
+                      <a:r>
+                        <a:rPr lang="en-US" sz="2000" dirty="0" smtClean="0"/>
+                        <a:t>CSPG4</a:t>
+                      </a:r>
+                      <a:endParaRPr lang="en-US" sz="2000" dirty="0"/>
+                    </a:p>
+                  </a:txBody>
+                  <a:tcPr/>
+                </a:tc>
+              </a:tr>
+              <a:tr h="452368">
+                <a:tc>
+                  <a:txBody>
+                    <a:bodyPr/>
+                    <a:lstStyle/>
+                    <a:p>
+                      <a:r>
+                        <a:rPr lang="en-US" sz="2000" b="1" u="sng" dirty="0" smtClean="0">
+                          <a:solidFill>
+                            <a:schemeClr val="accent2"/>
+                          </a:solidFill>
+                        </a:rPr>
+                        <a:t>11</a:t>
+                      </a:r>
+                      <a:endParaRPr lang="en-US" sz="2000" b="1" u="sng" dirty="0">
+                        <a:solidFill>
+                          <a:schemeClr val="accent2"/>
+                        </a:solidFill>
+                      </a:endParaRPr>
+                    </a:p>
+                  </a:txBody>
+                  <a:tcPr/>
+                </a:tc>
+                <a:tc>
+                  <a:txBody>
+                    <a:bodyPr/>
+                    <a:lstStyle/>
+                    <a:p>
+                      <a:r>
+                        <a:rPr lang="en-US" sz="2000" dirty="0" smtClean="0"/>
+                        <a:t>XYLT2</a:t>
+                      </a:r>
+                      <a:endParaRPr lang="en-US" sz="2000" dirty="0"/>
+                    </a:p>
+                  </a:txBody>
+                  <a:tcPr/>
+                </a:tc>
+              </a:tr>
+              <a:tr h="452368">
+                <a:tc>
+                  <a:txBody>
+                    <a:bodyPr/>
+                    <a:lstStyle/>
+                    <a:p>
+                      <a:r>
+                        <a:rPr lang="en-US" sz="2000" b="1" u="sng" dirty="0" smtClean="0">
+                          <a:solidFill>
+                            <a:schemeClr val="accent2"/>
+                          </a:solidFill>
+                        </a:rPr>
+                        <a:t>27943</a:t>
+                      </a:r>
+                      <a:endParaRPr lang="en-US" sz="2000" b="1" u="sng" dirty="0">
+                        <a:solidFill>
+                          <a:schemeClr val="accent2"/>
+                        </a:solidFill>
+                      </a:endParaRPr>
+                    </a:p>
+                  </a:txBody>
+                  <a:tcPr/>
+                </a:tc>
+                <a:tc>
+                  <a:txBody>
+                    <a:bodyPr/>
+                    <a:lstStyle/>
+                    <a:p>
+                      <a:r>
+                        <a:rPr lang="en-US" sz="2000" dirty="0" smtClean="0"/>
+                        <a:t>MB</a:t>
+                      </a:r>
+                      <a:endParaRPr lang="en-US" sz="2000" dirty="0"/>
+                    </a:p>
+                  </a:txBody>
+                  <a:tcPr/>
+                </a:tc>
+              </a:tr>
+              <a:tr h="452368">
+                <a:tc>
+                  <a:txBody>
+                    <a:bodyPr/>
+                    <a:lstStyle/>
+                    <a:p>
+                      <a:r>
+                        <a:rPr lang="en-US" sz="2000" b="1" u="sng" dirty="0" smtClean="0">
+                          <a:solidFill>
+                            <a:schemeClr val="accent2"/>
+                          </a:solidFill>
+                        </a:rPr>
+                        <a:t>224</a:t>
+                      </a:r>
+                      <a:endParaRPr lang="en-US" sz="2000" b="1" u="sng" dirty="0">
+                        <a:solidFill>
+                          <a:schemeClr val="accent2"/>
+                        </a:solidFill>
+                      </a:endParaRPr>
+                    </a:p>
+                  </a:txBody>
+                  <a:tcPr/>
+                </a:tc>
+                <a:tc>
+                  <a:txBody>
+                    <a:bodyPr/>
+                    <a:lstStyle/>
+                    <a:p>
+                      <a:r>
+                        <a:rPr lang="en-US" sz="2000" dirty="0" smtClean="0"/>
+                        <a:t>CXCL16</a:t>
+                      </a:r>
+                      <a:endParaRPr lang="en-US" sz="2000" dirty="0"/>
+                    </a:p>
+                  </a:txBody>
+                  <a:tcPr/>
+                </a:tc>
+              </a:tr>
+              <a:tr h="452368">
+                <a:tc>
+                  <a:txBody>
+                    <a:bodyPr/>
+                    <a:lstStyle/>
+                    <a:p>
+                      <a:r>
+                        <a:rPr lang="en-US" sz="2000" b="1" u="sng" dirty="0" smtClean="0">
+                          <a:solidFill>
+                            <a:schemeClr val="accent2"/>
+                          </a:solidFill>
+                        </a:rPr>
+                        <a:t>43</a:t>
+                      </a:r>
+                      <a:endParaRPr lang="en-US" sz="2000" b="1" u="sng" dirty="0">
+                        <a:solidFill>
+                          <a:schemeClr val="accent2"/>
+                        </a:solidFill>
+                      </a:endParaRPr>
+                    </a:p>
+                  </a:txBody>
+                  <a:tcPr/>
+                </a:tc>
+                <a:tc>
+                  <a:txBody>
+                    <a:bodyPr/>
+                    <a:lstStyle/>
+                    <a:p>
+                      <a:r>
+                        <a:rPr lang="en-US" sz="2000" dirty="0" smtClean="0"/>
+                        <a:t>IGFALS</a:t>
+                      </a:r>
+                      <a:endParaRPr lang="en-US" sz="2000" dirty="0"/>
+                    </a:p>
+                  </a:txBody>
+                  <a:tcPr/>
+                </a:tc>
+              </a:tr>
+              <a:tr h="452368">
+                <a:tc>
+                  <a:txBody>
+                    <a:bodyPr/>
+                    <a:lstStyle/>
+                    <a:p>
+                      <a:r>
+                        <a:rPr lang="en-US" sz="2000" b="1" u="sng" dirty="0" smtClean="0">
+                          <a:solidFill>
+                            <a:schemeClr val="accent2"/>
+                          </a:solidFill>
+                        </a:rPr>
+                        <a:t>21</a:t>
+                      </a:r>
+                      <a:endParaRPr lang="en-US" sz="2000" b="1" u="sng" dirty="0">
+                        <a:solidFill>
+                          <a:schemeClr val="accent2"/>
+                        </a:solidFill>
+                      </a:endParaRPr>
+                    </a:p>
+                  </a:txBody>
+                  <a:tcPr/>
+                </a:tc>
+                <a:tc>
+                  <a:txBody>
+                    <a:bodyPr/>
+                    <a:lstStyle/>
+                    <a:p>
+                      <a:r>
+                        <a:rPr lang="en-US" sz="2000" dirty="0" smtClean="0"/>
+                        <a:t>SPRN</a:t>
+                      </a:r>
+                      <a:endParaRPr lang="en-US" sz="2000" dirty="0"/>
+                    </a:p>
+                  </a:txBody>
+                  <a:tcPr/>
+                </a:tc>
+              </a:tr>
+              <a:tr h="452368">
+                <a:tc>
+                  <a:txBody>
+                    <a:bodyPr/>
+                    <a:lstStyle/>
+                    <a:p>
+                      <a:r>
+                        <a:rPr lang="en-US" sz="2000" b="1" u="sng" dirty="0" smtClean="0">
+                          <a:solidFill>
+                            <a:schemeClr val="accent2"/>
+                          </a:solidFill>
+                        </a:rPr>
+                        <a:t>1</a:t>
+                      </a:r>
+                      <a:endParaRPr lang="en-US" sz="2000" b="1" u="sng" dirty="0">
+                        <a:solidFill>
+                          <a:schemeClr val="accent2"/>
+                        </a:solidFill>
+                      </a:endParaRPr>
+                    </a:p>
+                  </a:txBody>
+                  <a:tcPr/>
+                </a:tc>
+                <a:tc>
+                  <a:txBody>
+                    <a:bodyPr/>
+                    <a:lstStyle/>
+                    <a:p>
+                      <a:r>
+                        <a:rPr lang="en-US" sz="2000" dirty="0" smtClean="0"/>
+                        <a:t>VSTM2B</a:t>
+                      </a:r>
+                      <a:endParaRPr lang="en-US" sz="2000" dirty="0"/>
+                    </a:p>
+                  </a:txBody>
+                  <a:tcPr/>
+                </a:tc>
+              </a:tr>
+            </a:tbl>
+          </a:graphicData>
+        </a:graphic>
+      </p:graphicFrame>
+      <p:pic>
+        <p:nvPicPr>
+          <p:cNvPr id="13" name="Picture 5"/>
+          <p:cNvPicPr>
+            <a:picLocks noChangeAspect="1" noChangeArrowheads="1"/>
+          </p:cNvPicPr>
+          <p:nvPr/>
+        </p:nvPicPr>
+        <p:blipFill>
+          <a:blip r:embed="rId3" cstate="print">
+            <a:extLst>
+              <a:ext uri="{28A0092B-C50C-407E-A947-70E740481C1C}">
+                <a14:useLocalDpi xmlns:a14="http://schemas.microsoft.com/office/drawing/2010/main" val="0"/>
               </a:ext>
             </a:extLst>
           </a:blip>
@@ -15305,10 +15216,10 @@
           <p:nvPr/>
         </p:nvPicPr>
         <p:blipFill>
-          <a:blip r:embed="rId4" cstate="print">
+          <a:blip r:embed="rId4">
             <a:extLst>
               <a:ext uri="{28A0092B-C50C-407E-A947-70E740481C1C}">
-                <a14:useLocalDpi xmlns="" xmlns:a14="http://schemas.microsoft.com/office/drawing/2010/main" val="0"/>
+                <a14:useLocalDpi xmlns:a14="http://schemas.microsoft.com/office/drawing/2010/main" val="0"/>
               </a:ext>
             </a:extLst>
           </a:blip>
@@ -15328,7 +15239,7 @@
           <a:noFill/>
           <a:extLst>
             <a:ext uri="{909E8E84-426E-40DD-AFC4-6F175D3DCCD1}">
-              <a14:hiddenFill xmlns="" xmlns:a14="http://schemas.microsoft.com/office/drawing/2010/main">
+              <a14:hiddenFill xmlns:a14="http://schemas.microsoft.com/office/drawing/2010/main">
                 <a:solidFill>
                   <a:srgbClr val="FFFFFF"/>
                 </a:solidFill>
@@ -15379,7 +15290,7 @@
           <a:blip r:embed="rId5" cstate="print">
             <a:extLst>
               <a:ext uri="{28A0092B-C50C-407E-A947-70E740481C1C}">
-                <a14:useLocalDpi xmlns="" xmlns:a14="http://schemas.microsoft.com/office/drawing/2010/main" val="0"/>
+                <a14:useLocalDpi xmlns:a14="http://schemas.microsoft.com/office/drawing/2010/main" val="0"/>
               </a:ext>
             </a:extLst>
           </a:blip>
@@ -15406,7 +15317,7 @@
     </p:spTree>
     <p:extLst>
       <p:ext uri="{BB962C8B-B14F-4D97-AF65-F5344CB8AC3E}">
-        <p14:creationId xmlns="" xmlns:p14="http://schemas.microsoft.com/office/powerpoint/2010/main" val="2487982237"/>
+        <p14:creationId xmlns:p14="http://schemas.microsoft.com/office/powerpoint/2010/main" val="2487982237"/>
       </p:ext>
     </p:extLst>
   </p:cSld>
@@ -15918,7 +15829,7 @@
           <a:blip r:embed="rId3" cstate="print">
             <a:extLst>
               <a:ext uri="{28A0092B-C50C-407E-A947-70E740481C1C}">
-                <a14:useLocalDpi xmlns="" xmlns:a14="http://schemas.microsoft.com/office/drawing/2010/main" val="0"/>
+                <a14:useLocalDpi xmlns:a14="http://schemas.microsoft.com/office/drawing/2010/main" val="0"/>
               </a:ext>
             </a:extLst>
           </a:blip>
@@ -15955,7 +15866,7 @@
           <a:blip r:embed="rId4" cstate="print">
             <a:extLst>
               <a:ext uri="{28A0092B-C50C-407E-A947-70E740481C1C}">
-                <a14:useLocalDpi xmlns="" xmlns:a14="http://schemas.microsoft.com/office/drawing/2010/main" val="0"/>
+                <a14:useLocalDpi xmlns:a14="http://schemas.microsoft.com/office/drawing/2010/main" val="0"/>
               </a:ext>
             </a:extLst>
           </a:blip>
@@ -15982,7 +15893,7 @@
     </p:spTree>
     <p:extLst>
       <p:ext uri="{BB962C8B-B14F-4D97-AF65-F5344CB8AC3E}">
-        <p14:creationId xmlns="" xmlns:p14="http://schemas.microsoft.com/office/powerpoint/2010/main" val="2405318348"/>
+        <p14:creationId xmlns:p14="http://schemas.microsoft.com/office/powerpoint/2010/main" val="2405318348"/>
       </p:ext>
     </p:extLst>
   </p:cSld>
@@ -16153,7 +16064,7 @@
           <p:nvPr>
             <p:extLst>
               <p:ext uri="{D42A27DB-BD31-4B8C-83A1-F6EECF244321}">
-                <p14:modId xmlns="" xmlns:p14="http://schemas.microsoft.com/office/powerpoint/2010/main" val="500365383"/>
+                <p14:modId xmlns:p14="http://schemas.microsoft.com/office/powerpoint/2010/main" val="500365383"/>
               </p:ext>
             </p:extLst>
           </p:nvPr>
@@ -16421,7 +16332,20 @@
                           <a:cs typeface="+mn-cs"/>
                           <a:hlinkClick r:id="rId3" tooltip="The Journal of biological chemistry."/>
                         </a:rPr>
-                        <a:t> Chem</a:t>
+                        <a:t> </a:t>
+                      </a:r>
+                      <a:r>
+                        <a:rPr lang="en-US" sz="1600" b="0" i="0" u="none" kern="1200" dirty="0" err="1" smtClean="0">
+                          <a:solidFill>
+                            <a:schemeClr val="tx1"/>
+                          </a:solidFill>
+                          <a:effectLst/>
+                          <a:latin typeface="+mn-lt"/>
+                          <a:ea typeface="+mn-ea"/>
+                          <a:cs typeface="+mn-cs"/>
+                          <a:hlinkClick r:id="rId3" tooltip="The Journal of biological chemistry."/>
+                        </a:rPr>
+                        <a:t>Chem</a:t>
                       </a:r>
                       <a:endParaRPr lang="en-US" sz="1600" b="0" u="none" dirty="0">
                         <a:solidFill>
@@ -16493,6 +16417,19 @@
                     <a:lstStyle/>
                     <a:p>
                       <a:r>
+                        <a:rPr lang="en-US" sz="1600" b="0" i="0" u="none" kern="1200" dirty="0" err="1" smtClean="0">
+                          <a:solidFill>
+                            <a:schemeClr val="tx1"/>
+                          </a:solidFill>
+                          <a:effectLst/>
+                          <a:latin typeface="+mn-lt"/>
+                          <a:ea typeface="+mn-ea"/>
+                          <a:cs typeface="+mn-cs"/>
+                          <a:hlinkClick r:id="rId5"/>
+                        </a:rPr>
+                        <a:t>Shulepko</a:t>
+                      </a:r>
+                      <a:r>
                         <a:rPr lang="en-US" sz="1600" b="0" i="0" u="none" kern="1200" dirty="0" smtClean="0">
                           <a:solidFill>
                             <a:schemeClr val="tx1"/>
@@ -16503,7 +16440,7 @@
                           <a:cs typeface="+mn-cs"/>
                           <a:hlinkClick r:id="rId5"/>
                         </a:rPr>
-                        <a:t>Shulepko MA</a:t>
+                        <a:t> MA</a:t>
                       </a:r>
                       <a:r>
                         <a:rPr lang="en-US" sz="1600" b="0" i="0" u="none" kern="1200" dirty="0" smtClean="0">
@@ -16578,6 +16515,19 @@
                     <a:lstStyle/>
                     <a:p>
                       <a:r>
+                        <a:rPr lang="en-US" sz="1600" b="0" i="0" u="none" kern="1200" dirty="0" err="1" smtClean="0">
+                          <a:solidFill>
+                            <a:schemeClr val="tx1"/>
+                          </a:solidFill>
+                          <a:effectLst/>
+                          <a:latin typeface="+mn-lt"/>
+                          <a:ea typeface="+mn-ea"/>
+                          <a:cs typeface="+mn-cs"/>
+                          <a:hlinkClick r:id="rId4" tooltip="Bioorganicheskaia khimiia."/>
+                        </a:rPr>
+                        <a:t>Bioorg</a:t>
+                      </a:r>
+                      <a:r>
                         <a:rPr lang="en-US" sz="1600" b="0" i="0" u="none" kern="1200" dirty="0" smtClean="0">
                           <a:solidFill>
                             <a:schemeClr val="tx1"/>
@@ -16588,7 +16538,7 @@
                           <a:cs typeface="+mn-cs"/>
                           <a:hlinkClick r:id="rId4" tooltip="Bioorganicheskaia khimiia."/>
                         </a:rPr>
-                        <a:t>Bioorg </a:t>
+                        <a:t> </a:t>
                       </a:r>
                       <a:r>
                         <a:rPr lang="en-US" sz="1600" b="0" i="0" u="none" kern="1200" dirty="0" err="1" smtClean="0">
@@ -16946,7 +16896,15 @@
                             <a:schemeClr val="tx1"/>
                           </a:solidFill>
                         </a:rPr>
-                        <a:t> Chem</a:t>
+                        <a:t> </a:t>
+                      </a:r>
+                      <a:r>
+                        <a:rPr lang="en-US" sz="1600" b="0" u="none" dirty="0" err="1" smtClean="0">
+                          <a:solidFill>
+                            <a:schemeClr val="tx1"/>
+                          </a:solidFill>
+                        </a:rPr>
+                        <a:t>Chem</a:t>
                       </a:r>
                       <a:endParaRPr lang="en-US" sz="1600" b="0" u="none" dirty="0">
                         <a:solidFill>
@@ -16971,10 +16929,10 @@
           <p:nvPr/>
         </p:nvPicPr>
         <p:blipFill>
-          <a:blip r:embed="rId10" cstate="print">
+          <a:blip r:embed="rId10">
             <a:extLst>
               <a:ext uri="{28A0092B-C50C-407E-A947-70E740481C1C}">
-                <a14:useLocalDpi xmlns="" xmlns:a14="http://schemas.microsoft.com/office/drawing/2010/main" val="0"/>
+                <a14:useLocalDpi xmlns:a14="http://schemas.microsoft.com/office/drawing/2010/main" val="0"/>
               </a:ext>
             </a:extLst>
           </a:blip>
@@ -17084,7 +17042,7 @@
           <a:blip r:embed="rId11" cstate="print">
             <a:extLst>
               <a:ext uri="{28A0092B-C50C-407E-A947-70E740481C1C}">
-                <a14:useLocalDpi xmlns="" xmlns:a14="http://schemas.microsoft.com/office/drawing/2010/main" val="0"/>
+                <a14:useLocalDpi xmlns:a14="http://schemas.microsoft.com/office/drawing/2010/main" val="0"/>
               </a:ext>
             </a:extLst>
           </a:blip>
@@ -17111,7 +17069,7 @@
     </p:spTree>
     <p:extLst>
       <p:ext uri="{BB962C8B-B14F-4D97-AF65-F5344CB8AC3E}">
-        <p14:creationId xmlns="" xmlns:p14="http://schemas.microsoft.com/office/powerpoint/2010/main" val="1895049175"/>
+        <p14:creationId xmlns:p14="http://schemas.microsoft.com/office/powerpoint/2010/main" val="1895049175"/>
       </p:ext>
     </p:extLst>
   </p:cSld>
@@ -17546,7 +17504,20 @@
                           <a:cs typeface="+mn-cs"/>
                           <a:hlinkClick r:id="rId3" tooltip="The Journal of biological chemistry."/>
                         </a:rPr>
-                        <a:t> Chem</a:t>
+                        <a:t> </a:t>
+                      </a:r>
+                      <a:r>
+                        <a:rPr lang="en-US" sz="1600" b="0" i="0" u="none" kern="1200" dirty="0" err="1" smtClean="0">
+                          <a:solidFill>
+                            <a:schemeClr val="tx1"/>
+                          </a:solidFill>
+                          <a:effectLst/>
+                          <a:latin typeface="+mn-lt"/>
+                          <a:ea typeface="+mn-ea"/>
+                          <a:cs typeface="+mn-cs"/>
+                          <a:hlinkClick r:id="rId3" tooltip="The Journal of biological chemistry."/>
+                        </a:rPr>
+                        <a:t>Chem</a:t>
                       </a:r>
                       <a:endParaRPr lang="en-US" sz="1600" b="0" u="none" dirty="0">
                         <a:solidFill>
@@ -17618,6 +17589,19 @@
                     <a:lstStyle/>
                     <a:p>
                       <a:r>
+                        <a:rPr lang="en-US" sz="1600" b="0" i="0" u="none" kern="1200" dirty="0" err="1" smtClean="0">
+                          <a:solidFill>
+                            <a:schemeClr val="tx1"/>
+                          </a:solidFill>
+                          <a:effectLst/>
+                          <a:latin typeface="+mn-lt"/>
+                          <a:ea typeface="+mn-ea"/>
+                          <a:cs typeface="+mn-cs"/>
+                          <a:hlinkClick r:id="rId5"/>
+                        </a:rPr>
+                        <a:t>Shulepko</a:t>
+                      </a:r>
+                      <a:r>
                         <a:rPr lang="en-US" sz="1600" b="0" i="0" u="none" kern="1200" dirty="0" smtClean="0">
                           <a:solidFill>
                             <a:schemeClr val="tx1"/>
@@ -17628,7 +17612,7 @@
                           <a:cs typeface="+mn-cs"/>
                           <a:hlinkClick r:id="rId5"/>
                         </a:rPr>
-                        <a:t>Shulepko MA</a:t>
+                        <a:t> MA</a:t>
                       </a:r>
                       <a:r>
                         <a:rPr lang="en-US" sz="1600" b="0" i="0" u="none" kern="1200" dirty="0" smtClean="0">
@@ -17703,6 +17687,19 @@
                     <a:lstStyle/>
                     <a:p>
                       <a:r>
+                        <a:rPr lang="en-US" sz="1600" b="0" i="0" u="none" kern="1200" dirty="0" err="1" smtClean="0">
+                          <a:solidFill>
+                            <a:schemeClr val="tx1"/>
+                          </a:solidFill>
+                          <a:effectLst/>
+                          <a:latin typeface="+mn-lt"/>
+                          <a:ea typeface="+mn-ea"/>
+                          <a:cs typeface="+mn-cs"/>
+                          <a:hlinkClick r:id="rId4" tooltip="Bioorganicheskaia khimiia."/>
+                        </a:rPr>
+                        <a:t>Bioorg</a:t>
+                      </a:r>
+                      <a:r>
                         <a:rPr lang="en-US" sz="1600" b="0" i="0" u="none" kern="1200" dirty="0" smtClean="0">
                           <a:solidFill>
                             <a:schemeClr val="tx1"/>
@@ -17713,7 +17710,7 @@
                           <a:cs typeface="+mn-cs"/>
                           <a:hlinkClick r:id="rId4" tooltip="Bioorganicheskaia khimiia."/>
                         </a:rPr>
-                        <a:t>Bioorg </a:t>
+                        <a:t> </a:t>
                       </a:r>
                       <a:r>
                         <a:rPr lang="en-US" sz="1600" b="0" i="0" u="none" kern="1200" dirty="0" err="1" smtClean="0">
@@ -18071,7 +18068,15 @@
                             <a:schemeClr val="tx1"/>
                           </a:solidFill>
                         </a:rPr>
-                        <a:t> Chem</a:t>
+                        <a:t> </a:t>
+                      </a:r>
+                      <a:r>
+                        <a:rPr lang="en-US" sz="1600" b="0" u="none" dirty="0" err="1" smtClean="0">
+                          <a:solidFill>
+                            <a:schemeClr val="tx1"/>
+                          </a:solidFill>
+                        </a:rPr>
+                        <a:t>Chem</a:t>
                       </a:r>
                       <a:endParaRPr lang="en-US" sz="1600" b="0" u="none" dirty="0">
                         <a:solidFill>
@@ -18099,7 +18104,7 @@
           <a:blip r:embed="rId10" cstate="print">
             <a:extLst>
               <a:ext uri="{28A0092B-C50C-407E-A947-70E740481C1C}">
-                <a14:useLocalDpi xmlns="" xmlns:a14="http://schemas.microsoft.com/office/drawing/2010/main" val="0"/>
+                <a14:useLocalDpi xmlns:a14="http://schemas.microsoft.com/office/drawing/2010/main" val="0"/>
               </a:ext>
             </a:extLst>
           </a:blip>
@@ -18133,10 +18138,10 @@
           <p:nvPr/>
         </p:nvPicPr>
         <p:blipFill>
-          <a:blip r:embed="rId11" cstate="print">
+          <a:blip r:embed="rId11">
             <a:extLst>
               <a:ext uri="{28A0092B-C50C-407E-A947-70E740481C1C}">
-                <a14:useLocalDpi xmlns="" xmlns:a14="http://schemas.microsoft.com/office/drawing/2010/main" val="0"/>
+                <a14:useLocalDpi xmlns:a14="http://schemas.microsoft.com/office/drawing/2010/main" val="0"/>
               </a:ext>
             </a:extLst>
           </a:blip>
@@ -18246,7 +18251,7 @@
           <a:blip r:embed="rId12" cstate="print">
             <a:extLst>
               <a:ext uri="{28A0092B-C50C-407E-A947-70E740481C1C}">
-                <a14:useLocalDpi xmlns="" xmlns:a14="http://schemas.microsoft.com/office/drawing/2010/main" val="0"/>
+                <a14:useLocalDpi xmlns:a14="http://schemas.microsoft.com/office/drawing/2010/main" val="0"/>
               </a:ext>
             </a:extLst>
           </a:blip>
@@ -18273,7 +18278,7 @@
     </p:spTree>
     <p:extLst>
       <p:ext uri="{BB962C8B-B14F-4D97-AF65-F5344CB8AC3E}">
-        <p14:creationId xmlns="" xmlns:p14="http://schemas.microsoft.com/office/powerpoint/2010/main" val="2249361793"/>
+        <p14:creationId xmlns:p14="http://schemas.microsoft.com/office/powerpoint/2010/main" val="2249361793"/>
       </p:ext>
     </p:extLst>
   </p:cSld>
@@ -18399,7 +18404,7 @@
         </p:nvSpPr>
         <p:spPr>
           <a:xfrm>
-            <a:off x="533400" y="381000"/>
+            <a:off x="1374346" y="356795"/>
             <a:ext cx="1828800" cy="384464"/>
           </a:xfrm>
           <a:prstGeom prst="roundRect">
@@ -18444,14 +18449,14 @@
           <p:nvPr>
             <p:extLst>
               <p:ext uri="{D42A27DB-BD31-4B8C-83A1-F6EECF244321}">
-                <p14:modId xmlns="" xmlns:p14="http://schemas.microsoft.com/office/powerpoint/2010/main" val="416398512"/>
+                <p14:modId xmlns:p14="http://schemas.microsoft.com/office/powerpoint/2010/main" val="416398512"/>
               </p:ext>
             </p:extLst>
           </p:nvPr>
         </p:nvGraphicFramePr>
         <p:xfrm>
-          <a:off x="457200" y="1072573"/>
-          <a:ext cx="8047892" cy="5099628"/>
+          <a:off x="457200" y="868241"/>
+          <a:ext cx="8047892" cy="5273733"/>
         </p:xfrm>
         <a:graphic>
           <a:graphicData uri="http://schemas.openxmlformats.org/drawingml/2006/table">
@@ -18465,7 +18470,7 @@
                 <a:gridCol w="908777"/>
                 <a:gridCol w="1955979"/>
               </a:tblGrid>
-              <a:tr h="357325">
+              <a:tr h="381001">
                 <a:tc>
                   <a:txBody>
                     <a:bodyPr/>
@@ -18555,56 +18560,12 @@
                   <a:tcPr/>
                 </a:tc>
               </a:tr>
-              <a:tr h="1073161">
+              <a:tr h="958135">
                 <a:tc>
                   <a:txBody>
                     <a:bodyPr/>
                     <a:lstStyle/>
                     <a:p>
-                      <a:r>
-                        <a:rPr lang="en-US" sz="1600" b="0" i="0" u="none" kern="1200" dirty="0" smtClean="0">
-                          <a:solidFill>
-                            <a:schemeClr val="tx1"/>
-                          </a:solidFill>
-                          <a:effectLst/>
-                          <a:latin typeface="+mn-lt"/>
-                          <a:ea typeface="+mn-ea"/>
-                          <a:cs typeface="+mn-cs"/>
-                          <a:hlinkClick r:id="rId3"/>
-                        </a:rPr>
-                        <a:t>Water-soluble LYNX1 residues important for interaction with muscle-type and/or neuronal nicotinic receptors</a:t>
-                      </a:r>
-                      <a:endParaRPr lang="en-US" sz="1600" b="0" i="0" u="none" kern="1200" dirty="0">
-                        <a:solidFill>
-                          <a:schemeClr val="tx1"/>
-                        </a:solidFill>
-                        <a:effectLst/>
-                        <a:latin typeface="+mn-lt"/>
-                        <a:ea typeface="+mn-ea"/>
-                        <a:cs typeface="+mn-cs"/>
-                        <a:hlinkClick r:id="rId3"/>
-                      </a:endParaRPr>
-                    </a:p>
-                  </a:txBody>
-                  <a:tcPr/>
-                </a:tc>
-                <a:tc>
-                  <a:txBody>
-                    <a:bodyPr/>
-                    <a:lstStyle/>
-                    <a:p>
-                      <a:r>
-                        <a:rPr lang="en-US" sz="1600" b="0" i="0" u="none" kern="1200" dirty="0" err="1" smtClean="0">
-                          <a:solidFill>
-                            <a:schemeClr val="tx1"/>
-                          </a:solidFill>
-                          <a:effectLst/>
-                          <a:latin typeface="+mn-lt"/>
-                          <a:ea typeface="+mn-ea"/>
-                          <a:cs typeface="+mn-cs"/>
-                        </a:rPr>
-                        <a:t>Lyukmanova</a:t>
-                      </a:r>
                       <a:r>
                         <a:rPr lang="en-US" sz="1600" b="0" i="0" u="none" kern="1200" dirty="0" smtClean="0">
                           <a:solidFill>
@@ -18615,31 +18576,7 @@
                           <a:ea typeface="+mn-ea"/>
                           <a:cs typeface="+mn-cs"/>
                         </a:rPr>
-                        <a:t> EN,…</a:t>
-                      </a:r>
-                      <a:r>
-                        <a:rPr lang="en-US" sz="1600" b="0" i="0" u="none" kern="1200" dirty="0" err="1" smtClean="0">
-                          <a:solidFill>
-                            <a:schemeClr val="tx1"/>
-                          </a:solidFill>
-                          <a:effectLst/>
-                          <a:latin typeface="+mn-lt"/>
-                          <a:ea typeface="+mn-ea"/>
-                          <a:cs typeface="+mn-cs"/>
-                        </a:rPr>
-                        <a:t>Tsetlin</a:t>
-                      </a:r>
-                      <a:r>
-                        <a:rPr lang="en-US" sz="1600" b="0" i="0" u="none" kern="1200" dirty="0" smtClean="0">
-                          <a:solidFill>
-                            <a:schemeClr val="tx1"/>
-                          </a:solidFill>
-                          <a:effectLst/>
-                          <a:latin typeface="+mn-lt"/>
-                          <a:ea typeface="+mn-ea"/>
-                          <a:cs typeface="+mn-cs"/>
-                        </a:rPr>
-                        <a:t> VI</a:t>
+                        <a:t>Water-soluble LYNX1 residues important for interaction with muscle-type and/or neuronal nicotinic receptors</a:t>
                       </a:r>
                       <a:endParaRPr lang="en-US" sz="1600" b="0" u="none" dirty="0">
                         <a:solidFill>
@@ -18656,6 +18593,18 @@
                     <a:lstStyle/>
                     <a:p>
                       <a:r>
+                        <a:rPr lang="en-US" sz="1600" b="0" i="0" u="none" kern="1200" dirty="0" err="1" smtClean="0">
+                          <a:solidFill>
+                            <a:schemeClr val="tx1"/>
+                          </a:solidFill>
+                          <a:effectLst/>
+                          <a:latin typeface="+mn-lt"/>
+                          <a:ea typeface="+mn-ea"/>
+                          <a:cs typeface="+mn-cs"/>
+                        </a:rPr>
+                        <a:t>Lyukmanova</a:t>
+                      </a:r>
+                      <a:r>
                         <a:rPr lang="en-US" sz="1600" b="0" i="0" u="none" kern="1200" dirty="0" smtClean="0">
                           <a:solidFill>
                             <a:schemeClr val="tx1"/>
@@ -18665,7 +18614,31 @@
                           <a:ea typeface="+mn-ea"/>
                           <a:cs typeface="+mn-cs"/>
                         </a:rPr>
-                        <a:t> 2013</a:t>
+                        <a:t> EN,…</a:t>
+                      </a:r>
+                      <a:r>
+                        <a:rPr lang="en-US" sz="1600" b="0" i="0" u="none" kern="1200" dirty="0" err="1" smtClean="0">
+                          <a:solidFill>
+                            <a:schemeClr val="tx1"/>
+                          </a:solidFill>
+                          <a:effectLst/>
+                          <a:latin typeface="+mn-lt"/>
+                          <a:ea typeface="+mn-ea"/>
+                          <a:cs typeface="+mn-cs"/>
+                        </a:rPr>
+                        <a:t>Tsetlin</a:t>
+                      </a:r>
+                      <a:r>
+                        <a:rPr lang="en-US" sz="1600" b="0" i="0" u="none" kern="1200" dirty="0" smtClean="0">
+                          <a:solidFill>
+                            <a:schemeClr val="tx1"/>
+                          </a:solidFill>
+                          <a:effectLst/>
+                          <a:latin typeface="+mn-lt"/>
+                          <a:ea typeface="+mn-ea"/>
+                          <a:cs typeface="+mn-cs"/>
+                        </a:rPr>
+                        <a:t> VI</a:t>
                       </a:r>
                       <a:endParaRPr lang="en-US" sz="1600" b="0" u="none" dirty="0">
                         <a:solidFill>
@@ -18691,86 +18664,7 @@
                           <a:ea typeface="+mn-ea"/>
                           <a:cs typeface="+mn-cs"/>
                         </a:rPr>
-                        <a:t>J </a:t>
-                      </a:r>
-                      <a:r>
-                        <a:rPr lang="en-US" sz="1600" b="0" i="0" u="none" kern="1200" dirty="0" err="1" smtClean="0">
-                          <a:solidFill>
-                            <a:schemeClr val="tx1"/>
-                          </a:solidFill>
-                          <a:effectLst/>
-                          <a:latin typeface="+mn-lt"/>
-                          <a:ea typeface="+mn-ea"/>
-                          <a:cs typeface="+mn-cs"/>
-                        </a:rPr>
-                        <a:t>Biol</a:t>
-                      </a:r>
-                      <a:r>
-                        <a:rPr lang="en-US" sz="1600" b="0" i="0" u="none" kern="1200" dirty="0" smtClean="0">
-                          <a:solidFill>
-                            <a:schemeClr val="tx1"/>
-                          </a:solidFill>
-                          <a:effectLst/>
-                          <a:latin typeface="+mn-lt"/>
-                          <a:ea typeface="+mn-ea"/>
-                          <a:cs typeface="+mn-cs"/>
-                        </a:rPr>
-                        <a:t> Chem</a:t>
-                      </a:r>
-                      <a:endParaRPr lang="en-US" sz="1600" b="0" u="none" dirty="0">
-                        <a:solidFill>
-                          <a:schemeClr val="tx1"/>
-                        </a:solidFill>
-                      </a:endParaRPr>
-                    </a:p>
-                  </a:txBody>
-                  <a:tcPr/>
-                </a:tc>
-              </a:tr>
-              <a:tr h="1535172">
-                <a:tc>
-                  <a:txBody>
-                    <a:bodyPr/>
-                    <a:lstStyle/>
-                    <a:p>
-                      <a:r>
-                        <a:rPr lang="en-US" sz="1600" b="0" i="0" u="none" kern="1200" dirty="0" smtClean="0">
-                          <a:solidFill>
-                            <a:schemeClr val="tx1"/>
-                          </a:solidFill>
-                          <a:effectLst/>
-                          <a:latin typeface="+mn-lt"/>
-                          <a:ea typeface="+mn-ea"/>
-                          <a:cs typeface="+mn-cs"/>
-                          <a:hlinkClick r:id="rId3"/>
-                        </a:rPr>
-                        <a:t>[Bacterial expression of water-soluble domain of Lynx1, endogenic neuromodulator of </a:t>
-                      </a:r>
-                      <a:r>
-                        <a:rPr lang="en-US" sz="1600" b="0" i="0" u="none" kern="1200" dirty="0" err="1" smtClean="0">
-                          <a:solidFill>
-                            <a:schemeClr val="tx1"/>
-                          </a:solidFill>
-                          <a:effectLst/>
-                          <a:latin typeface="+mn-lt"/>
-                          <a:ea typeface="+mn-ea"/>
-                          <a:cs typeface="+mn-cs"/>
-                          <a:hlinkClick r:id="rId3"/>
-                        </a:rPr>
-                        <a:t>humannicotinic</a:t>
-                      </a:r>
-                      <a:r>
-                        <a:rPr lang="en-US" sz="1600" b="0" i="0" u="none" kern="1200" dirty="0" smtClean="0">
-                          <a:solidFill>
-                            <a:schemeClr val="tx1"/>
-                          </a:solidFill>
-                          <a:effectLst/>
-                          <a:latin typeface="+mn-lt"/>
-                          <a:ea typeface="+mn-ea"/>
-                          <a:cs typeface="+mn-cs"/>
-                          <a:hlinkClick r:id="rId3"/>
-                        </a:rPr>
-                        <a:t> acetylcholine receptors]</a:t>
+                        <a:t> 2013</a:t>
                       </a:r>
                       <a:endParaRPr lang="en-US" sz="1600" b="0" u="none" dirty="0">
                         <a:solidFill>
@@ -18795,8 +18689,9 @@
                           <a:latin typeface="+mn-lt"/>
                           <a:ea typeface="+mn-ea"/>
                           <a:cs typeface="+mn-cs"/>
+                          <a:hlinkClick r:id="rId3" tooltip="The Journal of biological chemistry."/>
                         </a:rPr>
-                        <a:t>Shulepko MA, … </a:t>
+                        <a:t>J </a:t>
                       </a:r>
                       <a:r>
                         <a:rPr lang="en-US" sz="1600" b="0" i="0" u="none" kern="1200" dirty="0" err="1" smtClean="0">
@@ -18807,8 +18702,9 @@
                           <a:latin typeface="+mn-lt"/>
                           <a:ea typeface="+mn-ea"/>
                           <a:cs typeface="+mn-cs"/>
+                          <a:hlinkClick r:id="rId3" tooltip="The Journal of biological chemistry."/>
                         </a:rPr>
-                        <a:t>Kirpichnikov</a:t>
+                        <a:t>Biol</a:t>
                       </a:r>
                       <a:r>
                         <a:rPr lang="en-US" sz="1600" b="0" i="0" u="none" kern="1200" dirty="0" smtClean="0">
@@ -18819,8 +18715,77 @@
                           <a:latin typeface="+mn-lt"/>
                           <a:ea typeface="+mn-ea"/>
                           <a:cs typeface="+mn-cs"/>
+                          <a:hlinkClick r:id="rId3" tooltip="The Journal of biological chemistry."/>
                         </a:rPr>
-                        <a:t> MP</a:t>
+                        <a:t> </a:t>
+                      </a:r>
+                      <a:r>
+                        <a:rPr lang="en-US" sz="1600" b="0" i="0" u="none" kern="1200" dirty="0" err="1" smtClean="0">
+                          <a:solidFill>
+                            <a:schemeClr val="tx1"/>
+                          </a:solidFill>
+                          <a:effectLst/>
+                          <a:latin typeface="+mn-lt"/>
+                          <a:ea typeface="+mn-ea"/>
+                          <a:cs typeface="+mn-cs"/>
+                          <a:hlinkClick r:id="rId3" tooltip="The Journal of biological chemistry."/>
+                        </a:rPr>
+                        <a:t>Chem</a:t>
+                      </a:r>
+                      <a:endParaRPr lang="en-US" sz="1600" b="0" u="none" dirty="0">
+                        <a:solidFill>
+                          <a:schemeClr val="tx1"/>
+                        </a:solidFill>
+                      </a:endParaRPr>
+                    </a:p>
+                  </a:txBody>
+                  <a:tcPr/>
+                </a:tc>
+              </a:tr>
+              <a:tr h="1636890">
+                <a:tc>
+                  <a:txBody>
+                    <a:bodyPr/>
+                    <a:lstStyle/>
+                    <a:p>
+                      <a:r>
+                        <a:rPr lang="en-US" sz="1600" b="0" i="0" u="none" kern="1200" dirty="0" smtClean="0">
+                          <a:solidFill>
+                            <a:schemeClr val="tx1"/>
+                          </a:solidFill>
+                          <a:effectLst/>
+                          <a:latin typeface="+mn-lt"/>
+                          <a:ea typeface="+mn-ea"/>
+                          <a:cs typeface="+mn-cs"/>
+                          <a:hlinkClick r:id="rId4"/>
+                        </a:rPr>
+                        <a:t>[Bacterial expression of water-soluble domain of Lynx1, endogenic neuromodulator of </a:t>
+                      </a:r>
+                      <a:r>
+                        <a:rPr lang="en-US" sz="1600" b="0" i="0" u="none" kern="1200" dirty="0" err="1" smtClean="0">
+                          <a:solidFill>
+                            <a:schemeClr val="tx1"/>
+                          </a:solidFill>
+                          <a:effectLst/>
+                          <a:latin typeface="+mn-lt"/>
+                          <a:ea typeface="+mn-ea"/>
+                          <a:cs typeface="+mn-cs"/>
+                          <a:hlinkClick r:id="rId4"/>
+                        </a:rPr>
+                        <a:t>humannicotinic</a:t>
+                      </a:r>
+                      <a:r>
+                        <a:rPr lang="en-US" sz="1600" b="0" i="0" u="none" kern="1200" dirty="0" smtClean="0">
+                          <a:solidFill>
+                            <a:schemeClr val="tx1"/>
+                          </a:solidFill>
+                          <a:effectLst/>
+                          <a:latin typeface="+mn-lt"/>
+                          <a:ea typeface="+mn-ea"/>
+                          <a:cs typeface="+mn-cs"/>
+                          <a:hlinkClick r:id="rId4"/>
+                        </a:rPr>
+                        <a:t> acetylcholine receptors]</a:t>
                       </a:r>
                       <a:endParaRPr lang="en-US" sz="1600" b="0" u="none" dirty="0">
                         <a:solidFill>
@@ -18837,12 +18802,66 @@
                     <a:lstStyle/>
                     <a:p>
                       <a:r>
-                        <a:rPr lang="en-US" sz="1600" b="0" u="none" dirty="0" smtClean="0">
+                        <a:rPr lang="en-US" sz="1600" b="0" i="0" u="none" kern="1200" dirty="0" err="1" smtClean="0">
                           <a:solidFill>
                             <a:schemeClr val="tx1"/>
                           </a:solidFill>
+                          <a:effectLst/>
+                          <a:latin typeface="+mn-lt"/>
+                          <a:ea typeface="+mn-ea"/>
+                          <a:cs typeface="+mn-cs"/>
+                          <a:hlinkClick r:id="rId5"/>
                         </a:rPr>
-                        <a:t>2011</a:t>
+                        <a:t>Shulepko</a:t>
+                      </a:r>
+                      <a:r>
+                        <a:rPr lang="en-US" sz="1600" b="0" i="0" u="none" kern="1200" dirty="0" smtClean="0">
+                          <a:solidFill>
+                            <a:schemeClr val="tx1"/>
+                          </a:solidFill>
+                          <a:effectLst/>
+                          <a:latin typeface="+mn-lt"/>
+                          <a:ea typeface="+mn-ea"/>
+                          <a:cs typeface="+mn-cs"/>
+                          <a:hlinkClick r:id="rId5"/>
+                        </a:rPr>
+                        <a:t> MA</a:t>
+                      </a:r>
+                      <a:r>
+                        <a:rPr lang="en-US" sz="1600" b="0" i="0" u="none" kern="1200" dirty="0" smtClean="0">
+                          <a:solidFill>
+                            <a:schemeClr val="tx1"/>
+                          </a:solidFill>
+                          <a:effectLst/>
+                          <a:latin typeface="+mn-lt"/>
+                          <a:ea typeface="+mn-ea"/>
+                          <a:cs typeface="+mn-cs"/>
+                        </a:rPr>
+                        <a:t>, … </a:t>
+                      </a:r>
+                      <a:r>
+                        <a:rPr lang="en-US" sz="1600" b="0" i="0" u="none" kern="1200" dirty="0" err="1" smtClean="0">
+                          <a:solidFill>
+                            <a:schemeClr val="tx1"/>
+                          </a:solidFill>
+                          <a:effectLst/>
+                          <a:latin typeface="+mn-lt"/>
+                          <a:ea typeface="+mn-ea"/>
+                          <a:cs typeface="+mn-cs"/>
+                        </a:rPr>
+                        <a:t>Kirpichnikov</a:t>
+                      </a:r>
+                      <a:r>
+                        <a:rPr lang="en-US" sz="1600" b="0" i="0" u="none" kern="1200" dirty="0" smtClean="0">
+                          <a:solidFill>
+                            <a:schemeClr val="tx1"/>
+                          </a:solidFill>
+                          <a:effectLst/>
+                          <a:latin typeface="+mn-lt"/>
+                          <a:ea typeface="+mn-ea"/>
+                          <a:cs typeface="+mn-cs"/>
+                        </a:rPr>
+                        <a:t> MP</a:t>
                       </a:r>
                       <a:endParaRPr lang="en-US" sz="1600" b="0" u="none" dirty="0">
                         <a:solidFill>
@@ -18859,57 +18878,12 @@
                     <a:lstStyle/>
                     <a:p>
                       <a:r>
-                        <a:rPr lang="en-US" sz="1600" b="0" i="0" u="none" kern="1200" dirty="0" smtClean="0">
+                        <a:rPr lang="en-US" sz="1600" b="0" u="none" dirty="0" smtClean="0">
                           <a:solidFill>
                             <a:schemeClr val="tx1"/>
                           </a:solidFill>
-                          <a:effectLst/>
-                          <a:latin typeface="+mn-lt"/>
-                          <a:ea typeface="+mn-ea"/>
-                          <a:cs typeface="+mn-cs"/>
                         </a:rPr>
-                        <a:t>Bioorg </a:t>
-                      </a:r>
-                      <a:r>
-                        <a:rPr lang="en-US" sz="1600" b="0" i="0" u="none" kern="1200" dirty="0" err="1" smtClean="0">
-                          <a:solidFill>
-                            <a:schemeClr val="tx1"/>
-                          </a:solidFill>
-                          <a:effectLst/>
-                          <a:latin typeface="+mn-lt"/>
-                          <a:ea typeface="+mn-ea"/>
-                          <a:cs typeface="+mn-cs"/>
-                        </a:rPr>
-                        <a:t>Khim</a:t>
-                      </a:r>
-                      <a:endParaRPr lang="en-US" sz="1600" b="0" u="none" dirty="0">
-                        <a:solidFill>
-                          <a:schemeClr val="tx1"/>
-                        </a:solidFill>
-                      </a:endParaRPr>
-                    </a:p>
-                  </a:txBody>
-                  <a:tcPr/>
-                </a:tc>
-              </a:tr>
-              <a:tr h="938162">
-                <a:tc>
-                  <a:txBody>
-                    <a:bodyPr/>
-                    <a:lstStyle/>
-                    <a:p>
-                      <a:r>
-                        <a:rPr lang="en-US" sz="1600" b="0" i="0" u="none" kern="1200" dirty="0" smtClean="0">
-                          <a:solidFill>
-                            <a:schemeClr val="tx1"/>
-                          </a:solidFill>
-                          <a:effectLst/>
-                          <a:latin typeface="+mn-lt"/>
-                          <a:ea typeface="+mn-ea"/>
-                          <a:cs typeface="+mn-cs"/>
-                          <a:hlinkClick r:id="rId4"/>
-                        </a:rPr>
-                        <a:t>The α7 nicotinic acetylcholine receptor complex: one, two or multiple drug targets?</a:t>
+                        <a:t>2011</a:t>
                       </a:r>
                       <a:endParaRPr lang="en-US" sz="1600" b="0" u="none" dirty="0">
                         <a:solidFill>
@@ -18926,6 +18900,19 @@
                     <a:lstStyle/>
                     <a:p>
                       <a:r>
+                        <a:rPr lang="en-US" sz="1600" b="0" i="0" u="none" kern="1200" dirty="0" err="1" smtClean="0">
+                          <a:solidFill>
+                            <a:schemeClr val="tx1"/>
+                          </a:solidFill>
+                          <a:effectLst/>
+                          <a:latin typeface="+mn-lt"/>
+                          <a:ea typeface="+mn-ea"/>
+                          <a:cs typeface="+mn-cs"/>
+                          <a:hlinkClick r:id="rId4" tooltip="Bioorganicheskaia khimiia."/>
+                        </a:rPr>
+                        <a:t>Bioorg</a:t>
+                      </a:r>
+                      <a:r>
                         <a:rPr lang="en-US" sz="1600" b="0" i="0" u="none" kern="1200" dirty="0" smtClean="0">
                           <a:solidFill>
                             <a:schemeClr val="tx1"/>
@@ -18934,8 +18921,9 @@
                           <a:latin typeface="+mn-lt"/>
                           <a:ea typeface="+mn-ea"/>
                           <a:cs typeface="+mn-cs"/>
+                          <a:hlinkClick r:id="rId4" tooltip="Bioorganicheskaia khimiia."/>
                         </a:rPr>
-                        <a:t>Thomsen MS, </a:t>
+                        <a:t> </a:t>
                       </a:r>
                       <a:r>
                         <a:rPr lang="en-US" sz="1600" b="0" i="0" u="none" kern="1200" dirty="0" err="1" smtClean="0">
@@ -18946,9 +18934,26 @@
                           <a:latin typeface="+mn-lt"/>
                           <a:ea typeface="+mn-ea"/>
                           <a:cs typeface="+mn-cs"/>
+                          <a:hlinkClick r:id="rId4" tooltip="Bioorganicheskaia khimiia."/>
                         </a:rPr>
-                        <a:t>Mikkelsen</a:t>
-                      </a:r>
+                        <a:t>Khim</a:t>
+                      </a:r>
+                      <a:endParaRPr lang="en-US" sz="1600" b="0" u="none" dirty="0">
+                        <a:solidFill>
+                          <a:schemeClr val="tx1"/>
+                        </a:solidFill>
+                      </a:endParaRPr>
+                    </a:p>
+                  </a:txBody>
+                  <a:tcPr/>
+                </a:tc>
+              </a:tr>
+              <a:tr h="1000322">
+                <a:tc>
+                  <a:txBody>
+                    <a:bodyPr/>
+                    <a:lstStyle/>
+                    <a:p>
                       <a:r>
                         <a:rPr lang="en-US" sz="1600" b="0" i="0" u="none" kern="1200" dirty="0" smtClean="0">
                           <a:solidFill>
@@ -18958,8 +18963,9 @@
                           <a:latin typeface="+mn-lt"/>
                           <a:ea typeface="+mn-ea"/>
                           <a:cs typeface="+mn-cs"/>
+                          <a:hlinkClick r:id="rId6"/>
                         </a:rPr>
-                        <a:t> JD.</a:t>
+                        <a:t>The α7 nicotinic acetylcholine receptor complex: one, two or multiple drug targets?</a:t>
                       </a:r>
                       <a:endParaRPr lang="en-US" sz="1600" b="0" u="none" dirty="0">
                         <a:solidFill>
@@ -18976,12 +18982,67 @@
                     <a:lstStyle/>
                     <a:p>
                       <a:r>
-                        <a:rPr lang="en-US" sz="1600" b="0" u="none" dirty="0" smtClean="0">
+                        <a:rPr lang="en-US" sz="1600" b="0" i="0" u="none" kern="1200" dirty="0" smtClean="0">
                           <a:solidFill>
                             <a:schemeClr val="tx1"/>
                           </a:solidFill>
+                          <a:effectLst/>
+                          <a:latin typeface="+mn-lt"/>
+                          <a:ea typeface="+mn-ea"/>
+                          <a:cs typeface="+mn-cs"/>
+                          <a:hlinkClick r:id="rId7"/>
                         </a:rPr>
-                        <a:t>2012</a:t>
+                        <a:t>Thomsen MS</a:t>
+                      </a:r>
+                      <a:r>
+                        <a:rPr lang="en-US" sz="1600" b="0" i="0" u="none" kern="1200" dirty="0" smtClean="0">
+                          <a:solidFill>
+                            <a:schemeClr val="tx1"/>
+                          </a:solidFill>
+                          <a:effectLst/>
+                          <a:latin typeface="+mn-lt"/>
+                          <a:ea typeface="+mn-ea"/>
+                          <a:cs typeface="+mn-cs"/>
+                        </a:rPr>
+                        <a:t>, </a:t>
+                      </a:r>
+                      <a:r>
+                        <a:rPr lang="en-US" sz="1600" b="0" i="0" u="none" kern="1200" dirty="0" err="1" smtClean="0">
+                          <a:solidFill>
+                            <a:schemeClr val="tx1"/>
+                          </a:solidFill>
+                          <a:effectLst/>
+                          <a:latin typeface="+mn-lt"/>
+                          <a:ea typeface="+mn-ea"/>
+                          <a:cs typeface="+mn-cs"/>
+                          <a:hlinkClick r:id="rId8"/>
+                        </a:rPr>
+                        <a:t>Mikkelsen</a:t>
+                      </a:r>
+                      <a:r>
+                        <a:rPr lang="en-US" sz="1600" b="0" i="0" u="none" kern="1200" dirty="0" smtClean="0">
+                          <a:solidFill>
+                            <a:schemeClr val="tx1"/>
+                          </a:solidFill>
+                          <a:effectLst/>
+                          <a:latin typeface="+mn-lt"/>
+                          <a:ea typeface="+mn-ea"/>
+                          <a:cs typeface="+mn-cs"/>
+                          <a:hlinkClick r:id="rId8"/>
+                        </a:rPr>
+                        <a:t> JD</a:t>
+                      </a:r>
+                      <a:r>
+                        <a:rPr lang="en-US" sz="1600" b="0" i="0" u="none" kern="1200" dirty="0" smtClean="0">
+                          <a:solidFill>
+                            <a:schemeClr val="tx1"/>
+                          </a:solidFill>
+                          <a:effectLst/>
+                          <a:latin typeface="+mn-lt"/>
+                          <a:ea typeface="+mn-ea"/>
+                          <a:cs typeface="+mn-cs"/>
+                        </a:rPr>
+                        <a:t>.</a:t>
                       </a:r>
                       <a:endParaRPr lang="en-US" sz="1600" b="0" u="none" dirty="0">
                         <a:solidFill>
@@ -18998,61 +19059,12 @@
                     <a:lstStyle/>
                     <a:p>
                       <a:r>
-                        <a:rPr lang="en-US" sz="1600" b="0" i="0" u="none" kern="1200" dirty="0" err="1" smtClean="0">
+                        <a:rPr lang="en-US" sz="1600" b="0" u="none" dirty="0" smtClean="0">
                           <a:solidFill>
                             <a:schemeClr val="tx1"/>
                           </a:solidFill>
-                          <a:effectLst/>
-                          <a:latin typeface="+mn-lt"/>
-                          <a:ea typeface="+mn-ea"/>
-                          <a:cs typeface="+mn-cs"/>
                         </a:rPr>
-                        <a:t>Curr</a:t>
-                      </a:r>
-                      <a:r>
-                        <a:rPr lang="en-US" sz="1600" b="0" i="0" u="none" kern="1200" dirty="0" smtClean="0">
-                          <a:solidFill>
-                            <a:schemeClr val="tx1"/>
-                          </a:solidFill>
-                          <a:effectLst/>
-                          <a:latin typeface="+mn-lt"/>
-                          <a:ea typeface="+mn-ea"/>
-                          <a:cs typeface="+mn-cs"/>
-                        </a:rPr>
-                        <a:t> Drug Targets</a:t>
-                      </a:r>
-                      <a:endParaRPr lang="en-US" sz="1600" b="0" i="0" u="none" kern="1200" dirty="0">
-                        <a:solidFill>
-                          <a:schemeClr val="tx1"/>
-                        </a:solidFill>
-                        <a:effectLst/>
-                        <a:latin typeface="+mn-lt"/>
-                        <a:ea typeface="+mn-ea"/>
-                        <a:cs typeface="+mn-cs"/>
-                      </a:endParaRPr>
-                    </a:p>
-                  </a:txBody>
-                  <a:tcPr/>
-                </a:tc>
-              </a:tr>
-              <a:tr h="1195808">
-                <a:tc>
-                  <a:txBody>
-                    <a:bodyPr/>
-                    <a:lstStyle/>
-                    <a:p>
-                      <a:r>
-                        <a:rPr lang="en-US" sz="1800" b="0" i="0" kern="1200" dirty="0" smtClean="0">
-                          <a:solidFill>
-                            <a:schemeClr val="dk1"/>
-                          </a:solidFill>
-                          <a:effectLst/>
-                          <a:latin typeface="+mn-lt"/>
-                          <a:ea typeface="+mn-ea"/>
-                          <a:cs typeface="+mn-cs"/>
-                          <a:hlinkClick r:id="rId5"/>
-                        </a:rPr>
-                        <a:t>NMR structure and action on nicotinic acetylcholine receptors of water-soluble domain of humanLYNX1.</a:t>
+                        <a:t>2012</a:t>
                       </a:r>
                       <a:endParaRPr lang="en-US" sz="1600" b="0" u="none" dirty="0">
                         <a:solidFill>
@@ -19069,17 +19081,47 @@
                     <a:lstStyle/>
                     <a:p>
                       <a:r>
-                        <a:rPr lang="en-US" sz="1800" b="0" i="0" kern="1200" dirty="0" err="1" smtClean="0">
+                        <a:rPr lang="en-US" sz="1600" b="0" i="0" u="none" kern="1200" dirty="0" err="1" smtClean="0">
                           <a:solidFill>
-                            <a:schemeClr val="dk1"/>
+                            <a:schemeClr val="tx1"/>
                           </a:solidFill>
                           <a:effectLst/>
                           <a:latin typeface="+mn-lt"/>
                           <a:ea typeface="+mn-ea"/>
                           <a:cs typeface="+mn-cs"/>
+                          <a:hlinkClick r:id="rId6" tooltip="Current drug targets."/>
                         </a:rPr>
-                        <a:t>Lyukmanova</a:t>
-                      </a:r>
+                        <a:t>Curr</a:t>
+                      </a:r>
+                      <a:r>
+                        <a:rPr lang="en-US" sz="1600" b="0" i="0" u="none" kern="1200" dirty="0" smtClean="0">
+                          <a:solidFill>
+                            <a:schemeClr val="tx1"/>
+                          </a:solidFill>
+                          <a:effectLst/>
+                          <a:latin typeface="+mn-lt"/>
+                          <a:ea typeface="+mn-ea"/>
+                          <a:cs typeface="+mn-cs"/>
+                          <a:hlinkClick r:id="rId6" tooltip="Current drug targets."/>
+                        </a:rPr>
+                        <a:t> Drug Targets</a:t>
+                      </a:r>
+                      <a:endParaRPr lang="en-US" sz="1600" b="0" u="none" dirty="0">
+                        <a:solidFill>
+                          <a:schemeClr val="tx1"/>
+                        </a:solidFill>
+                      </a:endParaRPr>
+                    </a:p>
+                  </a:txBody>
+                  <a:tcPr/>
+                </a:tc>
+              </a:tr>
+              <a:tr h="1000322">
+                <a:tc>
+                  <a:txBody>
+                    <a:bodyPr/>
+                    <a:lstStyle/>
+                    <a:p>
                       <a:r>
                         <a:rPr lang="en-US" sz="1800" b="0" i="0" kern="1200" dirty="0" smtClean="0">
                           <a:solidFill>
@@ -19089,11 +19131,12 @@
                           <a:latin typeface="+mn-lt"/>
                           <a:ea typeface="+mn-ea"/>
                           <a:cs typeface="+mn-cs"/>
+                          <a:hlinkClick r:id="rId9"/>
                         </a:rPr>
-                        <a:t> EN… </a:t>
-                      </a:r>
-                      <a:r>
-                        <a:rPr lang="en-US" sz="1800" b="0" i="0" kern="1200" dirty="0" err="1" smtClean="0">
+                        <a:t>NMR structure and action on nicotinic acetylcholine receptors of water-soluble domain of </a:t>
+                      </a:r>
+                      <a:r>
+                        <a:rPr lang="en-US" sz="1800" b="1" i="0" kern="1200" dirty="0" smtClean="0">
                           <a:solidFill>
                             <a:schemeClr val="dk1"/>
                           </a:solidFill>
@@ -19101,8 +19144,9 @@
                           <a:latin typeface="+mn-lt"/>
                           <a:ea typeface="+mn-ea"/>
                           <a:cs typeface="+mn-cs"/>
+                          <a:hlinkClick r:id="rId9"/>
                         </a:rPr>
-                        <a:t>Kirpichnikov</a:t>
+                        <a:t>humanLYNX1</a:t>
                       </a:r>
                       <a:r>
                         <a:rPr lang="en-US" sz="1800" b="0" i="0" kern="1200" dirty="0" smtClean="0">
@@ -19113,8 +19157,9 @@
                           <a:latin typeface="+mn-lt"/>
                           <a:ea typeface="+mn-ea"/>
                           <a:cs typeface="+mn-cs"/>
+                          <a:hlinkClick r:id="rId9"/>
                         </a:rPr>
-                        <a:t> MP</a:t>
+                        <a:t>.</a:t>
                       </a:r>
                       <a:endParaRPr lang="en-US" sz="1600" b="0" u="none" dirty="0">
                         <a:solidFill>
@@ -19131,12 +19176,52 @@
                     <a:lstStyle/>
                     <a:p>
                       <a:r>
-                        <a:rPr lang="en-US" sz="1600" b="0" u="none" dirty="0" smtClean="0">
+                        <a:rPr lang="en-US" sz="1800" b="0" i="0" kern="1200" dirty="0" err="1" smtClean="0">
                           <a:solidFill>
-                            <a:schemeClr val="tx1"/>
+                            <a:schemeClr val="dk1"/>
                           </a:solidFill>
+                          <a:effectLst/>
+                          <a:latin typeface="+mn-lt"/>
+                          <a:ea typeface="+mn-ea"/>
+                          <a:cs typeface="+mn-cs"/>
                         </a:rPr>
-                        <a:t>2011</a:t>
+                        <a:t>Lyukmanova</a:t>
+                      </a:r>
+                      <a:r>
+                        <a:rPr lang="en-US" sz="1800" b="0" i="0" kern="1200" dirty="0" smtClean="0">
+                          <a:solidFill>
+                            <a:schemeClr val="dk1"/>
+                          </a:solidFill>
+                          <a:effectLst/>
+                          <a:latin typeface="+mn-lt"/>
+                          <a:ea typeface="+mn-ea"/>
+                          <a:cs typeface="+mn-cs"/>
+                        </a:rPr>
+                        <a:t> EN… </a:t>
+                      </a:r>
+                      <a:r>
+                        <a:rPr lang="en-US" sz="1800" b="0" i="0" kern="1200" dirty="0" err="1" smtClean="0">
+                          <a:solidFill>
+                            <a:schemeClr val="dk1"/>
+                          </a:solidFill>
+                          <a:effectLst/>
+                          <a:latin typeface="+mn-lt"/>
+                          <a:ea typeface="+mn-ea"/>
+                          <a:cs typeface="+mn-cs"/>
+                        </a:rPr>
+                        <a:t>Kirpichnikov</a:t>
+                      </a:r>
+                      <a:r>
+                        <a:rPr lang="en-US" sz="1800" b="0" i="0" kern="1200" dirty="0" smtClean="0">
+                          <a:solidFill>
+                            <a:schemeClr val="dk1"/>
+                          </a:solidFill>
+                          <a:effectLst/>
+                          <a:latin typeface="+mn-lt"/>
+                          <a:ea typeface="+mn-ea"/>
+                          <a:cs typeface="+mn-cs"/>
+                        </a:rPr>
+                        <a:t> MP</a:t>
                       </a:r>
                       <a:endParaRPr lang="en-US" sz="1600" b="0" u="none" dirty="0">
                         <a:solidFill>
@@ -19158,6 +19243,28 @@
                             <a:schemeClr val="tx1"/>
                           </a:solidFill>
                         </a:rPr>
+                        <a:t>2011</a:t>
+                      </a:r>
+                      <a:endParaRPr lang="en-US" sz="1600" b="0" u="none" dirty="0">
+                        <a:solidFill>
+                          <a:schemeClr val="tx1"/>
+                        </a:solidFill>
+                      </a:endParaRPr>
+                    </a:p>
+                  </a:txBody>
+                  <a:tcPr/>
+                </a:tc>
+                <a:tc>
+                  <a:txBody>
+                    <a:bodyPr/>
+                    <a:lstStyle/>
+                    <a:p>
+                      <a:r>
+                        <a:rPr lang="en-US" sz="1600" b="0" u="none" dirty="0" smtClean="0">
+                          <a:solidFill>
+                            <a:schemeClr val="tx1"/>
+                          </a:solidFill>
+                        </a:rPr>
                         <a:t>J </a:t>
                       </a:r>
                       <a:r>
@@ -19174,7 +19281,15 @@
                             <a:schemeClr val="tx1"/>
                           </a:solidFill>
                         </a:rPr>
-                        <a:t> Chem</a:t>
+                        <a:t> </a:t>
+                      </a:r>
+                      <a:r>
+                        <a:rPr lang="en-US" sz="1600" b="0" u="none" dirty="0" err="1" smtClean="0">
+                          <a:solidFill>
+                            <a:schemeClr val="tx1"/>
+                          </a:solidFill>
+                        </a:rPr>
+                        <a:t>Chem</a:t>
                       </a:r>
                       <a:endParaRPr lang="en-US" sz="1600" b="0" u="none" dirty="0">
                         <a:solidFill>
@@ -19199,10 +19314,10 @@
           <p:nvPr/>
         </p:nvPicPr>
         <p:blipFill>
-          <a:blip r:embed="rId6" cstate="print">
+          <a:blip r:embed="rId10">
             <a:extLst>
               <a:ext uri="{28A0092B-C50C-407E-A947-70E740481C1C}">
-                <a14:useLocalDpi xmlns="" xmlns:a14="http://schemas.microsoft.com/office/drawing/2010/main" val="0"/>
+                <a14:useLocalDpi xmlns:a14="http://schemas.microsoft.com/office/drawing/2010/main" val="0"/>
               </a:ext>
             </a:extLst>
           </a:blip>
@@ -19212,8 +19327,8 @@
         </p:blipFill>
         <p:spPr>
           <a:xfrm>
-            <a:off x="8153400" y="1066801"/>
-            <a:ext cx="460968" cy="5105399"/>
+            <a:off x="8378232" y="813188"/>
+            <a:ext cx="460968" cy="5339505"/>
           </a:xfrm>
           <a:prstGeom prst="rect">
             <a:avLst/>
@@ -19266,8 +19381,8 @@
         </p:nvSpPr>
         <p:spPr>
           <a:xfrm>
-            <a:off x="3505200" y="381000"/>
-            <a:ext cx="2133601" cy="381000"/>
+            <a:off x="3810000" y="434620"/>
+            <a:ext cx="2133601" cy="304801"/>
           </a:xfrm>
           <a:prstGeom prst="roundRect">
             <a:avLst/>
@@ -19294,11 +19409,7 @@
             <a:pPr algn="ctr"/>
             <a:r>
               <a:rPr lang="en-US" dirty="0" smtClean="0"/>
-              <a:t>Export to </a:t>
-            </a:r>
-            <a:r>
-              <a:rPr lang="en-US" dirty="0" smtClean="0"/>
-              <a:t>Text File </a:t>
+              <a:t>Export to txt(icon) </a:t>
             </a:r>
             <a:endParaRPr lang="en-US" dirty="0"/>
           </a:p>
@@ -19313,10 +19424,10 @@
           <p:nvPr/>
         </p:nvPicPr>
         <p:blipFill>
-          <a:blip r:embed="rId7" cstate="print">
+          <a:blip r:embed="rId11" cstate="print">
             <a:extLst>
               <a:ext uri="{28A0092B-C50C-407E-A947-70E740481C1C}">
-                <a14:useLocalDpi xmlns="" xmlns:a14="http://schemas.microsoft.com/office/drawing/2010/main" val="0"/>
+                <a14:useLocalDpi xmlns:a14="http://schemas.microsoft.com/office/drawing/2010/main" val="0"/>
               </a:ext>
             </a:extLst>
           </a:blip>
@@ -19326,8 +19437,8 @@
         </p:blipFill>
         <p:spPr>
           <a:xfrm>
-            <a:off x="7924800" y="304800"/>
-            <a:ext cx="685800" cy="685800"/>
+            <a:off x="7683280" y="255284"/>
+            <a:ext cx="784073" cy="784073"/>
           </a:xfrm>
           <a:prstGeom prst="rect">
             <a:avLst/>
@@ -19402,10 +19513,10 @@
           <p:nvPr/>
         </p:nvPicPr>
         <p:blipFill>
-          <a:blip r:embed="rId8" cstate="print">
+          <a:blip r:embed="rId12" cstate="print">
             <a:extLst>
               <a:ext uri="{28A0092B-C50C-407E-A947-70E740481C1C}">
-                <a14:useLocalDpi xmlns="" xmlns:a14="http://schemas.microsoft.com/office/drawing/2010/main" val="0"/>
+                <a14:useLocalDpi xmlns:a14="http://schemas.microsoft.com/office/drawing/2010/main" val="0"/>
               </a:ext>
             </a:extLst>
           </a:blip>
@@ -19433,7 +19544,7 @@
     </p:spTree>
     <p:extLst>
       <p:ext uri="{BB962C8B-B14F-4D97-AF65-F5344CB8AC3E}">
-        <p14:creationId xmlns="" xmlns:p14="http://schemas.microsoft.com/office/powerpoint/2010/main" val="3369958731"/>
+        <p14:creationId xmlns:p14="http://schemas.microsoft.com/office/powerpoint/2010/main" val="3369958731"/>
       </p:ext>
     </p:extLst>
   </p:cSld>
@@ -19476,10 +19587,10 @@
           <p:nvPr/>
         </p:nvPicPr>
         <p:blipFill>
-          <a:blip r:embed="rId3" cstate="print">
+          <a:blip r:embed="rId3">
             <a:extLst>
               <a:ext uri="{28A0092B-C50C-407E-A947-70E740481C1C}">
-                <a14:useLocalDpi xmlns="" xmlns:a14="http://schemas.microsoft.com/office/drawing/2010/main" val="0"/>
+                <a14:useLocalDpi xmlns:a14="http://schemas.microsoft.com/office/drawing/2010/main" val="0"/>
               </a:ext>
             </a:extLst>
           </a:blip>
@@ -19500,7 +19611,7 @@
     </p:spTree>
     <p:extLst>
       <p:ext uri="{BB962C8B-B14F-4D97-AF65-F5344CB8AC3E}">
-        <p14:creationId xmlns="" xmlns:p14="http://schemas.microsoft.com/office/powerpoint/2010/main" val="1020919972"/>
+        <p14:creationId xmlns:p14="http://schemas.microsoft.com/office/powerpoint/2010/main" val="1020919972"/>
       </p:ext>
     </p:extLst>
   </p:cSld>
@@ -19935,7 +20046,20 @@
                           <a:cs typeface="+mn-cs"/>
                           <a:hlinkClick r:id="rId3" tooltip="The Journal of biological chemistry."/>
                         </a:rPr>
-                        <a:t> Chem</a:t>
+                        <a:t> </a:t>
+                      </a:r>
+                      <a:r>
+                        <a:rPr lang="en-US" sz="1600" b="0" i="0" u="none" kern="1200" dirty="0" err="1" smtClean="0">
+                          <a:solidFill>
+                            <a:schemeClr val="tx1"/>
+                          </a:solidFill>
+                          <a:effectLst/>
+                          <a:latin typeface="+mn-lt"/>
+                          <a:ea typeface="+mn-ea"/>
+                          <a:cs typeface="+mn-cs"/>
+                          <a:hlinkClick r:id="rId3" tooltip="The Journal of biological chemistry."/>
+                        </a:rPr>
+                        <a:t>Chem</a:t>
                       </a:r>
                       <a:endParaRPr lang="en-US" sz="1600" b="0" u="none" dirty="0">
                         <a:solidFill>
@@ -20007,6 +20131,19 @@
                     <a:lstStyle/>
                     <a:p>
                       <a:r>
+                        <a:rPr lang="en-US" sz="1600" b="0" i="0" u="none" kern="1200" dirty="0" err="1" smtClean="0">
+                          <a:solidFill>
+                            <a:schemeClr val="tx1"/>
+                          </a:solidFill>
+                          <a:effectLst/>
+                          <a:latin typeface="+mn-lt"/>
+                          <a:ea typeface="+mn-ea"/>
+                          <a:cs typeface="+mn-cs"/>
+                          <a:hlinkClick r:id="rId5"/>
+                        </a:rPr>
+                        <a:t>Shulepko</a:t>
+                      </a:r>
+                      <a:r>
                         <a:rPr lang="en-US" sz="1600" b="0" i="0" u="none" kern="1200" dirty="0" smtClean="0">
                           <a:solidFill>
                             <a:schemeClr val="tx1"/>
@@ -20017,7 +20154,7 @@
                           <a:cs typeface="+mn-cs"/>
                           <a:hlinkClick r:id="rId5"/>
                         </a:rPr>
-                        <a:t>Shulepko MA</a:t>
+                        <a:t> MA</a:t>
                       </a:r>
                       <a:r>
                         <a:rPr lang="en-US" sz="1600" b="0" i="0" u="none" kern="1200" dirty="0" smtClean="0">
@@ -20092,6 +20229,19 @@
                     <a:lstStyle/>
                     <a:p>
                       <a:r>
+                        <a:rPr lang="en-US" sz="1600" b="0" i="0" u="none" kern="1200" dirty="0" err="1" smtClean="0">
+                          <a:solidFill>
+                            <a:schemeClr val="tx1"/>
+                          </a:solidFill>
+                          <a:effectLst/>
+                          <a:latin typeface="+mn-lt"/>
+                          <a:ea typeface="+mn-ea"/>
+                          <a:cs typeface="+mn-cs"/>
+                          <a:hlinkClick r:id="rId4" tooltip="Bioorganicheskaia khimiia."/>
+                        </a:rPr>
+                        <a:t>Bioorg</a:t>
+                      </a:r>
+                      <a:r>
                         <a:rPr lang="en-US" sz="1600" b="0" i="0" u="none" kern="1200" dirty="0" smtClean="0">
                           <a:solidFill>
                             <a:schemeClr val="tx1"/>
@@ -20102,7 +20252,7 @@
                           <a:cs typeface="+mn-cs"/>
                           <a:hlinkClick r:id="rId4" tooltip="Bioorganicheskaia khimiia."/>
                         </a:rPr>
-                        <a:t>Bioorg </a:t>
+                        <a:t> </a:t>
                       </a:r>
                       <a:r>
                         <a:rPr lang="en-US" sz="1600" b="0" i="0" u="none" kern="1200" dirty="0" err="1" smtClean="0">
@@ -20460,7 +20610,15 @@
                             <a:schemeClr val="tx1"/>
                           </a:solidFill>
                         </a:rPr>
-                        <a:t> Chem</a:t>
+                        <a:t> </a:t>
+                      </a:r>
+                      <a:r>
+                        <a:rPr lang="en-US" sz="1600" b="0" u="none" dirty="0" err="1" smtClean="0">
+                          <a:solidFill>
+                            <a:schemeClr val="tx1"/>
+                          </a:solidFill>
+                        </a:rPr>
+                        <a:t>Chem</a:t>
                       </a:r>
                       <a:endParaRPr lang="en-US" sz="1600" b="0" u="none" dirty="0">
                         <a:solidFill>
@@ -20485,10 +20643,10 @@
           <p:nvPr/>
         </p:nvPicPr>
         <p:blipFill>
-          <a:blip r:embed="rId10" cstate="print">
+          <a:blip r:embed="rId10">
             <a:extLst>
               <a:ext uri="{28A0092B-C50C-407E-A947-70E740481C1C}">
-                <a14:useLocalDpi xmlns="" xmlns:a14="http://schemas.microsoft.com/office/drawing/2010/main" val="0"/>
+                <a14:useLocalDpi xmlns:a14="http://schemas.microsoft.com/office/drawing/2010/main" val="0"/>
               </a:ext>
             </a:extLst>
           </a:blip>
@@ -20598,7 +20756,7 @@
           <a:blip r:embed="rId11" cstate="print">
             <a:extLst>
               <a:ext uri="{28A0092B-C50C-407E-A947-70E740481C1C}">
-                <a14:useLocalDpi xmlns="" xmlns:a14="http://schemas.microsoft.com/office/drawing/2010/main" val="0"/>
+                <a14:useLocalDpi xmlns:a14="http://schemas.microsoft.com/office/drawing/2010/main" val="0"/>
               </a:ext>
             </a:extLst>
           </a:blip>
@@ -20634,7 +20792,7 @@
           <a:blip r:embed="rId12" cstate="print">
             <a:extLst>
               <a:ext uri="{28A0092B-C50C-407E-A947-70E740481C1C}">
-                <a14:useLocalDpi xmlns="" xmlns:a14="http://schemas.microsoft.com/office/drawing/2010/main" val="0"/>
+                <a14:useLocalDpi xmlns:a14="http://schemas.microsoft.com/office/drawing/2010/main" val="0"/>
               </a:ext>
             </a:extLst>
           </a:blip>
@@ -20670,7 +20828,7 @@
           <a:blip r:embed="rId13" cstate="print">
             <a:extLst>
               <a:ext uri="{28A0092B-C50C-407E-A947-70E740481C1C}">
-                <a14:useLocalDpi xmlns="" xmlns:a14="http://schemas.microsoft.com/office/drawing/2010/main" val="0"/>
+                <a14:useLocalDpi xmlns:a14="http://schemas.microsoft.com/office/drawing/2010/main" val="0"/>
               </a:ext>
             </a:extLst>
           </a:blip>
@@ -20698,7 +20856,7 @@
     </p:spTree>
     <p:extLst>
       <p:ext uri="{BB962C8B-B14F-4D97-AF65-F5344CB8AC3E}">
-        <p14:creationId xmlns="" xmlns:p14="http://schemas.microsoft.com/office/powerpoint/2010/main" val="399654798"/>
+        <p14:creationId xmlns:p14="http://schemas.microsoft.com/office/powerpoint/2010/main" val="399654798"/>
       </p:ext>
     </p:extLst>
   </p:cSld>
@@ -21188,7 +21346,7 @@
           <a:blip r:embed="rId3" cstate="print">
             <a:extLst>
               <a:ext uri="{28A0092B-C50C-407E-A947-70E740481C1C}">
-                <a14:useLocalDpi xmlns="" xmlns:a14="http://schemas.microsoft.com/office/drawing/2010/main" val="0"/>
+                <a14:useLocalDpi xmlns:a14="http://schemas.microsoft.com/office/drawing/2010/main" val="0"/>
               </a:ext>
             </a:extLst>
           </a:blip>
@@ -21225,7 +21383,7 @@
           <a:blip r:embed="rId4" cstate="print">
             <a:extLst>
               <a:ext uri="{28A0092B-C50C-407E-A947-70E740481C1C}">
-                <a14:useLocalDpi xmlns="" xmlns:a14="http://schemas.microsoft.com/office/drawing/2010/main" val="0"/>
+                <a14:useLocalDpi xmlns:a14="http://schemas.microsoft.com/office/drawing/2010/main" val="0"/>
               </a:ext>
             </a:extLst>
           </a:blip>
@@ -21252,7 +21410,7 @@
     </p:spTree>
     <p:extLst>
       <p:ext uri="{BB962C8B-B14F-4D97-AF65-F5344CB8AC3E}">
-        <p14:creationId xmlns="" xmlns:p14="http://schemas.microsoft.com/office/powerpoint/2010/main" val="3650155931"/>
+        <p14:creationId xmlns:p14="http://schemas.microsoft.com/office/powerpoint/2010/main" val="3650155931"/>
       </p:ext>
     </p:extLst>
   </p:cSld>
@@ -21856,10 +22014,10 @@
           <p:nvPr/>
         </p:nvPicPr>
         <p:blipFill>
-          <a:blip r:embed="rId3" cstate="print">
+          <a:blip r:embed="rId3">
             <a:extLst>
               <a:ext uri="{28A0092B-C50C-407E-A947-70E740481C1C}">
-                <a14:useLocalDpi xmlns="" xmlns:a14="http://schemas.microsoft.com/office/drawing/2010/main" val="0"/>
+                <a14:useLocalDpi xmlns:a14="http://schemas.microsoft.com/office/drawing/2010/main" val="0"/>
               </a:ext>
             </a:extLst>
           </a:blip>
@@ -21889,7 +22047,7 @@
           <a:blip r:embed="rId4" cstate="print">
             <a:extLst>
               <a:ext uri="{28A0092B-C50C-407E-A947-70E740481C1C}">
-                <a14:useLocalDpi xmlns="" xmlns:a14="http://schemas.microsoft.com/office/drawing/2010/main" val="0"/>
+                <a14:useLocalDpi xmlns:a14="http://schemas.microsoft.com/office/drawing/2010/main" val="0"/>
               </a:ext>
             </a:extLst>
           </a:blip>
@@ -21916,7 +22074,7 @@
     </p:spTree>
     <p:extLst>
       <p:ext uri="{BB962C8B-B14F-4D97-AF65-F5344CB8AC3E}">
-        <p14:creationId xmlns="" xmlns:p14="http://schemas.microsoft.com/office/powerpoint/2010/main" val="3569835234"/>
+        <p14:creationId xmlns:p14="http://schemas.microsoft.com/office/powerpoint/2010/main" val="3569835234"/>
       </p:ext>
     </p:extLst>
   </p:cSld>
@@ -22505,7 +22663,7 @@
           <a:blip r:embed="rId3" cstate="print">
             <a:extLst>
               <a:ext uri="{28A0092B-C50C-407E-A947-70E740481C1C}">
-                <a14:useLocalDpi xmlns="" xmlns:a14="http://schemas.microsoft.com/office/drawing/2010/main" val="0"/>
+                <a14:useLocalDpi xmlns:a14="http://schemas.microsoft.com/office/drawing/2010/main" val="0"/>
               </a:ext>
             </a:extLst>
           </a:blip>
@@ -22542,7 +22700,7 @@
           <a:blip r:embed="rId4" cstate="print">
             <a:extLst>
               <a:ext uri="{28A0092B-C50C-407E-A947-70E740481C1C}">
-                <a14:useLocalDpi xmlns="" xmlns:a14="http://schemas.microsoft.com/office/drawing/2010/main" val="0"/>
+                <a14:useLocalDpi xmlns:a14="http://schemas.microsoft.com/office/drawing/2010/main" val="0"/>
               </a:ext>
             </a:extLst>
           </a:blip>
@@ -22569,7 +22727,7 @@
     </p:spTree>
     <p:extLst>
       <p:ext uri="{BB962C8B-B14F-4D97-AF65-F5344CB8AC3E}">
-        <p14:creationId xmlns="" xmlns:p14="http://schemas.microsoft.com/office/powerpoint/2010/main" val="3162370841"/>
+        <p14:creationId xmlns:p14="http://schemas.microsoft.com/office/powerpoint/2010/main" val="3162370841"/>
       </p:ext>
     </p:extLst>
   </p:cSld>
@@ -23081,7 +23239,7 @@
           <a:blip r:embed="rId3" cstate="print">
             <a:extLst>
               <a:ext uri="{28A0092B-C50C-407E-A947-70E740481C1C}">
-                <a14:useLocalDpi xmlns="" xmlns:a14="http://schemas.microsoft.com/office/drawing/2010/main" val="0"/>
+                <a14:useLocalDpi xmlns:a14="http://schemas.microsoft.com/office/drawing/2010/main" val="0"/>
               </a:ext>
             </a:extLst>
           </a:blip>
@@ -23118,7 +23276,7 @@
           <a:blip r:embed="rId4" cstate="print">
             <a:extLst>
               <a:ext uri="{28A0092B-C50C-407E-A947-70E740481C1C}">
-                <a14:useLocalDpi xmlns="" xmlns:a14="http://schemas.microsoft.com/office/drawing/2010/main" val="0"/>
+                <a14:useLocalDpi xmlns:a14="http://schemas.microsoft.com/office/drawing/2010/main" val="0"/>
               </a:ext>
             </a:extLst>
           </a:blip>
@@ -23145,7 +23303,7 @@
     </p:spTree>
     <p:extLst>
       <p:ext uri="{BB962C8B-B14F-4D97-AF65-F5344CB8AC3E}">
-        <p14:creationId xmlns="" xmlns:p14="http://schemas.microsoft.com/office/powerpoint/2010/main" val="3152483461"/>
+        <p14:creationId xmlns:p14="http://schemas.microsoft.com/office/powerpoint/2010/main" val="3152483461"/>
       </p:ext>
     </p:extLst>
   </p:cSld>
@@ -23734,7 +23892,7 @@
           <a:blip r:embed="rId3" cstate="print">
             <a:extLst>
               <a:ext uri="{28A0092B-C50C-407E-A947-70E740481C1C}">
-                <a14:useLocalDpi xmlns="" xmlns:a14="http://schemas.microsoft.com/office/drawing/2010/main" val="0"/>
+                <a14:useLocalDpi xmlns:a14="http://schemas.microsoft.com/office/drawing/2010/main" val="0"/>
               </a:ext>
             </a:extLst>
           </a:blip>
@@ -23771,7 +23929,7 @@
           <a:blip r:embed="rId4" cstate="print">
             <a:extLst>
               <a:ext uri="{28A0092B-C50C-407E-A947-70E740481C1C}">
-                <a14:useLocalDpi xmlns="" xmlns:a14="http://schemas.microsoft.com/office/drawing/2010/main" val="0"/>
+                <a14:useLocalDpi xmlns:a14="http://schemas.microsoft.com/office/drawing/2010/main" val="0"/>
               </a:ext>
             </a:extLst>
           </a:blip>
@@ -23798,7 +23956,7 @@
     </p:spTree>
     <p:extLst>
       <p:ext uri="{BB962C8B-B14F-4D97-AF65-F5344CB8AC3E}">
-        <p14:creationId xmlns="" xmlns:p14="http://schemas.microsoft.com/office/powerpoint/2010/main" val="854248728"/>
+        <p14:creationId xmlns:p14="http://schemas.microsoft.com/office/powerpoint/2010/main" val="854248728"/>
       </p:ext>
     </p:extLst>
   </p:cSld>
@@ -24310,7 +24468,7 @@
           <a:blip r:embed="rId3" cstate="print">
             <a:extLst>
               <a:ext uri="{28A0092B-C50C-407E-A947-70E740481C1C}">
-                <a14:useLocalDpi xmlns="" xmlns:a14="http://schemas.microsoft.com/office/drawing/2010/main" val="0"/>
+                <a14:useLocalDpi xmlns:a14="http://schemas.microsoft.com/office/drawing/2010/main" val="0"/>
               </a:ext>
             </a:extLst>
           </a:blip>
@@ -24347,7 +24505,7 @@
           <a:blip r:embed="rId4" cstate="print">
             <a:extLst>
               <a:ext uri="{28A0092B-C50C-407E-A947-70E740481C1C}">
-                <a14:useLocalDpi xmlns="" xmlns:a14="http://schemas.microsoft.com/office/drawing/2010/main" val="0"/>
+                <a14:useLocalDpi xmlns:a14="http://schemas.microsoft.com/office/drawing/2010/main" val="0"/>
               </a:ext>
             </a:extLst>
           </a:blip>
@@ -24374,7 +24532,7 @@
     </p:spTree>
     <p:extLst>
       <p:ext uri="{BB962C8B-B14F-4D97-AF65-F5344CB8AC3E}">
-        <p14:creationId xmlns="" xmlns:p14="http://schemas.microsoft.com/office/powerpoint/2010/main" val="3355100028"/>
+        <p14:creationId xmlns:p14="http://schemas.microsoft.com/office/powerpoint/2010/main" val="3355100028"/>
       </p:ext>
     </p:extLst>
   </p:cSld>
@@ -24963,7 +25121,7 @@
           <a:blip r:embed="rId3" cstate="print">
             <a:extLst>
               <a:ext uri="{28A0092B-C50C-407E-A947-70E740481C1C}">
-                <a14:useLocalDpi xmlns="" xmlns:a14="http://schemas.microsoft.com/office/drawing/2010/main" val="0"/>
+                <a14:useLocalDpi xmlns:a14="http://schemas.microsoft.com/office/drawing/2010/main" val="0"/>
               </a:ext>
             </a:extLst>
           </a:blip>
@@ -25000,7 +25158,7 @@
           <a:blip r:embed="rId4" cstate="print">
             <a:extLst>
               <a:ext uri="{28A0092B-C50C-407E-A947-70E740481C1C}">
-                <a14:useLocalDpi xmlns="" xmlns:a14="http://schemas.microsoft.com/office/drawing/2010/main" val="0"/>
+                <a14:useLocalDpi xmlns:a14="http://schemas.microsoft.com/office/drawing/2010/main" val="0"/>
               </a:ext>
             </a:extLst>
           </a:blip>
@@ -25027,7 +25185,7 @@
     </p:spTree>
     <p:extLst>
       <p:ext uri="{BB962C8B-B14F-4D97-AF65-F5344CB8AC3E}">
-        <p14:creationId xmlns="" xmlns:p14="http://schemas.microsoft.com/office/powerpoint/2010/main" val="4185902420"/>
+        <p14:creationId xmlns:p14="http://schemas.microsoft.com/office/powerpoint/2010/main" val="4185902420"/>
       </p:ext>
     </p:extLst>
   </p:cSld>
@@ -25539,7 +25697,7 @@
           <a:blip r:embed="rId3" cstate="print">
             <a:extLst>
               <a:ext uri="{28A0092B-C50C-407E-A947-70E740481C1C}">
-                <a14:useLocalDpi xmlns="" xmlns:a14="http://schemas.microsoft.com/office/drawing/2010/main" val="0"/>
+                <a14:useLocalDpi xmlns:a14="http://schemas.microsoft.com/office/drawing/2010/main" val="0"/>
               </a:ext>
             </a:extLst>
           </a:blip>
@@ -25576,7 +25734,7 @@
           <a:blip r:embed="rId4" cstate="print">
             <a:extLst>
               <a:ext uri="{28A0092B-C50C-407E-A947-70E740481C1C}">
-                <a14:useLocalDpi xmlns="" xmlns:a14="http://schemas.microsoft.com/office/drawing/2010/main" val="0"/>
+                <a14:useLocalDpi xmlns:a14="http://schemas.microsoft.com/office/drawing/2010/main" val="0"/>
               </a:ext>
             </a:extLst>
           </a:blip>
@@ -25603,7 +25761,7 @@
     </p:spTree>
     <p:extLst>
       <p:ext uri="{BB962C8B-B14F-4D97-AF65-F5344CB8AC3E}">
-        <p14:creationId xmlns="" xmlns:p14="http://schemas.microsoft.com/office/powerpoint/2010/main" val="2233187370"/>
+        <p14:creationId xmlns:p14="http://schemas.microsoft.com/office/powerpoint/2010/main" val="2233187370"/>
       </p:ext>
     </p:extLst>
   </p:cSld>
@@ -26112,10 +26270,10 @@
           <p:nvPr/>
         </p:nvPicPr>
         <p:blipFill>
-          <a:blip r:embed="rId3" cstate="print">
+          <a:blip r:embed="rId3">
             <a:extLst>
               <a:ext uri="{28A0092B-C50C-407E-A947-70E740481C1C}">
-                <a14:useLocalDpi xmlns="" xmlns:a14="http://schemas.microsoft.com/office/drawing/2010/main" val="0"/>
+                <a14:useLocalDpi xmlns:a14="http://schemas.microsoft.com/office/drawing/2010/main" val="0"/>
               </a:ext>
             </a:extLst>
           </a:blip>
@@ -26145,7 +26303,7 @@
           <a:blip r:embed="rId4" cstate="print">
             <a:extLst>
               <a:ext uri="{28A0092B-C50C-407E-A947-70E740481C1C}">
-                <a14:useLocalDpi xmlns="" xmlns:a14="http://schemas.microsoft.com/office/drawing/2010/main" val="0"/>
+                <a14:useLocalDpi xmlns:a14="http://schemas.microsoft.com/office/drawing/2010/main" val="0"/>
               </a:ext>
             </a:extLst>
           </a:blip>
@@ -26172,7 +26330,7 @@
     </p:spTree>
     <p:extLst>
       <p:ext uri="{BB962C8B-B14F-4D97-AF65-F5344CB8AC3E}">
-        <p14:creationId xmlns="" xmlns:p14="http://schemas.microsoft.com/office/powerpoint/2010/main" val="2120755622"/>
+        <p14:creationId xmlns:p14="http://schemas.microsoft.com/office/powerpoint/2010/main" val="2120755622"/>
       </p:ext>
     </p:extLst>
   </p:cSld>
